--- a/units/4/lessons/1/resources/petascale-lesson-4.1-slides.pptx
+++ b/units/4/lessons/1/resources/petascale-lesson-4.1-slides.pptx
@@ -1,30 +1,31 @@
 
 <file path=ppt/presentation.xml><?xml version="1.0" encoding="utf-8"?>
-<p:presentation xmlns:a="http://schemas.openxmlformats.org/drawingml/2006/main" xmlns:r="http://schemas.openxmlformats.org/officeDocument/2006/relationships" xmlns:mc="http://schemas.openxmlformats.org/markup-compatibility/2006" xmlns:mv="urn:schemas-microsoft-com:mac:vml" xmlns:p="http://schemas.openxmlformats.org/presentationml/2006/main" xmlns:c="http://schemas.openxmlformats.org/drawingml/2006/chart" xmlns:dgm="http://schemas.openxmlformats.org/drawingml/2006/diagram" xmlns:o="urn:schemas-microsoft-com:office:office" xmlns:v="urn:schemas-microsoft-com:vml" xmlns:pvml="urn:schemas-microsoft-com:office:powerpoint" xmlns:com="http://schemas.openxmlformats.org/drawingml/2006/compatibility" xmlns:p14="http://schemas.microsoft.com/office/powerpoint/2010/main" xmlns:p15="http://schemas.microsoft.com/office/powerpoint/2012/main" xmlns:ahyp="http://schemas.microsoft.com/office/drawing/2018/hyperlinkcolor" autoCompressPictures="0" strictFirstAndLastChars="0" saveSubsetFonts="1">
+<p:presentation xmlns:a="http://schemas.openxmlformats.org/drawingml/2006/main" xmlns:r="http://schemas.openxmlformats.org/officeDocument/2006/relationships" xmlns:p="http://schemas.openxmlformats.org/presentationml/2006/main" strictFirstAndLastChars="0" saveSubsetFonts="1" autoCompressPictures="0">
   <p:sldMasterIdLst>
-    <p:sldMasterId id="2147483659" r:id="rId4"/>
+    <p:sldMasterId id="2147483659" r:id="rId1"/>
   </p:sldMasterIdLst>
   <p:notesMasterIdLst>
-    <p:notesMasterId r:id="rId5"/>
+    <p:notesMasterId r:id="rId15"/>
   </p:notesMasterIdLst>
   <p:sldIdLst>
-    <p:sldId id="256" r:id="rId6"/>
-    <p:sldId id="257" r:id="rId7"/>
-    <p:sldId id="258" r:id="rId8"/>
-    <p:sldId id="259" r:id="rId9"/>
-    <p:sldId id="260" r:id="rId10"/>
-    <p:sldId id="261" r:id="rId11"/>
-    <p:sldId id="262" r:id="rId12"/>
-    <p:sldId id="263" r:id="rId13"/>
-    <p:sldId id="264" r:id="rId14"/>
-    <p:sldId id="265" r:id="rId15"/>
-    <p:sldId id="266" r:id="rId16"/>
-    <p:sldId id="267" r:id="rId17"/>
+    <p:sldId id="268" r:id="rId2"/>
+    <p:sldId id="269" r:id="rId3"/>
+    <p:sldId id="257" r:id="rId4"/>
+    <p:sldId id="258" r:id="rId5"/>
+    <p:sldId id="259" r:id="rId6"/>
+    <p:sldId id="260" r:id="rId7"/>
+    <p:sldId id="261" r:id="rId8"/>
+    <p:sldId id="262" r:id="rId9"/>
+    <p:sldId id="263" r:id="rId10"/>
+    <p:sldId id="264" r:id="rId11"/>
+    <p:sldId id="265" r:id="rId12"/>
+    <p:sldId id="266" r:id="rId13"/>
+    <p:sldId id="267" r:id="rId14"/>
   </p:sldIdLst>
-  <p:sldSz cy="5143500" cx="9144000"/>
+  <p:sldSz cx="9144000" cy="5143500" type="screen16x9"/>
   <p:notesSz cx="6858000" cy="9144000"/>
   <p:defaultTextStyle>
-    <a:defPPr lvl="0" marR="0" rtl="0" algn="l">
+    <a:defPPr marR="0" lvl="0" algn="l" rtl="0">
       <a:lnSpc>
         <a:spcPct val="100000"/>
       </a:lnSpc>
@@ -35,7 +36,7 @@
         <a:spcPts val="0"/>
       </a:spcAft>
     </a:defPPr>
-    <a:lvl1pPr lvl="0" marR="0" rtl="0" algn="l">
+    <a:lvl1pPr marR="0" lvl="0" algn="l" rtl="0">
       <a:lnSpc>
         <a:spcPct val="100000"/>
       </a:lnSpc>
@@ -49,7 +50,7 @@
         <a:srgbClr val="000000"/>
       </a:buClr>
       <a:buFont typeface="Arial"/>
-      <a:defRPr b="0" i="0" sz="1400" u="none" cap="none" strike="noStrike">
+      <a:defRPr sz="1400" b="0" i="0" u="none" strike="noStrike" cap="none">
         <a:solidFill>
           <a:srgbClr val="000000"/>
         </a:solidFill>
@@ -59,7 +60,7 @@
         <a:sym typeface="Arial"/>
       </a:defRPr>
     </a:lvl1pPr>
-    <a:lvl2pPr lvl="1" marR="0" rtl="0" algn="l">
+    <a:lvl2pPr marR="0" lvl="1" algn="l" rtl="0">
       <a:lnSpc>
         <a:spcPct val="100000"/>
       </a:lnSpc>
@@ -73,7 +74,7 @@
         <a:srgbClr val="000000"/>
       </a:buClr>
       <a:buFont typeface="Arial"/>
-      <a:defRPr b="0" i="0" sz="1400" u="none" cap="none" strike="noStrike">
+      <a:defRPr sz="1400" b="0" i="0" u="none" strike="noStrike" cap="none">
         <a:solidFill>
           <a:srgbClr val="000000"/>
         </a:solidFill>
@@ -83,7 +84,7 @@
         <a:sym typeface="Arial"/>
       </a:defRPr>
     </a:lvl2pPr>
-    <a:lvl3pPr lvl="2" marR="0" rtl="0" algn="l">
+    <a:lvl3pPr marR="0" lvl="2" algn="l" rtl="0">
       <a:lnSpc>
         <a:spcPct val="100000"/>
       </a:lnSpc>
@@ -97,7 +98,7 @@
         <a:srgbClr val="000000"/>
       </a:buClr>
       <a:buFont typeface="Arial"/>
-      <a:defRPr b="0" i="0" sz="1400" u="none" cap="none" strike="noStrike">
+      <a:defRPr sz="1400" b="0" i="0" u="none" strike="noStrike" cap="none">
         <a:solidFill>
           <a:srgbClr val="000000"/>
         </a:solidFill>
@@ -107,7 +108,7 @@
         <a:sym typeface="Arial"/>
       </a:defRPr>
     </a:lvl3pPr>
-    <a:lvl4pPr lvl="3" marR="0" rtl="0" algn="l">
+    <a:lvl4pPr marR="0" lvl="3" algn="l" rtl="0">
       <a:lnSpc>
         <a:spcPct val="100000"/>
       </a:lnSpc>
@@ -121,7 +122,7 @@
         <a:srgbClr val="000000"/>
       </a:buClr>
       <a:buFont typeface="Arial"/>
-      <a:defRPr b="0" i="0" sz="1400" u="none" cap="none" strike="noStrike">
+      <a:defRPr sz="1400" b="0" i="0" u="none" strike="noStrike" cap="none">
         <a:solidFill>
           <a:srgbClr val="000000"/>
         </a:solidFill>
@@ -131,7 +132,7 @@
         <a:sym typeface="Arial"/>
       </a:defRPr>
     </a:lvl4pPr>
-    <a:lvl5pPr lvl="4" marR="0" rtl="0" algn="l">
+    <a:lvl5pPr marR="0" lvl="4" algn="l" rtl="0">
       <a:lnSpc>
         <a:spcPct val="100000"/>
       </a:lnSpc>
@@ -145,7 +146,7 @@
         <a:srgbClr val="000000"/>
       </a:buClr>
       <a:buFont typeface="Arial"/>
-      <a:defRPr b="0" i="0" sz="1400" u="none" cap="none" strike="noStrike">
+      <a:defRPr sz="1400" b="0" i="0" u="none" strike="noStrike" cap="none">
         <a:solidFill>
           <a:srgbClr val="000000"/>
         </a:solidFill>
@@ -155,7 +156,7 @@
         <a:sym typeface="Arial"/>
       </a:defRPr>
     </a:lvl5pPr>
-    <a:lvl6pPr lvl="5" marR="0" rtl="0" algn="l">
+    <a:lvl6pPr marR="0" lvl="5" algn="l" rtl="0">
       <a:lnSpc>
         <a:spcPct val="100000"/>
       </a:lnSpc>
@@ -169,7 +170,7 @@
         <a:srgbClr val="000000"/>
       </a:buClr>
       <a:buFont typeface="Arial"/>
-      <a:defRPr b="0" i="0" sz="1400" u="none" cap="none" strike="noStrike">
+      <a:defRPr sz="1400" b="0" i="0" u="none" strike="noStrike" cap="none">
         <a:solidFill>
           <a:srgbClr val="000000"/>
         </a:solidFill>
@@ -179,7 +180,7 @@
         <a:sym typeface="Arial"/>
       </a:defRPr>
     </a:lvl6pPr>
-    <a:lvl7pPr lvl="6" marR="0" rtl="0" algn="l">
+    <a:lvl7pPr marR="0" lvl="6" algn="l" rtl="0">
       <a:lnSpc>
         <a:spcPct val="100000"/>
       </a:lnSpc>
@@ -193,7 +194,7 @@
         <a:srgbClr val="000000"/>
       </a:buClr>
       <a:buFont typeface="Arial"/>
-      <a:defRPr b="0" i="0" sz="1400" u="none" cap="none" strike="noStrike">
+      <a:defRPr sz="1400" b="0" i="0" u="none" strike="noStrike" cap="none">
         <a:solidFill>
           <a:srgbClr val="000000"/>
         </a:solidFill>
@@ -203,7 +204,7 @@
         <a:sym typeface="Arial"/>
       </a:defRPr>
     </a:lvl7pPr>
-    <a:lvl8pPr lvl="7" marR="0" rtl="0" algn="l">
+    <a:lvl8pPr marR="0" lvl="7" algn="l" rtl="0">
       <a:lnSpc>
         <a:spcPct val="100000"/>
       </a:lnSpc>
@@ -217,7 +218,7 @@
         <a:srgbClr val="000000"/>
       </a:buClr>
       <a:buFont typeface="Arial"/>
-      <a:defRPr b="0" i="0" sz="1400" u="none" cap="none" strike="noStrike">
+      <a:defRPr sz="1400" b="0" i="0" u="none" strike="noStrike" cap="none">
         <a:solidFill>
           <a:srgbClr val="000000"/>
         </a:solidFill>
@@ -227,7 +228,7 @@
         <a:sym typeface="Arial"/>
       </a:defRPr>
     </a:lvl8pPr>
-    <a:lvl9pPr lvl="8" marR="0" rtl="0" algn="l">
+    <a:lvl9pPr marR="0" lvl="8" algn="l" rtl="0">
       <a:lnSpc>
         <a:spcPct val="100000"/>
       </a:lnSpc>
@@ -241,7 +242,7 @@
         <a:srgbClr val="000000"/>
       </a:buClr>
       <a:buFont typeface="Arial"/>
-      <a:defRPr b="0" i="0" sz="1400" u="none" cap="none" strike="noStrike">
+      <a:defRPr sz="1400" b="0" i="0" u="none" strike="noStrike" cap="none">
         <a:solidFill>
           <a:srgbClr val="000000"/>
         </a:solidFill>
@@ -254,7 +255,7 @@
   </p:defaultTextStyle>
   <p:extLst>
     <p:ext uri="{EFAFB233-063F-42B5-8137-9DF3F51BA10A}">
-      <p15:sldGuideLst>
+      <p15:sldGuideLst xmlns:p15="http://schemas.microsoft.com/office/powerpoint/2012/main">
         <p15:guide id="1" orient="horz" pos="1620">
           <p15:clr>
             <a:srgbClr val="A4A3A4"/>
@@ -272,11 +273,16 @@
 </file>
 
 <file path=ppt/notesMasters/notesMaster1.xml><?xml version="1.0" encoding="utf-8"?>
-<p:notesMaster xmlns:a="http://schemas.openxmlformats.org/drawingml/2006/main" xmlns:r="http://schemas.openxmlformats.org/officeDocument/2006/relationships" xmlns:mc="http://schemas.openxmlformats.org/markup-compatibility/2006" xmlns:mv="urn:schemas-microsoft-com:mac:vml" xmlns:p="http://schemas.openxmlformats.org/presentationml/2006/main" xmlns:c="http://schemas.openxmlformats.org/drawingml/2006/chart" xmlns:dgm="http://schemas.openxmlformats.org/drawingml/2006/diagram" xmlns:o="urn:schemas-microsoft-com:office:office" xmlns:v="urn:schemas-microsoft-com:vml" xmlns:pvml="urn:schemas-microsoft-com:office:powerpoint" xmlns:com="http://schemas.openxmlformats.org/drawingml/2006/compatibility" xmlns:p14="http://schemas.microsoft.com/office/powerpoint/2010/main" xmlns:p15="http://schemas.microsoft.com/office/powerpoint/2012/main" xmlns:ahyp="http://schemas.microsoft.com/office/drawing/2018/hyperlinkcolor">
+<p:notesMaster xmlns:a="http://schemas.openxmlformats.org/drawingml/2006/main" xmlns:r="http://schemas.openxmlformats.org/officeDocument/2006/relationships" xmlns:p="http://schemas.openxmlformats.org/presentationml/2006/main">
   <p:cSld>
+    <p:bg>
+      <p:bgRef idx="1001">
+        <a:schemeClr val="bg1"/>
+      </p:bgRef>
+    </p:bg>
     <p:spTree>
       <p:nvGrpSpPr>
-        <p:cNvPr id="2" name="Shape 2"/>
+        <p:cNvPr id="1" name="Shape 2"/>
         <p:cNvGrpSpPr/>
         <p:nvPr/>
       </p:nvGrpSpPr>
@@ -291,9 +297,11 @@
       <p:sp>
         <p:nvSpPr>
           <p:cNvPr id="3" name="Google Shape;3;n"/>
-          <p:cNvSpPr/>
+          <p:cNvSpPr>
+            <a:spLocks noGrp="1" noRot="1" noChangeAspect="1"/>
+          </p:cNvSpPr>
           <p:nvPr>
-            <p:ph idx="2" type="sldImg"/>
+            <p:ph type="sldImg" idx="2"/>
           </p:nvPr>
         </p:nvSpPr>
         <p:spPr>
@@ -302,9 +310,13 @@
             <a:ext cx="6096075" cy="3429000"/>
           </a:xfrm>
           <a:custGeom>
-            <a:rect b="b" l="l" r="r" t="t"/>
+            <a:avLst/>
+            <a:gdLst/>
+            <a:ahLst/>
+            <a:cxnLst/>
+            <a:rect l="l" t="t" r="r" b="b"/>
             <a:pathLst>
-              <a:path extrusionOk="0" h="120000" w="120000">
+              <a:path w="120000" h="120000" extrusionOk="0">
                 <a:moveTo>
                   <a:pt x="0" y="0"/>
                 </a:moveTo>
@@ -322,23 +334,25 @@
             </a:pathLst>
           </a:custGeom>
           <a:noFill/>
-          <a:ln cap="flat" cmpd="sng" w="9525">
+          <a:ln w="9525" cap="flat" cmpd="sng">
             <a:solidFill>
               <a:srgbClr val="000000"/>
             </a:solidFill>
             <a:prstDash val="solid"/>
             <a:round/>
-            <a:headEnd len="sm" w="sm" type="none"/>
-            <a:tailEnd len="sm" w="sm" type="none"/>
+            <a:headEnd type="none" w="sm" len="sm"/>
+            <a:tailEnd type="none" w="sm" len="sm"/>
           </a:ln>
         </p:spPr>
       </p:sp>
       <p:sp>
         <p:nvSpPr>
           <p:cNvPr id="4" name="Google Shape;4;n"/>
-          <p:cNvSpPr txBox="1"/>
+          <p:cNvSpPr txBox="1">
+            <a:spLocks noGrp="1"/>
+          </p:cNvSpPr>
           <p:nvPr>
-            <p:ph idx="1" type="body"/>
+            <p:ph type="body" idx="1"/>
           </p:nvPr>
         </p:nvSpPr>
         <p:spPr>
@@ -355,11 +369,11 @@
           </a:ln>
         </p:spPr>
         <p:txBody>
-          <a:bodyPr anchorCtr="0" anchor="t" bIns="91425" lIns="91425" spcFirstLastPara="1" rIns="91425" wrap="square" tIns="91425">
+          <a:bodyPr spcFirstLastPara="1" wrap="square" lIns="91425" tIns="91425" rIns="91425" bIns="91425" anchor="t" anchorCtr="0">
             <a:noAutofit/>
           </a:bodyPr>
           <a:lstStyle>
-            <a:lvl1pPr indent="-298450" lvl="0" marL="457200">
+            <a:lvl1pPr marL="457200" lvl="0" indent="-298450">
               <a:spcBef>
                 <a:spcPts val="0"/>
               </a:spcBef>
@@ -370,7 +384,7 @@
               <a:buChar char="●"/>
               <a:defRPr sz="1100"/>
             </a:lvl1pPr>
-            <a:lvl2pPr indent="-298450" lvl="1" marL="914400">
+            <a:lvl2pPr marL="914400" lvl="1" indent="-298450">
               <a:spcBef>
                 <a:spcPts val="0"/>
               </a:spcBef>
@@ -381,7 +395,7 @@
               <a:buChar char="○"/>
               <a:defRPr sz="1100"/>
             </a:lvl2pPr>
-            <a:lvl3pPr indent="-298450" lvl="2" marL="1371600">
+            <a:lvl3pPr marL="1371600" lvl="2" indent="-298450">
               <a:spcBef>
                 <a:spcPts val="0"/>
               </a:spcBef>
@@ -392,7 +406,7 @@
               <a:buChar char="■"/>
               <a:defRPr sz="1100"/>
             </a:lvl3pPr>
-            <a:lvl4pPr indent="-298450" lvl="3" marL="1828800">
+            <a:lvl4pPr marL="1828800" lvl="3" indent="-298450">
               <a:spcBef>
                 <a:spcPts val="0"/>
               </a:spcBef>
@@ -403,7 +417,7 @@
               <a:buChar char="●"/>
               <a:defRPr sz="1100"/>
             </a:lvl4pPr>
-            <a:lvl5pPr indent="-298450" lvl="4" marL="2286000">
+            <a:lvl5pPr marL="2286000" lvl="4" indent="-298450">
               <a:spcBef>
                 <a:spcPts val="0"/>
               </a:spcBef>
@@ -414,7 +428,7 @@
               <a:buChar char="○"/>
               <a:defRPr sz="1100"/>
             </a:lvl5pPr>
-            <a:lvl6pPr indent="-298450" lvl="5" marL="2743200">
+            <a:lvl6pPr marL="2743200" lvl="5" indent="-298450">
               <a:spcBef>
                 <a:spcPts val="0"/>
               </a:spcBef>
@@ -425,7 +439,7 @@
               <a:buChar char="■"/>
               <a:defRPr sz="1100"/>
             </a:lvl6pPr>
-            <a:lvl7pPr indent="-298450" lvl="6" marL="3200400">
+            <a:lvl7pPr marL="3200400" lvl="6" indent="-298450">
               <a:spcBef>
                 <a:spcPts val="0"/>
               </a:spcBef>
@@ -436,7 +450,7 @@
               <a:buChar char="●"/>
               <a:defRPr sz="1100"/>
             </a:lvl7pPr>
-            <a:lvl8pPr indent="-298450" lvl="7" marL="3657600">
+            <a:lvl8pPr marL="3657600" lvl="7" indent="-298450">
               <a:spcBef>
                 <a:spcPts val="0"/>
               </a:spcBef>
@@ -447,7 +461,7 @@
               <a:buChar char="○"/>
               <a:defRPr sz="1100"/>
             </a:lvl8pPr>
-            <a:lvl9pPr indent="-298450" lvl="8" marL="4114800">
+            <a:lvl9pPr marL="4114800" lvl="8" indent="-298450">
               <a:spcBef>
                 <a:spcPts val="0"/>
               </a:spcBef>
@@ -459,14 +473,16 @@
               <a:defRPr sz="1100"/>
             </a:lvl9pPr>
           </a:lstStyle>
-          <a:p/>
+          <a:p>
+            <a:endParaRPr/>
+          </a:p>
         </p:txBody>
       </p:sp>
     </p:spTree>
   </p:cSld>
-  <p:clrMap accent1="accent1" accent2="accent2" accent3="accent3" accent4="accent4" accent5="accent5" accent6="accent6" bg1="lt1" bg2="dk2" tx1="dk1" tx2="lt2" folHlink="folHlink" hlink="hlink"/>
+  <p:clrMap bg1="lt1" tx1="dk1" bg2="dk2" tx2="lt2" accent1="accent1" accent2="accent2" accent3="accent3" accent4="accent4" accent5="accent5" accent6="accent6" hlink="hlink" folHlink="folHlink"/>
   <p:notesStyle>
-    <a:defPPr lvl="0" marR="0" rtl="0" algn="l">
+    <a:defPPr marR="0" lvl="0" algn="l" rtl="0">
       <a:lnSpc>
         <a:spcPct val="100000"/>
       </a:lnSpc>
@@ -477,7 +493,7 @@
         <a:spcPts val="0"/>
       </a:spcAft>
     </a:defPPr>
-    <a:lvl1pPr lvl="0" marR="0" rtl="0" algn="l">
+    <a:lvl1pPr marR="0" lvl="0" algn="l" rtl="0">
       <a:lnSpc>
         <a:spcPct val="100000"/>
       </a:lnSpc>
@@ -491,7 +507,7 @@
         <a:srgbClr val="000000"/>
       </a:buClr>
       <a:buFont typeface="Arial"/>
-      <a:defRPr b="0" i="0" sz="1400" u="none" cap="none" strike="noStrike">
+      <a:defRPr sz="1400" b="0" i="0" u="none" strike="noStrike" cap="none">
         <a:solidFill>
           <a:srgbClr val="000000"/>
         </a:solidFill>
@@ -501,7 +517,7 @@
         <a:sym typeface="Arial"/>
       </a:defRPr>
     </a:lvl1pPr>
-    <a:lvl2pPr lvl="1" marR="0" rtl="0" algn="l">
+    <a:lvl2pPr marR="0" lvl="1" algn="l" rtl="0">
       <a:lnSpc>
         <a:spcPct val="100000"/>
       </a:lnSpc>
@@ -515,7 +531,7 @@
         <a:srgbClr val="000000"/>
       </a:buClr>
       <a:buFont typeface="Arial"/>
-      <a:defRPr b="0" i="0" sz="1400" u="none" cap="none" strike="noStrike">
+      <a:defRPr sz="1400" b="0" i="0" u="none" strike="noStrike" cap="none">
         <a:solidFill>
           <a:srgbClr val="000000"/>
         </a:solidFill>
@@ -525,7 +541,7 @@
         <a:sym typeface="Arial"/>
       </a:defRPr>
     </a:lvl2pPr>
-    <a:lvl3pPr lvl="2" marR="0" rtl="0" algn="l">
+    <a:lvl3pPr marR="0" lvl="2" algn="l" rtl="0">
       <a:lnSpc>
         <a:spcPct val="100000"/>
       </a:lnSpc>
@@ -539,7 +555,7 @@
         <a:srgbClr val="000000"/>
       </a:buClr>
       <a:buFont typeface="Arial"/>
-      <a:defRPr b="0" i="0" sz="1400" u="none" cap="none" strike="noStrike">
+      <a:defRPr sz="1400" b="0" i="0" u="none" strike="noStrike" cap="none">
         <a:solidFill>
           <a:srgbClr val="000000"/>
         </a:solidFill>
@@ -549,7 +565,7 @@
         <a:sym typeface="Arial"/>
       </a:defRPr>
     </a:lvl3pPr>
-    <a:lvl4pPr lvl="3" marR="0" rtl="0" algn="l">
+    <a:lvl4pPr marR="0" lvl="3" algn="l" rtl="0">
       <a:lnSpc>
         <a:spcPct val="100000"/>
       </a:lnSpc>
@@ -563,7 +579,7 @@
         <a:srgbClr val="000000"/>
       </a:buClr>
       <a:buFont typeface="Arial"/>
-      <a:defRPr b="0" i="0" sz="1400" u="none" cap="none" strike="noStrike">
+      <a:defRPr sz="1400" b="0" i="0" u="none" strike="noStrike" cap="none">
         <a:solidFill>
           <a:srgbClr val="000000"/>
         </a:solidFill>
@@ -573,7 +589,7 @@
         <a:sym typeface="Arial"/>
       </a:defRPr>
     </a:lvl4pPr>
-    <a:lvl5pPr lvl="4" marR="0" rtl="0" algn="l">
+    <a:lvl5pPr marR="0" lvl="4" algn="l" rtl="0">
       <a:lnSpc>
         <a:spcPct val="100000"/>
       </a:lnSpc>
@@ -587,7 +603,7 @@
         <a:srgbClr val="000000"/>
       </a:buClr>
       <a:buFont typeface="Arial"/>
-      <a:defRPr b="0" i="0" sz="1400" u="none" cap="none" strike="noStrike">
+      <a:defRPr sz="1400" b="0" i="0" u="none" strike="noStrike" cap="none">
         <a:solidFill>
           <a:srgbClr val="000000"/>
         </a:solidFill>
@@ -597,7 +613,7 @@
         <a:sym typeface="Arial"/>
       </a:defRPr>
     </a:lvl5pPr>
-    <a:lvl6pPr lvl="5" marR="0" rtl="0" algn="l">
+    <a:lvl6pPr marR="0" lvl="5" algn="l" rtl="0">
       <a:lnSpc>
         <a:spcPct val="100000"/>
       </a:lnSpc>
@@ -611,7 +627,7 @@
         <a:srgbClr val="000000"/>
       </a:buClr>
       <a:buFont typeface="Arial"/>
-      <a:defRPr b="0" i="0" sz="1400" u="none" cap="none" strike="noStrike">
+      <a:defRPr sz="1400" b="0" i="0" u="none" strike="noStrike" cap="none">
         <a:solidFill>
           <a:srgbClr val="000000"/>
         </a:solidFill>
@@ -621,7 +637,7 @@
         <a:sym typeface="Arial"/>
       </a:defRPr>
     </a:lvl6pPr>
-    <a:lvl7pPr lvl="6" marR="0" rtl="0" algn="l">
+    <a:lvl7pPr marR="0" lvl="6" algn="l" rtl="0">
       <a:lnSpc>
         <a:spcPct val="100000"/>
       </a:lnSpc>
@@ -635,7 +651,7 @@
         <a:srgbClr val="000000"/>
       </a:buClr>
       <a:buFont typeface="Arial"/>
-      <a:defRPr b="0" i="0" sz="1400" u="none" cap="none" strike="noStrike">
+      <a:defRPr sz="1400" b="0" i="0" u="none" strike="noStrike" cap="none">
         <a:solidFill>
           <a:srgbClr val="000000"/>
         </a:solidFill>
@@ -645,7 +661,7 @@
         <a:sym typeface="Arial"/>
       </a:defRPr>
     </a:lvl7pPr>
-    <a:lvl8pPr lvl="7" marR="0" rtl="0" algn="l">
+    <a:lvl8pPr marR="0" lvl="7" algn="l" rtl="0">
       <a:lnSpc>
         <a:spcPct val="100000"/>
       </a:lnSpc>
@@ -659,7 +675,7 @@
         <a:srgbClr val="000000"/>
       </a:buClr>
       <a:buFont typeface="Arial"/>
-      <a:defRPr b="0" i="0" sz="1400" u="none" cap="none" strike="noStrike">
+      <a:defRPr sz="1400" b="0" i="0" u="none" strike="noStrike" cap="none">
         <a:solidFill>
           <a:srgbClr val="000000"/>
         </a:solidFill>
@@ -669,7 +685,7 @@
         <a:sym typeface="Arial"/>
       </a:defRPr>
     </a:lvl8pPr>
-    <a:lvl9pPr lvl="8" marR="0" rtl="0" algn="l">
+    <a:lvl9pPr marR="0" lvl="8" algn="l" rtl="0">
       <a:lnSpc>
         <a:spcPct val="100000"/>
       </a:lnSpc>
@@ -683,7 +699,7 @@
         <a:srgbClr val="000000"/>
       </a:buClr>
       <a:buFont typeface="Arial"/>
-      <a:defRPr b="0" i="0" sz="1400" u="none" cap="none" strike="noStrike">
+      <a:defRPr sz="1400" b="0" i="0" u="none" strike="noStrike" cap="none">
         <a:solidFill>
           <a:srgbClr val="000000"/>
         </a:solidFill>
@@ -698,11 +714,11 @@
 </file>
 
 <file path=ppt/notesSlides/notesSlide1.xml><?xml version="1.0" encoding="utf-8"?>
-<p:notes xmlns:a="http://schemas.openxmlformats.org/drawingml/2006/main" xmlns:r="http://schemas.openxmlformats.org/officeDocument/2006/relationships" xmlns:mc="http://schemas.openxmlformats.org/markup-compatibility/2006" xmlns:mv="urn:schemas-microsoft-com:mac:vml" xmlns:p="http://schemas.openxmlformats.org/presentationml/2006/main" xmlns:c="http://schemas.openxmlformats.org/drawingml/2006/chart" xmlns:dgm="http://schemas.openxmlformats.org/drawingml/2006/diagram" xmlns:o="urn:schemas-microsoft-com:office:office" xmlns:v="urn:schemas-microsoft-com:vml" xmlns:pvml="urn:schemas-microsoft-com:office:powerpoint" xmlns:com="http://schemas.openxmlformats.org/drawingml/2006/compatibility" xmlns:p14="http://schemas.microsoft.com/office/powerpoint/2010/main" xmlns:p15="http://schemas.microsoft.com/office/powerpoint/2012/main" xmlns:ahyp="http://schemas.microsoft.com/office/drawing/2018/hyperlinkcolor" showMasterPhAnim="0" showMasterSp="0">
+<p:notes xmlns:a="http://schemas.openxmlformats.org/drawingml/2006/main" xmlns:r="http://schemas.openxmlformats.org/officeDocument/2006/relationships" xmlns:p="http://schemas.openxmlformats.org/presentationml/2006/main" showMasterSp="0" showMasterPhAnim="0">
   <p:cSld>
     <p:spTree>
       <p:nvGrpSpPr>
-        <p:cNvPr id="50" name="Shape 50"/>
+        <p:cNvPr id="1" name="Shape 56"/>
         <p:cNvGrpSpPr/>
         <p:nvPr/>
       </p:nvGrpSpPr>
@@ -716,21 +732,27 @@
       </p:grpSpPr>
       <p:sp>
         <p:nvSpPr>
-          <p:cNvPr id="51" name="Google Shape;51;p:notes"/>
-          <p:cNvSpPr/>
+          <p:cNvPr id="57" name="Google Shape;57;g8ca7179a76_0_0:notes"/>
+          <p:cNvSpPr>
+            <a:spLocks noGrp="1" noRot="1" noChangeAspect="1"/>
+          </p:cNvSpPr>
           <p:nvPr>
-            <p:ph idx="2" type="sldImg"/>
+            <p:ph type="sldImg" idx="2"/>
           </p:nvPr>
         </p:nvSpPr>
         <p:spPr>
           <a:xfrm>
             <a:off x="381300" y="685800"/>
-            <a:ext cx="6096075" cy="3429000"/>
+            <a:ext cx="6096000" cy="3429000"/>
           </a:xfrm>
           <a:custGeom>
-            <a:rect b="b" l="l" r="r" t="t"/>
+            <a:avLst/>
+            <a:gdLst/>
+            <a:ahLst/>
+            <a:cxnLst/>
+            <a:rect l="l" t="t" r="r" b="b"/>
             <a:pathLst>
-              <a:path extrusionOk="0" h="120000" w="120000">
+              <a:path w="120000" h="120000" extrusionOk="0">
                 <a:moveTo>
                   <a:pt x="0" y="0"/>
                 </a:moveTo>
@@ -751,10 +773,12 @@
       </p:sp>
       <p:sp>
         <p:nvSpPr>
-          <p:cNvPr id="52" name="Google Shape;52;p:notes"/>
-          <p:cNvSpPr txBox="1"/>
+          <p:cNvPr id="58" name="Google Shape;58;g8ca7179a76_0_0:notes"/>
+          <p:cNvSpPr txBox="1">
+            <a:spLocks noGrp="1"/>
+          </p:cNvSpPr>
           <p:nvPr>
-            <p:ph idx="1" type="body"/>
+            <p:ph type="body" idx="1"/>
           </p:nvPr>
         </p:nvSpPr>
         <p:spPr>
@@ -767,24 +791,20 @@
           </a:prstGeom>
         </p:spPr>
         <p:txBody>
-          <a:bodyPr anchorCtr="0" anchor="t" bIns="91425" lIns="91425" spcFirstLastPara="1" rIns="91425" wrap="square" tIns="91425">
+          <a:bodyPr spcFirstLastPara="1" wrap="square" lIns="91425" tIns="91425" rIns="91425" bIns="91425" anchor="t" anchorCtr="0">
             <a:noAutofit/>
           </a:bodyPr>
           <a:lstStyle/>
           <a:p>
-            <a:pPr indent="0" lvl="0" marL="0" rtl="0" algn="l">
-              <a:spcBef>
-                <a:spcPts val="0"/>
-              </a:spcBef>
-              <a:spcAft>
-                <a:spcPts val="0"/>
-              </a:spcAft>
-              <a:buNone/>
-            </a:pPr>
-            <a:r>
-              <a:rPr lang="en"/>
-              <a:t>If time permits, could also demonstrate the races and their solution by running the code as well as talking about it with the slides</a:t>
-            </a:r>
+            <a:pPr marL="0" lvl="0" indent="0" algn="l" rtl="0">
+              <a:spcBef>
+                <a:spcPts val="0"/>
+              </a:spcBef>
+              <a:spcAft>
+                <a:spcPts val="0"/>
+              </a:spcAft>
+              <a:buNone/>
+            </a:pPr>
             <a:endParaRPr/>
           </a:p>
         </p:txBody>
@@ -798,11 +818,1113 @@
 </file>
 
 <file path=ppt/notesSlides/notesSlide10.xml><?xml version="1.0" encoding="utf-8"?>
-<p:notes xmlns:a="http://schemas.openxmlformats.org/drawingml/2006/main" xmlns:r="http://schemas.openxmlformats.org/officeDocument/2006/relationships" xmlns:mc="http://schemas.openxmlformats.org/markup-compatibility/2006" xmlns:mv="urn:schemas-microsoft-com:mac:vml" xmlns:p="http://schemas.openxmlformats.org/presentationml/2006/main" xmlns:c="http://schemas.openxmlformats.org/drawingml/2006/chart" xmlns:dgm="http://schemas.openxmlformats.org/drawingml/2006/diagram" xmlns:o="urn:schemas-microsoft-com:office:office" xmlns:v="urn:schemas-microsoft-com:vml" xmlns:pvml="urn:schemas-microsoft-com:office:powerpoint" xmlns:com="http://schemas.openxmlformats.org/drawingml/2006/compatibility" xmlns:p14="http://schemas.microsoft.com/office/powerpoint/2010/main" xmlns:p15="http://schemas.microsoft.com/office/powerpoint/2012/main" xmlns:ahyp="http://schemas.microsoft.com/office/drawing/2018/hyperlinkcolor" showMasterPhAnim="0" showMasterSp="0">
+<p:notes xmlns:a="http://schemas.openxmlformats.org/drawingml/2006/main" xmlns:r="http://schemas.openxmlformats.org/officeDocument/2006/relationships" xmlns:p="http://schemas.openxmlformats.org/presentationml/2006/main" showMasterSp="0" showMasterPhAnim="0">
   <p:cSld>
     <p:spTree>
       <p:nvGrpSpPr>
-        <p:cNvPr id="112" name="Shape 112"/>
+        <p:cNvPr id="1" name="Shape 118"/>
+        <p:cNvGrpSpPr/>
+        <p:nvPr/>
+      </p:nvGrpSpPr>
+      <p:grpSpPr>
+        <a:xfrm>
+          <a:off x="0" y="0"/>
+          <a:ext cx="0" cy="0"/>
+          <a:chOff x="0" y="0"/>
+          <a:chExt cx="0" cy="0"/>
+        </a:xfrm>
+      </p:grpSpPr>
+      <p:sp>
+        <p:nvSpPr>
+          <p:cNvPr id="119" name="Google Shape;119;g8ca7179a76_0_54:notes"/>
+          <p:cNvSpPr>
+            <a:spLocks noGrp="1" noRot="1" noChangeAspect="1"/>
+          </p:cNvSpPr>
+          <p:nvPr>
+            <p:ph type="sldImg" idx="2"/>
+          </p:nvPr>
+        </p:nvSpPr>
+        <p:spPr>
+          <a:xfrm>
+            <a:off x="381300" y="685800"/>
+            <a:ext cx="6096000" cy="3429000"/>
+          </a:xfrm>
+          <a:custGeom>
+            <a:avLst/>
+            <a:gdLst/>
+            <a:ahLst/>
+            <a:cxnLst/>
+            <a:rect l="l" t="t" r="r" b="b"/>
+            <a:pathLst>
+              <a:path w="120000" h="120000" extrusionOk="0">
+                <a:moveTo>
+                  <a:pt x="0" y="0"/>
+                </a:moveTo>
+                <a:lnTo>
+                  <a:pt x="120000" y="0"/>
+                </a:lnTo>
+                <a:lnTo>
+                  <a:pt x="120000" y="120000"/>
+                </a:lnTo>
+                <a:lnTo>
+                  <a:pt x="0" y="120000"/>
+                </a:lnTo>
+                <a:close/>
+              </a:path>
+            </a:pathLst>
+          </a:custGeom>
+        </p:spPr>
+      </p:sp>
+      <p:sp>
+        <p:nvSpPr>
+          <p:cNvPr id="120" name="Google Shape;120;g8ca7179a76_0_54:notes"/>
+          <p:cNvSpPr txBox="1">
+            <a:spLocks noGrp="1"/>
+          </p:cNvSpPr>
+          <p:nvPr>
+            <p:ph type="body" idx="1"/>
+          </p:nvPr>
+        </p:nvSpPr>
+        <p:spPr>
+          <a:xfrm>
+            <a:off x="685800" y="4343400"/>
+            <a:ext cx="5486400" cy="4114800"/>
+          </a:xfrm>
+          <a:prstGeom prst="rect">
+            <a:avLst/>
+          </a:prstGeom>
+        </p:spPr>
+        <p:txBody>
+          <a:bodyPr spcFirstLastPara="1" wrap="square" lIns="91425" tIns="91425" rIns="91425" bIns="91425" anchor="t" anchorCtr="0">
+            <a:noAutofit/>
+          </a:bodyPr>
+          <a:lstStyle/>
+          <a:p>
+            <a:pPr marL="0" lvl="0" indent="0" algn="l" rtl="0">
+              <a:spcBef>
+                <a:spcPts val="0"/>
+              </a:spcBef>
+              <a:spcAft>
+                <a:spcPts val="0"/>
+              </a:spcAft>
+              <a:buNone/>
+            </a:pPr>
+            <a:r>
+              <a:rPr lang="en"/>
+              <a:t>Now have 2 tasks running at same time (time is y axis)</a:t>
+            </a:r>
+            <a:endParaRPr/>
+          </a:p>
+          <a:p>
+            <a:pPr marL="0" lvl="0" indent="0" algn="l" rtl="0">
+              <a:spcBef>
+                <a:spcPts val="0"/>
+              </a:spcBef>
+              <a:spcAft>
+                <a:spcPts val="0"/>
+              </a:spcAft>
+              <a:buNone/>
+            </a:pPr>
+            <a:r>
+              <a:rPr lang="en"/>
+              <a:t>Key point is that the two loads will both load the same value.  Then each task will increment its local copy.  The result that is eventually stored only has the effect of one of the increments</a:t>
+            </a:r>
+            <a:endParaRPr/>
+          </a:p>
+        </p:txBody>
+      </p:sp>
+    </p:spTree>
+  </p:cSld>
+  <p:clrMapOvr>
+    <a:masterClrMapping/>
+  </p:clrMapOvr>
+</p:notes>
+</file>
+
+<file path=ppt/notesSlides/notesSlide11.xml><?xml version="1.0" encoding="utf-8"?>
+<p:notes xmlns:a="http://schemas.openxmlformats.org/drawingml/2006/main" xmlns:r="http://schemas.openxmlformats.org/officeDocument/2006/relationships" xmlns:p="http://schemas.openxmlformats.org/presentationml/2006/main" showMasterSp="0" showMasterPhAnim="0">
+  <p:cSld>
+    <p:spTree>
+      <p:nvGrpSpPr>
+        <p:cNvPr id="1" name="Shape 124"/>
+        <p:cNvGrpSpPr/>
+        <p:nvPr/>
+      </p:nvGrpSpPr>
+      <p:grpSpPr>
+        <a:xfrm>
+          <a:off x="0" y="0"/>
+          <a:ext cx="0" cy="0"/>
+          <a:chOff x="0" y="0"/>
+          <a:chExt cx="0" cy="0"/>
+        </a:xfrm>
+      </p:grpSpPr>
+      <p:sp>
+        <p:nvSpPr>
+          <p:cNvPr id="125" name="Google Shape;125;g8ca7179a76_0_59:notes"/>
+          <p:cNvSpPr>
+            <a:spLocks noGrp="1" noRot="1" noChangeAspect="1"/>
+          </p:cNvSpPr>
+          <p:nvPr>
+            <p:ph type="sldImg" idx="2"/>
+          </p:nvPr>
+        </p:nvSpPr>
+        <p:spPr>
+          <a:xfrm>
+            <a:off x="381300" y="685800"/>
+            <a:ext cx="6096000" cy="3429000"/>
+          </a:xfrm>
+          <a:custGeom>
+            <a:avLst/>
+            <a:gdLst/>
+            <a:ahLst/>
+            <a:cxnLst/>
+            <a:rect l="l" t="t" r="r" b="b"/>
+            <a:pathLst>
+              <a:path w="120000" h="120000" extrusionOk="0">
+                <a:moveTo>
+                  <a:pt x="0" y="0"/>
+                </a:moveTo>
+                <a:lnTo>
+                  <a:pt x="120000" y="0"/>
+                </a:lnTo>
+                <a:lnTo>
+                  <a:pt x="120000" y="120000"/>
+                </a:lnTo>
+                <a:lnTo>
+                  <a:pt x="0" y="120000"/>
+                </a:lnTo>
+                <a:close/>
+              </a:path>
+            </a:pathLst>
+          </a:custGeom>
+        </p:spPr>
+      </p:sp>
+      <p:sp>
+        <p:nvSpPr>
+          <p:cNvPr id="126" name="Google Shape;126;g8ca7179a76_0_59:notes"/>
+          <p:cNvSpPr txBox="1">
+            <a:spLocks noGrp="1"/>
+          </p:cNvSpPr>
+          <p:nvPr>
+            <p:ph type="body" idx="1"/>
+          </p:nvPr>
+        </p:nvSpPr>
+        <p:spPr>
+          <a:xfrm>
+            <a:off x="685800" y="4343400"/>
+            <a:ext cx="5486400" cy="4114800"/>
+          </a:xfrm>
+          <a:prstGeom prst="rect">
+            <a:avLst/>
+          </a:prstGeom>
+        </p:spPr>
+        <p:txBody>
+          <a:bodyPr spcFirstLastPara="1" wrap="square" lIns="91425" tIns="91425" rIns="91425" bIns="91425" anchor="t" anchorCtr="0">
+            <a:noAutofit/>
+          </a:bodyPr>
+          <a:lstStyle/>
+          <a:p>
+            <a:pPr marL="0" lvl="0" indent="0" algn="l" rtl="0">
+              <a:spcBef>
+                <a:spcPts val="0"/>
+              </a:spcBef>
+              <a:spcAft>
+                <a:spcPts val="0"/>
+              </a:spcAft>
+              <a:buNone/>
+            </a:pPr>
+            <a:r>
+              <a:rPr lang="en"/>
+              <a:t>Counting the number of black pixels</a:t>
+            </a:r>
+            <a:endParaRPr/>
+          </a:p>
+          <a:p>
+            <a:pPr marL="0" lvl="0" indent="0" algn="l" rtl="0">
+              <a:spcBef>
+                <a:spcPts val="0"/>
+              </a:spcBef>
+              <a:spcAft>
+                <a:spcPts val="0"/>
+              </a:spcAft>
+              <a:buNone/>
+            </a:pPr>
+            <a:r>
+              <a:rPr lang="en"/>
+              <a:t>Note the race on the line that increments numBlack (possibly by running the serial code and then the OpenMP version)</a:t>
+            </a:r>
+            <a:endParaRPr/>
+          </a:p>
+          <a:p>
+            <a:pPr marL="0" lvl="0" indent="0" algn="l" rtl="0">
+              <a:spcBef>
+                <a:spcPts val="0"/>
+              </a:spcBef>
+              <a:spcAft>
+                <a:spcPts val="0"/>
+              </a:spcAft>
+              <a:buNone/>
+            </a:pPr>
+            <a:r>
+              <a:rPr lang="en"/>
+              <a:t>Point out that this is like the opera cake example</a:t>
+            </a:r>
+            <a:endParaRPr/>
+          </a:p>
+        </p:txBody>
+      </p:sp>
+    </p:spTree>
+  </p:cSld>
+  <p:clrMapOvr>
+    <a:masterClrMapping/>
+  </p:clrMapOvr>
+</p:notes>
+</file>
+
+<file path=ppt/notesSlides/notesSlide2.xml><?xml version="1.0" encoding="utf-8"?>
+<p:notes xmlns:a="http://schemas.openxmlformats.org/drawingml/2006/main" xmlns:r="http://schemas.openxmlformats.org/officeDocument/2006/relationships" xmlns:p="http://schemas.openxmlformats.org/presentationml/2006/main" showMasterSp="0" showMasterPhAnim="0">
+  <p:cSld>
+    <p:spTree>
+      <p:nvGrpSpPr>
+        <p:cNvPr id="1" name="Shape 62"/>
+        <p:cNvGrpSpPr/>
+        <p:nvPr/>
+      </p:nvGrpSpPr>
+      <p:grpSpPr>
+        <a:xfrm>
+          <a:off x="0" y="0"/>
+          <a:ext cx="0" cy="0"/>
+          <a:chOff x="0" y="0"/>
+          <a:chExt cx="0" cy="0"/>
+        </a:xfrm>
+      </p:grpSpPr>
+      <p:sp>
+        <p:nvSpPr>
+          <p:cNvPr id="63" name="Google Shape;63;g8ca7179a76_0_5:notes"/>
+          <p:cNvSpPr>
+            <a:spLocks noGrp="1" noRot="1" noChangeAspect="1"/>
+          </p:cNvSpPr>
+          <p:nvPr>
+            <p:ph type="sldImg" idx="2"/>
+          </p:nvPr>
+        </p:nvSpPr>
+        <p:spPr>
+          <a:xfrm>
+            <a:off x="381300" y="685800"/>
+            <a:ext cx="6096000" cy="3429000"/>
+          </a:xfrm>
+          <a:custGeom>
+            <a:avLst/>
+            <a:gdLst/>
+            <a:ahLst/>
+            <a:cxnLst/>
+            <a:rect l="l" t="t" r="r" b="b"/>
+            <a:pathLst>
+              <a:path w="120000" h="120000" extrusionOk="0">
+                <a:moveTo>
+                  <a:pt x="0" y="0"/>
+                </a:moveTo>
+                <a:lnTo>
+                  <a:pt x="120000" y="0"/>
+                </a:lnTo>
+                <a:lnTo>
+                  <a:pt x="120000" y="120000"/>
+                </a:lnTo>
+                <a:lnTo>
+                  <a:pt x="0" y="120000"/>
+                </a:lnTo>
+                <a:close/>
+              </a:path>
+            </a:pathLst>
+          </a:custGeom>
+        </p:spPr>
+      </p:sp>
+      <p:sp>
+        <p:nvSpPr>
+          <p:cNvPr id="64" name="Google Shape;64;g8ca7179a76_0_5:notes"/>
+          <p:cNvSpPr txBox="1">
+            <a:spLocks noGrp="1"/>
+          </p:cNvSpPr>
+          <p:nvPr>
+            <p:ph type="body" idx="1"/>
+          </p:nvPr>
+        </p:nvSpPr>
+        <p:spPr>
+          <a:xfrm>
+            <a:off x="685800" y="4343400"/>
+            <a:ext cx="5486400" cy="4114800"/>
+          </a:xfrm>
+          <a:prstGeom prst="rect">
+            <a:avLst/>
+          </a:prstGeom>
+        </p:spPr>
+        <p:txBody>
+          <a:bodyPr spcFirstLastPara="1" wrap="square" lIns="91425" tIns="91425" rIns="91425" bIns="91425" anchor="t" anchorCtr="0">
+            <a:noAutofit/>
+          </a:bodyPr>
+          <a:lstStyle/>
+          <a:p>
+            <a:pPr marL="0" lvl="0" indent="0" algn="l" rtl="0">
+              <a:spcBef>
+                <a:spcPts val="0"/>
+              </a:spcBef>
+              <a:spcAft>
+                <a:spcPts val="0"/>
+              </a:spcAft>
+              <a:buNone/>
+            </a:pPr>
+            <a:r>
+              <a:rPr lang="en"/>
+              <a:t>Image</a:t>
+            </a:r>
+            <a:r>
+              <a:rPr lang="en" sz="1200">
+                <a:solidFill>
+                  <a:schemeClr val="dk1"/>
+                </a:solidFill>
+                <a:latin typeface="Times New Roman"/>
+                <a:ea typeface="Times New Roman"/>
+                <a:cs typeface="Times New Roman"/>
+                <a:sym typeface="Times New Roman"/>
+              </a:rPr>
+              <a:t> by </a:t>
+            </a:r>
+            <a:r>
+              <a:rPr lang="en" sz="1200" u="sng">
+                <a:solidFill>
+                  <a:srgbClr val="1155CC"/>
+                </a:solidFill>
+                <a:latin typeface="Times New Roman"/>
+                <a:ea typeface="Times New Roman"/>
+                <a:cs typeface="Times New Roman"/>
+                <a:sym typeface="Times New Roman"/>
+                <a:hlinkClick r:id="rId3"/>
+              </a:rPr>
+              <a:t>Arnold Gatilao</a:t>
+            </a:r>
+            <a:r>
+              <a:rPr lang="en" sz="1200">
+                <a:solidFill>
+                  <a:schemeClr val="dk1"/>
+                </a:solidFill>
+                <a:latin typeface="Times New Roman"/>
+                <a:ea typeface="Times New Roman"/>
+                <a:cs typeface="Times New Roman"/>
+                <a:sym typeface="Times New Roman"/>
+              </a:rPr>
+              <a:t>, 2007, from </a:t>
+            </a:r>
+            <a:r>
+              <a:rPr lang="en" sz="1200" u="sng">
+                <a:solidFill>
+                  <a:srgbClr val="1155CC"/>
+                </a:solidFill>
+                <a:latin typeface="Times New Roman"/>
+                <a:ea typeface="Times New Roman"/>
+                <a:cs typeface="Times New Roman"/>
+                <a:sym typeface="Times New Roman"/>
+                <a:hlinkClick r:id="rId4"/>
+              </a:rPr>
+              <a:t>https://en.wikipedia.org/wiki/Opera_cake</a:t>
+            </a:r>
+            <a:r>
+              <a:rPr lang="en" sz="1200">
+                <a:solidFill>
+                  <a:schemeClr val="dk1"/>
+                </a:solidFill>
+                <a:latin typeface="Times New Roman"/>
+                <a:ea typeface="Times New Roman"/>
+                <a:cs typeface="Times New Roman"/>
+                <a:sym typeface="Times New Roman"/>
+              </a:rPr>
+              <a:t> and shared with a CC 2.0 license</a:t>
+            </a:r>
+            <a:endParaRPr/>
+          </a:p>
+        </p:txBody>
+      </p:sp>
+    </p:spTree>
+  </p:cSld>
+  <p:clrMapOvr>
+    <a:masterClrMapping/>
+  </p:clrMapOvr>
+</p:notes>
+</file>
+
+<file path=ppt/notesSlides/notesSlide3.xml><?xml version="1.0" encoding="utf-8"?>
+<p:notes xmlns:a="http://schemas.openxmlformats.org/drawingml/2006/main" xmlns:r="http://schemas.openxmlformats.org/officeDocument/2006/relationships" xmlns:p="http://schemas.openxmlformats.org/presentationml/2006/main" showMasterSp="0" showMasterPhAnim="0">
+  <p:cSld>
+    <p:spTree>
+      <p:nvGrpSpPr>
+        <p:cNvPr id="1" name="Shape 70"/>
+        <p:cNvGrpSpPr/>
+        <p:nvPr/>
+      </p:nvGrpSpPr>
+      <p:grpSpPr>
+        <a:xfrm>
+          <a:off x="0" y="0"/>
+          <a:ext cx="0" cy="0"/>
+          <a:chOff x="0" y="0"/>
+          <a:chExt cx="0" cy="0"/>
+        </a:xfrm>
+      </p:grpSpPr>
+      <p:sp>
+        <p:nvSpPr>
+          <p:cNvPr id="71" name="Google Shape;71;g8ca7179a76_0_12:notes"/>
+          <p:cNvSpPr>
+            <a:spLocks noGrp="1" noRot="1" noChangeAspect="1"/>
+          </p:cNvSpPr>
+          <p:nvPr>
+            <p:ph type="sldImg" idx="2"/>
+          </p:nvPr>
+        </p:nvSpPr>
+        <p:spPr>
+          <a:xfrm>
+            <a:off x="381300" y="685800"/>
+            <a:ext cx="6096000" cy="3429000"/>
+          </a:xfrm>
+          <a:custGeom>
+            <a:avLst/>
+            <a:gdLst/>
+            <a:ahLst/>
+            <a:cxnLst/>
+            <a:rect l="l" t="t" r="r" b="b"/>
+            <a:pathLst>
+              <a:path w="120000" h="120000" extrusionOk="0">
+                <a:moveTo>
+                  <a:pt x="0" y="0"/>
+                </a:moveTo>
+                <a:lnTo>
+                  <a:pt x="120000" y="0"/>
+                </a:lnTo>
+                <a:lnTo>
+                  <a:pt x="120000" y="120000"/>
+                </a:lnTo>
+                <a:lnTo>
+                  <a:pt x="0" y="120000"/>
+                </a:lnTo>
+                <a:close/>
+              </a:path>
+            </a:pathLst>
+          </a:custGeom>
+        </p:spPr>
+      </p:sp>
+      <p:sp>
+        <p:nvSpPr>
+          <p:cNvPr id="72" name="Google Shape;72;g8ca7179a76_0_12:notes"/>
+          <p:cNvSpPr txBox="1">
+            <a:spLocks noGrp="1"/>
+          </p:cNvSpPr>
+          <p:nvPr>
+            <p:ph type="body" idx="1"/>
+          </p:nvPr>
+        </p:nvSpPr>
+        <p:spPr>
+          <a:xfrm>
+            <a:off x="685800" y="4343400"/>
+            <a:ext cx="5486400" cy="4114800"/>
+          </a:xfrm>
+          <a:prstGeom prst="rect">
+            <a:avLst/>
+          </a:prstGeom>
+        </p:spPr>
+        <p:txBody>
+          <a:bodyPr spcFirstLastPara="1" wrap="square" lIns="91425" tIns="91425" rIns="91425" bIns="91425" anchor="t" anchorCtr="0">
+            <a:noAutofit/>
+          </a:bodyPr>
+          <a:lstStyle/>
+          <a:p>
+            <a:pPr marL="0" lvl="0" indent="0" algn="l" rtl="0">
+              <a:spcBef>
+                <a:spcPts val="0"/>
+              </a:spcBef>
+              <a:spcAft>
+                <a:spcPts val="0"/>
+              </a:spcAft>
+              <a:buNone/>
+            </a:pPr>
+            <a:endParaRPr/>
+          </a:p>
+        </p:txBody>
+      </p:sp>
+    </p:spTree>
+  </p:cSld>
+  <p:clrMapOvr>
+    <a:masterClrMapping/>
+  </p:clrMapOvr>
+</p:notes>
+</file>
+
+<file path=ppt/notesSlides/notesSlide4.xml><?xml version="1.0" encoding="utf-8"?>
+<p:notes xmlns:a="http://schemas.openxmlformats.org/drawingml/2006/main" xmlns:r="http://schemas.openxmlformats.org/officeDocument/2006/relationships" xmlns:p="http://schemas.openxmlformats.org/presentationml/2006/main" showMasterSp="0" showMasterPhAnim="0">
+  <p:cSld>
+    <p:spTree>
+      <p:nvGrpSpPr>
+        <p:cNvPr id="1" name="Shape 77"/>
+        <p:cNvGrpSpPr/>
+        <p:nvPr/>
+      </p:nvGrpSpPr>
+      <p:grpSpPr>
+        <a:xfrm>
+          <a:off x="0" y="0"/>
+          <a:ext cx="0" cy="0"/>
+          <a:chOff x="0" y="0"/>
+          <a:chExt cx="0" cy="0"/>
+        </a:xfrm>
+      </p:grpSpPr>
+      <p:sp>
+        <p:nvSpPr>
+          <p:cNvPr id="78" name="Google Shape;78;g8ca7179a76_0_24:notes"/>
+          <p:cNvSpPr>
+            <a:spLocks noGrp="1" noRot="1" noChangeAspect="1"/>
+          </p:cNvSpPr>
+          <p:nvPr>
+            <p:ph type="sldImg" idx="2"/>
+          </p:nvPr>
+        </p:nvSpPr>
+        <p:spPr>
+          <a:xfrm>
+            <a:off x="381300" y="685800"/>
+            <a:ext cx="6096000" cy="3429000"/>
+          </a:xfrm>
+          <a:custGeom>
+            <a:avLst/>
+            <a:gdLst/>
+            <a:ahLst/>
+            <a:cxnLst/>
+            <a:rect l="l" t="t" r="r" b="b"/>
+            <a:pathLst>
+              <a:path w="120000" h="120000" extrusionOk="0">
+                <a:moveTo>
+                  <a:pt x="0" y="0"/>
+                </a:moveTo>
+                <a:lnTo>
+                  <a:pt x="120000" y="0"/>
+                </a:lnTo>
+                <a:lnTo>
+                  <a:pt x="120000" y="120000"/>
+                </a:lnTo>
+                <a:lnTo>
+                  <a:pt x="0" y="120000"/>
+                </a:lnTo>
+                <a:close/>
+              </a:path>
+            </a:pathLst>
+          </a:custGeom>
+        </p:spPr>
+      </p:sp>
+      <p:sp>
+        <p:nvSpPr>
+          <p:cNvPr id="79" name="Google Shape;79;g8ca7179a76_0_24:notes"/>
+          <p:cNvSpPr txBox="1">
+            <a:spLocks noGrp="1"/>
+          </p:cNvSpPr>
+          <p:nvPr>
+            <p:ph type="body" idx="1"/>
+          </p:nvPr>
+        </p:nvSpPr>
+        <p:spPr>
+          <a:xfrm>
+            <a:off x="685800" y="4343400"/>
+            <a:ext cx="5486400" cy="4114800"/>
+          </a:xfrm>
+          <a:prstGeom prst="rect">
+            <a:avLst/>
+          </a:prstGeom>
+        </p:spPr>
+        <p:txBody>
+          <a:bodyPr spcFirstLastPara="1" wrap="square" lIns="91425" tIns="91425" rIns="91425" bIns="91425" anchor="t" anchorCtr="0">
+            <a:noAutofit/>
+          </a:bodyPr>
+          <a:lstStyle/>
+          <a:p>
+            <a:pPr marL="0" lvl="0" indent="0" algn="l" rtl="0">
+              <a:spcBef>
+                <a:spcPts val="0"/>
+              </a:spcBef>
+              <a:spcAft>
+                <a:spcPts val="0"/>
+              </a:spcAft>
+              <a:buNone/>
+            </a:pPr>
+            <a:endParaRPr/>
+          </a:p>
+        </p:txBody>
+      </p:sp>
+    </p:spTree>
+  </p:cSld>
+  <p:clrMapOvr>
+    <a:masterClrMapping/>
+  </p:clrMapOvr>
+</p:notes>
+</file>
+
+<file path=ppt/notesSlides/notesSlide5.xml><?xml version="1.0" encoding="utf-8"?>
+<p:notes xmlns:a="http://schemas.openxmlformats.org/drawingml/2006/main" xmlns:r="http://schemas.openxmlformats.org/officeDocument/2006/relationships" xmlns:p="http://schemas.openxmlformats.org/presentationml/2006/main" showMasterSp="0" showMasterPhAnim="0">
+  <p:cSld>
+    <p:spTree>
+      <p:nvGrpSpPr>
+        <p:cNvPr id="1" name="Shape 84"/>
+        <p:cNvGrpSpPr/>
+        <p:nvPr/>
+      </p:nvGrpSpPr>
+      <p:grpSpPr>
+        <a:xfrm>
+          <a:off x="0" y="0"/>
+          <a:ext cx="0" cy="0"/>
+          <a:chOff x="0" y="0"/>
+          <a:chExt cx="0" cy="0"/>
+        </a:xfrm>
+      </p:grpSpPr>
+      <p:sp>
+        <p:nvSpPr>
+          <p:cNvPr id="85" name="Google Shape;85;g8ca7179a76_0_30:notes"/>
+          <p:cNvSpPr>
+            <a:spLocks noGrp="1" noRot="1" noChangeAspect="1"/>
+          </p:cNvSpPr>
+          <p:nvPr>
+            <p:ph type="sldImg" idx="2"/>
+          </p:nvPr>
+        </p:nvSpPr>
+        <p:spPr>
+          <a:xfrm>
+            <a:off x="381300" y="685800"/>
+            <a:ext cx="6096000" cy="3429000"/>
+          </a:xfrm>
+          <a:custGeom>
+            <a:avLst/>
+            <a:gdLst/>
+            <a:ahLst/>
+            <a:cxnLst/>
+            <a:rect l="l" t="t" r="r" b="b"/>
+            <a:pathLst>
+              <a:path w="120000" h="120000" extrusionOk="0">
+                <a:moveTo>
+                  <a:pt x="0" y="0"/>
+                </a:moveTo>
+                <a:lnTo>
+                  <a:pt x="120000" y="0"/>
+                </a:lnTo>
+                <a:lnTo>
+                  <a:pt x="120000" y="120000"/>
+                </a:lnTo>
+                <a:lnTo>
+                  <a:pt x="0" y="120000"/>
+                </a:lnTo>
+                <a:close/>
+              </a:path>
+            </a:pathLst>
+          </a:custGeom>
+        </p:spPr>
+      </p:sp>
+      <p:sp>
+        <p:nvSpPr>
+          <p:cNvPr id="86" name="Google Shape;86;g8ca7179a76_0_30:notes"/>
+          <p:cNvSpPr txBox="1">
+            <a:spLocks noGrp="1"/>
+          </p:cNvSpPr>
+          <p:nvPr>
+            <p:ph type="body" idx="1"/>
+          </p:nvPr>
+        </p:nvSpPr>
+        <p:spPr>
+          <a:xfrm>
+            <a:off x="685800" y="4343400"/>
+            <a:ext cx="5486400" cy="4114800"/>
+          </a:xfrm>
+          <a:prstGeom prst="rect">
+            <a:avLst/>
+          </a:prstGeom>
+        </p:spPr>
+        <p:txBody>
+          <a:bodyPr spcFirstLastPara="1" wrap="square" lIns="91425" tIns="91425" rIns="91425" bIns="91425" anchor="t" anchorCtr="0">
+            <a:noAutofit/>
+          </a:bodyPr>
+          <a:lstStyle/>
+          <a:p>
+            <a:pPr marL="0" lvl="0" indent="0" algn="l" rtl="0">
+              <a:spcBef>
+                <a:spcPts val="0"/>
+              </a:spcBef>
+              <a:spcAft>
+                <a:spcPts val="0"/>
+              </a:spcAft>
+              <a:buNone/>
+            </a:pPr>
+            <a:endParaRPr/>
+          </a:p>
+        </p:txBody>
+      </p:sp>
+    </p:spTree>
+  </p:cSld>
+  <p:clrMapOvr>
+    <a:masterClrMapping/>
+  </p:clrMapOvr>
+</p:notes>
+</file>
+
+<file path=ppt/notesSlides/notesSlide6.xml><?xml version="1.0" encoding="utf-8"?>
+<p:notes xmlns:a="http://schemas.openxmlformats.org/drawingml/2006/main" xmlns:r="http://schemas.openxmlformats.org/officeDocument/2006/relationships" xmlns:p="http://schemas.openxmlformats.org/presentationml/2006/main" showMasterSp="0" showMasterPhAnim="0">
+  <p:cSld>
+    <p:spTree>
+      <p:nvGrpSpPr>
+        <p:cNvPr id="1" name="Shape 92"/>
+        <p:cNvGrpSpPr/>
+        <p:nvPr/>
+      </p:nvGrpSpPr>
+      <p:grpSpPr>
+        <a:xfrm>
+          <a:off x="0" y="0"/>
+          <a:ext cx="0" cy="0"/>
+          <a:chOff x="0" y="0"/>
+          <a:chExt cx="0" cy="0"/>
+        </a:xfrm>
+      </p:grpSpPr>
+      <p:sp>
+        <p:nvSpPr>
+          <p:cNvPr id="93" name="Google Shape;93;g8ca7179a76_0_18:notes"/>
+          <p:cNvSpPr>
+            <a:spLocks noGrp="1" noRot="1" noChangeAspect="1"/>
+          </p:cNvSpPr>
+          <p:nvPr>
+            <p:ph type="sldImg" idx="2"/>
+          </p:nvPr>
+        </p:nvSpPr>
+        <p:spPr>
+          <a:xfrm>
+            <a:off x="381300" y="685800"/>
+            <a:ext cx="6096000" cy="3429000"/>
+          </a:xfrm>
+          <a:custGeom>
+            <a:avLst/>
+            <a:gdLst/>
+            <a:ahLst/>
+            <a:cxnLst/>
+            <a:rect l="l" t="t" r="r" b="b"/>
+            <a:pathLst>
+              <a:path w="120000" h="120000" extrusionOk="0">
+                <a:moveTo>
+                  <a:pt x="0" y="0"/>
+                </a:moveTo>
+                <a:lnTo>
+                  <a:pt x="120000" y="0"/>
+                </a:lnTo>
+                <a:lnTo>
+                  <a:pt x="120000" y="120000"/>
+                </a:lnTo>
+                <a:lnTo>
+                  <a:pt x="0" y="120000"/>
+                </a:lnTo>
+                <a:close/>
+              </a:path>
+            </a:pathLst>
+          </a:custGeom>
+        </p:spPr>
+      </p:sp>
+      <p:sp>
+        <p:nvSpPr>
+          <p:cNvPr id="94" name="Google Shape;94;g8ca7179a76_0_18:notes"/>
+          <p:cNvSpPr txBox="1">
+            <a:spLocks noGrp="1"/>
+          </p:cNvSpPr>
+          <p:nvPr>
+            <p:ph type="body" idx="1"/>
+          </p:nvPr>
+        </p:nvSpPr>
+        <p:spPr>
+          <a:xfrm>
+            <a:off x="685800" y="4343400"/>
+            <a:ext cx="5486400" cy="4114800"/>
+          </a:xfrm>
+          <a:prstGeom prst="rect">
+            <a:avLst/>
+          </a:prstGeom>
+        </p:spPr>
+        <p:txBody>
+          <a:bodyPr spcFirstLastPara="1" wrap="square" lIns="91425" tIns="91425" rIns="91425" bIns="91425" anchor="t" anchorCtr="0">
+            <a:noAutofit/>
+          </a:bodyPr>
+          <a:lstStyle/>
+          <a:p>
+            <a:pPr marL="0" lvl="0" indent="0" algn="l" rtl="0">
+              <a:spcBef>
+                <a:spcPts val="0"/>
+              </a:spcBef>
+              <a:spcAft>
+                <a:spcPts val="0"/>
+              </a:spcAft>
+              <a:buNone/>
+            </a:pPr>
+            <a:r>
+              <a:rPr lang="en"/>
+              <a:t>Point out the extra black pixels in the background (haze in image) and the white pixels in the interior of the image.  Then point out the race on x and y</a:t>
+            </a:r>
+            <a:endParaRPr/>
+          </a:p>
+        </p:txBody>
+      </p:sp>
+    </p:spTree>
+  </p:cSld>
+  <p:clrMapOvr>
+    <a:masterClrMapping/>
+  </p:clrMapOvr>
+</p:notes>
+</file>
+
+<file path=ppt/notesSlides/notesSlide7.xml><?xml version="1.0" encoding="utf-8"?>
+<p:notes xmlns:a="http://schemas.openxmlformats.org/drawingml/2006/main" xmlns:r="http://schemas.openxmlformats.org/officeDocument/2006/relationships" xmlns:p="http://schemas.openxmlformats.org/presentationml/2006/main" showMasterSp="0" showMasterPhAnim="0">
+  <p:cSld>
+    <p:spTree>
+      <p:nvGrpSpPr>
+        <p:cNvPr id="1" name="Shape 100"/>
+        <p:cNvGrpSpPr/>
+        <p:nvPr/>
+      </p:nvGrpSpPr>
+      <p:grpSpPr>
+        <a:xfrm>
+          <a:off x="0" y="0"/>
+          <a:ext cx="0" cy="0"/>
+          <a:chOff x="0" y="0"/>
+          <a:chExt cx="0" cy="0"/>
+        </a:xfrm>
+      </p:grpSpPr>
+      <p:sp>
+        <p:nvSpPr>
+          <p:cNvPr id="101" name="Google Shape;101;g8ca7179a76_0_38:notes"/>
+          <p:cNvSpPr>
+            <a:spLocks noGrp="1" noRot="1" noChangeAspect="1"/>
+          </p:cNvSpPr>
+          <p:nvPr>
+            <p:ph type="sldImg" idx="2"/>
+          </p:nvPr>
+        </p:nvSpPr>
+        <p:spPr>
+          <a:xfrm>
+            <a:off x="381300" y="685800"/>
+            <a:ext cx="6096000" cy="3429000"/>
+          </a:xfrm>
+          <a:custGeom>
+            <a:avLst/>
+            <a:gdLst/>
+            <a:ahLst/>
+            <a:cxnLst/>
+            <a:rect l="l" t="t" r="r" b="b"/>
+            <a:pathLst>
+              <a:path w="120000" h="120000" extrusionOk="0">
+                <a:moveTo>
+                  <a:pt x="0" y="0"/>
+                </a:moveTo>
+                <a:lnTo>
+                  <a:pt x="120000" y="0"/>
+                </a:lnTo>
+                <a:lnTo>
+                  <a:pt x="120000" y="120000"/>
+                </a:lnTo>
+                <a:lnTo>
+                  <a:pt x="0" y="120000"/>
+                </a:lnTo>
+                <a:close/>
+              </a:path>
+            </a:pathLst>
+          </a:custGeom>
+        </p:spPr>
+      </p:sp>
+      <p:sp>
+        <p:nvSpPr>
+          <p:cNvPr id="102" name="Google Shape;102;g8ca7179a76_0_38:notes"/>
+          <p:cNvSpPr txBox="1">
+            <a:spLocks noGrp="1"/>
+          </p:cNvSpPr>
+          <p:nvPr>
+            <p:ph type="body" idx="1"/>
+          </p:nvPr>
+        </p:nvSpPr>
+        <p:spPr>
+          <a:xfrm>
+            <a:off x="685800" y="4343400"/>
+            <a:ext cx="5486400" cy="4114800"/>
+          </a:xfrm>
+          <a:prstGeom prst="rect">
+            <a:avLst/>
+          </a:prstGeom>
+        </p:spPr>
+        <p:txBody>
+          <a:bodyPr spcFirstLastPara="1" wrap="square" lIns="91425" tIns="91425" rIns="91425" bIns="91425" anchor="t" anchorCtr="0">
+            <a:noAutofit/>
+          </a:bodyPr>
+          <a:lstStyle/>
+          <a:p>
+            <a:pPr marL="0" lvl="0" indent="0" algn="l" rtl="0">
+              <a:spcBef>
+                <a:spcPts val="0"/>
+              </a:spcBef>
+              <a:spcAft>
+                <a:spcPts val="0"/>
+              </a:spcAft>
+              <a:buNone/>
+            </a:pPr>
+            <a:r>
+              <a:rPr lang="en"/>
+              <a:t>Transition: Point out that these work because the race is caused by unnecessary sharing</a:t>
+            </a:r>
+            <a:endParaRPr/>
+          </a:p>
+        </p:txBody>
+      </p:sp>
+    </p:spTree>
+  </p:cSld>
+  <p:clrMapOvr>
+    <a:masterClrMapping/>
+  </p:clrMapOvr>
+</p:notes>
+</file>
+
+<file path=ppt/notesSlides/notesSlide8.xml><?xml version="1.0" encoding="utf-8"?>
+<p:notes xmlns:a="http://schemas.openxmlformats.org/drawingml/2006/main" xmlns:r="http://schemas.openxmlformats.org/officeDocument/2006/relationships" xmlns:p="http://schemas.openxmlformats.org/presentationml/2006/main" showMasterSp="0" showMasterPhAnim="0">
+  <p:cSld>
+    <p:spTree>
+      <p:nvGrpSpPr>
+        <p:cNvPr id="1" name="Shape 106"/>
+        <p:cNvGrpSpPr/>
+        <p:nvPr/>
+      </p:nvGrpSpPr>
+      <p:grpSpPr>
+        <a:xfrm>
+          <a:off x="0" y="0"/>
+          <a:ext cx="0" cy="0"/>
+          <a:chOff x="0" y="0"/>
+          <a:chExt cx="0" cy="0"/>
+        </a:xfrm>
+      </p:grpSpPr>
+      <p:sp>
+        <p:nvSpPr>
+          <p:cNvPr id="107" name="Google Shape;107;g8ca7179a76_0_43:notes"/>
+          <p:cNvSpPr>
+            <a:spLocks noGrp="1" noRot="1" noChangeAspect="1"/>
+          </p:cNvSpPr>
+          <p:nvPr>
+            <p:ph type="sldImg" idx="2"/>
+          </p:nvPr>
+        </p:nvSpPr>
+        <p:spPr>
+          <a:xfrm>
+            <a:off x="381300" y="685800"/>
+            <a:ext cx="6096000" cy="3429000"/>
+          </a:xfrm>
+          <a:custGeom>
+            <a:avLst/>
+            <a:gdLst/>
+            <a:ahLst/>
+            <a:cxnLst/>
+            <a:rect l="l" t="t" r="r" b="b"/>
+            <a:pathLst>
+              <a:path w="120000" h="120000" extrusionOk="0">
+                <a:moveTo>
+                  <a:pt x="0" y="0"/>
+                </a:moveTo>
+                <a:lnTo>
+                  <a:pt x="120000" y="0"/>
+                </a:lnTo>
+                <a:lnTo>
+                  <a:pt x="120000" y="120000"/>
+                </a:lnTo>
+                <a:lnTo>
+                  <a:pt x="0" y="120000"/>
+                </a:lnTo>
+                <a:close/>
+              </a:path>
+            </a:pathLst>
+          </a:custGeom>
+        </p:spPr>
+      </p:sp>
+      <p:sp>
+        <p:nvSpPr>
+          <p:cNvPr id="108" name="Google Shape;108;g8ca7179a76_0_43:notes"/>
+          <p:cNvSpPr txBox="1">
+            <a:spLocks noGrp="1"/>
+          </p:cNvSpPr>
+          <p:nvPr>
+            <p:ph type="body" idx="1"/>
+          </p:nvPr>
+        </p:nvSpPr>
+        <p:spPr>
+          <a:xfrm>
+            <a:off x="685800" y="4343400"/>
+            <a:ext cx="5486400" cy="4114800"/>
+          </a:xfrm>
+          <a:prstGeom prst="rect">
+            <a:avLst/>
+          </a:prstGeom>
+        </p:spPr>
+        <p:txBody>
+          <a:bodyPr spcFirstLastPara="1" wrap="square" lIns="91425" tIns="91425" rIns="91425" bIns="91425" anchor="t" anchorCtr="0">
+            <a:noAutofit/>
+          </a:bodyPr>
+          <a:lstStyle/>
+          <a:p>
+            <a:pPr marL="0" lvl="0" indent="0" algn="l" rtl="0">
+              <a:spcBef>
+                <a:spcPts val="0"/>
+              </a:spcBef>
+              <a:spcAft>
+                <a:spcPts val="0"/>
+              </a:spcAft>
+              <a:buNone/>
+            </a:pPr>
+            <a:r>
+              <a:rPr lang="en"/>
+              <a:t>Counting the number of black pixels</a:t>
+            </a:r>
+            <a:endParaRPr/>
+          </a:p>
+          <a:p>
+            <a:pPr marL="0" lvl="0" indent="0" algn="l" rtl="0">
+              <a:spcBef>
+                <a:spcPts val="0"/>
+              </a:spcBef>
+              <a:spcAft>
+                <a:spcPts val="0"/>
+              </a:spcAft>
+              <a:buNone/>
+            </a:pPr>
+            <a:r>
+              <a:rPr lang="en"/>
+              <a:t>Note the race on the line that increments numBlack (possibly by running the serial code and then the OpenMP version)</a:t>
+            </a:r>
+            <a:endParaRPr/>
+          </a:p>
+          <a:p>
+            <a:pPr marL="0" lvl="0" indent="0" algn="l" rtl="0">
+              <a:spcBef>
+                <a:spcPts val="0"/>
+              </a:spcBef>
+              <a:spcAft>
+                <a:spcPts val="0"/>
+              </a:spcAft>
+              <a:buNone/>
+            </a:pPr>
+            <a:r>
+              <a:rPr lang="en"/>
+              <a:t>Point out that this is like the opera cake example: a single variable gets the result of all the work</a:t>
+            </a:r>
+            <a:endParaRPr/>
+          </a:p>
+        </p:txBody>
+      </p:sp>
+    </p:spTree>
+  </p:cSld>
+  <p:clrMapOvr>
+    <a:masterClrMapping/>
+  </p:clrMapOvr>
+</p:notes>
+</file>
+
+<file path=ppt/notesSlides/notesSlide9.xml><?xml version="1.0" encoding="utf-8"?>
+<p:notes xmlns:a="http://schemas.openxmlformats.org/drawingml/2006/main" xmlns:r="http://schemas.openxmlformats.org/officeDocument/2006/relationships" xmlns:p="http://schemas.openxmlformats.org/presentationml/2006/main" showMasterSp="0" showMasterPhAnim="0">
+  <p:cSld>
+    <p:spTree>
+      <p:nvGrpSpPr>
+        <p:cNvPr id="1" name="Shape 112"/>
         <p:cNvGrpSpPr/>
         <p:nvPr/>
       </p:nvGrpSpPr>
@@ -817,9 +1939,11 @@
       <p:sp>
         <p:nvSpPr>
           <p:cNvPr id="113" name="Google Shape;113;g8ca7179a76_0_48:notes"/>
-          <p:cNvSpPr/>
+          <p:cNvSpPr>
+            <a:spLocks noGrp="1" noRot="1" noChangeAspect="1"/>
+          </p:cNvSpPr>
           <p:nvPr>
-            <p:ph idx="2" type="sldImg"/>
+            <p:ph type="sldImg" idx="2"/>
           </p:nvPr>
         </p:nvSpPr>
         <p:spPr>
@@ -828,9 +1952,13 @@
             <a:ext cx="6096000" cy="3429000"/>
           </a:xfrm>
           <a:custGeom>
-            <a:rect b="b" l="l" r="r" t="t"/>
+            <a:avLst/>
+            <a:gdLst/>
+            <a:ahLst/>
+            <a:cxnLst/>
+            <a:rect l="l" t="t" r="r" b="b"/>
             <a:pathLst>
-              <a:path extrusionOk="0" h="120000" w="120000">
+              <a:path w="120000" h="120000" extrusionOk="0">
                 <a:moveTo>
                   <a:pt x="0" y="0"/>
                 </a:moveTo>
@@ -852,9 +1980,11 @@
       <p:sp>
         <p:nvSpPr>
           <p:cNvPr id="114" name="Google Shape;114;g8ca7179a76_0_48:notes"/>
-          <p:cNvSpPr txBox="1"/>
+          <p:cNvSpPr txBox="1">
+            <a:spLocks noGrp="1"/>
+          </p:cNvSpPr>
           <p:nvPr>
-            <p:ph idx="1" type="body"/>
+            <p:ph type="body" idx="1"/>
           </p:nvPr>
         </p:nvSpPr>
         <p:spPr>
@@ -867,12 +1997,12 @@
           </a:prstGeom>
         </p:spPr>
         <p:txBody>
-          <a:bodyPr anchorCtr="0" anchor="t" bIns="91425" lIns="91425" spcFirstLastPara="1" rIns="91425" wrap="square" tIns="91425">
+          <a:bodyPr spcFirstLastPara="1" wrap="square" lIns="91425" tIns="91425" rIns="91425" bIns="91425" anchor="t" anchorCtr="0">
             <a:noAutofit/>
           </a:bodyPr>
           <a:lstStyle/>
           <a:p>
-            <a:pPr indent="0" lvl="0" marL="0" rtl="0" algn="l">
+            <a:pPr marL="0" lvl="0" indent="0" algn="l" rtl="0">
               <a:spcBef>
                 <a:spcPts val="0"/>
               </a:spcBef>
@@ -888,7 +2018,7 @@
             <a:endParaRPr/>
           </a:p>
           <a:p>
-            <a:pPr indent="0" lvl="0" marL="0" rtl="0" algn="l">
+            <a:pPr marL="0" lvl="0" indent="0" algn="l" rtl="0">
               <a:spcBef>
                 <a:spcPts val="0"/>
               </a:spcBef>
@@ -900,1144 +2030,6 @@
             <a:r>
               <a:rPr lang="en"/>
               <a:t>Transition: What happens if two threads do this nearly simultaneously?</a:t>
-            </a:r>
-            <a:endParaRPr/>
-          </a:p>
-        </p:txBody>
-      </p:sp>
-    </p:spTree>
-  </p:cSld>
-  <p:clrMapOvr>
-    <a:masterClrMapping/>
-  </p:clrMapOvr>
-</p:notes>
-</file>
-
-<file path=ppt/notesSlides/notesSlide11.xml><?xml version="1.0" encoding="utf-8"?>
-<p:notes xmlns:a="http://schemas.openxmlformats.org/drawingml/2006/main" xmlns:r="http://schemas.openxmlformats.org/officeDocument/2006/relationships" xmlns:mc="http://schemas.openxmlformats.org/markup-compatibility/2006" xmlns:mv="urn:schemas-microsoft-com:mac:vml" xmlns:p="http://schemas.openxmlformats.org/presentationml/2006/main" xmlns:c="http://schemas.openxmlformats.org/drawingml/2006/chart" xmlns:dgm="http://schemas.openxmlformats.org/drawingml/2006/diagram" xmlns:o="urn:schemas-microsoft-com:office:office" xmlns:v="urn:schemas-microsoft-com:vml" xmlns:pvml="urn:schemas-microsoft-com:office:powerpoint" xmlns:com="http://schemas.openxmlformats.org/drawingml/2006/compatibility" xmlns:p14="http://schemas.microsoft.com/office/powerpoint/2010/main" xmlns:p15="http://schemas.microsoft.com/office/powerpoint/2012/main" xmlns:ahyp="http://schemas.microsoft.com/office/drawing/2018/hyperlinkcolor" showMasterPhAnim="0" showMasterSp="0">
-  <p:cSld>
-    <p:spTree>
-      <p:nvGrpSpPr>
-        <p:cNvPr id="118" name="Shape 118"/>
-        <p:cNvGrpSpPr/>
-        <p:nvPr/>
-      </p:nvGrpSpPr>
-      <p:grpSpPr>
-        <a:xfrm>
-          <a:off x="0" y="0"/>
-          <a:ext cx="0" cy="0"/>
-          <a:chOff x="0" y="0"/>
-          <a:chExt cx="0" cy="0"/>
-        </a:xfrm>
-      </p:grpSpPr>
-      <p:sp>
-        <p:nvSpPr>
-          <p:cNvPr id="119" name="Google Shape;119;g8ca7179a76_0_54:notes"/>
-          <p:cNvSpPr/>
-          <p:nvPr>
-            <p:ph idx="2" type="sldImg"/>
-          </p:nvPr>
-        </p:nvSpPr>
-        <p:spPr>
-          <a:xfrm>
-            <a:off x="381300" y="685800"/>
-            <a:ext cx="6096000" cy="3429000"/>
-          </a:xfrm>
-          <a:custGeom>
-            <a:rect b="b" l="l" r="r" t="t"/>
-            <a:pathLst>
-              <a:path extrusionOk="0" h="120000" w="120000">
-                <a:moveTo>
-                  <a:pt x="0" y="0"/>
-                </a:moveTo>
-                <a:lnTo>
-                  <a:pt x="120000" y="0"/>
-                </a:lnTo>
-                <a:lnTo>
-                  <a:pt x="120000" y="120000"/>
-                </a:lnTo>
-                <a:lnTo>
-                  <a:pt x="0" y="120000"/>
-                </a:lnTo>
-                <a:close/>
-              </a:path>
-            </a:pathLst>
-          </a:custGeom>
-        </p:spPr>
-      </p:sp>
-      <p:sp>
-        <p:nvSpPr>
-          <p:cNvPr id="120" name="Google Shape;120;g8ca7179a76_0_54:notes"/>
-          <p:cNvSpPr txBox="1"/>
-          <p:nvPr>
-            <p:ph idx="1" type="body"/>
-          </p:nvPr>
-        </p:nvSpPr>
-        <p:spPr>
-          <a:xfrm>
-            <a:off x="685800" y="4343400"/>
-            <a:ext cx="5486400" cy="4114800"/>
-          </a:xfrm>
-          <a:prstGeom prst="rect">
-            <a:avLst/>
-          </a:prstGeom>
-        </p:spPr>
-        <p:txBody>
-          <a:bodyPr anchorCtr="0" anchor="t" bIns="91425" lIns="91425" spcFirstLastPara="1" rIns="91425" wrap="square" tIns="91425">
-            <a:noAutofit/>
-          </a:bodyPr>
-          <a:lstStyle/>
-          <a:p>
-            <a:pPr indent="0" lvl="0" marL="0" rtl="0" algn="l">
-              <a:spcBef>
-                <a:spcPts val="0"/>
-              </a:spcBef>
-              <a:spcAft>
-                <a:spcPts val="0"/>
-              </a:spcAft>
-              <a:buNone/>
-            </a:pPr>
-            <a:r>
-              <a:rPr lang="en"/>
-              <a:t>Now have 2 tasks running at same time (time is y axis)</a:t>
-            </a:r>
-            <a:endParaRPr/>
-          </a:p>
-          <a:p>
-            <a:pPr indent="0" lvl="0" marL="0" rtl="0" algn="l">
-              <a:spcBef>
-                <a:spcPts val="0"/>
-              </a:spcBef>
-              <a:spcAft>
-                <a:spcPts val="0"/>
-              </a:spcAft>
-              <a:buNone/>
-            </a:pPr>
-            <a:r>
-              <a:rPr lang="en"/>
-              <a:t>Key point is that the two loads will both load the same value.  Then each task will increment its local copy.  The result that is eventually stored only has the effect of one of the increments</a:t>
-            </a:r>
-            <a:endParaRPr/>
-          </a:p>
-        </p:txBody>
-      </p:sp>
-    </p:spTree>
-  </p:cSld>
-  <p:clrMapOvr>
-    <a:masterClrMapping/>
-  </p:clrMapOvr>
-</p:notes>
-</file>
-
-<file path=ppt/notesSlides/notesSlide12.xml><?xml version="1.0" encoding="utf-8"?>
-<p:notes xmlns:a="http://schemas.openxmlformats.org/drawingml/2006/main" xmlns:r="http://schemas.openxmlformats.org/officeDocument/2006/relationships" xmlns:mc="http://schemas.openxmlformats.org/markup-compatibility/2006" xmlns:mv="urn:schemas-microsoft-com:mac:vml" xmlns:p="http://schemas.openxmlformats.org/presentationml/2006/main" xmlns:c="http://schemas.openxmlformats.org/drawingml/2006/chart" xmlns:dgm="http://schemas.openxmlformats.org/drawingml/2006/diagram" xmlns:o="urn:schemas-microsoft-com:office:office" xmlns:v="urn:schemas-microsoft-com:vml" xmlns:pvml="urn:schemas-microsoft-com:office:powerpoint" xmlns:com="http://schemas.openxmlformats.org/drawingml/2006/compatibility" xmlns:p14="http://schemas.microsoft.com/office/powerpoint/2010/main" xmlns:p15="http://schemas.microsoft.com/office/powerpoint/2012/main" xmlns:ahyp="http://schemas.microsoft.com/office/drawing/2018/hyperlinkcolor" showMasterPhAnim="0" showMasterSp="0">
-  <p:cSld>
-    <p:spTree>
-      <p:nvGrpSpPr>
-        <p:cNvPr id="124" name="Shape 124"/>
-        <p:cNvGrpSpPr/>
-        <p:nvPr/>
-      </p:nvGrpSpPr>
-      <p:grpSpPr>
-        <a:xfrm>
-          <a:off x="0" y="0"/>
-          <a:ext cx="0" cy="0"/>
-          <a:chOff x="0" y="0"/>
-          <a:chExt cx="0" cy="0"/>
-        </a:xfrm>
-      </p:grpSpPr>
-      <p:sp>
-        <p:nvSpPr>
-          <p:cNvPr id="125" name="Google Shape;125;g8ca7179a76_0_59:notes"/>
-          <p:cNvSpPr/>
-          <p:nvPr>
-            <p:ph idx="2" type="sldImg"/>
-          </p:nvPr>
-        </p:nvSpPr>
-        <p:spPr>
-          <a:xfrm>
-            <a:off x="381300" y="685800"/>
-            <a:ext cx="6096000" cy="3429000"/>
-          </a:xfrm>
-          <a:custGeom>
-            <a:rect b="b" l="l" r="r" t="t"/>
-            <a:pathLst>
-              <a:path extrusionOk="0" h="120000" w="120000">
-                <a:moveTo>
-                  <a:pt x="0" y="0"/>
-                </a:moveTo>
-                <a:lnTo>
-                  <a:pt x="120000" y="0"/>
-                </a:lnTo>
-                <a:lnTo>
-                  <a:pt x="120000" y="120000"/>
-                </a:lnTo>
-                <a:lnTo>
-                  <a:pt x="0" y="120000"/>
-                </a:lnTo>
-                <a:close/>
-              </a:path>
-            </a:pathLst>
-          </a:custGeom>
-        </p:spPr>
-      </p:sp>
-      <p:sp>
-        <p:nvSpPr>
-          <p:cNvPr id="126" name="Google Shape;126;g8ca7179a76_0_59:notes"/>
-          <p:cNvSpPr txBox="1"/>
-          <p:nvPr>
-            <p:ph idx="1" type="body"/>
-          </p:nvPr>
-        </p:nvSpPr>
-        <p:spPr>
-          <a:xfrm>
-            <a:off x="685800" y="4343400"/>
-            <a:ext cx="5486400" cy="4114800"/>
-          </a:xfrm>
-          <a:prstGeom prst="rect">
-            <a:avLst/>
-          </a:prstGeom>
-        </p:spPr>
-        <p:txBody>
-          <a:bodyPr anchorCtr="0" anchor="t" bIns="91425" lIns="91425" spcFirstLastPara="1" rIns="91425" wrap="square" tIns="91425">
-            <a:noAutofit/>
-          </a:bodyPr>
-          <a:lstStyle/>
-          <a:p>
-            <a:pPr indent="0" lvl="0" marL="0" rtl="0" algn="l">
-              <a:spcBef>
-                <a:spcPts val="0"/>
-              </a:spcBef>
-              <a:spcAft>
-                <a:spcPts val="0"/>
-              </a:spcAft>
-              <a:buNone/>
-            </a:pPr>
-            <a:r>
-              <a:rPr lang="en"/>
-              <a:t>Counting the number of black pixels</a:t>
-            </a:r>
-            <a:endParaRPr/>
-          </a:p>
-          <a:p>
-            <a:pPr indent="0" lvl="0" marL="0" rtl="0" algn="l">
-              <a:spcBef>
-                <a:spcPts val="0"/>
-              </a:spcBef>
-              <a:spcAft>
-                <a:spcPts val="0"/>
-              </a:spcAft>
-              <a:buNone/>
-            </a:pPr>
-            <a:r>
-              <a:rPr lang="en"/>
-              <a:t>Note the race on the line that increments numBlack (possibly by running the serial code and then the OpenMP version)</a:t>
-            </a:r>
-            <a:endParaRPr/>
-          </a:p>
-          <a:p>
-            <a:pPr indent="0" lvl="0" marL="0" rtl="0" algn="l">
-              <a:spcBef>
-                <a:spcPts val="0"/>
-              </a:spcBef>
-              <a:spcAft>
-                <a:spcPts val="0"/>
-              </a:spcAft>
-              <a:buNone/>
-            </a:pPr>
-            <a:r>
-              <a:rPr lang="en"/>
-              <a:t>Point out that this is like the opera cake example</a:t>
-            </a:r>
-            <a:endParaRPr/>
-          </a:p>
-        </p:txBody>
-      </p:sp>
-    </p:spTree>
-  </p:cSld>
-  <p:clrMapOvr>
-    <a:masterClrMapping/>
-  </p:clrMapOvr>
-</p:notes>
-</file>
-
-<file path=ppt/notesSlides/notesSlide2.xml><?xml version="1.0" encoding="utf-8"?>
-<p:notes xmlns:a="http://schemas.openxmlformats.org/drawingml/2006/main" xmlns:r="http://schemas.openxmlformats.org/officeDocument/2006/relationships" xmlns:mc="http://schemas.openxmlformats.org/markup-compatibility/2006" xmlns:mv="urn:schemas-microsoft-com:mac:vml" xmlns:p="http://schemas.openxmlformats.org/presentationml/2006/main" xmlns:c="http://schemas.openxmlformats.org/drawingml/2006/chart" xmlns:dgm="http://schemas.openxmlformats.org/drawingml/2006/diagram" xmlns:o="urn:schemas-microsoft-com:office:office" xmlns:v="urn:schemas-microsoft-com:vml" xmlns:pvml="urn:schemas-microsoft-com:office:powerpoint" xmlns:com="http://schemas.openxmlformats.org/drawingml/2006/compatibility" xmlns:p14="http://schemas.microsoft.com/office/powerpoint/2010/main" xmlns:p15="http://schemas.microsoft.com/office/powerpoint/2012/main" xmlns:ahyp="http://schemas.microsoft.com/office/drawing/2018/hyperlinkcolor" showMasterPhAnim="0" showMasterSp="0">
-  <p:cSld>
-    <p:spTree>
-      <p:nvGrpSpPr>
-        <p:cNvPr id="56" name="Shape 56"/>
-        <p:cNvGrpSpPr/>
-        <p:nvPr/>
-      </p:nvGrpSpPr>
-      <p:grpSpPr>
-        <a:xfrm>
-          <a:off x="0" y="0"/>
-          <a:ext cx="0" cy="0"/>
-          <a:chOff x="0" y="0"/>
-          <a:chExt cx="0" cy="0"/>
-        </a:xfrm>
-      </p:grpSpPr>
-      <p:sp>
-        <p:nvSpPr>
-          <p:cNvPr id="57" name="Google Shape;57;g8ca7179a76_0_0:notes"/>
-          <p:cNvSpPr/>
-          <p:nvPr>
-            <p:ph idx="2" type="sldImg"/>
-          </p:nvPr>
-        </p:nvSpPr>
-        <p:spPr>
-          <a:xfrm>
-            <a:off x="381300" y="685800"/>
-            <a:ext cx="6096000" cy="3429000"/>
-          </a:xfrm>
-          <a:custGeom>
-            <a:rect b="b" l="l" r="r" t="t"/>
-            <a:pathLst>
-              <a:path extrusionOk="0" h="120000" w="120000">
-                <a:moveTo>
-                  <a:pt x="0" y="0"/>
-                </a:moveTo>
-                <a:lnTo>
-                  <a:pt x="120000" y="0"/>
-                </a:lnTo>
-                <a:lnTo>
-                  <a:pt x="120000" y="120000"/>
-                </a:lnTo>
-                <a:lnTo>
-                  <a:pt x="0" y="120000"/>
-                </a:lnTo>
-                <a:close/>
-              </a:path>
-            </a:pathLst>
-          </a:custGeom>
-        </p:spPr>
-      </p:sp>
-      <p:sp>
-        <p:nvSpPr>
-          <p:cNvPr id="58" name="Google Shape;58;g8ca7179a76_0_0:notes"/>
-          <p:cNvSpPr txBox="1"/>
-          <p:nvPr>
-            <p:ph idx="1" type="body"/>
-          </p:nvPr>
-        </p:nvSpPr>
-        <p:spPr>
-          <a:xfrm>
-            <a:off x="685800" y="4343400"/>
-            <a:ext cx="5486400" cy="4114800"/>
-          </a:xfrm>
-          <a:prstGeom prst="rect">
-            <a:avLst/>
-          </a:prstGeom>
-        </p:spPr>
-        <p:txBody>
-          <a:bodyPr anchorCtr="0" anchor="t" bIns="91425" lIns="91425" spcFirstLastPara="1" rIns="91425" wrap="square" tIns="91425">
-            <a:noAutofit/>
-          </a:bodyPr>
-          <a:lstStyle/>
-          <a:p>
-            <a:pPr indent="0" lvl="0" marL="0" rtl="0" algn="l">
-              <a:spcBef>
-                <a:spcPts val="0"/>
-              </a:spcBef>
-              <a:spcAft>
-                <a:spcPts val="0"/>
-              </a:spcAft>
-              <a:buNone/>
-            </a:pPr>
-            <a:r>
-              <a:t/>
-            </a:r>
-            <a:endParaRPr/>
-          </a:p>
-        </p:txBody>
-      </p:sp>
-    </p:spTree>
-  </p:cSld>
-  <p:clrMapOvr>
-    <a:masterClrMapping/>
-  </p:clrMapOvr>
-</p:notes>
-</file>
-
-<file path=ppt/notesSlides/notesSlide3.xml><?xml version="1.0" encoding="utf-8"?>
-<p:notes xmlns:a="http://schemas.openxmlformats.org/drawingml/2006/main" xmlns:r="http://schemas.openxmlformats.org/officeDocument/2006/relationships" xmlns:mc="http://schemas.openxmlformats.org/markup-compatibility/2006" xmlns:mv="urn:schemas-microsoft-com:mac:vml" xmlns:p="http://schemas.openxmlformats.org/presentationml/2006/main" xmlns:c="http://schemas.openxmlformats.org/drawingml/2006/chart" xmlns:dgm="http://schemas.openxmlformats.org/drawingml/2006/diagram" xmlns:o="urn:schemas-microsoft-com:office:office" xmlns:v="urn:schemas-microsoft-com:vml" xmlns:pvml="urn:schemas-microsoft-com:office:powerpoint" xmlns:com="http://schemas.openxmlformats.org/drawingml/2006/compatibility" xmlns:p14="http://schemas.microsoft.com/office/powerpoint/2010/main" xmlns:p15="http://schemas.microsoft.com/office/powerpoint/2012/main" xmlns:ahyp="http://schemas.microsoft.com/office/drawing/2018/hyperlinkcolor" showMasterPhAnim="0" showMasterSp="0">
-  <p:cSld>
-    <p:spTree>
-      <p:nvGrpSpPr>
-        <p:cNvPr id="62" name="Shape 62"/>
-        <p:cNvGrpSpPr/>
-        <p:nvPr/>
-      </p:nvGrpSpPr>
-      <p:grpSpPr>
-        <a:xfrm>
-          <a:off x="0" y="0"/>
-          <a:ext cx="0" cy="0"/>
-          <a:chOff x="0" y="0"/>
-          <a:chExt cx="0" cy="0"/>
-        </a:xfrm>
-      </p:grpSpPr>
-      <p:sp>
-        <p:nvSpPr>
-          <p:cNvPr id="63" name="Google Shape;63;g8ca7179a76_0_5:notes"/>
-          <p:cNvSpPr/>
-          <p:nvPr>
-            <p:ph idx="2" type="sldImg"/>
-          </p:nvPr>
-        </p:nvSpPr>
-        <p:spPr>
-          <a:xfrm>
-            <a:off x="381300" y="685800"/>
-            <a:ext cx="6096000" cy="3429000"/>
-          </a:xfrm>
-          <a:custGeom>
-            <a:rect b="b" l="l" r="r" t="t"/>
-            <a:pathLst>
-              <a:path extrusionOk="0" h="120000" w="120000">
-                <a:moveTo>
-                  <a:pt x="0" y="0"/>
-                </a:moveTo>
-                <a:lnTo>
-                  <a:pt x="120000" y="0"/>
-                </a:lnTo>
-                <a:lnTo>
-                  <a:pt x="120000" y="120000"/>
-                </a:lnTo>
-                <a:lnTo>
-                  <a:pt x="0" y="120000"/>
-                </a:lnTo>
-                <a:close/>
-              </a:path>
-            </a:pathLst>
-          </a:custGeom>
-        </p:spPr>
-      </p:sp>
-      <p:sp>
-        <p:nvSpPr>
-          <p:cNvPr id="64" name="Google Shape;64;g8ca7179a76_0_5:notes"/>
-          <p:cNvSpPr txBox="1"/>
-          <p:nvPr>
-            <p:ph idx="1" type="body"/>
-          </p:nvPr>
-        </p:nvSpPr>
-        <p:spPr>
-          <a:xfrm>
-            <a:off x="685800" y="4343400"/>
-            <a:ext cx="5486400" cy="4114800"/>
-          </a:xfrm>
-          <a:prstGeom prst="rect">
-            <a:avLst/>
-          </a:prstGeom>
-        </p:spPr>
-        <p:txBody>
-          <a:bodyPr anchorCtr="0" anchor="t" bIns="91425" lIns="91425" spcFirstLastPara="1" rIns="91425" wrap="square" tIns="91425">
-            <a:noAutofit/>
-          </a:bodyPr>
-          <a:lstStyle/>
-          <a:p>
-            <a:pPr indent="0" lvl="0" marL="0" rtl="0" algn="l">
-              <a:spcBef>
-                <a:spcPts val="0"/>
-              </a:spcBef>
-              <a:spcAft>
-                <a:spcPts val="0"/>
-              </a:spcAft>
-              <a:buNone/>
-            </a:pPr>
-            <a:r>
-              <a:rPr lang="en"/>
-              <a:t>Image</a:t>
-            </a:r>
-            <a:r>
-              <a:rPr lang="en" sz="1200">
-                <a:solidFill>
-                  <a:schemeClr val="dk1"/>
-                </a:solidFill>
-                <a:latin typeface="Times New Roman"/>
-                <a:ea typeface="Times New Roman"/>
-                <a:cs typeface="Times New Roman"/>
-                <a:sym typeface="Times New Roman"/>
-              </a:rPr>
-              <a:t> by </a:t>
-            </a:r>
-            <a:r>
-              <a:rPr lang="en" sz="1200" u="sng">
-                <a:solidFill>
-                  <a:srgbClr val="1155CC"/>
-                </a:solidFill>
-                <a:latin typeface="Times New Roman"/>
-                <a:ea typeface="Times New Roman"/>
-                <a:cs typeface="Times New Roman"/>
-                <a:sym typeface="Times New Roman"/>
-                <a:hlinkClick r:id="rId2"/>
-              </a:rPr>
-              <a:t>Arnold Gatilao</a:t>
-            </a:r>
-            <a:r>
-              <a:rPr lang="en" sz="1200">
-                <a:solidFill>
-                  <a:schemeClr val="dk1"/>
-                </a:solidFill>
-                <a:latin typeface="Times New Roman"/>
-                <a:ea typeface="Times New Roman"/>
-                <a:cs typeface="Times New Roman"/>
-                <a:sym typeface="Times New Roman"/>
-              </a:rPr>
-              <a:t>, 2007, from </a:t>
-            </a:r>
-            <a:r>
-              <a:rPr lang="en" sz="1200" u="sng">
-                <a:solidFill>
-                  <a:srgbClr val="1155CC"/>
-                </a:solidFill>
-                <a:latin typeface="Times New Roman"/>
-                <a:ea typeface="Times New Roman"/>
-                <a:cs typeface="Times New Roman"/>
-                <a:sym typeface="Times New Roman"/>
-                <a:hlinkClick r:id="rId3"/>
-              </a:rPr>
-              <a:t>https://en.wikipedia.org/wiki/Opera_cake</a:t>
-            </a:r>
-            <a:r>
-              <a:rPr lang="en" sz="1200">
-                <a:solidFill>
-                  <a:schemeClr val="dk1"/>
-                </a:solidFill>
-                <a:latin typeface="Times New Roman"/>
-                <a:ea typeface="Times New Roman"/>
-                <a:cs typeface="Times New Roman"/>
-                <a:sym typeface="Times New Roman"/>
-              </a:rPr>
-              <a:t> and shared with a CC 2.0 license</a:t>
-            </a:r>
-            <a:endParaRPr/>
-          </a:p>
-        </p:txBody>
-      </p:sp>
-    </p:spTree>
-  </p:cSld>
-  <p:clrMapOvr>
-    <a:masterClrMapping/>
-  </p:clrMapOvr>
-</p:notes>
-</file>
-
-<file path=ppt/notesSlides/notesSlide4.xml><?xml version="1.0" encoding="utf-8"?>
-<p:notes xmlns:a="http://schemas.openxmlformats.org/drawingml/2006/main" xmlns:r="http://schemas.openxmlformats.org/officeDocument/2006/relationships" xmlns:mc="http://schemas.openxmlformats.org/markup-compatibility/2006" xmlns:mv="urn:schemas-microsoft-com:mac:vml" xmlns:p="http://schemas.openxmlformats.org/presentationml/2006/main" xmlns:c="http://schemas.openxmlformats.org/drawingml/2006/chart" xmlns:dgm="http://schemas.openxmlformats.org/drawingml/2006/diagram" xmlns:o="urn:schemas-microsoft-com:office:office" xmlns:v="urn:schemas-microsoft-com:vml" xmlns:pvml="urn:schemas-microsoft-com:office:powerpoint" xmlns:com="http://schemas.openxmlformats.org/drawingml/2006/compatibility" xmlns:p14="http://schemas.microsoft.com/office/powerpoint/2010/main" xmlns:p15="http://schemas.microsoft.com/office/powerpoint/2012/main" xmlns:ahyp="http://schemas.microsoft.com/office/drawing/2018/hyperlinkcolor" showMasterPhAnim="0" showMasterSp="0">
-  <p:cSld>
-    <p:spTree>
-      <p:nvGrpSpPr>
-        <p:cNvPr id="70" name="Shape 70"/>
-        <p:cNvGrpSpPr/>
-        <p:nvPr/>
-      </p:nvGrpSpPr>
-      <p:grpSpPr>
-        <a:xfrm>
-          <a:off x="0" y="0"/>
-          <a:ext cx="0" cy="0"/>
-          <a:chOff x="0" y="0"/>
-          <a:chExt cx="0" cy="0"/>
-        </a:xfrm>
-      </p:grpSpPr>
-      <p:sp>
-        <p:nvSpPr>
-          <p:cNvPr id="71" name="Google Shape;71;g8ca7179a76_0_12:notes"/>
-          <p:cNvSpPr/>
-          <p:nvPr>
-            <p:ph idx="2" type="sldImg"/>
-          </p:nvPr>
-        </p:nvSpPr>
-        <p:spPr>
-          <a:xfrm>
-            <a:off x="381300" y="685800"/>
-            <a:ext cx="6096000" cy="3429000"/>
-          </a:xfrm>
-          <a:custGeom>
-            <a:rect b="b" l="l" r="r" t="t"/>
-            <a:pathLst>
-              <a:path extrusionOk="0" h="120000" w="120000">
-                <a:moveTo>
-                  <a:pt x="0" y="0"/>
-                </a:moveTo>
-                <a:lnTo>
-                  <a:pt x="120000" y="0"/>
-                </a:lnTo>
-                <a:lnTo>
-                  <a:pt x="120000" y="120000"/>
-                </a:lnTo>
-                <a:lnTo>
-                  <a:pt x="0" y="120000"/>
-                </a:lnTo>
-                <a:close/>
-              </a:path>
-            </a:pathLst>
-          </a:custGeom>
-        </p:spPr>
-      </p:sp>
-      <p:sp>
-        <p:nvSpPr>
-          <p:cNvPr id="72" name="Google Shape;72;g8ca7179a76_0_12:notes"/>
-          <p:cNvSpPr txBox="1"/>
-          <p:nvPr>
-            <p:ph idx="1" type="body"/>
-          </p:nvPr>
-        </p:nvSpPr>
-        <p:spPr>
-          <a:xfrm>
-            <a:off x="685800" y="4343400"/>
-            <a:ext cx="5486400" cy="4114800"/>
-          </a:xfrm>
-          <a:prstGeom prst="rect">
-            <a:avLst/>
-          </a:prstGeom>
-        </p:spPr>
-        <p:txBody>
-          <a:bodyPr anchorCtr="0" anchor="t" bIns="91425" lIns="91425" spcFirstLastPara="1" rIns="91425" wrap="square" tIns="91425">
-            <a:noAutofit/>
-          </a:bodyPr>
-          <a:lstStyle/>
-          <a:p>
-            <a:pPr indent="0" lvl="0" marL="0" rtl="0" algn="l">
-              <a:spcBef>
-                <a:spcPts val="0"/>
-              </a:spcBef>
-              <a:spcAft>
-                <a:spcPts val="0"/>
-              </a:spcAft>
-              <a:buNone/>
-            </a:pPr>
-            <a:r>
-              <a:t/>
-            </a:r>
-            <a:endParaRPr/>
-          </a:p>
-        </p:txBody>
-      </p:sp>
-    </p:spTree>
-  </p:cSld>
-  <p:clrMapOvr>
-    <a:masterClrMapping/>
-  </p:clrMapOvr>
-</p:notes>
-</file>
-
-<file path=ppt/notesSlides/notesSlide5.xml><?xml version="1.0" encoding="utf-8"?>
-<p:notes xmlns:a="http://schemas.openxmlformats.org/drawingml/2006/main" xmlns:r="http://schemas.openxmlformats.org/officeDocument/2006/relationships" xmlns:mc="http://schemas.openxmlformats.org/markup-compatibility/2006" xmlns:mv="urn:schemas-microsoft-com:mac:vml" xmlns:p="http://schemas.openxmlformats.org/presentationml/2006/main" xmlns:c="http://schemas.openxmlformats.org/drawingml/2006/chart" xmlns:dgm="http://schemas.openxmlformats.org/drawingml/2006/diagram" xmlns:o="urn:schemas-microsoft-com:office:office" xmlns:v="urn:schemas-microsoft-com:vml" xmlns:pvml="urn:schemas-microsoft-com:office:powerpoint" xmlns:com="http://schemas.openxmlformats.org/drawingml/2006/compatibility" xmlns:p14="http://schemas.microsoft.com/office/powerpoint/2010/main" xmlns:p15="http://schemas.microsoft.com/office/powerpoint/2012/main" xmlns:ahyp="http://schemas.microsoft.com/office/drawing/2018/hyperlinkcolor" showMasterPhAnim="0" showMasterSp="0">
-  <p:cSld>
-    <p:spTree>
-      <p:nvGrpSpPr>
-        <p:cNvPr id="77" name="Shape 77"/>
-        <p:cNvGrpSpPr/>
-        <p:nvPr/>
-      </p:nvGrpSpPr>
-      <p:grpSpPr>
-        <a:xfrm>
-          <a:off x="0" y="0"/>
-          <a:ext cx="0" cy="0"/>
-          <a:chOff x="0" y="0"/>
-          <a:chExt cx="0" cy="0"/>
-        </a:xfrm>
-      </p:grpSpPr>
-      <p:sp>
-        <p:nvSpPr>
-          <p:cNvPr id="78" name="Google Shape;78;g8ca7179a76_0_24:notes"/>
-          <p:cNvSpPr/>
-          <p:nvPr>
-            <p:ph idx="2" type="sldImg"/>
-          </p:nvPr>
-        </p:nvSpPr>
-        <p:spPr>
-          <a:xfrm>
-            <a:off x="381300" y="685800"/>
-            <a:ext cx="6096000" cy="3429000"/>
-          </a:xfrm>
-          <a:custGeom>
-            <a:rect b="b" l="l" r="r" t="t"/>
-            <a:pathLst>
-              <a:path extrusionOk="0" h="120000" w="120000">
-                <a:moveTo>
-                  <a:pt x="0" y="0"/>
-                </a:moveTo>
-                <a:lnTo>
-                  <a:pt x="120000" y="0"/>
-                </a:lnTo>
-                <a:lnTo>
-                  <a:pt x="120000" y="120000"/>
-                </a:lnTo>
-                <a:lnTo>
-                  <a:pt x="0" y="120000"/>
-                </a:lnTo>
-                <a:close/>
-              </a:path>
-            </a:pathLst>
-          </a:custGeom>
-        </p:spPr>
-      </p:sp>
-      <p:sp>
-        <p:nvSpPr>
-          <p:cNvPr id="79" name="Google Shape;79;g8ca7179a76_0_24:notes"/>
-          <p:cNvSpPr txBox="1"/>
-          <p:nvPr>
-            <p:ph idx="1" type="body"/>
-          </p:nvPr>
-        </p:nvSpPr>
-        <p:spPr>
-          <a:xfrm>
-            <a:off x="685800" y="4343400"/>
-            <a:ext cx="5486400" cy="4114800"/>
-          </a:xfrm>
-          <a:prstGeom prst="rect">
-            <a:avLst/>
-          </a:prstGeom>
-        </p:spPr>
-        <p:txBody>
-          <a:bodyPr anchorCtr="0" anchor="t" bIns="91425" lIns="91425" spcFirstLastPara="1" rIns="91425" wrap="square" tIns="91425">
-            <a:noAutofit/>
-          </a:bodyPr>
-          <a:lstStyle/>
-          <a:p>
-            <a:pPr indent="0" lvl="0" marL="0" rtl="0" algn="l">
-              <a:spcBef>
-                <a:spcPts val="0"/>
-              </a:spcBef>
-              <a:spcAft>
-                <a:spcPts val="0"/>
-              </a:spcAft>
-              <a:buNone/>
-            </a:pPr>
-            <a:r>
-              <a:t/>
-            </a:r>
-            <a:endParaRPr/>
-          </a:p>
-        </p:txBody>
-      </p:sp>
-    </p:spTree>
-  </p:cSld>
-  <p:clrMapOvr>
-    <a:masterClrMapping/>
-  </p:clrMapOvr>
-</p:notes>
-</file>
-
-<file path=ppt/notesSlides/notesSlide6.xml><?xml version="1.0" encoding="utf-8"?>
-<p:notes xmlns:a="http://schemas.openxmlformats.org/drawingml/2006/main" xmlns:r="http://schemas.openxmlformats.org/officeDocument/2006/relationships" xmlns:mc="http://schemas.openxmlformats.org/markup-compatibility/2006" xmlns:mv="urn:schemas-microsoft-com:mac:vml" xmlns:p="http://schemas.openxmlformats.org/presentationml/2006/main" xmlns:c="http://schemas.openxmlformats.org/drawingml/2006/chart" xmlns:dgm="http://schemas.openxmlformats.org/drawingml/2006/diagram" xmlns:o="urn:schemas-microsoft-com:office:office" xmlns:v="urn:schemas-microsoft-com:vml" xmlns:pvml="urn:schemas-microsoft-com:office:powerpoint" xmlns:com="http://schemas.openxmlformats.org/drawingml/2006/compatibility" xmlns:p14="http://schemas.microsoft.com/office/powerpoint/2010/main" xmlns:p15="http://schemas.microsoft.com/office/powerpoint/2012/main" xmlns:ahyp="http://schemas.microsoft.com/office/drawing/2018/hyperlinkcolor" showMasterPhAnim="0" showMasterSp="0">
-  <p:cSld>
-    <p:spTree>
-      <p:nvGrpSpPr>
-        <p:cNvPr id="84" name="Shape 84"/>
-        <p:cNvGrpSpPr/>
-        <p:nvPr/>
-      </p:nvGrpSpPr>
-      <p:grpSpPr>
-        <a:xfrm>
-          <a:off x="0" y="0"/>
-          <a:ext cx="0" cy="0"/>
-          <a:chOff x="0" y="0"/>
-          <a:chExt cx="0" cy="0"/>
-        </a:xfrm>
-      </p:grpSpPr>
-      <p:sp>
-        <p:nvSpPr>
-          <p:cNvPr id="85" name="Google Shape;85;g8ca7179a76_0_30:notes"/>
-          <p:cNvSpPr/>
-          <p:nvPr>
-            <p:ph idx="2" type="sldImg"/>
-          </p:nvPr>
-        </p:nvSpPr>
-        <p:spPr>
-          <a:xfrm>
-            <a:off x="381300" y="685800"/>
-            <a:ext cx="6096000" cy="3429000"/>
-          </a:xfrm>
-          <a:custGeom>
-            <a:rect b="b" l="l" r="r" t="t"/>
-            <a:pathLst>
-              <a:path extrusionOk="0" h="120000" w="120000">
-                <a:moveTo>
-                  <a:pt x="0" y="0"/>
-                </a:moveTo>
-                <a:lnTo>
-                  <a:pt x="120000" y="0"/>
-                </a:lnTo>
-                <a:lnTo>
-                  <a:pt x="120000" y="120000"/>
-                </a:lnTo>
-                <a:lnTo>
-                  <a:pt x="0" y="120000"/>
-                </a:lnTo>
-                <a:close/>
-              </a:path>
-            </a:pathLst>
-          </a:custGeom>
-        </p:spPr>
-      </p:sp>
-      <p:sp>
-        <p:nvSpPr>
-          <p:cNvPr id="86" name="Google Shape;86;g8ca7179a76_0_30:notes"/>
-          <p:cNvSpPr txBox="1"/>
-          <p:nvPr>
-            <p:ph idx="1" type="body"/>
-          </p:nvPr>
-        </p:nvSpPr>
-        <p:spPr>
-          <a:xfrm>
-            <a:off x="685800" y="4343400"/>
-            <a:ext cx="5486400" cy="4114800"/>
-          </a:xfrm>
-          <a:prstGeom prst="rect">
-            <a:avLst/>
-          </a:prstGeom>
-        </p:spPr>
-        <p:txBody>
-          <a:bodyPr anchorCtr="0" anchor="t" bIns="91425" lIns="91425" spcFirstLastPara="1" rIns="91425" wrap="square" tIns="91425">
-            <a:noAutofit/>
-          </a:bodyPr>
-          <a:lstStyle/>
-          <a:p>
-            <a:pPr indent="0" lvl="0" marL="0" rtl="0" algn="l">
-              <a:spcBef>
-                <a:spcPts val="0"/>
-              </a:spcBef>
-              <a:spcAft>
-                <a:spcPts val="0"/>
-              </a:spcAft>
-              <a:buNone/>
-            </a:pPr>
-            <a:r>
-              <a:t/>
-            </a:r>
-            <a:endParaRPr/>
-          </a:p>
-        </p:txBody>
-      </p:sp>
-    </p:spTree>
-  </p:cSld>
-  <p:clrMapOvr>
-    <a:masterClrMapping/>
-  </p:clrMapOvr>
-</p:notes>
-</file>
-
-<file path=ppt/notesSlides/notesSlide7.xml><?xml version="1.0" encoding="utf-8"?>
-<p:notes xmlns:a="http://schemas.openxmlformats.org/drawingml/2006/main" xmlns:r="http://schemas.openxmlformats.org/officeDocument/2006/relationships" xmlns:mc="http://schemas.openxmlformats.org/markup-compatibility/2006" xmlns:mv="urn:schemas-microsoft-com:mac:vml" xmlns:p="http://schemas.openxmlformats.org/presentationml/2006/main" xmlns:c="http://schemas.openxmlformats.org/drawingml/2006/chart" xmlns:dgm="http://schemas.openxmlformats.org/drawingml/2006/diagram" xmlns:o="urn:schemas-microsoft-com:office:office" xmlns:v="urn:schemas-microsoft-com:vml" xmlns:pvml="urn:schemas-microsoft-com:office:powerpoint" xmlns:com="http://schemas.openxmlformats.org/drawingml/2006/compatibility" xmlns:p14="http://schemas.microsoft.com/office/powerpoint/2010/main" xmlns:p15="http://schemas.microsoft.com/office/powerpoint/2012/main" xmlns:ahyp="http://schemas.microsoft.com/office/drawing/2018/hyperlinkcolor" showMasterPhAnim="0" showMasterSp="0">
-  <p:cSld>
-    <p:spTree>
-      <p:nvGrpSpPr>
-        <p:cNvPr id="92" name="Shape 92"/>
-        <p:cNvGrpSpPr/>
-        <p:nvPr/>
-      </p:nvGrpSpPr>
-      <p:grpSpPr>
-        <a:xfrm>
-          <a:off x="0" y="0"/>
-          <a:ext cx="0" cy="0"/>
-          <a:chOff x="0" y="0"/>
-          <a:chExt cx="0" cy="0"/>
-        </a:xfrm>
-      </p:grpSpPr>
-      <p:sp>
-        <p:nvSpPr>
-          <p:cNvPr id="93" name="Google Shape;93;g8ca7179a76_0_18:notes"/>
-          <p:cNvSpPr/>
-          <p:nvPr>
-            <p:ph idx="2" type="sldImg"/>
-          </p:nvPr>
-        </p:nvSpPr>
-        <p:spPr>
-          <a:xfrm>
-            <a:off x="381300" y="685800"/>
-            <a:ext cx="6096000" cy="3429000"/>
-          </a:xfrm>
-          <a:custGeom>
-            <a:rect b="b" l="l" r="r" t="t"/>
-            <a:pathLst>
-              <a:path extrusionOk="0" h="120000" w="120000">
-                <a:moveTo>
-                  <a:pt x="0" y="0"/>
-                </a:moveTo>
-                <a:lnTo>
-                  <a:pt x="120000" y="0"/>
-                </a:lnTo>
-                <a:lnTo>
-                  <a:pt x="120000" y="120000"/>
-                </a:lnTo>
-                <a:lnTo>
-                  <a:pt x="0" y="120000"/>
-                </a:lnTo>
-                <a:close/>
-              </a:path>
-            </a:pathLst>
-          </a:custGeom>
-        </p:spPr>
-      </p:sp>
-      <p:sp>
-        <p:nvSpPr>
-          <p:cNvPr id="94" name="Google Shape;94;g8ca7179a76_0_18:notes"/>
-          <p:cNvSpPr txBox="1"/>
-          <p:nvPr>
-            <p:ph idx="1" type="body"/>
-          </p:nvPr>
-        </p:nvSpPr>
-        <p:spPr>
-          <a:xfrm>
-            <a:off x="685800" y="4343400"/>
-            <a:ext cx="5486400" cy="4114800"/>
-          </a:xfrm>
-          <a:prstGeom prst="rect">
-            <a:avLst/>
-          </a:prstGeom>
-        </p:spPr>
-        <p:txBody>
-          <a:bodyPr anchorCtr="0" anchor="t" bIns="91425" lIns="91425" spcFirstLastPara="1" rIns="91425" wrap="square" tIns="91425">
-            <a:noAutofit/>
-          </a:bodyPr>
-          <a:lstStyle/>
-          <a:p>
-            <a:pPr indent="0" lvl="0" marL="0" rtl="0" algn="l">
-              <a:spcBef>
-                <a:spcPts val="0"/>
-              </a:spcBef>
-              <a:spcAft>
-                <a:spcPts val="0"/>
-              </a:spcAft>
-              <a:buNone/>
-            </a:pPr>
-            <a:r>
-              <a:rPr lang="en"/>
-              <a:t>Point out the extra black pixels in the background (haze in image) and the white pixels in the interior of the image.  Then point out the race on x and y</a:t>
-            </a:r>
-            <a:endParaRPr/>
-          </a:p>
-        </p:txBody>
-      </p:sp>
-    </p:spTree>
-  </p:cSld>
-  <p:clrMapOvr>
-    <a:masterClrMapping/>
-  </p:clrMapOvr>
-</p:notes>
-</file>
-
-<file path=ppt/notesSlides/notesSlide8.xml><?xml version="1.0" encoding="utf-8"?>
-<p:notes xmlns:a="http://schemas.openxmlformats.org/drawingml/2006/main" xmlns:r="http://schemas.openxmlformats.org/officeDocument/2006/relationships" xmlns:mc="http://schemas.openxmlformats.org/markup-compatibility/2006" xmlns:mv="urn:schemas-microsoft-com:mac:vml" xmlns:p="http://schemas.openxmlformats.org/presentationml/2006/main" xmlns:c="http://schemas.openxmlformats.org/drawingml/2006/chart" xmlns:dgm="http://schemas.openxmlformats.org/drawingml/2006/diagram" xmlns:o="urn:schemas-microsoft-com:office:office" xmlns:v="urn:schemas-microsoft-com:vml" xmlns:pvml="urn:schemas-microsoft-com:office:powerpoint" xmlns:com="http://schemas.openxmlformats.org/drawingml/2006/compatibility" xmlns:p14="http://schemas.microsoft.com/office/powerpoint/2010/main" xmlns:p15="http://schemas.microsoft.com/office/powerpoint/2012/main" xmlns:ahyp="http://schemas.microsoft.com/office/drawing/2018/hyperlinkcolor" showMasterPhAnim="0" showMasterSp="0">
-  <p:cSld>
-    <p:spTree>
-      <p:nvGrpSpPr>
-        <p:cNvPr id="100" name="Shape 100"/>
-        <p:cNvGrpSpPr/>
-        <p:nvPr/>
-      </p:nvGrpSpPr>
-      <p:grpSpPr>
-        <a:xfrm>
-          <a:off x="0" y="0"/>
-          <a:ext cx="0" cy="0"/>
-          <a:chOff x="0" y="0"/>
-          <a:chExt cx="0" cy="0"/>
-        </a:xfrm>
-      </p:grpSpPr>
-      <p:sp>
-        <p:nvSpPr>
-          <p:cNvPr id="101" name="Google Shape;101;g8ca7179a76_0_38:notes"/>
-          <p:cNvSpPr/>
-          <p:nvPr>
-            <p:ph idx="2" type="sldImg"/>
-          </p:nvPr>
-        </p:nvSpPr>
-        <p:spPr>
-          <a:xfrm>
-            <a:off x="381300" y="685800"/>
-            <a:ext cx="6096000" cy="3429000"/>
-          </a:xfrm>
-          <a:custGeom>
-            <a:rect b="b" l="l" r="r" t="t"/>
-            <a:pathLst>
-              <a:path extrusionOk="0" h="120000" w="120000">
-                <a:moveTo>
-                  <a:pt x="0" y="0"/>
-                </a:moveTo>
-                <a:lnTo>
-                  <a:pt x="120000" y="0"/>
-                </a:lnTo>
-                <a:lnTo>
-                  <a:pt x="120000" y="120000"/>
-                </a:lnTo>
-                <a:lnTo>
-                  <a:pt x="0" y="120000"/>
-                </a:lnTo>
-                <a:close/>
-              </a:path>
-            </a:pathLst>
-          </a:custGeom>
-        </p:spPr>
-      </p:sp>
-      <p:sp>
-        <p:nvSpPr>
-          <p:cNvPr id="102" name="Google Shape;102;g8ca7179a76_0_38:notes"/>
-          <p:cNvSpPr txBox="1"/>
-          <p:nvPr>
-            <p:ph idx="1" type="body"/>
-          </p:nvPr>
-        </p:nvSpPr>
-        <p:spPr>
-          <a:xfrm>
-            <a:off x="685800" y="4343400"/>
-            <a:ext cx="5486400" cy="4114800"/>
-          </a:xfrm>
-          <a:prstGeom prst="rect">
-            <a:avLst/>
-          </a:prstGeom>
-        </p:spPr>
-        <p:txBody>
-          <a:bodyPr anchorCtr="0" anchor="t" bIns="91425" lIns="91425" spcFirstLastPara="1" rIns="91425" wrap="square" tIns="91425">
-            <a:noAutofit/>
-          </a:bodyPr>
-          <a:lstStyle/>
-          <a:p>
-            <a:pPr indent="0" lvl="0" marL="0" rtl="0" algn="l">
-              <a:spcBef>
-                <a:spcPts val="0"/>
-              </a:spcBef>
-              <a:spcAft>
-                <a:spcPts val="0"/>
-              </a:spcAft>
-              <a:buNone/>
-            </a:pPr>
-            <a:r>
-              <a:rPr lang="en"/>
-              <a:t>Transition: Point out that these work because the race is caused by unnecessary sharing</a:t>
-            </a:r>
-            <a:endParaRPr/>
-          </a:p>
-        </p:txBody>
-      </p:sp>
-    </p:spTree>
-  </p:cSld>
-  <p:clrMapOvr>
-    <a:masterClrMapping/>
-  </p:clrMapOvr>
-</p:notes>
-</file>
-
-<file path=ppt/notesSlides/notesSlide9.xml><?xml version="1.0" encoding="utf-8"?>
-<p:notes xmlns:a="http://schemas.openxmlformats.org/drawingml/2006/main" xmlns:r="http://schemas.openxmlformats.org/officeDocument/2006/relationships" xmlns:mc="http://schemas.openxmlformats.org/markup-compatibility/2006" xmlns:mv="urn:schemas-microsoft-com:mac:vml" xmlns:p="http://schemas.openxmlformats.org/presentationml/2006/main" xmlns:c="http://schemas.openxmlformats.org/drawingml/2006/chart" xmlns:dgm="http://schemas.openxmlformats.org/drawingml/2006/diagram" xmlns:o="urn:schemas-microsoft-com:office:office" xmlns:v="urn:schemas-microsoft-com:vml" xmlns:pvml="urn:schemas-microsoft-com:office:powerpoint" xmlns:com="http://schemas.openxmlformats.org/drawingml/2006/compatibility" xmlns:p14="http://schemas.microsoft.com/office/powerpoint/2010/main" xmlns:p15="http://schemas.microsoft.com/office/powerpoint/2012/main" xmlns:ahyp="http://schemas.microsoft.com/office/drawing/2018/hyperlinkcolor" showMasterPhAnim="0" showMasterSp="0">
-  <p:cSld>
-    <p:spTree>
-      <p:nvGrpSpPr>
-        <p:cNvPr id="106" name="Shape 106"/>
-        <p:cNvGrpSpPr/>
-        <p:nvPr/>
-      </p:nvGrpSpPr>
-      <p:grpSpPr>
-        <a:xfrm>
-          <a:off x="0" y="0"/>
-          <a:ext cx="0" cy="0"/>
-          <a:chOff x="0" y="0"/>
-          <a:chExt cx="0" cy="0"/>
-        </a:xfrm>
-      </p:grpSpPr>
-      <p:sp>
-        <p:nvSpPr>
-          <p:cNvPr id="107" name="Google Shape;107;g8ca7179a76_0_43:notes"/>
-          <p:cNvSpPr/>
-          <p:nvPr>
-            <p:ph idx="2" type="sldImg"/>
-          </p:nvPr>
-        </p:nvSpPr>
-        <p:spPr>
-          <a:xfrm>
-            <a:off x="381300" y="685800"/>
-            <a:ext cx="6096000" cy="3429000"/>
-          </a:xfrm>
-          <a:custGeom>
-            <a:rect b="b" l="l" r="r" t="t"/>
-            <a:pathLst>
-              <a:path extrusionOk="0" h="120000" w="120000">
-                <a:moveTo>
-                  <a:pt x="0" y="0"/>
-                </a:moveTo>
-                <a:lnTo>
-                  <a:pt x="120000" y="0"/>
-                </a:lnTo>
-                <a:lnTo>
-                  <a:pt x="120000" y="120000"/>
-                </a:lnTo>
-                <a:lnTo>
-                  <a:pt x="0" y="120000"/>
-                </a:lnTo>
-                <a:close/>
-              </a:path>
-            </a:pathLst>
-          </a:custGeom>
-        </p:spPr>
-      </p:sp>
-      <p:sp>
-        <p:nvSpPr>
-          <p:cNvPr id="108" name="Google Shape;108;g8ca7179a76_0_43:notes"/>
-          <p:cNvSpPr txBox="1"/>
-          <p:nvPr>
-            <p:ph idx="1" type="body"/>
-          </p:nvPr>
-        </p:nvSpPr>
-        <p:spPr>
-          <a:xfrm>
-            <a:off x="685800" y="4343400"/>
-            <a:ext cx="5486400" cy="4114800"/>
-          </a:xfrm>
-          <a:prstGeom prst="rect">
-            <a:avLst/>
-          </a:prstGeom>
-        </p:spPr>
-        <p:txBody>
-          <a:bodyPr anchorCtr="0" anchor="t" bIns="91425" lIns="91425" spcFirstLastPara="1" rIns="91425" wrap="square" tIns="91425">
-            <a:noAutofit/>
-          </a:bodyPr>
-          <a:lstStyle/>
-          <a:p>
-            <a:pPr indent="0" lvl="0" marL="0" rtl="0" algn="l">
-              <a:spcBef>
-                <a:spcPts val="0"/>
-              </a:spcBef>
-              <a:spcAft>
-                <a:spcPts val="0"/>
-              </a:spcAft>
-              <a:buNone/>
-            </a:pPr>
-            <a:r>
-              <a:rPr lang="en"/>
-              <a:t>Counting the number of black pixels</a:t>
-            </a:r>
-            <a:endParaRPr/>
-          </a:p>
-          <a:p>
-            <a:pPr indent="0" lvl="0" marL="0" rtl="0" algn="l">
-              <a:spcBef>
-                <a:spcPts val="0"/>
-              </a:spcBef>
-              <a:spcAft>
-                <a:spcPts val="0"/>
-              </a:spcAft>
-              <a:buNone/>
-            </a:pPr>
-            <a:r>
-              <a:rPr lang="en"/>
-              <a:t>Note the race on the line that increments numBlack (possibly by running the serial code and then the OpenMP version)</a:t>
-            </a:r>
-            <a:endParaRPr/>
-          </a:p>
-          <a:p>
-            <a:pPr indent="0" lvl="0" marL="0" rtl="0" algn="l">
-              <a:spcBef>
-                <a:spcPts val="0"/>
-              </a:spcBef>
-              <a:spcAft>
-                <a:spcPts val="0"/>
-              </a:spcAft>
-              <a:buNone/>
-            </a:pPr>
-            <a:r>
-              <a:rPr lang="en"/>
-              <a:t>Point out that this is like the opera cake example: a single variable gets the result of all the work</a:t>
             </a:r>
             <a:endParaRPr/>
           </a:p>
@@ -2052,11 +2044,11 @@
 </file>
 
 <file path=ppt/slideLayouts/slideLayout1.xml><?xml version="1.0" encoding="utf-8"?>
-<p:sldLayout xmlns:a="http://schemas.openxmlformats.org/drawingml/2006/main" xmlns:r="http://schemas.openxmlformats.org/officeDocument/2006/relationships" xmlns:mc="http://schemas.openxmlformats.org/markup-compatibility/2006" xmlns:mv="urn:schemas-microsoft-com:mac:vml" xmlns:p="http://schemas.openxmlformats.org/presentationml/2006/main" xmlns:c="http://schemas.openxmlformats.org/drawingml/2006/chart" xmlns:dgm="http://schemas.openxmlformats.org/drawingml/2006/diagram" xmlns:o="urn:schemas-microsoft-com:office:office" xmlns:v="urn:schemas-microsoft-com:vml" xmlns:pvml="urn:schemas-microsoft-com:office:powerpoint" xmlns:com="http://schemas.openxmlformats.org/drawingml/2006/compatibility" xmlns:p14="http://schemas.microsoft.com/office/powerpoint/2010/main" xmlns:p15="http://schemas.microsoft.com/office/powerpoint/2012/main" xmlns:ahyp="http://schemas.microsoft.com/office/drawing/2018/hyperlinkcolor" matchingName="Title slide" type="title">
+<p:sldLayout xmlns:a="http://schemas.openxmlformats.org/drawingml/2006/main" xmlns:r="http://schemas.openxmlformats.org/officeDocument/2006/relationships" xmlns:p="http://schemas.openxmlformats.org/presentationml/2006/main" matchingName="Title slide" type="title">
   <p:cSld name="TITLE">
     <p:spTree>
       <p:nvGrpSpPr>
-        <p:cNvPr id="9" name="Shape 9"/>
+        <p:cNvPr id="1" name="Shape 9"/>
         <p:cNvGrpSpPr/>
         <p:nvPr/>
       </p:nvGrpSpPr>
@@ -2071,7 +2063,9 @@
       <p:sp>
         <p:nvSpPr>
           <p:cNvPr id="10" name="Google Shape;10;p2"/>
-          <p:cNvSpPr txBox="1"/>
+          <p:cNvSpPr txBox="1">
+            <a:spLocks noGrp="1"/>
+          </p:cNvSpPr>
           <p:nvPr>
             <p:ph type="ctrTitle"/>
           </p:nvPr>
@@ -2086,7 +2080,7 @@
           </a:prstGeom>
         </p:spPr>
         <p:txBody>
-          <a:bodyPr anchorCtr="0" anchor="b" bIns="91425" lIns="91425" spcFirstLastPara="1" rIns="91425" wrap="square" tIns="91425">
+          <a:bodyPr spcFirstLastPara="1" wrap="square" lIns="91425" tIns="91425" rIns="91425" bIns="91425" anchor="b" anchorCtr="0">
             <a:noAutofit/>
           </a:bodyPr>
           <a:lstStyle>
@@ -2190,15 +2184,19 @@
               <a:defRPr sz="5200"/>
             </a:lvl9pPr>
           </a:lstStyle>
-          <a:p/>
+          <a:p>
+            <a:endParaRPr/>
+          </a:p>
         </p:txBody>
       </p:sp>
       <p:sp>
         <p:nvSpPr>
           <p:cNvPr id="11" name="Google Shape;11;p2"/>
-          <p:cNvSpPr txBox="1"/>
+          <p:cNvSpPr txBox="1">
+            <a:spLocks noGrp="1"/>
+          </p:cNvSpPr>
           <p:nvPr>
-            <p:ph idx="1" type="subTitle"/>
+            <p:ph type="subTitle" idx="1"/>
           </p:nvPr>
         </p:nvSpPr>
         <p:spPr>
@@ -2211,7 +2209,7 @@
           </a:prstGeom>
         </p:spPr>
         <p:txBody>
-          <a:bodyPr anchorCtr="0" anchor="t" bIns="91425" lIns="91425" spcFirstLastPara="1" rIns="91425" wrap="square" tIns="91425">
+          <a:bodyPr spcFirstLastPara="1" wrap="square" lIns="91425" tIns="91425" rIns="91425" bIns="91425" anchor="t" anchorCtr="0">
             <a:noAutofit/>
           </a:bodyPr>
           <a:lstStyle>
@@ -2342,15 +2340,19 @@
               <a:defRPr sz="2800"/>
             </a:lvl9pPr>
           </a:lstStyle>
-          <a:p/>
+          <a:p>
+            <a:endParaRPr/>
+          </a:p>
         </p:txBody>
       </p:sp>
       <p:sp>
         <p:nvSpPr>
           <p:cNvPr id="12" name="Google Shape;12;p2"/>
-          <p:cNvSpPr txBox="1"/>
+          <p:cNvSpPr txBox="1">
+            <a:spLocks noGrp="1"/>
+          </p:cNvSpPr>
           <p:nvPr>
-            <p:ph idx="12" type="sldNum"/>
+            <p:ph type="sldNum" idx="12"/>
           </p:nvPr>
         </p:nvSpPr>
         <p:spPr>
@@ -2363,7 +2365,7 @@
           </a:prstGeom>
         </p:spPr>
         <p:txBody>
-          <a:bodyPr anchorCtr="0" anchor="ctr" bIns="91425" lIns="91425" spcFirstLastPara="1" rIns="91425" wrap="square" tIns="91425">
+          <a:bodyPr spcFirstLastPara="1" wrap="square" lIns="91425" tIns="91425" rIns="91425" bIns="91425" anchor="ctr" anchorCtr="0">
             <a:noAutofit/>
           </a:bodyPr>
           <a:lstStyle>
@@ -2405,7 +2407,7 @@
             </a:lvl9pPr>
           </a:lstStyle>
           <a:p>
-            <a:pPr indent="0" lvl="0" marL="0" rtl="0" algn="r">
+            <a:pPr marL="0" lvl="0" indent="0" algn="r" rtl="0">
               <a:spcBef>
                 <a:spcPts val="0"/>
               </a:spcBef>
@@ -2431,11 +2433,11 @@
 </file>
 
 <file path=ppt/slideLayouts/slideLayout10.xml><?xml version="1.0" encoding="utf-8"?>
-<p:sldLayout xmlns:a="http://schemas.openxmlformats.org/drawingml/2006/main" xmlns:r="http://schemas.openxmlformats.org/officeDocument/2006/relationships" xmlns:mc="http://schemas.openxmlformats.org/markup-compatibility/2006" xmlns:mv="urn:schemas-microsoft-com:mac:vml" xmlns:p="http://schemas.openxmlformats.org/presentationml/2006/main" xmlns:c="http://schemas.openxmlformats.org/drawingml/2006/chart" xmlns:dgm="http://schemas.openxmlformats.org/drawingml/2006/diagram" xmlns:o="urn:schemas-microsoft-com:office:office" xmlns:v="urn:schemas-microsoft-com:vml" xmlns:pvml="urn:schemas-microsoft-com:office:powerpoint" xmlns:com="http://schemas.openxmlformats.org/drawingml/2006/compatibility" xmlns:p14="http://schemas.microsoft.com/office/powerpoint/2010/main" xmlns:p15="http://schemas.microsoft.com/office/powerpoint/2012/main" xmlns:ahyp="http://schemas.microsoft.com/office/drawing/2018/hyperlinkcolor" matchingName="Big number">
+<p:sldLayout xmlns:a="http://schemas.openxmlformats.org/drawingml/2006/main" xmlns:r="http://schemas.openxmlformats.org/officeDocument/2006/relationships" xmlns:p="http://schemas.openxmlformats.org/presentationml/2006/main" matchingName="Big number">
   <p:cSld name="BIG_NUMBER">
     <p:spTree>
       <p:nvGrpSpPr>
-        <p:cNvPr id="44" name="Shape 44"/>
+        <p:cNvPr id="1" name="Shape 44"/>
         <p:cNvGrpSpPr/>
         <p:nvPr/>
       </p:nvGrpSpPr>
@@ -2450,9 +2452,11 @@
       <p:sp>
         <p:nvSpPr>
           <p:cNvPr id="45" name="Google Shape;45;p11"/>
-          <p:cNvSpPr txBox="1"/>
+          <p:cNvSpPr txBox="1">
+            <a:spLocks noGrp="1"/>
+          </p:cNvSpPr>
           <p:nvPr>
-            <p:ph hasCustomPrompt="1" type="title"/>
+            <p:ph type="title" hasCustomPrompt="1"/>
           </p:nvPr>
         </p:nvSpPr>
         <p:spPr>
@@ -2465,7 +2469,7 @@
           </a:prstGeom>
         </p:spPr>
         <p:txBody>
-          <a:bodyPr anchorCtr="0" anchor="b" bIns="91425" lIns="91425" spcFirstLastPara="1" rIns="91425" wrap="square" tIns="91425">
+          <a:bodyPr spcFirstLastPara="1" wrap="square" lIns="91425" tIns="91425" rIns="91425" bIns="91425" anchor="b" anchorCtr="0">
             <a:noAutofit/>
           </a:bodyPr>
           <a:lstStyle>
@@ -2579,9 +2583,11 @@
       <p:sp>
         <p:nvSpPr>
           <p:cNvPr id="46" name="Google Shape;46;p11"/>
-          <p:cNvSpPr txBox="1"/>
+          <p:cNvSpPr txBox="1">
+            <a:spLocks noGrp="1"/>
+          </p:cNvSpPr>
           <p:nvPr>
-            <p:ph idx="1" type="body"/>
+            <p:ph type="body" idx="1"/>
           </p:nvPr>
         </p:nvSpPr>
         <p:spPr>
@@ -2594,11 +2600,11 @@
           </a:prstGeom>
         </p:spPr>
         <p:txBody>
-          <a:bodyPr anchorCtr="0" anchor="t" bIns="91425" lIns="91425" spcFirstLastPara="1" rIns="91425" wrap="square" tIns="91425">
+          <a:bodyPr spcFirstLastPara="1" wrap="square" lIns="91425" tIns="91425" rIns="91425" bIns="91425" anchor="t" anchorCtr="0">
             <a:noAutofit/>
           </a:bodyPr>
           <a:lstStyle>
-            <a:lvl1pPr indent="-342900" lvl="0" marL="457200" algn="ctr">
+            <a:lvl1pPr marL="457200" lvl="0" indent="-342900" algn="ctr">
               <a:spcBef>
                 <a:spcPts val="0"/>
               </a:spcBef>
@@ -2609,7 +2615,7 @@
               <a:buChar char="●"/>
               <a:defRPr/>
             </a:lvl1pPr>
-            <a:lvl2pPr indent="-317500" lvl="1" marL="914400" algn="ctr">
+            <a:lvl2pPr marL="914400" lvl="1" indent="-317500" algn="ctr">
               <a:spcBef>
                 <a:spcPts val="1600"/>
               </a:spcBef>
@@ -2620,7 +2626,7 @@
               <a:buChar char="○"/>
               <a:defRPr/>
             </a:lvl2pPr>
-            <a:lvl3pPr indent="-317500" lvl="2" marL="1371600" algn="ctr">
+            <a:lvl3pPr marL="1371600" lvl="2" indent="-317500" algn="ctr">
               <a:spcBef>
                 <a:spcPts val="1600"/>
               </a:spcBef>
@@ -2631,7 +2637,7 @@
               <a:buChar char="■"/>
               <a:defRPr/>
             </a:lvl3pPr>
-            <a:lvl4pPr indent="-317500" lvl="3" marL="1828800" algn="ctr">
+            <a:lvl4pPr marL="1828800" lvl="3" indent="-317500" algn="ctr">
               <a:spcBef>
                 <a:spcPts val="1600"/>
               </a:spcBef>
@@ -2642,7 +2648,7 @@
               <a:buChar char="●"/>
               <a:defRPr/>
             </a:lvl4pPr>
-            <a:lvl5pPr indent="-317500" lvl="4" marL="2286000" algn="ctr">
+            <a:lvl5pPr marL="2286000" lvl="4" indent="-317500" algn="ctr">
               <a:spcBef>
                 <a:spcPts val="1600"/>
               </a:spcBef>
@@ -2653,7 +2659,7 @@
               <a:buChar char="○"/>
               <a:defRPr/>
             </a:lvl5pPr>
-            <a:lvl6pPr indent="-317500" lvl="5" marL="2743200" algn="ctr">
+            <a:lvl6pPr marL="2743200" lvl="5" indent="-317500" algn="ctr">
               <a:spcBef>
                 <a:spcPts val="1600"/>
               </a:spcBef>
@@ -2664,7 +2670,7 @@
               <a:buChar char="■"/>
               <a:defRPr/>
             </a:lvl6pPr>
-            <a:lvl7pPr indent="-317500" lvl="6" marL="3200400" algn="ctr">
+            <a:lvl7pPr marL="3200400" lvl="6" indent="-317500" algn="ctr">
               <a:spcBef>
                 <a:spcPts val="1600"/>
               </a:spcBef>
@@ -2675,7 +2681,7 @@
               <a:buChar char="●"/>
               <a:defRPr/>
             </a:lvl7pPr>
-            <a:lvl8pPr indent="-317500" lvl="7" marL="3657600" algn="ctr">
+            <a:lvl8pPr marL="3657600" lvl="7" indent="-317500" algn="ctr">
               <a:spcBef>
                 <a:spcPts val="1600"/>
               </a:spcBef>
@@ -2686,7 +2692,7 @@
               <a:buChar char="○"/>
               <a:defRPr/>
             </a:lvl8pPr>
-            <a:lvl9pPr indent="-317500" lvl="8" marL="4114800" algn="ctr">
+            <a:lvl9pPr marL="4114800" lvl="8" indent="-317500" algn="ctr">
               <a:spcBef>
                 <a:spcPts val="1600"/>
               </a:spcBef>
@@ -2698,15 +2704,19 @@
               <a:defRPr/>
             </a:lvl9pPr>
           </a:lstStyle>
-          <a:p/>
+          <a:p>
+            <a:endParaRPr/>
+          </a:p>
         </p:txBody>
       </p:sp>
       <p:sp>
         <p:nvSpPr>
           <p:cNvPr id="47" name="Google Shape;47;p11"/>
-          <p:cNvSpPr txBox="1"/>
+          <p:cNvSpPr txBox="1">
+            <a:spLocks noGrp="1"/>
+          </p:cNvSpPr>
           <p:nvPr>
-            <p:ph idx="12" type="sldNum"/>
+            <p:ph type="sldNum" idx="12"/>
           </p:nvPr>
         </p:nvSpPr>
         <p:spPr>
@@ -2719,7 +2729,7 @@
           </a:prstGeom>
         </p:spPr>
         <p:txBody>
-          <a:bodyPr anchorCtr="0" anchor="ctr" bIns="91425" lIns="91425" spcFirstLastPara="1" rIns="91425" wrap="square" tIns="91425">
+          <a:bodyPr spcFirstLastPara="1" wrap="square" lIns="91425" tIns="91425" rIns="91425" bIns="91425" anchor="ctr" anchorCtr="0">
             <a:noAutofit/>
           </a:bodyPr>
           <a:lstStyle>
@@ -2761,7 +2771,7 @@
             </a:lvl9pPr>
           </a:lstStyle>
           <a:p>
-            <a:pPr indent="0" lvl="0" marL="0" rtl="0" algn="r">
+            <a:pPr marL="0" lvl="0" indent="0" algn="r" rtl="0">
               <a:spcBef>
                 <a:spcPts val="0"/>
               </a:spcBef>
@@ -2787,11 +2797,11 @@
 </file>
 
 <file path=ppt/slideLayouts/slideLayout11.xml><?xml version="1.0" encoding="utf-8"?>
-<p:sldLayout xmlns:a="http://schemas.openxmlformats.org/drawingml/2006/main" xmlns:r="http://schemas.openxmlformats.org/officeDocument/2006/relationships" xmlns:mc="http://schemas.openxmlformats.org/markup-compatibility/2006" xmlns:mv="urn:schemas-microsoft-com:mac:vml" xmlns:p="http://schemas.openxmlformats.org/presentationml/2006/main" xmlns:c="http://schemas.openxmlformats.org/drawingml/2006/chart" xmlns:dgm="http://schemas.openxmlformats.org/drawingml/2006/diagram" xmlns:o="urn:schemas-microsoft-com:office:office" xmlns:v="urn:schemas-microsoft-com:vml" xmlns:pvml="urn:schemas-microsoft-com:office:powerpoint" xmlns:com="http://schemas.openxmlformats.org/drawingml/2006/compatibility" xmlns:p14="http://schemas.microsoft.com/office/powerpoint/2010/main" xmlns:p15="http://schemas.microsoft.com/office/powerpoint/2012/main" xmlns:ahyp="http://schemas.microsoft.com/office/drawing/2018/hyperlinkcolor" matchingName="Blank" type="blank">
+<p:sldLayout xmlns:a="http://schemas.openxmlformats.org/drawingml/2006/main" xmlns:r="http://schemas.openxmlformats.org/officeDocument/2006/relationships" xmlns:p="http://schemas.openxmlformats.org/presentationml/2006/main" matchingName="Blank" type="blank">
   <p:cSld name="BLANK">
     <p:spTree>
       <p:nvGrpSpPr>
-        <p:cNvPr id="48" name="Shape 48"/>
+        <p:cNvPr id="1" name="Shape 48"/>
         <p:cNvGrpSpPr/>
         <p:nvPr/>
       </p:nvGrpSpPr>
@@ -2806,9 +2816,11 @@
       <p:sp>
         <p:nvSpPr>
           <p:cNvPr id="49" name="Google Shape;49;p12"/>
-          <p:cNvSpPr txBox="1"/>
+          <p:cNvSpPr txBox="1">
+            <a:spLocks noGrp="1"/>
+          </p:cNvSpPr>
           <p:nvPr>
-            <p:ph idx="12" type="sldNum"/>
+            <p:ph type="sldNum" idx="12"/>
           </p:nvPr>
         </p:nvSpPr>
         <p:spPr>
@@ -2821,7 +2833,7 @@
           </a:prstGeom>
         </p:spPr>
         <p:txBody>
-          <a:bodyPr anchorCtr="0" anchor="ctr" bIns="91425" lIns="91425" spcFirstLastPara="1" rIns="91425" wrap="square" tIns="91425">
+          <a:bodyPr spcFirstLastPara="1" wrap="square" lIns="91425" tIns="91425" rIns="91425" bIns="91425" anchor="ctr" anchorCtr="0">
             <a:noAutofit/>
           </a:bodyPr>
           <a:lstStyle>
@@ -2863,7 +2875,7 @@
             </a:lvl9pPr>
           </a:lstStyle>
           <a:p>
-            <a:pPr indent="0" lvl="0" marL="0" rtl="0" algn="r">
+            <a:pPr marL="0" lvl="0" indent="0" algn="r" rtl="0">
               <a:spcBef>
                 <a:spcPts val="0"/>
               </a:spcBef>
@@ -2889,11 +2901,11 @@
 </file>
 
 <file path=ppt/slideLayouts/slideLayout2.xml><?xml version="1.0" encoding="utf-8"?>
-<p:sldLayout xmlns:a="http://schemas.openxmlformats.org/drawingml/2006/main" xmlns:r="http://schemas.openxmlformats.org/officeDocument/2006/relationships" xmlns:mc="http://schemas.openxmlformats.org/markup-compatibility/2006" xmlns:mv="urn:schemas-microsoft-com:mac:vml" xmlns:p="http://schemas.openxmlformats.org/presentationml/2006/main" xmlns:c="http://schemas.openxmlformats.org/drawingml/2006/chart" xmlns:dgm="http://schemas.openxmlformats.org/drawingml/2006/diagram" xmlns:o="urn:schemas-microsoft-com:office:office" xmlns:v="urn:schemas-microsoft-com:vml" xmlns:pvml="urn:schemas-microsoft-com:office:powerpoint" xmlns:com="http://schemas.openxmlformats.org/drawingml/2006/compatibility" xmlns:p14="http://schemas.microsoft.com/office/powerpoint/2010/main" xmlns:p15="http://schemas.microsoft.com/office/powerpoint/2012/main" xmlns:ahyp="http://schemas.microsoft.com/office/drawing/2018/hyperlinkcolor" matchingName="Section header" type="secHead">
+<p:sldLayout xmlns:a="http://schemas.openxmlformats.org/drawingml/2006/main" xmlns:r="http://schemas.openxmlformats.org/officeDocument/2006/relationships" xmlns:p="http://schemas.openxmlformats.org/presentationml/2006/main" matchingName="Section header" type="secHead">
   <p:cSld name="SECTION_HEADER">
     <p:spTree>
       <p:nvGrpSpPr>
-        <p:cNvPr id="13" name="Shape 13"/>
+        <p:cNvPr id="1" name="Shape 13"/>
         <p:cNvGrpSpPr/>
         <p:nvPr/>
       </p:nvGrpSpPr>
@@ -2908,7 +2920,9 @@
       <p:sp>
         <p:nvSpPr>
           <p:cNvPr id="14" name="Google Shape;14;p3"/>
-          <p:cNvSpPr txBox="1"/>
+          <p:cNvSpPr txBox="1">
+            <a:spLocks noGrp="1"/>
+          </p:cNvSpPr>
           <p:nvPr>
             <p:ph type="title"/>
           </p:nvPr>
@@ -2923,7 +2937,7 @@
           </a:prstGeom>
         </p:spPr>
         <p:txBody>
-          <a:bodyPr anchorCtr="0" anchor="ctr" bIns="91425" lIns="91425" spcFirstLastPara="1" rIns="91425" wrap="square" tIns="91425">
+          <a:bodyPr spcFirstLastPara="1" wrap="square" lIns="91425" tIns="91425" rIns="91425" bIns="91425" anchor="ctr" anchorCtr="0">
             <a:noAutofit/>
           </a:bodyPr>
           <a:lstStyle>
@@ -3027,15 +3041,19 @@
               <a:defRPr sz="3600"/>
             </a:lvl9pPr>
           </a:lstStyle>
-          <a:p/>
+          <a:p>
+            <a:endParaRPr/>
+          </a:p>
         </p:txBody>
       </p:sp>
       <p:sp>
         <p:nvSpPr>
           <p:cNvPr id="15" name="Google Shape;15;p3"/>
-          <p:cNvSpPr txBox="1"/>
+          <p:cNvSpPr txBox="1">
+            <a:spLocks noGrp="1"/>
+          </p:cNvSpPr>
           <p:nvPr>
-            <p:ph idx="12" type="sldNum"/>
+            <p:ph type="sldNum" idx="12"/>
           </p:nvPr>
         </p:nvSpPr>
         <p:spPr>
@@ -3048,7 +3066,7 @@
           </a:prstGeom>
         </p:spPr>
         <p:txBody>
-          <a:bodyPr anchorCtr="0" anchor="ctr" bIns="91425" lIns="91425" spcFirstLastPara="1" rIns="91425" wrap="square" tIns="91425">
+          <a:bodyPr spcFirstLastPara="1" wrap="square" lIns="91425" tIns="91425" rIns="91425" bIns="91425" anchor="ctr" anchorCtr="0">
             <a:noAutofit/>
           </a:bodyPr>
           <a:lstStyle>
@@ -3090,7 +3108,7 @@
             </a:lvl9pPr>
           </a:lstStyle>
           <a:p>
-            <a:pPr indent="0" lvl="0" marL="0" rtl="0" algn="r">
+            <a:pPr marL="0" lvl="0" indent="0" algn="r" rtl="0">
               <a:spcBef>
                 <a:spcPts val="0"/>
               </a:spcBef>
@@ -3116,11 +3134,11 @@
 </file>
 
 <file path=ppt/slideLayouts/slideLayout3.xml><?xml version="1.0" encoding="utf-8"?>
-<p:sldLayout xmlns:a="http://schemas.openxmlformats.org/drawingml/2006/main" xmlns:r="http://schemas.openxmlformats.org/officeDocument/2006/relationships" xmlns:mc="http://schemas.openxmlformats.org/markup-compatibility/2006" xmlns:mv="urn:schemas-microsoft-com:mac:vml" xmlns:p="http://schemas.openxmlformats.org/presentationml/2006/main" xmlns:c="http://schemas.openxmlformats.org/drawingml/2006/chart" xmlns:dgm="http://schemas.openxmlformats.org/drawingml/2006/diagram" xmlns:o="urn:schemas-microsoft-com:office:office" xmlns:v="urn:schemas-microsoft-com:vml" xmlns:pvml="urn:schemas-microsoft-com:office:powerpoint" xmlns:com="http://schemas.openxmlformats.org/drawingml/2006/compatibility" xmlns:p14="http://schemas.microsoft.com/office/powerpoint/2010/main" xmlns:p15="http://schemas.microsoft.com/office/powerpoint/2012/main" xmlns:ahyp="http://schemas.microsoft.com/office/drawing/2018/hyperlinkcolor" matchingName="Title and body" type="tx">
+<p:sldLayout xmlns:a="http://schemas.openxmlformats.org/drawingml/2006/main" xmlns:r="http://schemas.openxmlformats.org/officeDocument/2006/relationships" xmlns:p="http://schemas.openxmlformats.org/presentationml/2006/main" matchingName="Title and body" type="tx">
   <p:cSld name="TITLE_AND_BODY">
     <p:spTree>
       <p:nvGrpSpPr>
-        <p:cNvPr id="16" name="Shape 16"/>
+        <p:cNvPr id="1" name="Shape 16"/>
         <p:cNvGrpSpPr/>
         <p:nvPr/>
       </p:nvGrpSpPr>
@@ -3135,7 +3153,9 @@
       <p:sp>
         <p:nvSpPr>
           <p:cNvPr id="17" name="Google Shape;17;p4"/>
-          <p:cNvSpPr txBox="1"/>
+          <p:cNvSpPr txBox="1">
+            <a:spLocks noGrp="1"/>
+          </p:cNvSpPr>
           <p:nvPr>
             <p:ph type="title"/>
           </p:nvPr>
@@ -3150,7 +3170,7 @@
           </a:prstGeom>
         </p:spPr>
         <p:txBody>
-          <a:bodyPr anchorCtr="0" anchor="t" bIns="91425" lIns="91425" spcFirstLastPara="1" rIns="91425" wrap="square" tIns="91425">
+          <a:bodyPr spcFirstLastPara="1" wrap="square" lIns="91425" tIns="91425" rIns="91425" bIns="91425" anchor="t" anchorCtr="0">
             <a:noAutofit/>
           </a:bodyPr>
           <a:lstStyle>
@@ -3254,15 +3274,19 @@
               <a:defRPr/>
             </a:lvl9pPr>
           </a:lstStyle>
-          <a:p/>
+          <a:p>
+            <a:endParaRPr/>
+          </a:p>
         </p:txBody>
       </p:sp>
       <p:sp>
         <p:nvSpPr>
           <p:cNvPr id="18" name="Google Shape;18;p4"/>
-          <p:cNvSpPr txBox="1"/>
+          <p:cNvSpPr txBox="1">
+            <a:spLocks noGrp="1"/>
+          </p:cNvSpPr>
           <p:nvPr>
-            <p:ph idx="1" type="body"/>
+            <p:ph type="body" idx="1"/>
           </p:nvPr>
         </p:nvSpPr>
         <p:spPr>
@@ -3275,11 +3299,11 @@
           </a:prstGeom>
         </p:spPr>
         <p:txBody>
-          <a:bodyPr anchorCtr="0" anchor="t" bIns="91425" lIns="91425" spcFirstLastPara="1" rIns="91425" wrap="square" tIns="91425">
+          <a:bodyPr spcFirstLastPara="1" wrap="square" lIns="91425" tIns="91425" rIns="91425" bIns="91425" anchor="t" anchorCtr="0">
             <a:noAutofit/>
           </a:bodyPr>
           <a:lstStyle>
-            <a:lvl1pPr indent="-342900" lvl="0" marL="457200">
+            <a:lvl1pPr marL="457200" lvl="0" indent="-342900">
               <a:spcBef>
                 <a:spcPts val="0"/>
               </a:spcBef>
@@ -3290,7 +3314,7 @@
               <a:buChar char="●"/>
               <a:defRPr/>
             </a:lvl1pPr>
-            <a:lvl2pPr indent="-317500" lvl="1" marL="914400">
+            <a:lvl2pPr marL="914400" lvl="1" indent="-317500">
               <a:spcBef>
                 <a:spcPts val="1600"/>
               </a:spcBef>
@@ -3301,7 +3325,7 @@
               <a:buChar char="○"/>
               <a:defRPr/>
             </a:lvl2pPr>
-            <a:lvl3pPr indent="-317500" lvl="2" marL="1371600">
+            <a:lvl3pPr marL="1371600" lvl="2" indent="-317500">
               <a:spcBef>
                 <a:spcPts val="1600"/>
               </a:spcBef>
@@ -3312,7 +3336,7 @@
               <a:buChar char="■"/>
               <a:defRPr/>
             </a:lvl3pPr>
-            <a:lvl4pPr indent="-317500" lvl="3" marL="1828800">
+            <a:lvl4pPr marL="1828800" lvl="3" indent="-317500">
               <a:spcBef>
                 <a:spcPts val="1600"/>
               </a:spcBef>
@@ -3323,7 +3347,7 @@
               <a:buChar char="●"/>
               <a:defRPr/>
             </a:lvl4pPr>
-            <a:lvl5pPr indent="-317500" lvl="4" marL="2286000">
+            <a:lvl5pPr marL="2286000" lvl="4" indent="-317500">
               <a:spcBef>
                 <a:spcPts val="1600"/>
               </a:spcBef>
@@ -3334,7 +3358,7 @@
               <a:buChar char="○"/>
               <a:defRPr/>
             </a:lvl5pPr>
-            <a:lvl6pPr indent="-317500" lvl="5" marL="2743200">
+            <a:lvl6pPr marL="2743200" lvl="5" indent="-317500">
               <a:spcBef>
                 <a:spcPts val="1600"/>
               </a:spcBef>
@@ -3345,7 +3369,7 @@
               <a:buChar char="■"/>
               <a:defRPr/>
             </a:lvl6pPr>
-            <a:lvl7pPr indent="-317500" lvl="6" marL="3200400">
+            <a:lvl7pPr marL="3200400" lvl="6" indent="-317500">
               <a:spcBef>
                 <a:spcPts val="1600"/>
               </a:spcBef>
@@ -3356,7 +3380,7 @@
               <a:buChar char="●"/>
               <a:defRPr/>
             </a:lvl7pPr>
-            <a:lvl8pPr indent="-317500" lvl="7" marL="3657600">
+            <a:lvl8pPr marL="3657600" lvl="7" indent="-317500">
               <a:spcBef>
                 <a:spcPts val="1600"/>
               </a:spcBef>
@@ -3367,7 +3391,7 @@
               <a:buChar char="○"/>
               <a:defRPr/>
             </a:lvl8pPr>
-            <a:lvl9pPr indent="-317500" lvl="8" marL="4114800">
+            <a:lvl9pPr marL="4114800" lvl="8" indent="-317500">
               <a:spcBef>
                 <a:spcPts val="1600"/>
               </a:spcBef>
@@ -3379,15 +3403,19 @@
               <a:defRPr/>
             </a:lvl9pPr>
           </a:lstStyle>
-          <a:p/>
+          <a:p>
+            <a:endParaRPr/>
+          </a:p>
         </p:txBody>
       </p:sp>
       <p:sp>
         <p:nvSpPr>
           <p:cNvPr id="19" name="Google Shape;19;p4"/>
-          <p:cNvSpPr txBox="1"/>
+          <p:cNvSpPr txBox="1">
+            <a:spLocks noGrp="1"/>
+          </p:cNvSpPr>
           <p:nvPr>
-            <p:ph idx="12" type="sldNum"/>
+            <p:ph type="sldNum" idx="12"/>
           </p:nvPr>
         </p:nvSpPr>
         <p:spPr>
@@ -3400,7 +3428,7 @@
           </a:prstGeom>
         </p:spPr>
         <p:txBody>
-          <a:bodyPr anchorCtr="0" anchor="ctr" bIns="91425" lIns="91425" spcFirstLastPara="1" rIns="91425" wrap="square" tIns="91425">
+          <a:bodyPr spcFirstLastPara="1" wrap="square" lIns="91425" tIns="91425" rIns="91425" bIns="91425" anchor="ctr" anchorCtr="0">
             <a:noAutofit/>
           </a:bodyPr>
           <a:lstStyle>
@@ -3442,7 +3470,7 @@
             </a:lvl9pPr>
           </a:lstStyle>
           <a:p>
-            <a:pPr indent="0" lvl="0" marL="0" rtl="0" algn="r">
+            <a:pPr marL="0" lvl="0" indent="0" algn="r" rtl="0">
               <a:spcBef>
                 <a:spcPts val="0"/>
               </a:spcBef>
@@ -3468,11 +3496,11 @@
 </file>
 
 <file path=ppt/slideLayouts/slideLayout4.xml><?xml version="1.0" encoding="utf-8"?>
-<p:sldLayout xmlns:a="http://schemas.openxmlformats.org/drawingml/2006/main" xmlns:r="http://schemas.openxmlformats.org/officeDocument/2006/relationships" xmlns:mc="http://schemas.openxmlformats.org/markup-compatibility/2006" xmlns:mv="urn:schemas-microsoft-com:mac:vml" xmlns:p="http://schemas.openxmlformats.org/presentationml/2006/main" xmlns:c="http://schemas.openxmlformats.org/drawingml/2006/chart" xmlns:dgm="http://schemas.openxmlformats.org/drawingml/2006/diagram" xmlns:o="urn:schemas-microsoft-com:office:office" xmlns:v="urn:schemas-microsoft-com:vml" xmlns:pvml="urn:schemas-microsoft-com:office:powerpoint" xmlns:com="http://schemas.openxmlformats.org/drawingml/2006/compatibility" xmlns:p14="http://schemas.microsoft.com/office/powerpoint/2010/main" xmlns:p15="http://schemas.microsoft.com/office/powerpoint/2012/main" xmlns:ahyp="http://schemas.microsoft.com/office/drawing/2018/hyperlinkcolor" matchingName="Title and two columns" type="twoColTx">
+<p:sldLayout xmlns:a="http://schemas.openxmlformats.org/drawingml/2006/main" xmlns:r="http://schemas.openxmlformats.org/officeDocument/2006/relationships" xmlns:p="http://schemas.openxmlformats.org/presentationml/2006/main" matchingName="Title and two columns" type="twoColTx">
   <p:cSld name="TITLE_AND_TWO_COLUMNS">
     <p:spTree>
       <p:nvGrpSpPr>
-        <p:cNvPr id="20" name="Shape 20"/>
+        <p:cNvPr id="1" name="Shape 20"/>
         <p:cNvGrpSpPr/>
         <p:nvPr/>
       </p:nvGrpSpPr>
@@ -3487,7 +3515,9 @@
       <p:sp>
         <p:nvSpPr>
           <p:cNvPr id="21" name="Google Shape;21;p5"/>
-          <p:cNvSpPr txBox="1"/>
+          <p:cNvSpPr txBox="1">
+            <a:spLocks noGrp="1"/>
+          </p:cNvSpPr>
           <p:nvPr>
             <p:ph type="title"/>
           </p:nvPr>
@@ -3502,7 +3532,7 @@
           </a:prstGeom>
         </p:spPr>
         <p:txBody>
-          <a:bodyPr anchorCtr="0" anchor="t" bIns="91425" lIns="91425" spcFirstLastPara="1" rIns="91425" wrap="square" tIns="91425">
+          <a:bodyPr spcFirstLastPara="1" wrap="square" lIns="91425" tIns="91425" rIns="91425" bIns="91425" anchor="t" anchorCtr="0">
             <a:noAutofit/>
           </a:bodyPr>
           <a:lstStyle>
@@ -3606,15 +3636,19 @@
               <a:defRPr/>
             </a:lvl9pPr>
           </a:lstStyle>
-          <a:p/>
+          <a:p>
+            <a:endParaRPr/>
+          </a:p>
         </p:txBody>
       </p:sp>
       <p:sp>
         <p:nvSpPr>
           <p:cNvPr id="22" name="Google Shape;22;p5"/>
-          <p:cNvSpPr txBox="1"/>
+          <p:cNvSpPr txBox="1">
+            <a:spLocks noGrp="1"/>
+          </p:cNvSpPr>
           <p:nvPr>
-            <p:ph idx="1" type="body"/>
+            <p:ph type="body" idx="1"/>
           </p:nvPr>
         </p:nvSpPr>
         <p:spPr>
@@ -3627,11 +3661,11 @@
           </a:prstGeom>
         </p:spPr>
         <p:txBody>
-          <a:bodyPr anchorCtr="0" anchor="t" bIns="91425" lIns="91425" spcFirstLastPara="1" rIns="91425" wrap="square" tIns="91425">
+          <a:bodyPr spcFirstLastPara="1" wrap="square" lIns="91425" tIns="91425" rIns="91425" bIns="91425" anchor="t" anchorCtr="0">
             <a:noAutofit/>
           </a:bodyPr>
           <a:lstStyle>
-            <a:lvl1pPr indent="-317500" lvl="0" marL="457200">
+            <a:lvl1pPr marL="457200" lvl="0" indent="-317500">
               <a:spcBef>
                 <a:spcPts val="0"/>
               </a:spcBef>
@@ -3642,7 +3676,7 @@
               <a:buChar char="●"/>
               <a:defRPr sz="1400"/>
             </a:lvl1pPr>
-            <a:lvl2pPr indent="-304800" lvl="1" marL="914400">
+            <a:lvl2pPr marL="914400" lvl="1" indent="-304800">
               <a:spcBef>
                 <a:spcPts val="1600"/>
               </a:spcBef>
@@ -3653,7 +3687,7 @@
               <a:buChar char="○"/>
               <a:defRPr sz="1200"/>
             </a:lvl2pPr>
-            <a:lvl3pPr indent="-304800" lvl="2" marL="1371600">
+            <a:lvl3pPr marL="1371600" lvl="2" indent="-304800">
               <a:spcBef>
                 <a:spcPts val="1600"/>
               </a:spcBef>
@@ -3664,7 +3698,7 @@
               <a:buChar char="■"/>
               <a:defRPr sz="1200"/>
             </a:lvl3pPr>
-            <a:lvl4pPr indent="-304800" lvl="3" marL="1828800">
+            <a:lvl4pPr marL="1828800" lvl="3" indent="-304800">
               <a:spcBef>
                 <a:spcPts val="1600"/>
               </a:spcBef>
@@ -3675,7 +3709,7 @@
               <a:buChar char="●"/>
               <a:defRPr sz="1200"/>
             </a:lvl4pPr>
-            <a:lvl5pPr indent="-304800" lvl="4" marL="2286000">
+            <a:lvl5pPr marL="2286000" lvl="4" indent="-304800">
               <a:spcBef>
                 <a:spcPts val="1600"/>
               </a:spcBef>
@@ -3686,7 +3720,7 @@
               <a:buChar char="○"/>
               <a:defRPr sz="1200"/>
             </a:lvl5pPr>
-            <a:lvl6pPr indent="-304800" lvl="5" marL="2743200">
+            <a:lvl6pPr marL="2743200" lvl="5" indent="-304800">
               <a:spcBef>
                 <a:spcPts val="1600"/>
               </a:spcBef>
@@ -3697,7 +3731,7 @@
               <a:buChar char="■"/>
               <a:defRPr sz="1200"/>
             </a:lvl6pPr>
-            <a:lvl7pPr indent="-304800" lvl="6" marL="3200400">
+            <a:lvl7pPr marL="3200400" lvl="6" indent="-304800">
               <a:spcBef>
                 <a:spcPts val="1600"/>
               </a:spcBef>
@@ -3708,7 +3742,7 @@
               <a:buChar char="●"/>
               <a:defRPr sz="1200"/>
             </a:lvl7pPr>
-            <a:lvl8pPr indent="-304800" lvl="7" marL="3657600">
+            <a:lvl8pPr marL="3657600" lvl="7" indent="-304800">
               <a:spcBef>
                 <a:spcPts val="1600"/>
               </a:spcBef>
@@ -3719,7 +3753,7 @@
               <a:buChar char="○"/>
               <a:defRPr sz="1200"/>
             </a:lvl8pPr>
-            <a:lvl9pPr indent="-304800" lvl="8" marL="4114800">
+            <a:lvl9pPr marL="4114800" lvl="8" indent="-304800">
               <a:spcBef>
                 <a:spcPts val="1600"/>
               </a:spcBef>
@@ -3731,15 +3765,19 @@
               <a:defRPr sz="1200"/>
             </a:lvl9pPr>
           </a:lstStyle>
-          <a:p/>
+          <a:p>
+            <a:endParaRPr/>
+          </a:p>
         </p:txBody>
       </p:sp>
       <p:sp>
         <p:nvSpPr>
           <p:cNvPr id="23" name="Google Shape;23;p5"/>
-          <p:cNvSpPr txBox="1"/>
+          <p:cNvSpPr txBox="1">
+            <a:spLocks noGrp="1"/>
+          </p:cNvSpPr>
           <p:nvPr>
-            <p:ph idx="2" type="body"/>
+            <p:ph type="body" idx="2"/>
           </p:nvPr>
         </p:nvSpPr>
         <p:spPr>
@@ -3752,11 +3790,11 @@
           </a:prstGeom>
         </p:spPr>
         <p:txBody>
-          <a:bodyPr anchorCtr="0" anchor="t" bIns="91425" lIns="91425" spcFirstLastPara="1" rIns="91425" wrap="square" tIns="91425">
+          <a:bodyPr spcFirstLastPara="1" wrap="square" lIns="91425" tIns="91425" rIns="91425" bIns="91425" anchor="t" anchorCtr="0">
             <a:noAutofit/>
           </a:bodyPr>
           <a:lstStyle>
-            <a:lvl1pPr indent="-317500" lvl="0" marL="457200">
+            <a:lvl1pPr marL="457200" lvl="0" indent="-317500">
               <a:spcBef>
                 <a:spcPts val="0"/>
               </a:spcBef>
@@ -3767,7 +3805,7 @@
               <a:buChar char="●"/>
               <a:defRPr sz="1400"/>
             </a:lvl1pPr>
-            <a:lvl2pPr indent="-304800" lvl="1" marL="914400">
+            <a:lvl2pPr marL="914400" lvl="1" indent="-304800">
               <a:spcBef>
                 <a:spcPts val="1600"/>
               </a:spcBef>
@@ -3778,7 +3816,7 @@
               <a:buChar char="○"/>
               <a:defRPr sz="1200"/>
             </a:lvl2pPr>
-            <a:lvl3pPr indent="-304800" lvl="2" marL="1371600">
+            <a:lvl3pPr marL="1371600" lvl="2" indent="-304800">
               <a:spcBef>
                 <a:spcPts val="1600"/>
               </a:spcBef>
@@ -3789,7 +3827,7 @@
               <a:buChar char="■"/>
               <a:defRPr sz="1200"/>
             </a:lvl3pPr>
-            <a:lvl4pPr indent="-304800" lvl="3" marL="1828800">
+            <a:lvl4pPr marL="1828800" lvl="3" indent="-304800">
               <a:spcBef>
                 <a:spcPts val="1600"/>
               </a:spcBef>
@@ -3800,7 +3838,7 @@
               <a:buChar char="●"/>
               <a:defRPr sz="1200"/>
             </a:lvl4pPr>
-            <a:lvl5pPr indent="-304800" lvl="4" marL="2286000">
+            <a:lvl5pPr marL="2286000" lvl="4" indent="-304800">
               <a:spcBef>
                 <a:spcPts val="1600"/>
               </a:spcBef>
@@ -3811,7 +3849,7 @@
               <a:buChar char="○"/>
               <a:defRPr sz="1200"/>
             </a:lvl5pPr>
-            <a:lvl6pPr indent="-304800" lvl="5" marL="2743200">
+            <a:lvl6pPr marL="2743200" lvl="5" indent="-304800">
               <a:spcBef>
                 <a:spcPts val="1600"/>
               </a:spcBef>
@@ -3822,7 +3860,7 @@
               <a:buChar char="■"/>
               <a:defRPr sz="1200"/>
             </a:lvl6pPr>
-            <a:lvl7pPr indent="-304800" lvl="6" marL="3200400">
+            <a:lvl7pPr marL="3200400" lvl="6" indent="-304800">
               <a:spcBef>
                 <a:spcPts val="1600"/>
               </a:spcBef>
@@ -3833,7 +3871,7 @@
               <a:buChar char="●"/>
               <a:defRPr sz="1200"/>
             </a:lvl7pPr>
-            <a:lvl8pPr indent="-304800" lvl="7" marL="3657600">
+            <a:lvl8pPr marL="3657600" lvl="7" indent="-304800">
               <a:spcBef>
                 <a:spcPts val="1600"/>
               </a:spcBef>
@@ -3844,7 +3882,7 @@
               <a:buChar char="○"/>
               <a:defRPr sz="1200"/>
             </a:lvl8pPr>
-            <a:lvl9pPr indent="-304800" lvl="8" marL="4114800">
+            <a:lvl9pPr marL="4114800" lvl="8" indent="-304800">
               <a:spcBef>
                 <a:spcPts val="1600"/>
               </a:spcBef>
@@ -3856,15 +3894,19 @@
               <a:defRPr sz="1200"/>
             </a:lvl9pPr>
           </a:lstStyle>
-          <a:p/>
+          <a:p>
+            <a:endParaRPr/>
+          </a:p>
         </p:txBody>
       </p:sp>
       <p:sp>
         <p:nvSpPr>
           <p:cNvPr id="24" name="Google Shape;24;p5"/>
-          <p:cNvSpPr txBox="1"/>
+          <p:cNvSpPr txBox="1">
+            <a:spLocks noGrp="1"/>
+          </p:cNvSpPr>
           <p:nvPr>
-            <p:ph idx="12" type="sldNum"/>
+            <p:ph type="sldNum" idx="12"/>
           </p:nvPr>
         </p:nvSpPr>
         <p:spPr>
@@ -3877,7 +3919,7 @@
           </a:prstGeom>
         </p:spPr>
         <p:txBody>
-          <a:bodyPr anchorCtr="0" anchor="ctr" bIns="91425" lIns="91425" spcFirstLastPara="1" rIns="91425" wrap="square" tIns="91425">
+          <a:bodyPr spcFirstLastPara="1" wrap="square" lIns="91425" tIns="91425" rIns="91425" bIns="91425" anchor="ctr" anchorCtr="0">
             <a:noAutofit/>
           </a:bodyPr>
           <a:lstStyle>
@@ -3919,7 +3961,7 @@
             </a:lvl9pPr>
           </a:lstStyle>
           <a:p>
-            <a:pPr indent="0" lvl="0" marL="0" rtl="0" algn="r">
+            <a:pPr marL="0" lvl="0" indent="0" algn="r" rtl="0">
               <a:spcBef>
                 <a:spcPts val="0"/>
               </a:spcBef>
@@ -3945,11 +3987,11 @@
 </file>
 
 <file path=ppt/slideLayouts/slideLayout5.xml><?xml version="1.0" encoding="utf-8"?>
-<p:sldLayout xmlns:a="http://schemas.openxmlformats.org/drawingml/2006/main" xmlns:r="http://schemas.openxmlformats.org/officeDocument/2006/relationships" xmlns:mc="http://schemas.openxmlformats.org/markup-compatibility/2006" xmlns:mv="urn:schemas-microsoft-com:mac:vml" xmlns:p="http://schemas.openxmlformats.org/presentationml/2006/main" xmlns:c="http://schemas.openxmlformats.org/drawingml/2006/chart" xmlns:dgm="http://schemas.openxmlformats.org/drawingml/2006/diagram" xmlns:o="urn:schemas-microsoft-com:office:office" xmlns:v="urn:schemas-microsoft-com:vml" xmlns:pvml="urn:schemas-microsoft-com:office:powerpoint" xmlns:com="http://schemas.openxmlformats.org/drawingml/2006/compatibility" xmlns:p14="http://schemas.microsoft.com/office/powerpoint/2010/main" xmlns:p15="http://schemas.microsoft.com/office/powerpoint/2012/main" xmlns:ahyp="http://schemas.microsoft.com/office/drawing/2018/hyperlinkcolor" matchingName="Title only" type="titleOnly">
+<p:sldLayout xmlns:a="http://schemas.openxmlformats.org/drawingml/2006/main" xmlns:r="http://schemas.openxmlformats.org/officeDocument/2006/relationships" xmlns:p="http://schemas.openxmlformats.org/presentationml/2006/main" matchingName="Title only" type="titleOnly">
   <p:cSld name="TITLE_ONLY">
     <p:spTree>
       <p:nvGrpSpPr>
-        <p:cNvPr id="25" name="Shape 25"/>
+        <p:cNvPr id="1" name="Shape 25"/>
         <p:cNvGrpSpPr/>
         <p:nvPr/>
       </p:nvGrpSpPr>
@@ -3964,7 +4006,9 @@
       <p:sp>
         <p:nvSpPr>
           <p:cNvPr id="26" name="Google Shape;26;p6"/>
-          <p:cNvSpPr txBox="1"/>
+          <p:cNvSpPr txBox="1">
+            <a:spLocks noGrp="1"/>
+          </p:cNvSpPr>
           <p:nvPr>
             <p:ph type="title"/>
           </p:nvPr>
@@ -3979,7 +4023,7 @@
           </a:prstGeom>
         </p:spPr>
         <p:txBody>
-          <a:bodyPr anchorCtr="0" anchor="t" bIns="91425" lIns="91425" spcFirstLastPara="1" rIns="91425" wrap="square" tIns="91425">
+          <a:bodyPr spcFirstLastPara="1" wrap="square" lIns="91425" tIns="91425" rIns="91425" bIns="91425" anchor="t" anchorCtr="0">
             <a:noAutofit/>
           </a:bodyPr>
           <a:lstStyle>
@@ -4083,15 +4127,19 @@
               <a:defRPr/>
             </a:lvl9pPr>
           </a:lstStyle>
-          <a:p/>
+          <a:p>
+            <a:endParaRPr/>
+          </a:p>
         </p:txBody>
       </p:sp>
       <p:sp>
         <p:nvSpPr>
           <p:cNvPr id="27" name="Google Shape;27;p6"/>
-          <p:cNvSpPr txBox="1"/>
+          <p:cNvSpPr txBox="1">
+            <a:spLocks noGrp="1"/>
+          </p:cNvSpPr>
           <p:nvPr>
-            <p:ph idx="12" type="sldNum"/>
+            <p:ph type="sldNum" idx="12"/>
           </p:nvPr>
         </p:nvSpPr>
         <p:spPr>
@@ -4104,7 +4152,7 @@
           </a:prstGeom>
         </p:spPr>
         <p:txBody>
-          <a:bodyPr anchorCtr="0" anchor="ctr" bIns="91425" lIns="91425" spcFirstLastPara="1" rIns="91425" wrap="square" tIns="91425">
+          <a:bodyPr spcFirstLastPara="1" wrap="square" lIns="91425" tIns="91425" rIns="91425" bIns="91425" anchor="ctr" anchorCtr="0">
             <a:noAutofit/>
           </a:bodyPr>
           <a:lstStyle>
@@ -4146,7 +4194,7 @@
             </a:lvl9pPr>
           </a:lstStyle>
           <a:p>
-            <a:pPr indent="0" lvl="0" marL="0" rtl="0" algn="r">
+            <a:pPr marL="0" lvl="0" indent="0" algn="r" rtl="0">
               <a:spcBef>
                 <a:spcPts val="0"/>
               </a:spcBef>
@@ -4172,11 +4220,11 @@
 </file>
 
 <file path=ppt/slideLayouts/slideLayout6.xml><?xml version="1.0" encoding="utf-8"?>
-<p:sldLayout xmlns:a="http://schemas.openxmlformats.org/drawingml/2006/main" xmlns:r="http://schemas.openxmlformats.org/officeDocument/2006/relationships" xmlns:mc="http://schemas.openxmlformats.org/markup-compatibility/2006" xmlns:mv="urn:schemas-microsoft-com:mac:vml" xmlns:p="http://schemas.openxmlformats.org/presentationml/2006/main" xmlns:c="http://schemas.openxmlformats.org/drawingml/2006/chart" xmlns:dgm="http://schemas.openxmlformats.org/drawingml/2006/diagram" xmlns:o="urn:schemas-microsoft-com:office:office" xmlns:v="urn:schemas-microsoft-com:vml" xmlns:pvml="urn:schemas-microsoft-com:office:powerpoint" xmlns:com="http://schemas.openxmlformats.org/drawingml/2006/compatibility" xmlns:p14="http://schemas.microsoft.com/office/powerpoint/2010/main" xmlns:p15="http://schemas.microsoft.com/office/powerpoint/2012/main" xmlns:ahyp="http://schemas.microsoft.com/office/drawing/2018/hyperlinkcolor" matchingName="One column text">
+<p:sldLayout xmlns:a="http://schemas.openxmlformats.org/drawingml/2006/main" xmlns:r="http://schemas.openxmlformats.org/officeDocument/2006/relationships" xmlns:p="http://schemas.openxmlformats.org/presentationml/2006/main" matchingName="One column text">
   <p:cSld name="ONE_COLUMN_TEXT">
     <p:spTree>
       <p:nvGrpSpPr>
-        <p:cNvPr id="28" name="Shape 28"/>
+        <p:cNvPr id="1" name="Shape 28"/>
         <p:cNvGrpSpPr/>
         <p:nvPr/>
       </p:nvGrpSpPr>
@@ -4191,7 +4239,9 @@
       <p:sp>
         <p:nvSpPr>
           <p:cNvPr id="29" name="Google Shape;29;p7"/>
-          <p:cNvSpPr txBox="1"/>
+          <p:cNvSpPr txBox="1">
+            <a:spLocks noGrp="1"/>
+          </p:cNvSpPr>
           <p:nvPr>
             <p:ph type="title"/>
           </p:nvPr>
@@ -4206,7 +4256,7 @@
           </a:prstGeom>
         </p:spPr>
         <p:txBody>
-          <a:bodyPr anchorCtr="0" anchor="b" bIns="91425" lIns="91425" spcFirstLastPara="1" rIns="91425" wrap="square" tIns="91425">
+          <a:bodyPr spcFirstLastPara="1" wrap="square" lIns="91425" tIns="91425" rIns="91425" bIns="91425" anchor="b" anchorCtr="0">
             <a:noAutofit/>
           </a:bodyPr>
           <a:lstStyle>
@@ -4310,15 +4360,19 @@
               <a:defRPr sz="2400"/>
             </a:lvl9pPr>
           </a:lstStyle>
-          <a:p/>
+          <a:p>
+            <a:endParaRPr/>
+          </a:p>
         </p:txBody>
       </p:sp>
       <p:sp>
         <p:nvSpPr>
           <p:cNvPr id="30" name="Google Shape;30;p7"/>
-          <p:cNvSpPr txBox="1"/>
+          <p:cNvSpPr txBox="1">
+            <a:spLocks noGrp="1"/>
+          </p:cNvSpPr>
           <p:nvPr>
-            <p:ph idx="1" type="body"/>
+            <p:ph type="body" idx="1"/>
           </p:nvPr>
         </p:nvSpPr>
         <p:spPr>
@@ -4331,11 +4385,11 @@
           </a:prstGeom>
         </p:spPr>
         <p:txBody>
-          <a:bodyPr anchorCtr="0" anchor="t" bIns="91425" lIns="91425" spcFirstLastPara="1" rIns="91425" wrap="square" tIns="91425">
+          <a:bodyPr spcFirstLastPara="1" wrap="square" lIns="91425" tIns="91425" rIns="91425" bIns="91425" anchor="t" anchorCtr="0">
             <a:noAutofit/>
           </a:bodyPr>
           <a:lstStyle>
-            <a:lvl1pPr indent="-304800" lvl="0" marL="457200">
+            <a:lvl1pPr marL="457200" lvl="0" indent="-304800">
               <a:spcBef>
                 <a:spcPts val="0"/>
               </a:spcBef>
@@ -4346,7 +4400,7 @@
               <a:buChar char="●"/>
               <a:defRPr sz="1200"/>
             </a:lvl1pPr>
-            <a:lvl2pPr indent="-304800" lvl="1" marL="914400">
+            <a:lvl2pPr marL="914400" lvl="1" indent="-304800">
               <a:spcBef>
                 <a:spcPts val="1600"/>
               </a:spcBef>
@@ -4357,7 +4411,7 @@
               <a:buChar char="○"/>
               <a:defRPr sz="1200"/>
             </a:lvl2pPr>
-            <a:lvl3pPr indent="-304800" lvl="2" marL="1371600">
+            <a:lvl3pPr marL="1371600" lvl="2" indent="-304800">
               <a:spcBef>
                 <a:spcPts val="1600"/>
               </a:spcBef>
@@ -4368,7 +4422,7 @@
               <a:buChar char="■"/>
               <a:defRPr sz="1200"/>
             </a:lvl3pPr>
-            <a:lvl4pPr indent="-304800" lvl="3" marL="1828800">
+            <a:lvl4pPr marL="1828800" lvl="3" indent="-304800">
               <a:spcBef>
                 <a:spcPts val="1600"/>
               </a:spcBef>
@@ -4379,7 +4433,7 @@
               <a:buChar char="●"/>
               <a:defRPr sz="1200"/>
             </a:lvl4pPr>
-            <a:lvl5pPr indent="-304800" lvl="4" marL="2286000">
+            <a:lvl5pPr marL="2286000" lvl="4" indent="-304800">
               <a:spcBef>
                 <a:spcPts val="1600"/>
               </a:spcBef>
@@ -4390,7 +4444,7 @@
               <a:buChar char="○"/>
               <a:defRPr sz="1200"/>
             </a:lvl5pPr>
-            <a:lvl6pPr indent="-304800" lvl="5" marL="2743200">
+            <a:lvl6pPr marL="2743200" lvl="5" indent="-304800">
               <a:spcBef>
                 <a:spcPts val="1600"/>
               </a:spcBef>
@@ -4401,7 +4455,7 @@
               <a:buChar char="■"/>
               <a:defRPr sz="1200"/>
             </a:lvl6pPr>
-            <a:lvl7pPr indent="-304800" lvl="6" marL="3200400">
+            <a:lvl7pPr marL="3200400" lvl="6" indent="-304800">
               <a:spcBef>
                 <a:spcPts val="1600"/>
               </a:spcBef>
@@ -4412,7 +4466,7 @@
               <a:buChar char="●"/>
               <a:defRPr sz="1200"/>
             </a:lvl7pPr>
-            <a:lvl8pPr indent="-304800" lvl="7" marL="3657600">
+            <a:lvl8pPr marL="3657600" lvl="7" indent="-304800">
               <a:spcBef>
                 <a:spcPts val="1600"/>
               </a:spcBef>
@@ -4423,7 +4477,7 @@
               <a:buChar char="○"/>
               <a:defRPr sz="1200"/>
             </a:lvl8pPr>
-            <a:lvl9pPr indent="-304800" lvl="8" marL="4114800">
+            <a:lvl9pPr marL="4114800" lvl="8" indent="-304800">
               <a:spcBef>
                 <a:spcPts val="1600"/>
               </a:spcBef>
@@ -4435,15 +4489,19 @@
               <a:defRPr sz="1200"/>
             </a:lvl9pPr>
           </a:lstStyle>
-          <a:p/>
+          <a:p>
+            <a:endParaRPr/>
+          </a:p>
         </p:txBody>
       </p:sp>
       <p:sp>
         <p:nvSpPr>
           <p:cNvPr id="31" name="Google Shape;31;p7"/>
-          <p:cNvSpPr txBox="1"/>
+          <p:cNvSpPr txBox="1">
+            <a:spLocks noGrp="1"/>
+          </p:cNvSpPr>
           <p:nvPr>
-            <p:ph idx="12" type="sldNum"/>
+            <p:ph type="sldNum" idx="12"/>
           </p:nvPr>
         </p:nvSpPr>
         <p:spPr>
@@ -4456,7 +4514,7 @@
           </a:prstGeom>
         </p:spPr>
         <p:txBody>
-          <a:bodyPr anchorCtr="0" anchor="ctr" bIns="91425" lIns="91425" spcFirstLastPara="1" rIns="91425" wrap="square" tIns="91425">
+          <a:bodyPr spcFirstLastPara="1" wrap="square" lIns="91425" tIns="91425" rIns="91425" bIns="91425" anchor="ctr" anchorCtr="0">
             <a:noAutofit/>
           </a:bodyPr>
           <a:lstStyle>
@@ -4498,7 +4556,7 @@
             </a:lvl9pPr>
           </a:lstStyle>
           <a:p>
-            <a:pPr indent="0" lvl="0" marL="0" rtl="0" algn="r">
+            <a:pPr marL="0" lvl="0" indent="0" algn="r" rtl="0">
               <a:spcBef>
                 <a:spcPts val="0"/>
               </a:spcBef>
@@ -4524,11 +4582,11 @@
 </file>
 
 <file path=ppt/slideLayouts/slideLayout7.xml><?xml version="1.0" encoding="utf-8"?>
-<p:sldLayout xmlns:a="http://schemas.openxmlformats.org/drawingml/2006/main" xmlns:r="http://schemas.openxmlformats.org/officeDocument/2006/relationships" xmlns:mc="http://schemas.openxmlformats.org/markup-compatibility/2006" xmlns:mv="urn:schemas-microsoft-com:mac:vml" xmlns:p="http://schemas.openxmlformats.org/presentationml/2006/main" xmlns:c="http://schemas.openxmlformats.org/drawingml/2006/chart" xmlns:dgm="http://schemas.openxmlformats.org/drawingml/2006/diagram" xmlns:o="urn:schemas-microsoft-com:office:office" xmlns:v="urn:schemas-microsoft-com:vml" xmlns:pvml="urn:schemas-microsoft-com:office:powerpoint" xmlns:com="http://schemas.openxmlformats.org/drawingml/2006/compatibility" xmlns:p14="http://schemas.microsoft.com/office/powerpoint/2010/main" xmlns:p15="http://schemas.microsoft.com/office/powerpoint/2012/main" xmlns:ahyp="http://schemas.microsoft.com/office/drawing/2018/hyperlinkcolor" matchingName="Main point">
+<p:sldLayout xmlns:a="http://schemas.openxmlformats.org/drawingml/2006/main" xmlns:r="http://schemas.openxmlformats.org/officeDocument/2006/relationships" xmlns:p="http://schemas.openxmlformats.org/presentationml/2006/main" matchingName="Main point">
   <p:cSld name="MAIN_POINT">
     <p:spTree>
       <p:nvGrpSpPr>
-        <p:cNvPr id="32" name="Shape 32"/>
+        <p:cNvPr id="1" name="Shape 32"/>
         <p:cNvGrpSpPr/>
         <p:nvPr/>
       </p:nvGrpSpPr>
@@ -4543,7 +4601,9 @@
       <p:sp>
         <p:nvSpPr>
           <p:cNvPr id="33" name="Google Shape;33;p8"/>
-          <p:cNvSpPr txBox="1"/>
+          <p:cNvSpPr txBox="1">
+            <a:spLocks noGrp="1"/>
+          </p:cNvSpPr>
           <p:nvPr>
             <p:ph type="title"/>
           </p:nvPr>
@@ -4558,7 +4618,7 @@
           </a:prstGeom>
         </p:spPr>
         <p:txBody>
-          <a:bodyPr anchorCtr="0" anchor="ctr" bIns="91425" lIns="91425" spcFirstLastPara="1" rIns="91425" wrap="square" tIns="91425">
+          <a:bodyPr spcFirstLastPara="1" wrap="square" lIns="91425" tIns="91425" rIns="91425" bIns="91425" anchor="ctr" anchorCtr="0">
             <a:noAutofit/>
           </a:bodyPr>
           <a:lstStyle>
@@ -4662,15 +4722,19 @@
               <a:defRPr sz="4800"/>
             </a:lvl9pPr>
           </a:lstStyle>
-          <a:p/>
+          <a:p>
+            <a:endParaRPr/>
+          </a:p>
         </p:txBody>
       </p:sp>
       <p:sp>
         <p:nvSpPr>
           <p:cNvPr id="34" name="Google Shape;34;p8"/>
-          <p:cNvSpPr txBox="1"/>
+          <p:cNvSpPr txBox="1">
+            <a:spLocks noGrp="1"/>
+          </p:cNvSpPr>
           <p:nvPr>
-            <p:ph idx="12" type="sldNum"/>
+            <p:ph type="sldNum" idx="12"/>
           </p:nvPr>
         </p:nvSpPr>
         <p:spPr>
@@ -4683,7 +4747,7 @@
           </a:prstGeom>
         </p:spPr>
         <p:txBody>
-          <a:bodyPr anchorCtr="0" anchor="ctr" bIns="91425" lIns="91425" spcFirstLastPara="1" rIns="91425" wrap="square" tIns="91425">
+          <a:bodyPr spcFirstLastPara="1" wrap="square" lIns="91425" tIns="91425" rIns="91425" bIns="91425" anchor="ctr" anchorCtr="0">
             <a:noAutofit/>
           </a:bodyPr>
           <a:lstStyle>
@@ -4725,7 +4789,7 @@
             </a:lvl9pPr>
           </a:lstStyle>
           <a:p>
-            <a:pPr indent="0" lvl="0" marL="0" rtl="0" algn="r">
+            <a:pPr marL="0" lvl="0" indent="0" algn="r" rtl="0">
               <a:spcBef>
                 <a:spcPts val="0"/>
               </a:spcBef>
@@ -4751,11 +4815,11 @@
 </file>
 
 <file path=ppt/slideLayouts/slideLayout8.xml><?xml version="1.0" encoding="utf-8"?>
-<p:sldLayout xmlns:a="http://schemas.openxmlformats.org/drawingml/2006/main" xmlns:r="http://schemas.openxmlformats.org/officeDocument/2006/relationships" xmlns:mc="http://schemas.openxmlformats.org/markup-compatibility/2006" xmlns:mv="urn:schemas-microsoft-com:mac:vml" xmlns:p="http://schemas.openxmlformats.org/presentationml/2006/main" xmlns:c="http://schemas.openxmlformats.org/drawingml/2006/chart" xmlns:dgm="http://schemas.openxmlformats.org/drawingml/2006/diagram" xmlns:o="urn:schemas-microsoft-com:office:office" xmlns:v="urn:schemas-microsoft-com:vml" xmlns:pvml="urn:schemas-microsoft-com:office:powerpoint" xmlns:com="http://schemas.openxmlformats.org/drawingml/2006/compatibility" xmlns:p14="http://schemas.microsoft.com/office/powerpoint/2010/main" xmlns:p15="http://schemas.microsoft.com/office/powerpoint/2012/main" xmlns:ahyp="http://schemas.microsoft.com/office/drawing/2018/hyperlinkcolor" matchingName="Section title and description">
+<p:sldLayout xmlns:a="http://schemas.openxmlformats.org/drawingml/2006/main" xmlns:r="http://schemas.openxmlformats.org/officeDocument/2006/relationships" xmlns:p="http://schemas.openxmlformats.org/presentationml/2006/main" matchingName="Section title and description">
   <p:cSld name="SECTION_TITLE_AND_DESCRIPTION">
     <p:spTree>
       <p:nvGrpSpPr>
-        <p:cNvPr id="35" name="Shape 35"/>
+        <p:cNvPr id="1" name="Shape 35"/>
         <p:cNvGrpSpPr/>
         <p:nvPr/>
       </p:nvGrpSpPr>
@@ -4789,23 +4853,20 @@
           </a:ln>
         </p:spPr>
         <p:txBody>
-          <a:bodyPr anchorCtr="0" anchor="ctr" bIns="91425" lIns="91425" spcFirstLastPara="1" rIns="91425" wrap="square" tIns="91425">
+          <a:bodyPr spcFirstLastPara="1" wrap="square" lIns="91425" tIns="91425" rIns="91425" bIns="91425" anchor="ctr" anchorCtr="0">
             <a:noAutofit/>
           </a:bodyPr>
           <a:lstStyle/>
           <a:p>
-            <a:pPr indent="0" lvl="0" marL="0" rtl="0" algn="l">
-              <a:spcBef>
-                <a:spcPts val="0"/>
-              </a:spcBef>
-              <a:spcAft>
-                <a:spcPts val="0"/>
-              </a:spcAft>
-              <a:buNone/>
-            </a:pPr>
-            <a:r>
-              <a:t/>
-            </a:r>
+            <a:pPr marL="0" lvl="0" indent="0" algn="l" rtl="0">
+              <a:spcBef>
+                <a:spcPts val="0"/>
+              </a:spcBef>
+              <a:spcAft>
+                <a:spcPts val="0"/>
+              </a:spcAft>
+              <a:buNone/>
+            </a:pPr>
             <a:endParaRPr/>
           </a:p>
         </p:txBody>
@@ -4813,7 +4874,9 @@
       <p:sp>
         <p:nvSpPr>
           <p:cNvPr id="37" name="Google Shape;37;p9"/>
-          <p:cNvSpPr txBox="1"/>
+          <p:cNvSpPr txBox="1">
+            <a:spLocks noGrp="1"/>
+          </p:cNvSpPr>
           <p:nvPr>
             <p:ph type="title"/>
           </p:nvPr>
@@ -4828,7 +4891,7 @@
           </a:prstGeom>
         </p:spPr>
         <p:txBody>
-          <a:bodyPr anchorCtr="0" anchor="b" bIns="91425" lIns="91425" spcFirstLastPara="1" rIns="91425" wrap="square" tIns="91425">
+          <a:bodyPr spcFirstLastPara="1" wrap="square" lIns="91425" tIns="91425" rIns="91425" bIns="91425" anchor="b" anchorCtr="0">
             <a:noAutofit/>
           </a:bodyPr>
           <a:lstStyle>
@@ -4932,15 +4995,19 @@
               <a:defRPr sz="4200"/>
             </a:lvl9pPr>
           </a:lstStyle>
-          <a:p/>
+          <a:p>
+            <a:endParaRPr/>
+          </a:p>
         </p:txBody>
       </p:sp>
       <p:sp>
         <p:nvSpPr>
           <p:cNvPr id="38" name="Google Shape;38;p9"/>
-          <p:cNvSpPr txBox="1"/>
+          <p:cNvSpPr txBox="1">
+            <a:spLocks noGrp="1"/>
+          </p:cNvSpPr>
           <p:nvPr>
-            <p:ph idx="1" type="subTitle"/>
+            <p:ph type="subTitle" idx="1"/>
           </p:nvPr>
         </p:nvSpPr>
         <p:spPr>
@@ -4953,7 +5020,7 @@
           </a:prstGeom>
         </p:spPr>
         <p:txBody>
-          <a:bodyPr anchorCtr="0" anchor="t" bIns="91425" lIns="91425" spcFirstLastPara="1" rIns="91425" wrap="square" tIns="91425">
+          <a:bodyPr spcFirstLastPara="1" wrap="square" lIns="91425" tIns="91425" rIns="91425" bIns="91425" anchor="t" anchorCtr="0">
             <a:noAutofit/>
           </a:bodyPr>
           <a:lstStyle>
@@ -5084,15 +5151,19 @@
               <a:defRPr sz="2100"/>
             </a:lvl9pPr>
           </a:lstStyle>
-          <a:p/>
+          <a:p>
+            <a:endParaRPr/>
+          </a:p>
         </p:txBody>
       </p:sp>
       <p:sp>
         <p:nvSpPr>
           <p:cNvPr id="39" name="Google Shape;39;p9"/>
-          <p:cNvSpPr txBox="1"/>
+          <p:cNvSpPr txBox="1">
+            <a:spLocks noGrp="1"/>
+          </p:cNvSpPr>
           <p:nvPr>
-            <p:ph idx="2" type="body"/>
+            <p:ph type="body" idx="2"/>
           </p:nvPr>
         </p:nvSpPr>
         <p:spPr>
@@ -5105,11 +5176,11 @@
           </a:prstGeom>
         </p:spPr>
         <p:txBody>
-          <a:bodyPr anchorCtr="0" anchor="ctr" bIns="91425" lIns="91425" spcFirstLastPara="1" rIns="91425" wrap="square" tIns="91425">
+          <a:bodyPr spcFirstLastPara="1" wrap="square" lIns="91425" tIns="91425" rIns="91425" bIns="91425" anchor="ctr" anchorCtr="0">
             <a:noAutofit/>
           </a:bodyPr>
           <a:lstStyle>
-            <a:lvl1pPr indent="-342900" lvl="0" marL="457200">
+            <a:lvl1pPr marL="457200" lvl="0" indent="-342900">
               <a:spcBef>
                 <a:spcPts val="0"/>
               </a:spcBef>
@@ -5120,7 +5191,7 @@
               <a:buChar char="●"/>
               <a:defRPr/>
             </a:lvl1pPr>
-            <a:lvl2pPr indent="-317500" lvl="1" marL="914400">
+            <a:lvl2pPr marL="914400" lvl="1" indent="-317500">
               <a:spcBef>
                 <a:spcPts val="1600"/>
               </a:spcBef>
@@ -5131,7 +5202,7 @@
               <a:buChar char="○"/>
               <a:defRPr/>
             </a:lvl2pPr>
-            <a:lvl3pPr indent="-317500" lvl="2" marL="1371600">
+            <a:lvl3pPr marL="1371600" lvl="2" indent="-317500">
               <a:spcBef>
                 <a:spcPts val="1600"/>
               </a:spcBef>
@@ -5142,7 +5213,7 @@
               <a:buChar char="■"/>
               <a:defRPr/>
             </a:lvl3pPr>
-            <a:lvl4pPr indent="-317500" lvl="3" marL="1828800">
+            <a:lvl4pPr marL="1828800" lvl="3" indent="-317500">
               <a:spcBef>
                 <a:spcPts val="1600"/>
               </a:spcBef>
@@ -5153,7 +5224,7 @@
               <a:buChar char="●"/>
               <a:defRPr/>
             </a:lvl4pPr>
-            <a:lvl5pPr indent="-317500" lvl="4" marL="2286000">
+            <a:lvl5pPr marL="2286000" lvl="4" indent="-317500">
               <a:spcBef>
                 <a:spcPts val="1600"/>
               </a:spcBef>
@@ -5164,7 +5235,7 @@
               <a:buChar char="○"/>
               <a:defRPr/>
             </a:lvl5pPr>
-            <a:lvl6pPr indent="-317500" lvl="5" marL="2743200">
+            <a:lvl6pPr marL="2743200" lvl="5" indent="-317500">
               <a:spcBef>
                 <a:spcPts val="1600"/>
               </a:spcBef>
@@ -5175,7 +5246,7 @@
               <a:buChar char="■"/>
               <a:defRPr/>
             </a:lvl6pPr>
-            <a:lvl7pPr indent="-317500" lvl="6" marL="3200400">
+            <a:lvl7pPr marL="3200400" lvl="6" indent="-317500">
               <a:spcBef>
                 <a:spcPts val="1600"/>
               </a:spcBef>
@@ -5186,7 +5257,7 @@
               <a:buChar char="●"/>
               <a:defRPr/>
             </a:lvl7pPr>
-            <a:lvl8pPr indent="-317500" lvl="7" marL="3657600">
+            <a:lvl8pPr marL="3657600" lvl="7" indent="-317500">
               <a:spcBef>
                 <a:spcPts val="1600"/>
               </a:spcBef>
@@ -5197,7 +5268,7 @@
               <a:buChar char="○"/>
               <a:defRPr/>
             </a:lvl8pPr>
-            <a:lvl9pPr indent="-317500" lvl="8" marL="4114800">
+            <a:lvl9pPr marL="4114800" lvl="8" indent="-317500">
               <a:spcBef>
                 <a:spcPts val="1600"/>
               </a:spcBef>
@@ -5209,15 +5280,19 @@
               <a:defRPr/>
             </a:lvl9pPr>
           </a:lstStyle>
-          <a:p/>
+          <a:p>
+            <a:endParaRPr/>
+          </a:p>
         </p:txBody>
       </p:sp>
       <p:sp>
         <p:nvSpPr>
           <p:cNvPr id="40" name="Google Shape;40;p9"/>
-          <p:cNvSpPr txBox="1"/>
+          <p:cNvSpPr txBox="1">
+            <a:spLocks noGrp="1"/>
+          </p:cNvSpPr>
           <p:nvPr>
-            <p:ph idx="12" type="sldNum"/>
+            <p:ph type="sldNum" idx="12"/>
           </p:nvPr>
         </p:nvSpPr>
         <p:spPr>
@@ -5230,7 +5305,7 @@
           </a:prstGeom>
         </p:spPr>
         <p:txBody>
-          <a:bodyPr anchorCtr="0" anchor="ctr" bIns="91425" lIns="91425" spcFirstLastPara="1" rIns="91425" wrap="square" tIns="91425">
+          <a:bodyPr spcFirstLastPara="1" wrap="square" lIns="91425" tIns="91425" rIns="91425" bIns="91425" anchor="ctr" anchorCtr="0">
             <a:noAutofit/>
           </a:bodyPr>
           <a:lstStyle>
@@ -5272,7 +5347,7 @@
             </a:lvl9pPr>
           </a:lstStyle>
           <a:p>
-            <a:pPr indent="0" lvl="0" marL="0" rtl="0" algn="r">
+            <a:pPr marL="0" lvl="0" indent="0" algn="r" rtl="0">
               <a:spcBef>
                 <a:spcPts val="0"/>
               </a:spcBef>
@@ -5298,11 +5373,11 @@
 </file>
 
 <file path=ppt/slideLayouts/slideLayout9.xml><?xml version="1.0" encoding="utf-8"?>
-<p:sldLayout xmlns:a="http://schemas.openxmlformats.org/drawingml/2006/main" xmlns:r="http://schemas.openxmlformats.org/officeDocument/2006/relationships" xmlns:mc="http://schemas.openxmlformats.org/markup-compatibility/2006" xmlns:mv="urn:schemas-microsoft-com:mac:vml" xmlns:p="http://schemas.openxmlformats.org/presentationml/2006/main" xmlns:c="http://schemas.openxmlformats.org/drawingml/2006/chart" xmlns:dgm="http://schemas.openxmlformats.org/drawingml/2006/diagram" xmlns:o="urn:schemas-microsoft-com:office:office" xmlns:v="urn:schemas-microsoft-com:vml" xmlns:pvml="urn:schemas-microsoft-com:office:powerpoint" xmlns:com="http://schemas.openxmlformats.org/drawingml/2006/compatibility" xmlns:p14="http://schemas.microsoft.com/office/powerpoint/2010/main" xmlns:p15="http://schemas.microsoft.com/office/powerpoint/2012/main" xmlns:ahyp="http://schemas.microsoft.com/office/drawing/2018/hyperlinkcolor" matchingName="Caption">
+<p:sldLayout xmlns:a="http://schemas.openxmlformats.org/drawingml/2006/main" xmlns:r="http://schemas.openxmlformats.org/officeDocument/2006/relationships" xmlns:p="http://schemas.openxmlformats.org/presentationml/2006/main" matchingName="Caption">
   <p:cSld name="CAPTION_ONLY">
     <p:spTree>
       <p:nvGrpSpPr>
-        <p:cNvPr id="41" name="Shape 41"/>
+        <p:cNvPr id="1" name="Shape 41"/>
         <p:cNvGrpSpPr/>
         <p:nvPr/>
       </p:nvGrpSpPr>
@@ -5317,9 +5392,11 @@
       <p:sp>
         <p:nvSpPr>
           <p:cNvPr id="42" name="Google Shape;42;p10"/>
-          <p:cNvSpPr txBox="1"/>
+          <p:cNvSpPr txBox="1">
+            <a:spLocks noGrp="1"/>
+          </p:cNvSpPr>
           <p:nvPr>
-            <p:ph idx="1" type="body"/>
+            <p:ph type="body" idx="1"/>
           </p:nvPr>
         </p:nvSpPr>
         <p:spPr>
@@ -5332,11 +5409,11 @@
           </a:prstGeom>
         </p:spPr>
         <p:txBody>
-          <a:bodyPr anchorCtr="0" anchor="ctr" bIns="91425" lIns="91425" spcFirstLastPara="1" rIns="91425" wrap="square" tIns="91425">
+          <a:bodyPr spcFirstLastPara="1" wrap="square" lIns="91425" tIns="91425" rIns="91425" bIns="91425" anchor="ctr" anchorCtr="0">
             <a:noAutofit/>
           </a:bodyPr>
           <a:lstStyle>
-            <a:lvl1pPr indent="-228600" lvl="0" marL="457200">
+            <a:lvl1pPr marL="457200" lvl="0" indent="-228600">
               <a:lnSpc>
                 <a:spcPct val="100000"/>
               </a:lnSpc>
@@ -5351,15 +5428,19 @@
               <a:defRPr/>
             </a:lvl1pPr>
           </a:lstStyle>
-          <a:p/>
+          <a:p>
+            <a:endParaRPr/>
+          </a:p>
         </p:txBody>
       </p:sp>
       <p:sp>
         <p:nvSpPr>
           <p:cNvPr id="43" name="Google Shape;43;p10"/>
-          <p:cNvSpPr txBox="1"/>
+          <p:cNvSpPr txBox="1">
+            <a:spLocks noGrp="1"/>
+          </p:cNvSpPr>
           <p:nvPr>
-            <p:ph idx="12" type="sldNum"/>
+            <p:ph type="sldNum" idx="12"/>
           </p:nvPr>
         </p:nvSpPr>
         <p:spPr>
@@ -5372,7 +5453,7 @@
           </a:prstGeom>
         </p:spPr>
         <p:txBody>
-          <a:bodyPr anchorCtr="0" anchor="ctr" bIns="91425" lIns="91425" spcFirstLastPara="1" rIns="91425" wrap="square" tIns="91425">
+          <a:bodyPr spcFirstLastPara="1" wrap="square" lIns="91425" tIns="91425" rIns="91425" bIns="91425" anchor="ctr" anchorCtr="0">
             <a:noAutofit/>
           </a:bodyPr>
           <a:lstStyle>
@@ -5414,7 +5495,7 @@
             </a:lvl9pPr>
           </a:lstStyle>
           <a:p>
-            <a:pPr indent="0" lvl="0" marL="0" rtl="0" algn="r">
+            <a:pPr marL="0" lvl="0" indent="0" algn="r" rtl="0">
               <a:spcBef>
                 <a:spcPts val="0"/>
               </a:spcBef>
@@ -5440,18 +5521,19 @@
 </file>
 
 <file path=ppt/slideMasters/slideMaster1.xml><?xml version="1.0" encoding="utf-8"?>
-<p:sldMaster xmlns:a="http://schemas.openxmlformats.org/drawingml/2006/main" xmlns:r="http://schemas.openxmlformats.org/officeDocument/2006/relationships" xmlns:mc="http://schemas.openxmlformats.org/markup-compatibility/2006" xmlns:mv="urn:schemas-microsoft-com:mac:vml" xmlns:p="http://schemas.openxmlformats.org/presentationml/2006/main" xmlns:c="http://schemas.openxmlformats.org/drawingml/2006/chart" xmlns:dgm="http://schemas.openxmlformats.org/drawingml/2006/diagram" xmlns:o="urn:schemas-microsoft-com:office:office" xmlns:v="urn:schemas-microsoft-com:vml" xmlns:pvml="urn:schemas-microsoft-com:office:powerpoint" xmlns:com="http://schemas.openxmlformats.org/drawingml/2006/compatibility" xmlns:p14="http://schemas.microsoft.com/office/powerpoint/2010/main" xmlns:p15="http://schemas.microsoft.com/office/powerpoint/2012/main" xmlns:ahyp="http://schemas.microsoft.com/office/drawing/2018/hyperlinkcolor">
+<p:sldMaster xmlns:a="http://schemas.openxmlformats.org/drawingml/2006/main" xmlns:r="http://schemas.openxmlformats.org/officeDocument/2006/relationships" xmlns:p="http://schemas.openxmlformats.org/presentationml/2006/main">
   <p:cSld name="simple-light-2">
     <p:bg>
       <p:bgPr>
         <a:solidFill>
           <a:schemeClr val="lt1"/>
         </a:solidFill>
+        <a:effectLst/>
       </p:bgPr>
     </p:bg>
     <p:spTree>
       <p:nvGrpSpPr>
-        <p:cNvPr id="5" name="Shape 5"/>
+        <p:cNvPr id="1" name="Shape 5"/>
         <p:cNvGrpSpPr/>
         <p:nvPr/>
       </p:nvGrpSpPr>
@@ -5466,7 +5548,9 @@
       <p:sp>
         <p:nvSpPr>
           <p:cNvPr id="6" name="Google Shape;6;p1"/>
-          <p:cNvSpPr txBox="1"/>
+          <p:cNvSpPr txBox="1">
+            <a:spLocks noGrp="1"/>
+          </p:cNvSpPr>
           <p:nvPr>
             <p:ph type="title"/>
           </p:nvPr>
@@ -5485,7 +5569,7 @@
           </a:ln>
         </p:spPr>
         <p:txBody>
-          <a:bodyPr anchorCtr="0" anchor="t" bIns="91425" lIns="91425" spcFirstLastPara="1" rIns="91425" wrap="square" tIns="91425">
+          <a:bodyPr spcFirstLastPara="1" wrap="square" lIns="91425" tIns="91425" rIns="91425" bIns="91425" anchor="t" anchorCtr="0">
             <a:noAutofit/>
           </a:bodyPr>
           <a:lstStyle>
@@ -5652,15 +5736,19 @@
               </a:defRPr>
             </a:lvl9pPr>
           </a:lstStyle>
-          <a:p/>
+          <a:p>
+            <a:endParaRPr/>
+          </a:p>
         </p:txBody>
       </p:sp>
       <p:sp>
         <p:nvSpPr>
           <p:cNvPr id="7" name="Google Shape;7;p1"/>
-          <p:cNvSpPr txBox="1"/>
+          <p:cNvSpPr txBox="1">
+            <a:spLocks noGrp="1"/>
+          </p:cNvSpPr>
           <p:nvPr>
-            <p:ph idx="1" type="body"/>
+            <p:ph type="body" idx="1"/>
           </p:nvPr>
         </p:nvSpPr>
         <p:spPr>
@@ -5677,11 +5765,11 @@
           </a:ln>
         </p:spPr>
         <p:txBody>
-          <a:bodyPr anchorCtr="0" anchor="t" bIns="91425" lIns="91425" spcFirstLastPara="1" rIns="91425" wrap="square" tIns="91425">
+          <a:bodyPr spcFirstLastPara="1" wrap="square" lIns="91425" tIns="91425" rIns="91425" bIns="91425" anchor="t" anchorCtr="0">
             <a:noAutofit/>
           </a:bodyPr>
           <a:lstStyle>
-            <a:lvl1pPr indent="-342900" lvl="0" marL="457200">
+            <a:lvl1pPr marL="457200" lvl="0" indent="-342900">
               <a:lnSpc>
                 <a:spcPct val="115000"/>
               </a:lnSpc>
@@ -5702,7 +5790,7 @@
                 </a:solidFill>
               </a:defRPr>
             </a:lvl1pPr>
-            <a:lvl2pPr indent="-317500" lvl="1" marL="914400">
+            <a:lvl2pPr marL="914400" lvl="1" indent="-317500">
               <a:lnSpc>
                 <a:spcPct val="115000"/>
               </a:lnSpc>
@@ -5723,7 +5811,7 @@
                 </a:solidFill>
               </a:defRPr>
             </a:lvl2pPr>
-            <a:lvl3pPr indent="-317500" lvl="2" marL="1371600">
+            <a:lvl3pPr marL="1371600" lvl="2" indent="-317500">
               <a:lnSpc>
                 <a:spcPct val="115000"/>
               </a:lnSpc>
@@ -5744,7 +5832,7 @@
                 </a:solidFill>
               </a:defRPr>
             </a:lvl3pPr>
-            <a:lvl4pPr indent="-317500" lvl="3" marL="1828800">
+            <a:lvl4pPr marL="1828800" lvl="3" indent="-317500">
               <a:lnSpc>
                 <a:spcPct val="115000"/>
               </a:lnSpc>
@@ -5765,7 +5853,7 @@
                 </a:solidFill>
               </a:defRPr>
             </a:lvl4pPr>
-            <a:lvl5pPr indent="-317500" lvl="4" marL="2286000">
+            <a:lvl5pPr marL="2286000" lvl="4" indent="-317500">
               <a:lnSpc>
                 <a:spcPct val="115000"/>
               </a:lnSpc>
@@ -5786,7 +5874,7 @@
                 </a:solidFill>
               </a:defRPr>
             </a:lvl5pPr>
-            <a:lvl6pPr indent="-317500" lvl="5" marL="2743200">
+            <a:lvl6pPr marL="2743200" lvl="5" indent="-317500">
               <a:lnSpc>
                 <a:spcPct val="115000"/>
               </a:lnSpc>
@@ -5807,7 +5895,7 @@
                 </a:solidFill>
               </a:defRPr>
             </a:lvl6pPr>
-            <a:lvl7pPr indent="-317500" lvl="6" marL="3200400">
+            <a:lvl7pPr marL="3200400" lvl="6" indent="-317500">
               <a:lnSpc>
                 <a:spcPct val="115000"/>
               </a:lnSpc>
@@ -5828,7 +5916,7 @@
                 </a:solidFill>
               </a:defRPr>
             </a:lvl7pPr>
-            <a:lvl8pPr indent="-317500" lvl="7" marL="3657600">
+            <a:lvl8pPr marL="3657600" lvl="7" indent="-317500">
               <a:lnSpc>
                 <a:spcPct val="115000"/>
               </a:lnSpc>
@@ -5849,7 +5937,7 @@
                 </a:solidFill>
               </a:defRPr>
             </a:lvl8pPr>
-            <a:lvl9pPr indent="-317500" lvl="8" marL="4114800">
+            <a:lvl9pPr marL="4114800" lvl="8" indent="-317500">
               <a:lnSpc>
                 <a:spcPct val="115000"/>
               </a:lnSpc>
@@ -5871,15 +5959,19 @@
               </a:defRPr>
             </a:lvl9pPr>
           </a:lstStyle>
-          <a:p/>
+          <a:p>
+            <a:endParaRPr/>
+          </a:p>
         </p:txBody>
       </p:sp>
       <p:sp>
         <p:nvSpPr>
           <p:cNvPr id="8" name="Google Shape;8;p1"/>
-          <p:cNvSpPr txBox="1"/>
+          <p:cNvSpPr txBox="1">
+            <a:spLocks noGrp="1"/>
+          </p:cNvSpPr>
           <p:nvPr>
-            <p:ph idx="12" type="sldNum"/>
+            <p:ph type="sldNum" idx="12"/>
           </p:nvPr>
         </p:nvSpPr>
         <p:spPr>
@@ -5896,7 +5988,7 @@
           </a:ln>
         </p:spPr>
         <p:txBody>
-          <a:bodyPr anchorCtr="0" anchor="ctr" bIns="91425" lIns="91425" spcFirstLastPara="1" rIns="91425" wrap="square" tIns="91425">
+          <a:bodyPr spcFirstLastPara="1" wrap="square" lIns="91425" tIns="91425" rIns="91425" bIns="91425" anchor="ctr" anchorCtr="0">
             <a:noAutofit/>
           </a:bodyPr>
           <a:lstStyle>
@@ -5974,7 +6066,7 @@
             </a:lvl9pPr>
           </a:lstStyle>
           <a:p>
-            <a:pPr indent="0" lvl="0" marL="0" rtl="0" algn="r">
+            <a:pPr marL="0" lvl="0" indent="0" algn="r" rtl="0">
               <a:spcBef>
                 <a:spcPts val="0"/>
               </a:spcBef>
@@ -5993,7 +6085,7 @@
       </p:sp>
     </p:spTree>
   </p:cSld>
-  <p:clrMap accent1="accent1" accent2="accent2" accent3="accent3" accent4="accent4" accent5="accent5" accent6="accent6" bg1="lt1" bg2="dk2" tx1="dk1" tx2="lt2" folHlink="folHlink" hlink="hlink"/>
+  <p:clrMap bg1="lt1" tx1="dk1" bg2="dk2" tx2="lt2" accent1="accent1" accent2="accent2" accent3="accent3" accent4="accent4" accent5="accent5" accent6="accent6" hlink="hlink" folHlink="folHlink"/>
   <p:sldLayoutIdLst>
     <p:sldLayoutId id="2147483648" r:id="rId1"/>
     <p:sldLayoutId id="2147483649" r:id="rId2"/>
@@ -6007,10 +6099,10 @@
     <p:sldLayoutId id="2147483657" r:id="rId10"/>
     <p:sldLayoutId id="2147483658" r:id="rId11"/>
   </p:sldLayoutIdLst>
-  <p:hf dt="0" ftr="0" hdr="0" sldNum="0"/>
+  <p:hf sldNum="0" hdr="0" ftr="0" dt="0"/>
   <p:txStyles>
     <p:titleStyle>
-      <a:defPPr lvl="0" marR="0" rtl="0" algn="l">
+      <a:defPPr marR="0" lvl="0" algn="l" rtl="0">
         <a:lnSpc>
           <a:spcPct val="100000"/>
         </a:lnSpc>
@@ -6021,7 +6113,7 @@
           <a:spcPts val="0"/>
         </a:spcAft>
       </a:defPPr>
-      <a:lvl1pPr lvl="0" marR="0" rtl="0" algn="l">
+      <a:lvl1pPr marR="0" lvl="0" algn="l" rtl="0">
         <a:lnSpc>
           <a:spcPct val="100000"/>
         </a:lnSpc>
@@ -6035,7 +6127,7 @@
           <a:srgbClr val="000000"/>
         </a:buClr>
         <a:buFont typeface="Arial"/>
-        <a:defRPr b="0" i="0" sz="1400" u="none" cap="none" strike="noStrike">
+        <a:defRPr sz="1400" b="0" i="0" u="none" strike="noStrike" cap="none">
           <a:solidFill>
             <a:srgbClr val="000000"/>
           </a:solidFill>
@@ -6045,7 +6137,7 @@
           <a:sym typeface="Arial"/>
         </a:defRPr>
       </a:lvl1pPr>
-      <a:lvl2pPr lvl="1" marR="0" rtl="0" algn="l">
+      <a:lvl2pPr marR="0" lvl="1" algn="l" rtl="0">
         <a:lnSpc>
           <a:spcPct val="100000"/>
         </a:lnSpc>
@@ -6059,7 +6151,7 @@
           <a:srgbClr val="000000"/>
         </a:buClr>
         <a:buFont typeface="Arial"/>
-        <a:defRPr b="0" i="0" sz="1400" u="none" cap="none" strike="noStrike">
+        <a:defRPr sz="1400" b="0" i="0" u="none" strike="noStrike" cap="none">
           <a:solidFill>
             <a:srgbClr val="000000"/>
           </a:solidFill>
@@ -6069,7 +6161,7 @@
           <a:sym typeface="Arial"/>
         </a:defRPr>
       </a:lvl2pPr>
-      <a:lvl3pPr lvl="2" marR="0" rtl="0" algn="l">
+      <a:lvl3pPr marR="0" lvl="2" algn="l" rtl="0">
         <a:lnSpc>
           <a:spcPct val="100000"/>
         </a:lnSpc>
@@ -6083,7 +6175,7 @@
           <a:srgbClr val="000000"/>
         </a:buClr>
         <a:buFont typeface="Arial"/>
-        <a:defRPr b="0" i="0" sz="1400" u="none" cap="none" strike="noStrike">
+        <a:defRPr sz="1400" b="0" i="0" u="none" strike="noStrike" cap="none">
           <a:solidFill>
             <a:srgbClr val="000000"/>
           </a:solidFill>
@@ -6093,7 +6185,7 @@
           <a:sym typeface="Arial"/>
         </a:defRPr>
       </a:lvl3pPr>
-      <a:lvl4pPr lvl="3" marR="0" rtl="0" algn="l">
+      <a:lvl4pPr marR="0" lvl="3" algn="l" rtl="0">
         <a:lnSpc>
           <a:spcPct val="100000"/>
         </a:lnSpc>
@@ -6107,7 +6199,7 @@
           <a:srgbClr val="000000"/>
         </a:buClr>
         <a:buFont typeface="Arial"/>
-        <a:defRPr b="0" i="0" sz="1400" u="none" cap="none" strike="noStrike">
+        <a:defRPr sz="1400" b="0" i="0" u="none" strike="noStrike" cap="none">
           <a:solidFill>
             <a:srgbClr val="000000"/>
           </a:solidFill>
@@ -6117,7 +6209,7 @@
           <a:sym typeface="Arial"/>
         </a:defRPr>
       </a:lvl4pPr>
-      <a:lvl5pPr lvl="4" marR="0" rtl="0" algn="l">
+      <a:lvl5pPr marR="0" lvl="4" algn="l" rtl="0">
         <a:lnSpc>
           <a:spcPct val="100000"/>
         </a:lnSpc>
@@ -6131,7 +6223,7 @@
           <a:srgbClr val="000000"/>
         </a:buClr>
         <a:buFont typeface="Arial"/>
-        <a:defRPr b="0" i="0" sz="1400" u="none" cap="none" strike="noStrike">
+        <a:defRPr sz="1400" b="0" i="0" u="none" strike="noStrike" cap="none">
           <a:solidFill>
             <a:srgbClr val="000000"/>
           </a:solidFill>
@@ -6141,7 +6233,7 @@
           <a:sym typeface="Arial"/>
         </a:defRPr>
       </a:lvl5pPr>
-      <a:lvl6pPr lvl="5" marR="0" rtl="0" algn="l">
+      <a:lvl6pPr marR="0" lvl="5" algn="l" rtl="0">
         <a:lnSpc>
           <a:spcPct val="100000"/>
         </a:lnSpc>
@@ -6155,7 +6247,7 @@
           <a:srgbClr val="000000"/>
         </a:buClr>
         <a:buFont typeface="Arial"/>
-        <a:defRPr b="0" i="0" sz="1400" u="none" cap="none" strike="noStrike">
+        <a:defRPr sz="1400" b="0" i="0" u="none" strike="noStrike" cap="none">
           <a:solidFill>
             <a:srgbClr val="000000"/>
           </a:solidFill>
@@ -6165,7 +6257,7 @@
           <a:sym typeface="Arial"/>
         </a:defRPr>
       </a:lvl6pPr>
-      <a:lvl7pPr lvl="6" marR="0" rtl="0" algn="l">
+      <a:lvl7pPr marR="0" lvl="6" algn="l" rtl="0">
         <a:lnSpc>
           <a:spcPct val="100000"/>
         </a:lnSpc>
@@ -6179,7 +6271,7 @@
           <a:srgbClr val="000000"/>
         </a:buClr>
         <a:buFont typeface="Arial"/>
-        <a:defRPr b="0" i="0" sz="1400" u="none" cap="none" strike="noStrike">
+        <a:defRPr sz="1400" b="0" i="0" u="none" strike="noStrike" cap="none">
           <a:solidFill>
             <a:srgbClr val="000000"/>
           </a:solidFill>
@@ -6189,7 +6281,7 @@
           <a:sym typeface="Arial"/>
         </a:defRPr>
       </a:lvl7pPr>
-      <a:lvl8pPr lvl="7" marR="0" rtl="0" algn="l">
+      <a:lvl8pPr marR="0" lvl="7" algn="l" rtl="0">
         <a:lnSpc>
           <a:spcPct val="100000"/>
         </a:lnSpc>
@@ -6203,7 +6295,7 @@
           <a:srgbClr val="000000"/>
         </a:buClr>
         <a:buFont typeface="Arial"/>
-        <a:defRPr b="0" i="0" sz="1400" u="none" cap="none" strike="noStrike">
+        <a:defRPr sz="1400" b="0" i="0" u="none" strike="noStrike" cap="none">
           <a:solidFill>
             <a:srgbClr val="000000"/>
           </a:solidFill>
@@ -6213,7 +6305,7 @@
           <a:sym typeface="Arial"/>
         </a:defRPr>
       </a:lvl8pPr>
-      <a:lvl9pPr lvl="8" marR="0" rtl="0" algn="l">
+      <a:lvl9pPr marR="0" lvl="8" algn="l" rtl="0">
         <a:lnSpc>
           <a:spcPct val="100000"/>
         </a:lnSpc>
@@ -6227,7 +6319,7 @@
           <a:srgbClr val="000000"/>
         </a:buClr>
         <a:buFont typeface="Arial"/>
-        <a:defRPr b="0" i="0" sz="1400" u="none" cap="none" strike="noStrike">
+        <a:defRPr sz="1400" b="0" i="0" u="none" strike="noStrike" cap="none">
           <a:solidFill>
             <a:srgbClr val="000000"/>
           </a:solidFill>
@@ -6239,7 +6331,7 @@
       </a:lvl9pPr>
     </p:titleStyle>
     <p:bodyStyle>
-      <a:defPPr lvl="0" marR="0" rtl="0" algn="l">
+      <a:defPPr marR="0" lvl="0" algn="l" rtl="0">
         <a:lnSpc>
           <a:spcPct val="100000"/>
         </a:lnSpc>
@@ -6250,7 +6342,7 @@
           <a:spcPts val="0"/>
         </a:spcAft>
       </a:defPPr>
-      <a:lvl1pPr lvl="0" marR="0" rtl="0" algn="l">
+      <a:lvl1pPr marR="0" lvl="0" algn="l" rtl="0">
         <a:lnSpc>
           <a:spcPct val="100000"/>
         </a:lnSpc>
@@ -6264,7 +6356,7 @@
           <a:srgbClr val="000000"/>
         </a:buClr>
         <a:buFont typeface="Arial"/>
-        <a:defRPr b="0" i="0" sz="1400" u="none" cap="none" strike="noStrike">
+        <a:defRPr sz="1400" b="0" i="0" u="none" strike="noStrike" cap="none">
           <a:solidFill>
             <a:srgbClr val="000000"/>
           </a:solidFill>
@@ -6274,7 +6366,7 @@
           <a:sym typeface="Arial"/>
         </a:defRPr>
       </a:lvl1pPr>
-      <a:lvl2pPr lvl="1" marR="0" rtl="0" algn="l">
+      <a:lvl2pPr marR="0" lvl="1" algn="l" rtl="0">
         <a:lnSpc>
           <a:spcPct val="100000"/>
         </a:lnSpc>
@@ -6288,7 +6380,7 @@
           <a:srgbClr val="000000"/>
         </a:buClr>
         <a:buFont typeface="Arial"/>
-        <a:defRPr b="0" i="0" sz="1400" u="none" cap="none" strike="noStrike">
+        <a:defRPr sz="1400" b="0" i="0" u="none" strike="noStrike" cap="none">
           <a:solidFill>
             <a:srgbClr val="000000"/>
           </a:solidFill>
@@ -6298,7 +6390,7 @@
           <a:sym typeface="Arial"/>
         </a:defRPr>
       </a:lvl2pPr>
-      <a:lvl3pPr lvl="2" marR="0" rtl="0" algn="l">
+      <a:lvl3pPr marR="0" lvl="2" algn="l" rtl="0">
         <a:lnSpc>
           <a:spcPct val="100000"/>
         </a:lnSpc>
@@ -6312,7 +6404,7 @@
           <a:srgbClr val="000000"/>
         </a:buClr>
         <a:buFont typeface="Arial"/>
-        <a:defRPr b="0" i="0" sz="1400" u="none" cap="none" strike="noStrike">
+        <a:defRPr sz="1400" b="0" i="0" u="none" strike="noStrike" cap="none">
           <a:solidFill>
             <a:srgbClr val="000000"/>
           </a:solidFill>
@@ -6322,7 +6414,7 @@
           <a:sym typeface="Arial"/>
         </a:defRPr>
       </a:lvl3pPr>
-      <a:lvl4pPr lvl="3" marR="0" rtl="0" algn="l">
+      <a:lvl4pPr marR="0" lvl="3" algn="l" rtl="0">
         <a:lnSpc>
           <a:spcPct val="100000"/>
         </a:lnSpc>
@@ -6336,7 +6428,7 @@
           <a:srgbClr val="000000"/>
         </a:buClr>
         <a:buFont typeface="Arial"/>
-        <a:defRPr b="0" i="0" sz="1400" u="none" cap="none" strike="noStrike">
+        <a:defRPr sz="1400" b="0" i="0" u="none" strike="noStrike" cap="none">
           <a:solidFill>
             <a:srgbClr val="000000"/>
           </a:solidFill>
@@ -6346,7 +6438,7 @@
           <a:sym typeface="Arial"/>
         </a:defRPr>
       </a:lvl4pPr>
-      <a:lvl5pPr lvl="4" marR="0" rtl="0" algn="l">
+      <a:lvl5pPr marR="0" lvl="4" algn="l" rtl="0">
         <a:lnSpc>
           <a:spcPct val="100000"/>
         </a:lnSpc>
@@ -6360,7 +6452,7 @@
           <a:srgbClr val="000000"/>
         </a:buClr>
         <a:buFont typeface="Arial"/>
-        <a:defRPr b="0" i="0" sz="1400" u="none" cap="none" strike="noStrike">
+        <a:defRPr sz="1400" b="0" i="0" u="none" strike="noStrike" cap="none">
           <a:solidFill>
             <a:srgbClr val="000000"/>
           </a:solidFill>
@@ -6370,7 +6462,7 @@
           <a:sym typeface="Arial"/>
         </a:defRPr>
       </a:lvl5pPr>
-      <a:lvl6pPr lvl="5" marR="0" rtl="0" algn="l">
+      <a:lvl6pPr marR="0" lvl="5" algn="l" rtl="0">
         <a:lnSpc>
           <a:spcPct val="100000"/>
         </a:lnSpc>
@@ -6384,7 +6476,7 @@
           <a:srgbClr val="000000"/>
         </a:buClr>
         <a:buFont typeface="Arial"/>
-        <a:defRPr b="0" i="0" sz="1400" u="none" cap="none" strike="noStrike">
+        <a:defRPr sz="1400" b="0" i="0" u="none" strike="noStrike" cap="none">
           <a:solidFill>
             <a:srgbClr val="000000"/>
           </a:solidFill>
@@ -6394,7 +6486,7 @@
           <a:sym typeface="Arial"/>
         </a:defRPr>
       </a:lvl6pPr>
-      <a:lvl7pPr lvl="6" marR="0" rtl="0" algn="l">
+      <a:lvl7pPr marR="0" lvl="6" algn="l" rtl="0">
         <a:lnSpc>
           <a:spcPct val="100000"/>
         </a:lnSpc>
@@ -6408,7 +6500,7 @@
           <a:srgbClr val="000000"/>
         </a:buClr>
         <a:buFont typeface="Arial"/>
-        <a:defRPr b="0" i="0" sz="1400" u="none" cap="none" strike="noStrike">
+        <a:defRPr sz="1400" b="0" i="0" u="none" strike="noStrike" cap="none">
           <a:solidFill>
             <a:srgbClr val="000000"/>
           </a:solidFill>
@@ -6418,7 +6510,7 @@
           <a:sym typeface="Arial"/>
         </a:defRPr>
       </a:lvl7pPr>
-      <a:lvl8pPr lvl="7" marR="0" rtl="0" algn="l">
+      <a:lvl8pPr marR="0" lvl="7" algn="l" rtl="0">
         <a:lnSpc>
           <a:spcPct val="100000"/>
         </a:lnSpc>
@@ -6432,7 +6524,7 @@
           <a:srgbClr val="000000"/>
         </a:buClr>
         <a:buFont typeface="Arial"/>
-        <a:defRPr b="0" i="0" sz="1400" u="none" cap="none" strike="noStrike">
+        <a:defRPr sz="1400" b="0" i="0" u="none" strike="noStrike" cap="none">
           <a:solidFill>
             <a:srgbClr val="000000"/>
           </a:solidFill>
@@ -6442,7 +6534,7 @@
           <a:sym typeface="Arial"/>
         </a:defRPr>
       </a:lvl8pPr>
-      <a:lvl9pPr lvl="8" marR="0" rtl="0" algn="l">
+      <a:lvl9pPr marR="0" lvl="8" algn="l" rtl="0">
         <a:lnSpc>
           <a:spcPct val="100000"/>
         </a:lnSpc>
@@ -6456,7 +6548,7 @@
           <a:srgbClr val="000000"/>
         </a:buClr>
         <a:buFont typeface="Arial"/>
-        <a:defRPr b="0" i="0" sz="1400" u="none" cap="none" strike="noStrike">
+        <a:defRPr sz="1400" b="0" i="0" u="none" strike="noStrike" cap="none">
           <a:solidFill>
             <a:srgbClr val="000000"/>
           </a:solidFill>
@@ -6468,7 +6560,7 @@
       </a:lvl9pPr>
     </p:bodyStyle>
     <p:otherStyle>
-      <a:defPPr lvl="0" marR="0" rtl="0" algn="l">
+      <a:defPPr marR="0" lvl="0" algn="l" rtl="0">
         <a:lnSpc>
           <a:spcPct val="100000"/>
         </a:lnSpc>
@@ -6479,7 +6571,7 @@
           <a:spcPts val="0"/>
         </a:spcAft>
       </a:defPPr>
-      <a:lvl1pPr lvl="0" marR="0" rtl="0" algn="l">
+      <a:lvl1pPr marR="0" lvl="0" algn="l" rtl="0">
         <a:lnSpc>
           <a:spcPct val="100000"/>
         </a:lnSpc>
@@ -6493,7 +6585,7 @@
           <a:srgbClr val="000000"/>
         </a:buClr>
         <a:buFont typeface="Arial"/>
-        <a:defRPr b="0" i="0" sz="1400" u="none" cap="none" strike="noStrike">
+        <a:defRPr sz="1400" b="0" i="0" u="none" strike="noStrike" cap="none">
           <a:solidFill>
             <a:srgbClr val="000000"/>
           </a:solidFill>
@@ -6503,7 +6595,7 @@
           <a:sym typeface="Arial"/>
         </a:defRPr>
       </a:lvl1pPr>
-      <a:lvl2pPr lvl="1" marR="0" rtl="0" algn="l">
+      <a:lvl2pPr marR="0" lvl="1" algn="l" rtl="0">
         <a:lnSpc>
           <a:spcPct val="100000"/>
         </a:lnSpc>
@@ -6517,7 +6609,7 @@
           <a:srgbClr val="000000"/>
         </a:buClr>
         <a:buFont typeface="Arial"/>
-        <a:defRPr b="0" i="0" sz="1400" u="none" cap="none" strike="noStrike">
+        <a:defRPr sz="1400" b="0" i="0" u="none" strike="noStrike" cap="none">
           <a:solidFill>
             <a:srgbClr val="000000"/>
           </a:solidFill>
@@ -6527,7 +6619,7 @@
           <a:sym typeface="Arial"/>
         </a:defRPr>
       </a:lvl2pPr>
-      <a:lvl3pPr lvl="2" marR="0" rtl="0" algn="l">
+      <a:lvl3pPr marR="0" lvl="2" algn="l" rtl="0">
         <a:lnSpc>
           <a:spcPct val="100000"/>
         </a:lnSpc>
@@ -6541,7 +6633,7 @@
           <a:srgbClr val="000000"/>
         </a:buClr>
         <a:buFont typeface="Arial"/>
-        <a:defRPr b="0" i="0" sz="1400" u="none" cap="none" strike="noStrike">
+        <a:defRPr sz="1400" b="0" i="0" u="none" strike="noStrike" cap="none">
           <a:solidFill>
             <a:srgbClr val="000000"/>
           </a:solidFill>
@@ -6551,7 +6643,7 @@
           <a:sym typeface="Arial"/>
         </a:defRPr>
       </a:lvl3pPr>
-      <a:lvl4pPr lvl="3" marR="0" rtl="0" algn="l">
+      <a:lvl4pPr marR="0" lvl="3" algn="l" rtl="0">
         <a:lnSpc>
           <a:spcPct val="100000"/>
         </a:lnSpc>
@@ -6565,7 +6657,7 @@
           <a:srgbClr val="000000"/>
         </a:buClr>
         <a:buFont typeface="Arial"/>
-        <a:defRPr b="0" i="0" sz="1400" u="none" cap="none" strike="noStrike">
+        <a:defRPr sz="1400" b="0" i="0" u="none" strike="noStrike" cap="none">
           <a:solidFill>
             <a:srgbClr val="000000"/>
           </a:solidFill>
@@ -6575,7 +6667,7 @@
           <a:sym typeface="Arial"/>
         </a:defRPr>
       </a:lvl4pPr>
-      <a:lvl5pPr lvl="4" marR="0" rtl="0" algn="l">
+      <a:lvl5pPr marR="0" lvl="4" algn="l" rtl="0">
         <a:lnSpc>
           <a:spcPct val="100000"/>
         </a:lnSpc>
@@ -6589,7 +6681,7 @@
           <a:srgbClr val="000000"/>
         </a:buClr>
         <a:buFont typeface="Arial"/>
-        <a:defRPr b="0" i="0" sz="1400" u="none" cap="none" strike="noStrike">
+        <a:defRPr sz="1400" b="0" i="0" u="none" strike="noStrike" cap="none">
           <a:solidFill>
             <a:srgbClr val="000000"/>
           </a:solidFill>
@@ -6599,7 +6691,7 @@
           <a:sym typeface="Arial"/>
         </a:defRPr>
       </a:lvl5pPr>
-      <a:lvl6pPr lvl="5" marR="0" rtl="0" algn="l">
+      <a:lvl6pPr marR="0" lvl="5" algn="l" rtl="0">
         <a:lnSpc>
           <a:spcPct val="100000"/>
         </a:lnSpc>
@@ -6613,7 +6705,7 @@
           <a:srgbClr val="000000"/>
         </a:buClr>
         <a:buFont typeface="Arial"/>
-        <a:defRPr b="0" i="0" sz="1400" u="none" cap="none" strike="noStrike">
+        <a:defRPr sz="1400" b="0" i="0" u="none" strike="noStrike" cap="none">
           <a:solidFill>
             <a:srgbClr val="000000"/>
           </a:solidFill>
@@ -6623,7 +6715,7 @@
           <a:sym typeface="Arial"/>
         </a:defRPr>
       </a:lvl6pPr>
-      <a:lvl7pPr lvl="6" marR="0" rtl="0" algn="l">
+      <a:lvl7pPr marR="0" lvl="6" algn="l" rtl="0">
         <a:lnSpc>
           <a:spcPct val="100000"/>
         </a:lnSpc>
@@ -6637,7 +6729,7 @@
           <a:srgbClr val="000000"/>
         </a:buClr>
         <a:buFont typeface="Arial"/>
-        <a:defRPr b="0" i="0" sz="1400" u="none" cap="none" strike="noStrike">
+        <a:defRPr sz="1400" b="0" i="0" u="none" strike="noStrike" cap="none">
           <a:solidFill>
             <a:srgbClr val="000000"/>
           </a:solidFill>
@@ -6647,7 +6739,7 @@
           <a:sym typeface="Arial"/>
         </a:defRPr>
       </a:lvl7pPr>
-      <a:lvl8pPr lvl="7" marR="0" rtl="0" algn="l">
+      <a:lvl8pPr marR="0" lvl="7" algn="l" rtl="0">
         <a:lnSpc>
           <a:spcPct val="100000"/>
         </a:lnSpc>
@@ -6661,7 +6753,7 @@
           <a:srgbClr val="000000"/>
         </a:buClr>
         <a:buFont typeface="Arial"/>
-        <a:defRPr b="0" i="0" sz="1400" u="none" cap="none" strike="noStrike">
+        <a:defRPr sz="1400" b="0" i="0" u="none" strike="noStrike" cap="none">
           <a:solidFill>
             <a:srgbClr val="000000"/>
           </a:solidFill>
@@ -6671,7 +6763,7 @@
           <a:sym typeface="Arial"/>
         </a:defRPr>
       </a:lvl8pPr>
-      <a:lvl9pPr lvl="8" marR="0" rtl="0" algn="l">
+      <a:lvl9pPr marR="0" lvl="8" algn="l" rtl="0">
         <a:lnSpc>
           <a:spcPct val="100000"/>
         </a:lnSpc>
@@ -6685,7 +6777,7 @@
           <a:srgbClr val="000000"/>
         </a:buClr>
         <a:buFont typeface="Arial"/>
-        <a:defRPr b="0" i="0" sz="1400" u="none" cap="none" strike="noStrike">
+        <a:defRPr sz="1400" b="0" i="0" u="none" strike="noStrike" cap="none">
           <a:solidFill>
             <a:srgbClr val="000000"/>
           </a:solidFill>
@@ -6701,11 +6793,11 @@
 </file>
 
 <file path=ppt/slides/slide1.xml><?xml version="1.0" encoding="utf-8"?>
-<p:sld xmlns:a="http://schemas.openxmlformats.org/drawingml/2006/main" xmlns:r="http://schemas.openxmlformats.org/officeDocument/2006/relationships" xmlns:mc="http://schemas.openxmlformats.org/markup-compatibility/2006" xmlns:mv="urn:schemas-microsoft-com:mac:vml" xmlns:p="http://schemas.openxmlformats.org/presentationml/2006/main" xmlns:c="http://schemas.openxmlformats.org/drawingml/2006/chart" xmlns:dgm="http://schemas.openxmlformats.org/drawingml/2006/diagram" xmlns:o="urn:schemas-microsoft-com:office:office" xmlns:v="urn:schemas-microsoft-com:vml" xmlns:pvml="urn:schemas-microsoft-com:office:powerpoint" xmlns:com="http://schemas.openxmlformats.org/drawingml/2006/compatibility" xmlns:p14="http://schemas.microsoft.com/office/powerpoint/2010/main" xmlns:p15="http://schemas.microsoft.com/office/powerpoint/2012/main" xmlns:ahyp="http://schemas.microsoft.com/office/drawing/2018/hyperlinkcolor">
+<p:sld xmlns:a="http://schemas.openxmlformats.org/drawingml/2006/main" xmlns:r="http://schemas.openxmlformats.org/officeDocument/2006/relationships" xmlns:p="http://schemas.openxmlformats.org/presentationml/2006/main">
   <p:cSld>
     <p:spTree>
       <p:nvGrpSpPr>
-        <p:cNvPr id="53" name="Shape 53"/>
+        <p:cNvPr id="1" name=""/>
         <p:cNvGrpSpPr/>
         <p:nvPr/>
       </p:nvGrpSpPr>
@@ -6719,28 +6811,218 @@
       </p:grpSpPr>
       <p:sp>
         <p:nvSpPr>
-          <p:cNvPr id="54" name="Google Shape;54;p13"/>
-          <p:cNvSpPr txBox="1"/>
+          <p:cNvPr id="2" name="Title 1"/>
+          <p:cNvSpPr>
+            <a:spLocks noGrp="1"/>
+          </p:cNvSpPr>
           <p:nvPr>
             <p:ph type="ctrTitle"/>
           </p:nvPr>
         </p:nvSpPr>
         <p:spPr>
           <a:xfrm>
-            <a:off x="311708" y="744575"/>
-            <a:ext cx="8520600" cy="2052600"/>
+            <a:off x="566059" y="0"/>
+            <a:ext cx="8011886" cy="5143500"/>
+          </a:xfrm>
+        </p:spPr>
+        <p:txBody>
+          <a:bodyPr anchor="ctr">
+            <a:noAutofit/>
+          </a:bodyPr>
+          <a:lstStyle/>
+          <a:p>
+            <a:pPr algn="l" fontAlgn="ctr">
+              <a:lnSpc>
+                <a:spcPct val="150000"/>
+              </a:lnSpc>
+            </a:pPr>
+            <a:r>
+              <a:rPr lang="en-US" sz="2700" b="1" dirty="0">
+                <a:latin typeface="Times New Roman" charset="0"/>
+                <a:ea typeface="Times New Roman" charset="0"/>
+                <a:cs typeface="Times New Roman" charset="0"/>
+              </a:rPr>
+              <a:t>Blue Waters Petascale</a:t>
+            </a:r>
+            <a:r>
+              <a:rPr lang="en-US" sz="2700" b="1" dirty="0">
+                <a:latin typeface="Times New Roman" charset="0"/>
+                <a:ea typeface="Times New Roman" charset="0"/>
+                <a:cs typeface="Times New Roman" charset="0"/>
+              </a:rPr>
+              <a:t> Semester Curriculum v1.0</a:t>
+            </a:r>
+            <a:r>
+              <a:rPr lang="en-US" sz="2700" dirty="0">
+                <a:latin typeface="Times New Roman" charset="0"/>
+                <a:ea typeface="Times New Roman" charset="0"/>
+                <a:cs typeface="Times New Roman" charset="0"/>
+              </a:rPr>
+              <a:t/>
+            </a:r>
+            <a:br>
+              <a:rPr lang="en-US" sz="2700" dirty="0">
+                <a:latin typeface="Times New Roman" charset="0"/>
+                <a:ea typeface="Times New Roman" charset="0"/>
+                <a:cs typeface="Times New Roman" charset="0"/>
+              </a:rPr>
+            </a:br>
+            <a:r>
+              <a:rPr lang="en-US" sz="2700" b="1" dirty="0">
+                <a:latin typeface="Times New Roman" charset="0"/>
+                <a:ea typeface="Times New Roman" charset="0"/>
+                <a:cs typeface="Times New Roman" charset="0"/>
+              </a:rPr>
+              <a:t>Unit 4: </a:t>
+            </a:r>
+            <a:r>
+              <a:rPr lang="en-US" sz="2700" b="1" dirty="0" err="1">
+                <a:latin typeface="Times New Roman" charset="0"/>
+                <a:ea typeface="Times New Roman" charset="0"/>
+                <a:cs typeface="Times New Roman" charset="0"/>
+              </a:rPr>
+              <a:t>OpenMP</a:t>
+            </a:r>
+            <a:r>
+              <a:rPr lang="en-US" sz="2700" dirty="0">
+                <a:latin typeface="Times New Roman" charset="0"/>
+                <a:ea typeface="Times New Roman" charset="0"/>
+                <a:cs typeface="Times New Roman" charset="0"/>
+              </a:rPr>
+              <a:t/>
+            </a:r>
+            <a:br>
+              <a:rPr lang="en-US" sz="2700" dirty="0">
+                <a:latin typeface="Times New Roman" charset="0"/>
+                <a:ea typeface="Times New Roman" charset="0"/>
+                <a:cs typeface="Times New Roman" charset="0"/>
+              </a:rPr>
+            </a:br>
+            <a:r>
+              <a:rPr lang="en-US" sz="2700" b="1" dirty="0">
+                <a:latin typeface="Times New Roman" charset="0"/>
+                <a:ea typeface="Times New Roman" charset="0"/>
+                <a:cs typeface="Times New Roman" charset="0"/>
+              </a:rPr>
+              <a:t>Lesson 1: Race Conditions</a:t>
+            </a:r>
+            <a:br>
+              <a:rPr lang="en-US" sz="2700" b="1" dirty="0">
+                <a:latin typeface="Times New Roman" charset="0"/>
+                <a:ea typeface="Times New Roman" charset="0"/>
+                <a:cs typeface="Times New Roman" charset="0"/>
+              </a:rPr>
+            </a:br>
+            <a:r>
+              <a:rPr lang="en-US" sz="2700" i="1" dirty="0">
+                <a:latin typeface="Times New Roman" charset="0"/>
+                <a:ea typeface="Times New Roman" charset="0"/>
+                <a:cs typeface="Times New Roman" charset="0"/>
+              </a:rPr>
+              <a:t>Developed by David P. </a:t>
+            </a:r>
+            <a:r>
+              <a:rPr lang="en-US" sz="2700" i="1" dirty="0" err="1">
+                <a:latin typeface="Times New Roman" charset="0"/>
+                <a:ea typeface="Times New Roman" charset="0"/>
+                <a:cs typeface="Times New Roman" charset="0"/>
+              </a:rPr>
+              <a:t>Bunde</a:t>
+            </a:r>
+            <a:r>
+              <a:rPr lang="en-US" sz="2700" i="1" dirty="0">
+                <a:latin typeface="Times New Roman" charset="0"/>
+                <a:ea typeface="Times New Roman" charset="0"/>
+                <a:cs typeface="Times New Roman" charset="0"/>
+              </a:rPr>
+              <a:t/>
+            </a:r>
+            <a:br>
+              <a:rPr lang="en-US" sz="2700" i="1" dirty="0">
+                <a:latin typeface="Times New Roman" charset="0"/>
+                <a:ea typeface="Times New Roman" charset="0"/>
+                <a:cs typeface="Times New Roman" charset="0"/>
+              </a:rPr>
+            </a:br>
+            <a:r>
+              <a:rPr lang="en-US" sz="2700" i="1" dirty="0">
+                <a:latin typeface="Times New Roman" charset="0"/>
+                <a:ea typeface="Times New Roman" charset="0"/>
+                <a:cs typeface="Times New Roman" charset="0"/>
+              </a:rPr>
+              <a:t>for the Shodor Education Foundation, Inc.</a:t>
+            </a:r>
+            <a:endParaRPr lang="en-US" sz="2700" i="1" dirty="0">
+              <a:latin typeface="Times New Roman" charset="0"/>
+              <a:ea typeface="Times New Roman" charset="0"/>
+              <a:cs typeface="Times New Roman" charset="0"/>
+            </a:endParaRPr>
+          </a:p>
+        </p:txBody>
+      </p:sp>
+    </p:spTree>
+    <p:extLst>
+      <p:ext uri="{BB962C8B-B14F-4D97-AF65-F5344CB8AC3E}">
+        <p14:creationId xmlns:p14="http://schemas.microsoft.com/office/powerpoint/2010/main" val="230772474"/>
+      </p:ext>
+    </p:extLst>
+  </p:cSld>
+  <p:clrMapOvr>
+    <a:masterClrMapping/>
+  </p:clrMapOvr>
+  <p:timing>
+    <p:tnLst>
+      <p:par>
+        <p:cTn id="1" dur="indefinite" restart="never" nodeType="tmRoot"/>
+      </p:par>
+    </p:tnLst>
+  </p:timing>
+</p:sld>
+</file>
+
+<file path=ppt/slides/slide10.xml><?xml version="1.0" encoding="utf-8"?>
+<p:sld xmlns:a="http://schemas.openxmlformats.org/drawingml/2006/main" xmlns:r="http://schemas.openxmlformats.org/officeDocument/2006/relationships" xmlns:p="http://schemas.openxmlformats.org/presentationml/2006/main">
+  <p:cSld>
+    <p:spTree>
+      <p:nvGrpSpPr>
+        <p:cNvPr id="1" name="Shape 109"/>
+        <p:cNvGrpSpPr/>
+        <p:nvPr/>
+      </p:nvGrpSpPr>
+      <p:grpSpPr>
+        <a:xfrm>
+          <a:off x="0" y="0"/>
+          <a:ext cx="0" cy="0"/>
+          <a:chOff x="0" y="0"/>
+          <a:chExt cx="0" cy="0"/>
+        </a:xfrm>
+      </p:grpSpPr>
+      <p:sp>
+        <p:nvSpPr>
+          <p:cNvPr id="110" name="Google Shape;110;p21"/>
+          <p:cNvSpPr txBox="1">
+            <a:spLocks noGrp="1"/>
+          </p:cNvSpPr>
+          <p:nvPr>
+            <p:ph type="title"/>
+          </p:nvPr>
+        </p:nvSpPr>
+        <p:spPr>
+          <a:xfrm>
+            <a:off x="311700" y="445025"/>
+            <a:ext cx="8520600" cy="572700"/>
           </a:xfrm>
           <a:prstGeom prst="rect">
             <a:avLst/>
           </a:prstGeom>
         </p:spPr>
         <p:txBody>
-          <a:bodyPr anchorCtr="0" anchor="b" bIns="91425" lIns="91425" spcFirstLastPara="1" rIns="91425" wrap="square" tIns="91425">
+          <a:bodyPr spcFirstLastPara="1" wrap="square" lIns="91425" tIns="91425" rIns="91425" bIns="91425" anchor="t" anchorCtr="0">
             <a:noAutofit/>
           </a:bodyPr>
           <a:lstStyle/>
           <a:p>
-            <a:pPr indent="0" lvl="0" marL="0" rtl="0" algn="ctr">
+            <a:pPr marL="0" lvl="0" indent="0" algn="ctr" rtl="0">
               <a:spcBef>
                 <a:spcPts val="0"/>
               </a:spcBef>
@@ -6751,7 +7033,7 @@
             </a:pPr>
             <a:r>
               <a:rPr lang="en"/>
-              <a:t>Race conditions</a:t>
+              <a:t>Race involving a reduction</a:t>
             </a:r>
             <a:endParaRPr/>
           </a:p>
@@ -6759,40 +7041,451 @@
       </p:sp>
       <p:sp>
         <p:nvSpPr>
-          <p:cNvPr id="55" name="Google Shape;55;p13"/>
-          <p:cNvSpPr txBox="1"/>
+          <p:cNvPr id="111" name="Google Shape;111;p21"/>
+          <p:cNvSpPr txBox="1">
+            <a:spLocks noGrp="1"/>
+          </p:cNvSpPr>
           <p:nvPr>
-            <p:ph idx="1" type="subTitle"/>
+            <p:ph type="body" idx="1"/>
           </p:nvPr>
         </p:nvSpPr>
         <p:spPr>
           <a:xfrm>
-            <a:off x="311700" y="2834125"/>
-            <a:ext cx="8520600" cy="792600"/>
+            <a:off x="311700" y="1152475"/>
+            <a:ext cx="8520600" cy="3416400"/>
           </a:xfrm>
           <a:prstGeom prst="rect">
             <a:avLst/>
           </a:prstGeom>
         </p:spPr>
         <p:txBody>
-          <a:bodyPr anchorCtr="0" anchor="t" bIns="91425" lIns="91425" spcFirstLastPara="1" rIns="91425" wrap="square" tIns="91425">
+          <a:bodyPr spcFirstLastPara="1" wrap="square" lIns="91425" tIns="91425" rIns="91425" bIns="91425" anchor="t" anchorCtr="0">
             <a:noAutofit/>
           </a:bodyPr>
           <a:lstStyle/>
           <a:p>
-            <a:pPr indent="0" lvl="0" marL="0" rtl="0" algn="ctr">
-              <a:spcBef>
-                <a:spcPts val="0"/>
-              </a:spcBef>
-              <a:spcAft>
-                <a:spcPts val="0"/>
-              </a:spcAft>
-              <a:buNone/>
-            </a:pPr>
-            <a:r>
-              <a:t/>
-            </a:r>
-            <a:endParaRPr/>
+            <a:pPr marL="0" lvl="0" indent="457200" algn="l" rtl="0">
+              <a:spcBef>
+                <a:spcPts val="0"/>
+              </a:spcBef>
+              <a:spcAft>
+                <a:spcPts val="0"/>
+              </a:spcAft>
+              <a:buClr>
+                <a:schemeClr val="dk1"/>
+              </a:buClr>
+              <a:buSzPts val="1100"/>
+              <a:buFont typeface="Arial"/>
+              <a:buNone/>
+            </a:pPr>
+            <a:r>
+              <a:rPr lang="en" sz="1500">
+                <a:solidFill>
+                  <a:schemeClr val="dk1"/>
+                </a:solidFill>
+                <a:latin typeface="Courier New"/>
+                <a:ea typeface="Courier New"/>
+                <a:cs typeface="Courier New"/>
+                <a:sym typeface="Courier New"/>
+              </a:rPr>
+              <a:t>#pragma omp parallel for private(x,y)  </a:t>
+            </a:r>
+            <a:endParaRPr sz="1500">
+              <a:solidFill>
+                <a:schemeClr val="dk1"/>
+              </a:solidFill>
+              <a:latin typeface="Courier New"/>
+              <a:ea typeface="Courier New"/>
+              <a:cs typeface="Courier New"/>
+              <a:sym typeface="Courier New"/>
+            </a:endParaRPr>
+          </a:p>
+          <a:p>
+            <a:pPr marL="0" lvl="0" indent="457200" algn="l" rtl="0">
+              <a:spcBef>
+                <a:spcPts val="0"/>
+              </a:spcBef>
+              <a:spcAft>
+                <a:spcPts val="0"/>
+              </a:spcAft>
+              <a:buClr>
+                <a:schemeClr val="dk1"/>
+              </a:buClr>
+              <a:buSzPts val="1100"/>
+              <a:buFont typeface="Arial"/>
+              <a:buNone/>
+            </a:pPr>
+            <a:r>
+              <a:rPr lang="en" sz="1500">
+                <a:solidFill>
+                  <a:schemeClr val="dk1"/>
+                </a:solidFill>
+                <a:latin typeface="Courier New"/>
+                <a:ea typeface="Courier New"/>
+                <a:cs typeface="Courier New"/>
+                <a:sym typeface="Courier New"/>
+              </a:rPr>
+              <a:t>for (int j = 0; j &lt; numRows; j++) {</a:t>
+            </a:r>
+            <a:endParaRPr sz="1500">
+              <a:solidFill>
+                <a:schemeClr val="dk1"/>
+              </a:solidFill>
+              <a:latin typeface="Courier New"/>
+              <a:ea typeface="Courier New"/>
+              <a:cs typeface="Courier New"/>
+              <a:sym typeface="Courier New"/>
+            </a:endParaRPr>
+          </a:p>
+          <a:p>
+            <a:pPr marL="457200" lvl="0" indent="457200" algn="l" rtl="0">
+              <a:spcBef>
+                <a:spcPts val="0"/>
+              </a:spcBef>
+              <a:spcAft>
+                <a:spcPts val="0"/>
+              </a:spcAft>
+              <a:buClr>
+                <a:schemeClr val="dk1"/>
+              </a:buClr>
+              <a:buSzPts val="1100"/>
+              <a:buFont typeface="Arial"/>
+              <a:buNone/>
+            </a:pPr>
+            <a:r>
+              <a:rPr lang="en" sz="1500">
+                <a:solidFill>
+                  <a:schemeClr val="dk1"/>
+                </a:solidFill>
+                <a:latin typeface="Courier New"/>
+                <a:ea typeface="Courier New"/>
+                <a:cs typeface="Courier New"/>
+                <a:sym typeface="Courier New"/>
+              </a:rPr>
+              <a:t>for (int i = 0; i &lt; numCols; i++) {</a:t>
+            </a:r>
+            <a:endParaRPr sz="1500">
+              <a:solidFill>
+                <a:schemeClr val="dk1"/>
+              </a:solidFill>
+              <a:latin typeface="Courier New"/>
+              <a:ea typeface="Courier New"/>
+              <a:cs typeface="Courier New"/>
+              <a:sym typeface="Courier New"/>
+            </a:endParaRPr>
+          </a:p>
+          <a:p>
+            <a:pPr marL="914400" lvl="0" indent="457200" algn="l" rtl="0">
+              <a:spcBef>
+                <a:spcPts val="0"/>
+              </a:spcBef>
+              <a:spcAft>
+                <a:spcPts val="0"/>
+              </a:spcAft>
+              <a:buClr>
+                <a:schemeClr val="dk1"/>
+              </a:buClr>
+              <a:buSzPts val="1100"/>
+              <a:buFont typeface="Arial"/>
+              <a:buNone/>
+            </a:pPr>
+            <a:r>
+              <a:rPr lang="en" sz="1500">
+                <a:solidFill>
+                  <a:schemeClr val="dk1"/>
+                </a:solidFill>
+                <a:latin typeface="Courier New"/>
+                <a:ea typeface="Courier New"/>
+                <a:cs typeface="Courier New"/>
+                <a:sym typeface="Courier New"/>
+              </a:rPr>
+              <a:t>x = ((double)i / numCols -0.5) * 2;</a:t>
+            </a:r>
+            <a:endParaRPr sz="1500">
+              <a:solidFill>
+                <a:schemeClr val="dk1"/>
+              </a:solidFill>
+              <a:latin typeface="Courier New"/>
+              <a:ea typeface="Courier New"/>
+              <a:cs typeface="Courier New"/>
+              <a:sym typeface="Courier New"/>
+            </a:endParaRPr>
+          </a:p>
+          <a:p>
+            <a:pPr marL="914400" lvl="0" indent="457200" algn="l" rtl="0">
+              <a:spcBef>
+                <a:spcPts val="0"/>
+              </a:spcBef>
+              <a:spcAft>
+                <a:spcPts val="0"/>
+              </a:spcAft>
+              <a:buClr>
+                <a:schemeClr val="dk1"/>
+              </a:buClr>
+              <a:buSzPts val="1100"/>
+              <a:buFont typeface="Arial"/>
+              <a:buNone/>
+            </a:pPr>
+            <a:r>
+              <a:rPr lang="en" sz="1500">
+                <a:solidFill>
+                  <a:schemeClr val="dk1"/>
+                </a:solidFill>
+                <a:latin typeface="Courier New"/>
+                <a:ea typeface="Courier New"/>
+                <a:cs typeface="Courier New"/>
+                <a:sym typeface="Courier New"/>
+              </a:rPr>
+              <a:t>y = ((double)j / numRows -0.5) * 2;</a:t>
+            </a:r>
+            <a:endParaRPr sz="1500">
+              <a:solidFill>
+                <a:schemeClr val="dk1"/>
+              </a:solidFill>
+              <a:latin typeface="Courier New"/>
+              <a:ea typeface="Courier New"/>
+              <a:cs typeface="Courier New"/>
+              <a:sym typeface="Courier New"/>
+            </a:endParaRPr>
+          </a:p>
+          <a:p>
+            <a:pPr marL="0" lvl="0" indent="0" algn="l" rtl="0">
+              <a:spcBef>
+                <a:spcPts val="0"/>
+              </a:spcBef>
+              <a:spcAft>
+                <a:spcPts val="0"/>
+              </a:spcAft>
+              <a:buClr>
+                <a:schemeClr val="dk1"/>
+              </a:buClr>
+              <a:buSzPts val="1100"/>
+              <a:buFont typeface="Arial"/>
+              <a:buNone/>
+            </a:pPr>
+            <a:endParaRPr sz="1500">
+              <a:solidFill>
+                <a:schemeClr val="dk1"/>
+              </a:solidFill>
+              <a:latin typeface="Courier New"/>
+              <a:ea typeface="Courier New"/>
+              <a:cs typeface="Courier New"/>
+              <a:sym typeface="Courier New"/>
+            </a:endParaRPr>
+          </a:p>
+          <a:p>
+            <a:pPr marL="914400" lvl="0" indent="457200" algn="l" rtl="0">
+              <a:spcBef>
+                <a:spcPts val="0"/>
+              </a:spcBef>
+              <a:spcAft>
+                <a:spcPts val="0"/>
+              </a:spcAft>
+              <a:buClr>
+                <a:schemeClr val="dk1"/>
+              </a:buClr>
+              <a:buSzPts val="1100"/>
+              <a:buFont typeface="Arial"/>
+              <a:buNone/>
+            </a:pPr>
+            <a:r>
+              <a:rPr lang="en" sz="1500" u="sng">
+                <a:solidFill>
+                  <a:schemeClr val="dk1"/>
+                </a:solidFill>
+                <a:latin typeface="Courier New"/>
+                <a:ea typeface="Courier New"/>
+                <a:cs typeface="Courier New"/>
+                <a:sym typeface="Courier New"/>
+              </a:rPr>
+              <a:t>int pixel = mandelbrot(x,y);</a:t>
+            </a:r>
+            <a:endParaRPr sz="1500" u="sng">
+              <a:solidFill>
+                <a:schemeClr val="dk1"/>
+              </a:solidFill>
+              <a:latin typeface="Courier New"/>
+              <a:ea typeface="Courier New"/>
+              <a:cs typeface="Courier New"/>
+              <a:sym typeface="Courier New"/>
+            </a:endParaRPr>
+          </a:p>
+          <a:p>
+            <a:pPr marL="914400" lvl="0" indent="457200" algn="l" rtl="0">
+              <a:spcBef>
+                <a:spcPts val="0"/>
+              </a:spcBef>
+              <a:spcAft>
+                <a:spcPts val="0"/>
+              </a:spcAft>
+              <a:buClr>
+                <a:schemeClr val="dk1"/>
+              </a:buClr>
+              <a:buSzPts val="1100"/>
+              <a:buFont typeface="Arial"/>
+              <a:buNone/>
+            </a:pPr>
+            <a:r>
+              <a:rPr lang="en" sz="1500" u="sng">
+                <a:solidFill>
+                  <a:schemeClr val="dk1"/>
+                </a:solidFill>
+                <a:latin typeface="Courier New"/>
+                <a:ea typeface="Courier New"/>
+                <a:cs typeface="Courier New"/>
+                <a:sym typeface="Courier New"/>
+              </a:rPr>
+              <a:t>pixels[i][j] = pixel;</a:t>
+            </a:r>
+            <a:endParaRPr sz="1500" u="sng">
+              <a:solidFill>
+                <a:schemeClr val="dk1"/>
+              </a:solidFill>
+              <a:latin typeface="Courier New"/>
+              <a:ea typeface="Courier New"/>
+              <a:cs typeface="Courier New"/>
+              <a:sym typeface="Courier New"/>
+            </a:endParaRPr>
+          </a:p>
+          <a:p>
+            <a:pPr marL="914400" lvl="0" indent="457200" algn="l" rtl="0">
+              <a:spcBef>
+                <a:spcPts val="0"/>
+              </a:spcBef>
+              <a:spcAft>
+                <a:spcPts val="0"/>
+              </a:spcAft>
+              <a:buClr>
+                <a:schemeClr val="dk1"/>
+              </a:buClr>
+              <a:buSzPts val="1100"/>
+              <a:buFont typeface="Arial"/>
+              <a:buNone/>
+            </a:pPr>
+            <a:r>
+              <a:rPr lang="en" sz="1500" u="sng">
+                <a:solidFill>
+                  <a:schemeClr val="dk1"/>
+                </a:solidFill>
+                <a:latin typeface="Courier New"/>
+                <a:ea typeface="Courier New"/>
+                <a:cs typeface="Courier New"/>
+                <a:sym typeface="Courier New"/>
+              </a:rPr>
+              <a:t>if(pixel == 0)</a:t>
+            </a:r>
+            <a:endParaRPr sz="1500" u="sng">
+              <a:solidFill>
+                <a:schemeClr val="dk1"/>
+              </a:solidFill>
+              <a:latin typeface="Courier New"/>
+              <a:ea typeface="Courier New"/>
+              <a:cs typeface="Courier New"/>
+              <a:sym typeface="Courier New"/>
+            </a:endParaRPr>
+          </a:p>
+          <a:p>
+            <a:pPr marL="914400" lvl="0" indent="457200" algn="l" rtl="0">
+              <a:spcBef>
+                <a:spcPts val="0"/>
+              </a:spcBef>
+              <a:spcAft>
+                <a:spcPts val="0"/>
+              </a:spcAft>
+              <a:buClr>
+                <a:schemeClr val="dk1"/>
+              </a:buClr>
+              <a:buSzPts val="1100"/>
+              <a:buFont typeface="Arial"/>
+              <a:buNone/>
+            </a:pPr>
+            <a:r>
+              <a:rPr lang="en" sz="1500" u="sng">
+                <a:solidFill>
+                  <a:schemeClr val="dk1"/>
+                </a:solidFill>
+                <a:latin typeface="Courier New"/>
+                <a:ea typeface="Courier New"/>
+                <a:cs typeface="Courier New"/>
+                <a:sym typeface="Courier New"/>
+              </a:rPr>
+              <a:t>	numBlack++;</a:t>
+            </a:r>
+            <a:endParaRPr sz="1500" u="sng">
+              <a:solidFill>
+                <a:schemeClr val="dk1"/>
+              </a:solidFill>
+              <a:latin typeface="Courier New"/>
+              <a:ea typeface="Courier New"/>
+              <a:cs typeface="Courier New"/>
+              <a:sym typeface="Courier New"/>
+            </a:endParaRPr>
+          </a:p>
+          <a:p>
+            <a:pPr marL="0" lvl="0" indent="0" algn="l" rtl="0">
+              <a:spcBef>
+                <a:spcPts val="0"/>
+              </a:spcBef>
+              <a:spcAft>
+                <a:spcPts val="0"/>
+              </a:spcAft>
+              <a:buClr>
+                <a:schemeClr val="dk1"/>
+              </a:buClr>
+              <a:buSzPts val="1100"/>
+              <a:buFont typeface="Arial"/>
+              <a:buNone/>
+            </a:pPr>
+            <a:r>
+              <a:rPr lang="en" sz="1500">
+                <a:solidFill>
+                  <a:schemeClr val="dk1"/>
+                </a:solidFill>
+                <a:latin typeface="Courier New"/>
+                <a:ea typeface="Courier New"/>
+                <a:cs typeface="Courier New"/>
+                <a:sym typeface="Courier New"/>
+              </a:rPr>
+              <a:t>		}</a:t>
+            </a:r>
+            <a:endParaRPr sz="1500">
+              <a:solidFill>
+                <a:schemeClr val="dk1"/>
+              </a:solidFill>
+              <a:latin typeface="Courier New"/>
+              <a:ea typeface="Courier New"/>
+              <a:cs typeface="Courier New"/>
+              <a:sym typeface="Courier New"/>
+            </a:endParaRPr>
+          </a:p>
+          <a:p>
+            <a:pPr marL="0" lvl="0" indent="0" algn="l" rtl="0">
+              <a:spcBef>
+                <a:spcPts val="0"/>
+              </a:spcBef>
+              <a:spcAft>
+                <a:spcPts val="0"/>
+              </a:spcAft>
+              <a:buClr>
+                <a:schemeClr val="dk1"/>
+              </a:buClr>
+              <a:buSzPts val="1100"/>
+              <a:buFont typeface="Arial"/>
+              <a:buNone/>
+            </a:pPr>
+            <a:r>
+              <a:rPr lang="en" sz="1500">
+                <a:solidFill>
+                  <a:schemeClr val="dk1"/>
+                </a:solidFill>
+                <a:latin typeface="Courier New"/>
+                <a:ea typeface="Courier New"/>
+                <a:cs typeface="Courier New"/>
+                <a:sym typeface="Courier New"/>
+              </a:rPr>
+              <a:t>  	}</a:t>
+            </a:r>
+            <a:endParaRPr sz="2100"/>
           </a:p>
         </p:txBody>
       </p:sp>
@@ -6804,12 +7497,12 @@
 </p:sld>
 </file>
 
-<file path=ppt/slides/slide10.xml><?xml version="1.0" encoding="utf-8"?>
-<p:sld xmlns:a="http://schemas.openxmlformats.org/drawingml/2006/main" xmlns:r="http://schemas.openxmlformats.org/officeDocument/2006/relationships" xmlns:mc="http://schemas.openxmlformats.org/markup-compatibility/2006" xmlns:mv="urn:schemas-microsoft-com:mac:vml" xmlns:p="http://schemas.openxmlformats.org/presentationml/2006/main" xmlns:c="http://schemas.openxmlformats.org/drawingml/2006/chart" xmlns:dgm="http://schemas.openxmlformats.org/drawingml/2006/diagram" xmlns:o="urn:schemas-microsoft-com:office:office" xmlns:v="urn:schemas-microsoft-com:vml" xmlns:pvml="urn:schemas-microsoft-com:office:powerpoint" xmlns:com="http://schemas.openxmlformats.org/drawingml/2006/compatibility" xmlns:p14="http://schemas.microsoft.com/office/powerpoint/2010/main" xmlns:p15="http://schemas.microsoft.com/office/powerpoint/2012/main" xmlns:ahyp="http://schemas.microsoft.com/office/drawing/2018/hyperlinkcolor">
+<file path=ppt/slides/slide11.xml><?xml version="1.0" encoding="utf-8"?>
+<p:sld xmlns:a="http://schemas.openxmlformats.org/drawingml/2006/main" xmlns:r="http://schemas.openxmlformats.org/officeDocument/2006/relationships" xmlns:p="http://schemas.openxmlformats.org/presentationml/2006/main">
   <p:cSld>
     <p:spTree>
       <p:nvGrpSpPr>
-        <p:cNvPr id="115" name="Shape 115"/>
+        <p:cNvPr id="1" name="Shape 115"/>
         <p:cNvGrpSpPr/>
         <p:nvPr/>
       </p:nvGrpSpPr>
@@ -6824,7 +7517,9 @@
       <p:sp>
         <p:nvSpPr>
           <p:cNvPr id="116" name="Google Shape;116;p22"/>
-          <p:cNvSpPr txBox="1"/>
+          <p:cNvSpPr txBox="1">
+            <a:spLocks noGrp="1"/>
+          </p:cNvSpPr>
           <p:nvPr>
             <p:ph type="title"/>
           </p:nvPr>
@@ -6839,12 +7534,12 @@
           </a:prstGeom>
         </p:spPr>
         <p:txBody>
-          <a:bodyPr anchorCtr="0" anchor="t" bIns="91425" lIns="91425" spcFirstLastPara="1" rIns="91425" wrap="square" tIns="91425">
+          <a:bodyPr spcFirstLastPara="1" wrap="square" lIns="91425" tIns="91425" rIns="91425" bIns="91425" anchor="t" anchorCtr="0">
             <a:noAutofit/>
           </a:bodyPr>
           <a:lstStyle/>
           <a:p>
-            <a:pPr indent="0" lvl="0" marL="0" rtl="0" algn="ctr">
+            <a:pPr marL="0" lvl="0" indent="0" algn="ctr" rtl="0">
               <a:spcBef>
                 <a:spcPts val="0"/>
               </a:spcBef>
@@ -6864,9 +7559,11 @@
       <p:sp>
         <p:nvSpPr>
           <p:cNvPr id="117" name="Google Shape;117;p22"/>
-          <p:cNvSpPr txBox="1"/>
+          <p:cNvSpPr txBox="1">
+            <a:spLocks noGrp="1"/>
+          </p:cNvSpPr>
           <p:nvPr>
-            <p:ph idx="1" type="body"/>
+            <p:ph type="body" idx="1"/>
           </p:nvPr>
         </p:nvSpPr>
         <p:spPr>
@@ -6879,22 +7576,22 @@
           </a:prstGeom>
         </p:spPr>
         <p:txBody>
-          <a:bodyPr anchorCtr="0" anchor="t" bIns="91425" lIns="91425" spcFirstLastPara="1" rIns="91425" wrap="square" tIns="91425">
+          <a:bodyPr spcFirstLastPara="1" wrap="square" lIns="91425" tIns="91425" rIns="91425" bIns="91425" anchor="t" anchorCtr="0">
             <a:noAutofit/>
           </a:bodyPr>
           <a:lstStyle/>
           <a:p>
-            <a:pPr indent="0" lvl="0" marL="0" rtl="0" algn="l">
-              <a:spcBef>
-                <a:spcPts val="0"/>
-              </a:spcBef>
-              <a:spcAft>
-                <a:spcPts val="0"/>
-              </a:spcAft>
-              <a:buNone/>
-            </a:pPr>
-            <a:r>
-              <a:rPr b="1" lang="en" u="sng"/>
+            <a:pPr marL="0" lvl="0" indent="0" algn="l" rtl="0">
+              <a:spcBef>
+                <a:spcPts val="0"/>
+              </a:spcBef>
+              <a:spcAft>
+                <a:spcPts val="0"/>
+              </a:spcAft>
+              <a:buNone/>
+            </a:pPr>
+            <a:r>
+              <a:rPr lang="en" b="1" u="sng"/>
               <a:t>C code</a:t>
             </a:r>
             <a:r>
@@ -6902,13 +7599,13 @@
               <a:t>			</a:t>
             </a:r>
             <a:r>
-              <a:rPr b="1" lang="en" u="sng"/>
+              <a:rPr lang="en" b="1" u="sng"/>
               <a:t>Actual operations</a:t>
             </a:r>
             <a:endParaRPr b="1" u="sng"/>
           </a:p>
           <a:p>
-            <a:pPr indent="0" lvl="0" marL="0" rtl="0" algn="l">
+            <a:pPr marL="0" lvl="0" indent="0" algn="l" rtl="0">
               <a:spcBef>
                 <a:spcPts val="1600"/>
               </a:spcBef>
@@ -6924,7 +7621,7 @@
             <a:endParaRPr/>
           </a:p>
           <a:p>
-            <a:pPr indent="0" lvl="0" marL="0" rtl="0" algn="l">
+            <a:pPr marL="0" lvl="0" indent="0" algn="l" rtl="0">
               <a:spcBef>
                 <a:spcPts val="1600"/>
               </a:spcBef>
@@ -6940,7 +7637,7 @@
             <a:endParaRPr/>
           </a:p>
           <a:p>
-            <a:pPr indent="0" lvl="0" marL="0" rtl="0" algn="l">
+            <a:pPr marL="0" lvl="0" indent="0" algn="l" rtl="0">
               <a:spcBef>
                 <a:spcPts val="1600"/>
               </a:spcBef>
@@ -6965,12 +7662,12 @@
 </p:sld>
 </file>
 
-<file path=ppt/slides/slide11.xml><?xml version="1.0" encoding="utf-8"?>
-<p:sld xmlns:a="http://schemas.openxmlformats.org/drawingml/2006/main" xmlns:r="http://schemas.openxmlformats.org/officeDocument/2006/relationships" xmlns:mc="http://schemas.openxmlformats.org/markup-compatibility/2006" xmlns:mv="urn:schemas-microsoft-com:mac:vml" xmlns:p="http://schemas.openxmlformats.org/presentationml/2006/main" xmlns:c="http://schemas.openxmlformats.org/drawingml/2006/chart" xmlns:dgm="http://schemas.openxmlformats.org/drawingml/2006/diagram" xmlns:o="urn:schemas-microsoft-com:office:office" xmlns:v="urn:schemas-microsoft-com:vml" xmlns:pvml="urn:schemas-microsoft-com:office:powerpoint" xmlns:com="http://schemas.openxmlformats.org/drawingml/2006/compatibility" xmlns:p14="http://schemas.microsoft.com/office/powerpoint/2010/main" xmlns:p15="http://schemas.microsoft.com/office/powerpoint/2012/main" xmlns:ahyp="http://schemas.microsoft.com/office/drawing/2018/hyperlinkcolor">
+<file path=ppt/slides/slide12.xml><?xml version="1.0" encoding="utf-8"?>
+<p:sld xmlns:a="http://schemas.openxmlformats.org/drawingml/2006/main" xmlns:r="http://schemas.openxmlformats.org/officeDocument/2006/relationships" xmlns:p="http://schemas.openxmlformats.org/presentationml/2006/main">
   <p:cSld>
     <p:spTree>
       <p:nvGrpSpPr>
-        <p:cNvPr id="121" name="Shape 121"/>
+        <p:cNvPr id="1" name="Shape 121"/>
         <p:cNvGrpSpPr/>
         <p:nvPr/>
       </p:nvGrpSpPr>
@@ -6985,7 +7682,9 @@
       <p:sp>
         <p:nvSpPr>
           <p:cNvPr id="122" name="Google Shape;122;p23"/>
-          <p:cNvSpPr txBox="1"/>
+          <p:cNvSpPr txBox="1">
+            <a:spLocks noGrp="1"/>
+          </p:cNvSpPr>
           <p:nvPr>
             <p:ph type="title"/>
           </p:nvPr>
@@ -7000,12 +7699,12 @@
           </a:prstGeom>
         </p:spPr>
         <p:txBody>
-          <a:bodyPr anchorCtr="0" anchor="t" bIns="91425" lIns="91425" spcFirstLastPara="1" rIns="91425" wrap="square" tIns="91425">
+          <a:bodyPr spcFirstLastPara="1" wrap="square" lIns="91425" tIns="91425" rIns="91425" bIns="91425" anchor="t" anchorCtr="0">
             <a:noAutofit/>
           </a:bodyPr>
           <a:lstStyle/>
           <a:p>
-            <a:pPr indent="0" lvl="0" marL="0" rtl="0" algn="ctr">
+            <a:pPr marL="0" lvl="0" indent="0" algn="ctr" rtl="0">
               <a:spcBef>
                 <a:spcPts val="0"/>
               </a:spcBef>
@@ -7025,9 +7724,11 @@
       <p:sp>
         <p:nvSpPr>
           <p:cNvPr id="123" name="Google Shape;123;p23"/>
-          <p:cNvSpPr txBox="1"/>
+          <p:cNvSpPr txBox="1">
+            <a:spLocks noGrp="1"/>
+          </p:cNvSpPr>
           <p:nvPr>
-            <p:ph idx="1" type="body"/>
+            <p:ph type="body" idx="1"/>
           </p:nvPr>
         </p:nvSpPr>
         <p:spPr>
@@ -7040,22 +7741,22 @@
           </a:prstGeom>
         </p:spPr>
         <p:txBody>
-          <a:bodyPr anchorCtr="0" anchor="t" bIns="91425" lIns="91425" spcFirstLastPara="1" rIns="91425" wrap="square" tIns="91425">
+          <a:bodyPr spcFirstLastPara="1" wrap="square" lIns="91425" tIns="91425" rIns="91425" bIns="91425" anchor="t" anchorCtr="0">
             <a:noAutofit/>
           </a:bodyPr>
           <a:lstStyle/>
           <a:p>
-            <a:pPr indent="0" lvl="0" marL="0" rtl="0" algn="l">
-              <a:spcBef>
-                <a:spcPts val="0"/>
-              </a:spcBef>
-              <a:spcAft>
-                <a:spcPts val="0"/>
-              </a:spcAft>
-              <a:buNone/>
-            </a:pPr>
-            <a:r>
-              <a:rPr b="1" lang="en" u="sng"/>
+            <a:pPr marL="0" lvl="0" indent="0" algn="l" rtl="0">
+              <a:spcBef>
+                <a:spcPts val="0"/>
+              </a:spcBef>
+              <a:spcAft>
+                <a:spcPts val="0"/>
+              </a:spcAft>
+              <a:buNone/>
+            </a:pPr>
+            <a:r>
+              <a:rPr lang="en" b="1" u="sng"/>
               <a:t>C code</a:t>
             </a:r>
             <a:r>
@@ -7063,13 +7764,13 @@
               <a:t>			</a:t>
             </a:r>
             <a:r>
-              <a:rPr b="1" lang="en" u="sng"/>
+              <a:rPr lang="en" b="1" u="sng"/>
               <a:t>First task				Second task</a:t>
             </a:r>
             <a:endParaRPr b="1" u="sng"/>
           </a:p>
           <a:p>
-            <a:pPr indent="0" lvl="0" marL="0" rtl="0" algn="l">
+            <a:pPr marL="0" lvl="0" indent="0" algn="l" rtl="0">
               <a:spcBef>
                 <a:spcPts val="1600"/>
               </a:spcBef>
@@ -7085,7 +7786,7 @@
             <a:endParaRPr/>
           </a:p>
           <a:p>
-            <a:pPr indent="0" lvl="0" marL="0" rtl="0" algn="l">
+            <a:pPr marL="0" lvl="0" indent="0" algn="l" rtl="0">
               <a:spcBef>
                 <a:spcPts val="1600"/>
               </a:spcBef>
@@ -7101,7 +7802,7 @@
             <a:endParaRPr/>
           </a:p>
           <a:p>
-            <a:pPr indent="0" lvl="0" marL="0" rtl="0" algn="l">
+            <a:pPr marL="0" lvl="0" indent="0" algn="l" rtl="0">
               <a:spcBef>
                 <a:spcPts val="1600"/>
               </a:spcBef>
@@ -7117,7 +7818,7 @@
             <a:endParaRPr/>
           </a:p>
           <a:p>
-            <a:pPr indent="0" lvl="0" marL="0" rtl="0" algn="l">
+            <a:pPr marL="0" lvl="0" indent="0" algn="l" rtl="0">
               <a:spcBef>
                 <a:spcPts val="1600"/>
               </a:spcBef>
@@ -7142,12 +7843,12 @@
 </p:sld>
 </file>
 
-<file path=ppt/slides/slide12.xml><?xml version="1.0" encoding="utf-8"?>
-<p:sld xmlns:a="http://schemas.openxmlformats.org/drawingml/2006/main" xmlns:r="http://schemas.openxmlformats.org/officeDocument/2006/relationships" xmlns:mc="http://schemas.openxmlformats.org/markup-compatibility/2006" xmlns:mv="urn:schemas-microsoft-com:mac:vml" xmlns:p="http://schemas.openxmlformats.org/presentationml/2006/main" xmlns:c="http://schemas.openxmlformats.org/drawingml/2006/chart" xmlns:dgm="http://schemas.openxmlformats.org/drawingml/2006/diagram" xmlns:o="urn:schemas-microsoft-com:office:office" xmlns:v="urn:schemas-microsoft-com:vml" xmlns:pvml="urn:schemas-microsoft-com:office:powerpoint" xmlns:com="http://schemas.openxmlformats.org/drawingml/2006/compatibility" xmlns:p14="http://schemas.microsoft.com/office/powerpoint/2010/main" xmlns:p15="http://schemas.microsoft.com/office/powerpoint/2012/main" xmlns:ahyp="http://schemas.microsoft.com/office/drawing/2018/hyperlinkcolor">
+<file path=ppt/slides/slide13.xml><?xml version="1.0" encoding="utf-8"?>
+<p:sld xmlns:a="http://schemas.openxmlformats.org/drawingml/2006/main" xmlns:r="http://schemas.openxmlformats.org/officeDocument/2006/relationships" xmlns:p="http://schemas.openxmlformats.org/presentationml/2006/main">
   <p:cSld>
     <p:spTree>
       <p:nvGrpSpPr>
-        <p:cNvPr id="127" name="Shape 127"/>
+        <p:cNvPr id="1" name="Shape 127"/>
         <p:cNvGrpSpPr/>
         <p:nvPr/>
       </p:nvGrpSpPr>
@@ -7162,7 +7863,9 @@
       <p:sp>
         <p:nvSpPr>
           <p:cNvPr id="128" name="Google Shape;128;p24"/>
-          <p:cNvSpPr txBox="1"/>
+          <p:cNvSpPr txBox="1">
+            <a:spLocks noGrp="1"/>
+          </p:cNvSpPr>
           <p:nvPr>
             <p:ph type="title"/>
           </p:nvPr>
@@ -7177,12 +7880,12 @@
           </a:prstGeom>
         </p:spPr>
         <p:txBody>
-          <a:bodyPr anchorCtr="0" anchor="t" bIns="91425" lIns="91425" spcFirstLastPara="1" rIns="91425" wrap="square" tIns="91425">
+          <a:bodyPr spcFirstLastPara="1" wrap="square" lIns="91425" tIns="91425" rIns="91425" bIns="91425" anchor="t" anchorCtr="0">
             <a:noAutofit/>
           </a:bodyPr>
           <a:lstStyle/>
           <a:p>
-            <a:pPr indent="0" lvl="0" marL="0" rtl="0" algn="ctr">
+            <a:pPr marL="0" lvl="0" indent="0" algn="ctr" rtl="0">
               <a:spcBef>
                 <a:spcPts val="0"/>
               </a:spcBef>
@@ -7193,11 +7896,7 @@
             </a:pPr>
             <a:r>
               <a:rPr lang="en"/>
-              <a:t>Fixing the</a:t>
-            </a:r>
-            <a:r>
-              <a:rPr lang="en"/>
-              <a:t> race</a:t>
+              <a:t>Fixing the race</a:t>
             </a:r>
             <a:endParaRPr/>
           </a:p>
@@ -7206,9 +7905,11 @@
       <p:sp>
         <p:nvSpPr>
           <p:cNvPr id="129" name="Google Shape;129;p24"/>
-          <p:cNvSpPr txBox="1"/>
+          <p:cNvSpPr txBox="1">
+            <a:spLocks noGrp="1"/>
+          </p:cNvSpPr>
           <p:nvPr>
-            <p:ph idx="1" type="body"/>
+            <p:ph type="body" idx="1"/>
           </p:nvPr>
         </p:nvSpPr>
         <p:spPr>
@@ -7221,12 +7922,12 @@
           </a:prstGeom>
         </p:spPr>
         <p:txBody>
-          <a:bodyPr anchorCtr="0" anchor="t" bIns="91425" lIns="91425" spcFirstLastPara="1" rIns="91425" wrap="square" tIns="91425">
+          <a:bodyPr spcFirstLastPara="1" wrap="square" lIns="91425" tIns="91425" rIns="91425" bIns="91425" anchor="t" anchorCtr="0">
             <a:noAutofit/>
           </a:bodyPr>
           <a:lstStyle/>
           <a:p>
-            <a:pPr indent="457200" lvl="0" marL="0" rtl="0" algn="l">
+            <a:pPr marL="0" lvl="0" indent="457200" algn="l" rtl="0">
               <a:spcBef>
                 <a:spcPts val="0"/>
               </a:spcBef>
@@ -7282,7 +7983,7 @@
             </a:endParaRPr>
           </a:p>
           <a:p>
-            <a:pPr indent="457200" lvl="0" marL="0" rtl="0" algn="l">
+            <a:pPr marL="0" lvl="0" indent="457200" algn="l" rtl="0">
               <a:spcBef>
                 <a:spcPts val="0"/>
               </a:spcBef>
@@ -7314,7 +8015,7 @@
             </a:endParaRPr>
           </a:p>
           <a:p>
-            <a:pPr indent="457200" lvl="0" marL="457200" rtl="0" algn="l">
+            <a:pPr marL="457200" lvl="0" indent="457200" algn="l" rtl="0">
               <a:spcBef>
                 <a:spcPts val="0"/>
               </a:spcBef>
@@ -7346,7 +8047,7 @@
             </a:endParaRPr>
           </a:p>
           <a:p>
-            <a:pPr indent="457200" lvl="0" marL="914400" rtl="0" algn="l">
+            <a:pPr marL="914400" lvl="0" indent="457200" algn="l" rtl="0">
               <a:spcBef>
                 <a:spcPts val="0"/>
               </a:spcBef>
@@ -7378,7 +8079,7 @@
             </a:endParaRPr>
           </a:p>
           <a:p>
-            <a:pPr indent="457200" lvl="0" marL="914400" rtl="0" algn="l">
+            <a:pPr marL="914400" lvl="0" indent="457200" algn="l" rtl="0">
               <a:spcBef>
                 <a:spcPts val="0"/>
               </a:spcBef>
@@ -7410,18 +8111,15 @@
             </a:endParaRPr>
           </a:p>
           <a:p>
-            <a:pPr indent="0" lvl="0" marL="0" rtl="0" algn="l">
-              <a:spcBef>
-                <a:spcPts val="0"/>
-              </a:spcBef>
-              <a:spcAft>
-                <a:spcPts val="0"/>
-              </a:spcAft>
-              <a:buNone/>
-            </a:pPr>
-            <a:r>
-              <a:t/>
-            </a:r>
+            <a:pPr marL="0" lvl="0" indent="0" algn="l" rtl="0">
+              <a:spcBef>
+                <a:spcPts val="0"/>
+              </a:spcBef>
+              <a:spcAft>
+                <a:spcPts val="0"/>
+              </a:spcAft>
+              <a:buNone/>
+            </a:pPr>
             <a:endParaRPr sz="1500">
               <a:solidFill>
                 <a:schemeClr val="dk1"/>
@@ -7433,7 +8131,7 @@
             </a:endParaRPr>
           </a:p>
           <a:p>
-            <a:pPr indent="457200" lvl="0" marL="914400" rtl="0" algn="l">
+            <a:pPr marL="914400" lvl="0" indent="457200" algn="l" rtl="0">
               <a:spcBef>
                 <a:spcPts val="0"/>
               </a:spcBef>
@@ -7465,7 +8163,7 @@
             </a:endParaRPr>
           </a:p>
           <a:p>
-            <a:pPr indent="457200" lvl="0" marL="914400" rtl="0" algn="l">
+            <a:pPr marL="914400" lvl="0" indent="457200" algn="l" rtl="0">
               <a:spcBef>
                 <a:spcPts val="0"/>
               </a:spcBef>
@@ -7497,7 +8195,7 @@
             </a:endParaRPr>
           </a:p>
           <a:p>
-            <a:pPr indent="457200" lvl="0" marL="914400" rtl="0" algn="l">
+            <a:pPr marL="914400" lvl="0" indent="457200" algn="l" rtl="0">
               <a:spcBef>
                 <a:spcPts val="0"/>
               </a:spcBef>
@@ -7529,7 +8227,7 @@
             </a:endParaRPr>
           </a:p>
           <a:p>
-            <a:pPr indent="457200" lvl="0" marL="914400" rtl="0" algn="l">
+            <a:pPr marL="914400" lvl="0" indent="457200" algn="l" rtl="0">
               <a:spcBef>
                 <a:spcPts val="0"/>
               </a:spcBef>
@@ -7561,7 +8259,7 @@
             </a:endParaRPr>
           </a:p>
           <a:p>
-            <a:pPr indent="0" lvl="0" marL="0" rtl="0" algn="l">
+            <a:pPr marL="0" lvl="0" indent="0" algn="l" rtl="0">
               <a:spcBef>
                 <a:spcPts val="0"/>
               </a:spcBef>
@@ -7593,7 +8291,7 @@
             </a:endParaRPr>
           </a:p>
           <a:p>
-            <a:pPr indent="0" lvl="0" marL="0" rtl="0" algn="l">
+            <a:pPr marL="0" lvl="0" indent="0" algn="l" rtl="0">
               <a:spcBef>
                 <a:spcPts val="0"/>
               </a:spcBef>
@@ -7631,31 +8329,31 @@
           </a:xfrm>
           <a:prstGeom prst="wedgeRoundRectCallout">
             <a:avLst>
-              <a:gd fmla="val -22565" name="adj1"/>
-              <a:gd fmla="val 94945" name="adj2"/>
-              <a:gd fmla="val 0" name="adj3"/>
+              <a:gd name="adj1" fmla="val -22565"/>
+              <a:gd name="adj2" fmla="val 94945"/>
+              <a:gd name="adj3" fmla="val 0"/>
             </a:avLst>
           </a:prstGeom>
           <a:solidFill>
             <a:schemeClr val="lt2"/>
           </a:solidFill>
-          <a:ln cap="flat" cmpd="sng" w="9525">
+          <a:ln w="9525" cap="flat" cmpd="sng">
             <a:solidFill>
               <a:schemeClr val="dk2"/>
             </a:solidFill>
             <a:prstDash val="solid"/>
             <a:round/>
-            <a:headEnd len="sm" w="sm" type="none"/>
-            <a:tailEnd len="sm" w="sm" type="none"/>
+            <a:headEnd type="none" w="sm" len="sm"/>
+            <a:tailEnd type="none" w="sm" len="sm"/>
           </a:ln>
         </p:spPr>
         <p:txBody>
-          <a:bodyPr anchorCtr="0" anchor="ctr" bIns="91425" lIns="91425" spcFirstLastPara="1" rIns="91425" wrap="square" tIns="91425">
+          <a:bodyPr spcFirstLastPara="1" wrap="square" lIns="91425" tIns="91425" rIns="91425" bIns="91425" anchor="ctr" anchorCtr="0">
             <a:noAutofit/>
           </a:bodyPr>
           <a:lstStyle/>
           <a:p>
-            <a:pPr indent="0" lvl="0" marL="0" rtl="0" algn="l">
+            <a:pPr marL="0" lvl="0" indent="0" algn="l" rtl="0">
               <a:spcBef>
                 <a:spcPts val="0"/>
               </a:spcBef>
@@ -7685,31 +8383,31 @@
           </a:xfrm>
           <a:prstGeom prst="wedgeRoundRectCallout">
             <a:avLst>
-              <a:gd fmla="val -45476" name="adj1"/>
-              <a:gd fmla="val -84422" name="adj2"/>
-              <a:gd fmla="val 0" name="adj3"/>
+              <a:gd name="adj1" fmla="val -45476"/>
+              <a:gd name="adj2" fmla="val -84422"/>
+              <a:gd name="adj3" fmla="val 0"/>
             </a:avLst>
           </a:prstGeom>
           <a:solidFill>
             <a:schemeClr val="lt2"/>
           </a:solidFill>
-          <a:ln cap="flat" cmpd="sng" w="9525">
+          <a:ln w="9525" cap="flat" cmpd="sng">
             <a:solidFill>
               <a:schemeClr val="dk2"/>
             </a:solidFill>
             <a:prstDash val="solid"/>
             <a:round/>
-            <a:headEnd len="sm" w="sm" type="none"/>
-            <a:tailEnd len="sm" w="sm" type="none"/>
+            <a:headEnd type="none" w="sm" len="sm"/>
+            <a:tailEnd type="none" w="sm" len="sm"/>
           </a:ln>
         </p:spPr>
         <p:txBody>
-          <a:bodyPr anchorCtr="0" anchor="ctr" bIns="91425" lIns="91425" spcFirstLastPara="1" rIns="91425" wrap="square" tIns="91425">
+          <a:bodyPr spcFirstLastPara="1" wrap="square" lIns="91425" tIns="91425" rIns="91425" bIns="91425" anchor="ctr" anchorCtr="0">
             <a:noAutofit/>
           </a:bodyPr>
           <a:lstStyle/>
           <a:p>
-            <a:pPr indent="0" lvl="0" marL="0" rtl="0" algn="l">
+            <a:pPr marL="0" lvl="0" indent="0" algn="l" rtl="0">
               <a:spcBef>
                 <a:spcPts val="0"/>
               </a:spcBef>
@@ -7735,11 +8433,267 @@
 </file>
 
 <file path=ppt/slides/slide2.xml><?xml version="1.0" encoding="utf-8"?>
-<p:sld xmlns:a="http://schemas.openxmlformats.org/drawingml/2006/main" xmlns:r="http://schemas.openxmlformats.org/officeDocument/2006/relationships" xmlns:mc="http://schemas.openxmlformats.org/markup-compatibility/2006" xmlns:mv="urn:schemas-microsoft-com:mac:vml" xmlns:p="http://schemas.openxmlformats.org/presentationml/2006/main" xmlns:c="http://schemas.openxmlformats.org/drawingml/2006/chart" xmlns:dgm="http://schemas.openxmlformats.org/drawingml/2006/diagram" xmlns:o="urn:schemas-microsoft-com:office:office" xmlns:v="urn:schemas-microsoft-com:vml" xmlns:pvml="urn:schemas-microsoft-com:office:powerpoint" xmlns:com="http://schemas.openxmlformats.org/drawingml/2006/compatibility" xmlns:p14="http://schemas.microsoft.com/office/powerpoint/2010/main" xmlns:p15="http://schemas.microsoft.com/office/powerpoint/2012/main" xmlns:ahyp="http://schemas.microsoft.com/office/drawing/2018/hyperlinkcolor">
+<p:sld xmlns:a="http://schemas.openxmlformats.org/drawingml/2006/main" xmlns:r="http://schemas.openxmlformats.org/officeDocument/2006/relationships" xmlns:p="http://schemas.openxmlformats.org/presentationml/2006/main">
   <p:cSld>
     <p:spTree>
       <p:nvGrpSpPr>
-        <p:cNvPr id="59" name="Shape 59"/>
+        <p:cNvPr id="1" name=""/>
+        <p:cNvGrpSpPr/>
+        <p:nvPr/>
+      </p:nvGrpSpPr>
+      <p:grpSpPr>
+        <a:xfrm>
+          <a:off x="0" y="0"/>
+          <a:ext cx="0" cy="0"/>
+          <a:chOff x="0" y="0"/>
+          <a:chExt cx="0" cy="0"/>
+        </a:xfrm>
+      </p:grpSpPr>
+      <p:sp>
+        <p:nvSpPr>
+          <p:cNvPr id="2" name="Title 1"/>
+          <p:cNvSpPr>
+            <a:spLocks noGrp="1"/>
+          </p:cNvSpPr>
+          <p:nvPr>
+            <p:ph type="ctrTitle"/>
+          </p:nvPr>
+        </p:nvSpPr>
+        <p:spPr>
+          <a:xfrm>
+            <a:off x="566059" y="0"/>
+            <a:ext cx="8011886" cy="5143500"/>
+          </a:xfrm>
+        </p:spPr>
+        <p:txBody>
+          <a:bodyPr anchor="ctr">
+            <a:noAutofit/>
+          </a:bodyPr>
+          <a:lstStyle/>
+          <a:p>
+            <a:pPr algn="l" fontAlgn="ctr"/>
+            <a:r>
+              <a:rPr lang="en-US" sz="2100" dirty="0">
+                <a:latin typeface="Times New Roman" charset="0"/>
+                <a:ea typeface="Times New Roman" charset="0"/>
+                <a:cs typeface="Times New Roman" charset="0"/>
+              </a:rPr>
+              <a:t>Except where otherwise noted, this work by</a:t>
+            </a:r>
+            <a:br>
+              <a:rPr lang="en-US" sz="2100" dirty="0">
+                <a:latin typeface="Times New Roman" charset="0"/>
+                <a:ea typeface="Times New Roman" charset="0"/>
+                <a:cs typeface="Times New Roman" charset="0"/>
+              </a:rPr>
+            </a:br>
+            <a:r>
+              <a:rPr lang="en-US" sz="2100" dirty="0">
+                <a:latin typeface="Times New Roman" charset="0"/>
+                <a:ea typeface="Times New Roman" charset="0"/>
+                <a:cs typeface="Times New Roman" charset="0"/>
+              </a:rPr>
+              <a:t>The Shodor Education Foundation, Inc. is licensed under</a:t>
+            </a:r>
+            <a:br>
+              <a:rPr lang="en-US" sz="2100" dirty="0">
+                <a:latin typeface="Times New Roman" charset="0"/>
+                <a:ea typeface="Times New Roman" charset="0"/>
+                <a:cs typeface="Times New Roman" charset="0"/>
+              </a:rPr>
+            </a:br>
+            <a:r>
+              <a:rPr lang="en-US" sz="2100" dirty="0">
+                <a:latin typeface="Times New Roman" charset="0"/>
+                <a:ea typeface="Times New Roman" charset="0"/>
+                <a:cs typeface="Times New Roman" charset="0"/>
+              </a:rPr>
+              <a:t>CC BY-NC 4.0. To view a copy of this license, visit </a:t>
+            </a:r>
+            <a:r>
+              <a:rPr lang="en-US" sz="2100" dirty="0">
+                <a:latin typeface="Times New Roman" charset="0"/>
+                <a:ea typeface="Times New Roman" charset="0"/>
+                <a:cs typeface="Times New Roman" charset="0"/>
+                <a:hlinkClick r:id="rId2"/>
+              </a:rPr>
+              <a:t>https://creativecommons.org/licenses/by-nc/4.0</a:t>
+            </a:r>
+            <a:r>
+              <a:rPr lang="en-US" sz="2100" dirty="0">
+                <a:latin typeface="Times New Roman" charset="0"/>
+                <a:ea typeface="Times New Roman" charset="0"/>
+                <a:cs typeface="Times New Roman" charset="0"/>
+              </a:rPr>
+              <a:t/>
+            </a:r>
+            <a:br>
+              <a:rPr lang="en-US" sz="2100" dirty="0">
+                <a:latin typeface="Times New Roman" charset="0"/>
+                <a:ea typeface="Times New Roman" charset="0"/>
+                <a:cs typeface="Times New Roman" charset="0"/>
+              </a:rPr>
+            </a:br>
+            <a:r>
+              <a:rPr lang="en-US" sz="2100" dirty="0">
+                <a:latin typeface="Times New Roman" charset="0"/>
+                <a:ea typeface="Times New Roman" charset="0"/>
+                <a:cs typeface="Times New Roman" charset="0"/>
+              </a:rPr>
+              <a:t/>
+            </a:r>
+            <a:br>
+              <a:rPr lang="en-US" sz="2100" dirty="0">
+                <a:latin typeface="Times New Roman" charset="0"/>
+                <a:ea typeface="Times New Roman" charset="0"/>
+                <a:cs typeface="Times New Roman" charset="0"/>
+              </a:rPr>
+            </a:br>
+            <a:r>
+              <a:rPr lang="en-US" sz="2100" dirty="0">
+                <a:latin typeface="Times New Roman" charset="0"/>
+                <a:ea typeface="Times New Roman" charset="0"/>
+                <a:cs typeface="Times New Roman" charset="0"/>
+              </a:rPr>
+              <a:t>Browse and search the full curriculum at </a:t>
+            </a:r>
+            <a:r>
+              <a:rPr lang="en-US" sz="2100" dirty="0">
+                <a:latin typeface="Times New Roman" charset="0"/>
+                <a:ea typeface="Times New Roman" charset="0"/>
+                <a:cs typeface="Times New Roman" charset="0"/>
+                <a:hlinkClick r:id="rId3"/>
+              </a:rPr>
+              <a:t>http://shodor.org/petascale/materials/semester-curriculum</a:t>
+            </a:r>
+            <a:r>
+              <a:rPr lang="en-US" sz="2100" dirty="0">
+                <a:latin typeface="Times New Roman" charset="0"/>
+                <a:ea typeface="Times New Roman" charset="0"/>
+                <a:cs typeface="Times New Roman" charset="0"/>
+              </a:rPr>
+              <a:t/>
+            </a:r>
+            <a:br>
+              <a:rPr lang="en-US" sz="2100" dirty="0">
+                <a:latin typeface="Times New Roman" charset="0"/>
+                <a:ea typeface="Times New Roman" charset="0"/>
+                <a:cs typeface="Times New Roman" charset="0"/>
+              </a:rPr>
+            </a:br>
+            <a:r>
+              <a:rPr lang="en-US" sz="2100" dirty="0">
+                <a:latin typeface="Times New Roman" charset="0"/>
+                <a:ea typeface="Times New Roman" charset="0"/>
+                <a:cs typeface="Times New Roman" charset="0"/>
+              </a:rPr>
+              <a:t/>
+            </a:r>
+            <a:br>
+              <a:rPr lang="en-US" sz="2100" dirty="0">
+                <a:latin typeface="Times New Roman" charset="0"/>
+                <a:ea typeface="Times New Roman" charset="0"/>
+                <a:cs typeface="Times New Roman" charset="0"/>
+              </a:rPr>
+            </a:br>
+            <a:r>
+              <a:rPr lang="en-US" sz="2100" dirty="0">
+                <a:latin typeface="Times New Roman" charset="0"/>
+                <a:ea typeface="Times New Roman" charset="0"/>
+                <a:cs typeface="Times New Roman" charset="0"/>
+              </a:rPr>
+              <a:t>We welcome your improvements! You can submit your proposed changes to this material and the rest of the curriculum in our GitHub repository at </a:t>
+            </a:r>
+            <a:r>
+              <a:rPr lang="en-US" sz="2100" dirty="0">
+                <a:latin typeface="Times New Roman" charset="0"/>
+                <a:ea typeface="Times New Roman" charset="0"/>
+                <a:cs typeface="Times New Roman" charset="0"/>
+                <a:hlinkClick r:id="rId4"/>
+              </a:rPr>
+              <a:t>https://github.com/shodor-education/petascale-semester-curriculum</a:t>
+            </a:r>
+            <a:r>
+              <a:rPr lang="en-US" sz="2100" dirty="0">
+                <a:latin typeface="Times New Roman" charset="0"/>
+                <a:ea typeface="Times New Roman" charset="0"/>
+                <a:cs typeface="Times New Roman" charset="0"/>
+              </a:rPr>
+              <a:t/>
+            </a:r>
+            <a:br>
+              <a:rPr lang="en-US" sz="2100" dirty="0">
+                <a:latin typeface="Times New Roman" charset="0"/>
+                <a:ea typeface="Times New Roman" charset="0"/>
+                <a:cs typeface="Times New Roman" charset="0"/>
+              </a:rPr>
+            </a:br>
+            <a:r>
+              <a:rPr lang="en-US" sz="2100" dirty="0">
+                <a:latin typeface="Times New Roman" charset="0"/>
+                <a:ea typeface="Times New Roman" charset="0"/>
+                <a:cs typeface="Times New Roman" charset="0"/>
+              </a:rPr>
+              <a:t/>
+            </a:r>
+            <a:br>
+              <a:rPr lang="en-US" sz="2100" dirty="0">
+                <a:latin typeface="Times New Roman" charset="0"/>
+                <a:ea typeface="Times New Roman" charset="0"/>
+                <a:cs typeface="Times New Roman" charset="0"/>
+              </a:rPr>
+            </a:br>
+            <a:r>
+              <a:rPr lang="en-US" sz="2100" dirty="0">
+                <a:latin typeface="Times New Roman" charset="0"/>
+                <a:ea typeface="Times New Roman" charset="0"/>
+                <a:cs typeface="Times New Roman" charset="0"/>
+              </a:rPr>
+              <a:t>We want to hear from you! Please let us know your experiences using this material by sending email to </a:t>
+            </a:r>
+            <a:r>
+              <a:rPr lang="en-US" sz="2100" dirty="0">
+                <a:latin typeface="Times New Roman" charset="0"/>
+                <a:ea typeface="Times New Roman" charset="0"/>
+                <a:cs typeface="Times New Roman" charset="0"/>
+                <a:hlinkClick r:id="rId5"/>
+              </a:rPr>
+              <a:t>petascale@shodor.org</a:t>
+            </a:r>
+            <a:endParaRPr lang="en-US" sz="2700" dirty="0">
+              <a:latin typeface="Times New Roman" charset="0"/>
+              <a:ea typeface="Times New Roman" charset="0"/>
+              <a:cs typeface="Times New Roman" charset="0"/>
+            </a:endParaRPr>
+          </a:p>
+        </p:txBody>
+      </p:sp>
+    </p:spTree>
+    <p:extLst>
+      <p:ext uri="{BB962C8B-B14F-4D97-AF65-F5344CB8AC3E}">
+        <p14:creationId xmlns:p14="http://schemas.microsoft.com/office/powerpoint/2010/main" val="237504036"/>
+      </p:ext>
+    </p:extLst>
+  </p:cSld>
+  <p:clrMapOvr>
+    <a:masterClrMapping/>
+  </p:clrMapOvr>
+  <p:timing>
+    <p:tnLst>
+      <p:par>
+        <p:cTn id="1" dur="indefinite" restart="never" nodeType="tmRoot"/>
+      </p:par>
+    </p:tnLst>
+  </p:timing>
+</p:sld>
+</file>
+
+<file path=ppt/slides/slide3.xml><?xml version="1.0" encoding="utf-8"?>
+<p:sld xmlns:a="http://schemas.openxmlformats.org/drawingml/2006/main" xmlns:r="http://schemas.openxmlformats.org/officeDocument/2006/relationships" xmlns:p="http://schemas.openxmlformats.org/presentationml/2006/main">
+  <p:cSld>
+    <p:spTree>
+      <p:nvGrpSpPr>
+        <p:cNvPr id="1" name="Shape 59"/>
         <p:cNvGrpSpPr/>
         <p:nvPr/>
       </p:nvGrpSpPr>
@@ -7754,7 +8708,9 @@
       <p:sp>
         <p:nvSpPr>
           <p:cNvPr id="60" name="Google Shape;60;p14"/>
-          <p:cNvSpPr txBox="1"/>
+          <p:cNvSpPr txBox="1">
+            <a:spLocks noGrp="1"/>
+          </p:cNvSpPr>
           <p:nvPr>
             <p:ph type="title"/>
           </p:nvPr>
@@ -7769,12 +8725,12 @@
           </a:prstGeom>
         </p:spPr>
         <p:txBody>
-          <a:bodyPr anchorCtr="0" anchor="t" bIns="91425" lIns="91425" spcFirstLastPara="1" rIns="91425" wrap="square" tIns="91425">
+          <a:bodyPr spcFirstLastPara="1" wrap="square" lIns="91425" tIns="91425" rIns="91425" bIns="91425" anchor="t" anchorCtr="0">
             <a:noAutofit/>
           </a:bodyPr>
           <a:lstStyle/>
           <a:p>
-            <a:pPr indent="0" lvl="0" marL="0" rtl="0" algn="ctr">
+            <a:pPr marL="0" lvl="0" indent="0" algn="ctr" rtl="0">
               <a:spcBef>
                 <a:spcPts val="0"/>
               </a:spcBef>
@@ -7794,9 +8750,11 @@
       <p:sp>
         <p:nvSpPr>
           <p:cNvPr id="61" name="Google Shape;61;p14"/>
-          <p:cNvSpPr txBox="1"/>
+          <p:cNvSpPr txBox="1">
+            <a:spLocks noGrp="1"/>
+          </p:cNvSpPr>
           <p:nvPr>
-            <p:ph idx="1" type="body"/>
+            <p:ph type="body" idx="1"/>
           </p:nvPr>
         </p:nvSpPr>
         <p:spPr>
@@ -7809,12 +8767,12 @@
           </a:prstGeom>
         </p:spPr>
         <p:txBody>
-          <a:bodyPr anchorCtr="0" anchor="t" bIns="91425" lIns="91425" spcFirstLastPara="1" rIns="91425" wrap="square" tIns="91425">
+          <a:bodyPr spcFirstLastPara="1" wrap="square" lIns="91425" tIns="91425" rIns="91425" bIns="91425" anchor="t" anchorCtr="0">
             <a:noAutofit/>
           </a:bodyPr>
           <a:lstStyle/>
           <a:p>
-            <a:pPr indent="-330200" lvl="0" marL="457200" rtl="0" algn="l">
+            <a:pPr marL="457200" lvl="0" indent="-330200" algn="l" rtl="0">
               <a:spcBef>
                 <a:spcPts val="0"/>
               </a:spcBef>
@@ -7851,18 +8809,15 @@
             </a:endParaRPr>
           </a:p>
           <a:p>
-            <a:pPr indent="0" lvl="0" marL="457200" rtl="0" algn="l">
-              <a:spcBef>
-                <a:spcPts val="0"/>
-              </a:spcBef>
-              <a:spcAft>
-                <a:spcPts val="0"/>
-              </a:spcAft>
-              <a:buNone/>
-            </a:pPr>
-            <a:r>
-              <a:t/>
-            </a:r>
+            <a:pPr marL="457200" lvl="0" indent="0" algn="l" rtl="0">
+              <a:spcBef>
+                <a:spcPts val="0"/>
+              </a:spcBef>
+              <a:spcAft>
+                <a:spcPts val="0"/>
+              </a:spcAft>
+              <a:buNone/>
+            </a:pPr>
             <a:endParaRPr sz="1600">
               <a:solidFill>
                 <a:schemeClr val="dk1"/>
@@ -7874,18 +8829,15 @@
             </a:endParaRPr>
           </a:p>
           <a:p>
-            <a:pPr indent="0" lvl="0" marL="457200" rtl="0" algn="l">
-              <a:spcBef>
-                <a:spcPts val="0"/>
-              </a:spcBef>
-              <a:spcAft>
-                <a:spcPts val="0"/>
-              </a:spcAft>
-              <a:buNone/>
-            </a:pPr>
-            <a:r>
-              <a:t/>
-            </a:r>
+            <a:pPr marL="457200" lvl="0" indent="0" algn="l" rtl="0">
+              <a:spcBef>
+                <a:spcPts val="0"/>
+              </a:spcBef>
+              <a:spcAft>
+                <a:spcPts val="0"/>
+              </a:spcAft>
+              <a:buNone/>
+            </a:pPr>
             <a:endParaRPr sz="1600">
               <a:solidFill>
                 <a:schemeClr val="dk1"/>
@@ -7897,7 +8849,7 @@
             </a:endParaRPr>
           </a:p>
           <a:p>
-            <a:pPr indent="-330200" lvl="0" marL="457200" rtl="0" algn="l">
+            <a:pPr marL="457200" lvl="0" indent="-330200" algn="l" rtl="0">
               <a:lnSpc>
                 <a:spcPct val="125000"/>
               </a:lnSpc>
@@ -7937,7 +8889,7 @@
             </a:endParaRPr>
           </a:p>
           <a:p>
-            <a:pPr indent="-330200" lvl="1" marL="914400" rtl="0" algn="l">
+            <a:pPr marL="914400" lvl="1" indent="-330200" algn="l" rtl="0">
               <a:lnSpc>
                 <a:spcPct val="125000"/>
               </a:lnSpc>
@@ -7977,7 +8929,7 @@
             </a:endParaRPr>
           </a:p>
           <a:p>
-            <a:pPr indent="-330200" lvl="1" marL="914400" rtl="0" algn="l">
+            <a:pPr marL="914400" lvl="1" indent="-330200" algn="l" rtl="0">
               <a:lnSpc>
                 <a:spcPct val="125000"/>
               </a:lnSpc>
@@ -8017,7 +8969,7 @@
             </a:endParaRPr>
           </a:p>
           <a:p>
-            <a:pPr indent="-330200" lvl="1" marL="914400" rtl="0" algn="l">
+            <a:pPr marL="914400" lvl="1" indent="-330200" algn="l" rtl="0">
               <a:lnSpc>
                 <a:spcPct val="125000"/>
               </a:lnSpc>
@@ -8057,7 +9009,7 @@
             </a:endParaRPr>
           </a:p>
           <a:p>
-            <a:pPr indent="0" lvl="0" marL="457200" rtl="0" algn="l">
+            <a:pPr marL="457200" lvl="0" indent="0" algn="l" rtl="0">
               <a:lnSpc>
                 <a:spcPct val="125000"/>
               </a:lnSpc>
@@ -8101,12 +9053,12 @@
 </p:sld>
 </file>
 
-<file path=ppt/slides/slide3.xml><?xml version="1.0" encoding="utf-8"?>
-<p:sld xmlns:a="http://schemas.openxmlformats.org/drawingml/2006/main" xmlns:r="http://schemas.openxmlformats.org/officeDocument/2006/relationships" xmlns:mc="http://schemas.openxmlformats.org/markup-compatibility/2006" xmlns:mv="urn:schemas-microsoft-com:mac:vml" xmlns:p="http://schemas.openxmlformats.org/presentationml/2006/main" xmlns:c="http://schemas.openxmlformats.org/drawingml/2006/chart" xmlns:dgm="http://schemas.openxmlformats.org/drawingml/2006/diagram" xmlns:o="urn:schemas-microsoft-com:office:office" xmlns:v="urn:schemas-microsoft-com:vml" xmlns:pvml="urn:schemas-microsoft-com:office:powerpoint" xmlns:com="http://schemas.openxmlformats.org/drawingml/2006/compatibility" xmlns:p14="http://schemas.microsoft.com/office/powerpoint/2010/main" xmlns:p15="http://schemas.microsoft.com/office/powerpoint/2012/main" xmlns:ahyp="http://schemas.microsoft.com/office/drawing/2018/hyperlinkcolor">
+<file path=ppt/slides/slide4.xml><?xml version="1.0" encoding="utf-8"?>
+<p:sld xmlns:a="http://schemas.openxmlformats.org/drawingml/2006/main" xmlns:r="http://schemas.openxmlformats.org/officeDocument/2006/relationships" xmlns:p="http://schemas.openxmlformats.org/presentationml/2006/main">
   <p:cSld>
     <p:spTree>
       <p:nvGrpSpPr>
-        <p:cNvPr id="65" name="Shape 65"/>
+        <p:cNvPr id="1" name="Shape 65"/>
         <p:cNvGrpSpPr/>
         <p:nvPr/>
       </p:nvGrpSpPr>
@@ -8121,7 +9073,9 @@
       <p:sp>
         <p:nvSpPr>
           <p:cNvPr id="66" name="Google Shape;66;p15"/>
-          <p:cNvSpPr txBox="1"/>
+          <p:cNvSpPr txBox="1">
+            <a:spLocks noGrp="1"/>
+          </p:cNvSpPr>
           <p:nvPr>
             <p:ph type="title"/>
           </p:nvPr>
@@ -8136,12 +9090,12 @@
           </a:prstGeom>
         </p:spPr>
         <p:txBody>
-          <a:bodyPr anchorCtr="0" anchor="t" bIns="91425" lIns="91425" spcFirstLastPara="1" rIns="91425" wrap="square" tIns="91425">
+          <a:bodyPr spcFirstLastPara="1" wrap="square" lIns="91425" tIns="91425" rIns="91425" bIns="91425" anchor="t" anchorCtr="0">
             <a:noAutofit/>
           </a:bodyPr>
           <a:lstStyle/>
           <a:p>
-            <a:pPr indent="0" lvl="0" marL="0" rtl="0" algn="ctr">
+            <a:pPr marL="0" lvl="0" indent="0" algn="ctr" rtl="0">
               <a:spcBef>
                 <a:spcPts val="0"/>
               </a:spcBef>
@@ -8161,9 +9115,11 @@
       <p:sp>
         <p:nvSpPr>
           <p:cNvPr id="67" name="Google Shape;67;p15"/>
-          <p:cNvSpPr txBox="1"/>
+          <p:cNvSpPr txBox="1">
+            <a:spLocks noGrp="1"/>
+          </p:cNvSpPr>
           <p:nvPr>
-            <p:ph idx="1" type="body"/>
+            <p:ph type="body" idx="1"/>
           </p:nvPr>
         </p:nvSpPr>
         <p:spPr>
@@ -8176,12 +9132,12 @@
           </a:prstGeom>
         </p:spPr>
         <p:txBody>
-          <a:bodyPr anchorCtr="0" anchor="t" bIns="91425" lIns="91425" spcFirstLastPara="1" rIns="91425" wrap="square" tIns="91425">
+          <a:bodyPr spcFirstLastPara="1" wrap="square" lIns="91425" tIns="91425" rIns="91425" bIns="91425" anchor="t" anchorCtr="0">
             <a:noAutofit/>
           </a:bodyPr>
           <a:lstStyle/>
           <a:p>
-            <a:pPr indent="-342900" lvl="0" marL="457200" rtl="0" algn="l">
+            <a:pPr marL="457200" lvl="0" indent="-342900" algn="l" rtl="0">
               <a:spcBef>
                 <a:spcPts val="0"/>
               </a:spcBef>
@@ -8198,7 +9154,7 @@
             <a:endParaRPr/>
           </a:p>
           <a:p>
-            <a:pPr indent="-317500" lvl="1" marL="914400" rtl="0" algn="l">
+            <a:pPr marL="914400" lvl="1" indent="-317500" algn="l" rtl="0">
               <a:lnSpc>
                 <a:spcPct val="125000"/>
               </a:lnSpc>
@@ -8218,7 +9174,7 @@
             <a:endParaRPr/>
           </a:p>
           <a:p>
-            <a:pPr indent="-317500" lvl="1" marL="914400" rtl="0" algn="l">
+            <a:pPr marL="914400" lvl="1" indent="-317500" algn="l" rtl="0">
               <a:lnSpc>
                 <a:spcPct val="125000"/>
               </a:lnSpc>
@@ -8287,12 +9243,12 @@
           </a:ln>
         </p:spPr>
         <p:txBody>
-          <a:bodyPr anchorCtr="0" anchor="t" bIns="91425" lIns="91425" spcFirstLastPara="1" rIns="91425" wrap="square" tIns="91425">
+          <a:bodyPr spcFirstLastPara="1" wrap="square" lIns="91425" tIns="91425" rIns="91425" bIns="91425" anchor="t" anchorCtr="0">
             <a:noAutofit/>
           </a:bodyPr>
           <a:lstStyle/>
           <a:p>
-            <a:pPr indent="0" lvl="0" marL="0" rtl="0" algn="l">
+            <a:pPr marL="0" lvl="0" indent="0" algn="l" rtl="0">
               <a:spcBef>
                 <a:spcPts val="0"/>
               </a:spcBef>
@@ -8317,12 +9273,12 @@
 </p:sld>
 </file>
 
-<file path=ppt/slides/slide4.xml><?xml version="1.0" encoding="utf-8"?>
-<p:sld xmlns:a="http://schemas.openxmlformats.org/drawingml/2006/main" xmlns:r="http://schemas.openxmlformats.org/officeDocument/2006/relationships" xmlns:mc="http://schemas.openxmlformats.org/markup-compatibility/2006" xmlns:mv="urn:schemas-microsoft-com:mac:vml" xmlns:p="http://schemas.openxmlformats.org/presentationml/2006/main" xmlns:c="http://schemas.openxmlformats.org/drawingml/2006/chart" xmlns:dgm="http://schemas.openxmlformats.org/drawingml/2006/diagram" xmlns:o="urn:schemas-microsoft-com:office:office" xmlns:v="urn:schemas-microsoft-com:vml" xmlns:pvml="urn:schemas-microsoft-com:office:powerpoint" xmlns:com="http://schemas.openxmlformats.org/drawingml/2006/compatibility" xmlns:p14="http://schemas.microsoft.com/office/powerpoint/2010/main" xmlns:p15="http://schemas.microsoft.com/office/powerpoint/2012/main" xmlns:ahyp="http://schemas.microsoft.com/office/drawing/2018/hyperlinkcolor">
+<file path=ppt/slides/slide5.xml><?xml version="1.0" encoding="utf-8"?>
+<p:sld xmlns:a="http://schemas.openxmlformats.org/drawingml/2006/main" xmlns:r="http://schemas.openxmlformats.org/officeDocument/2006/relationships" xmlns:p="http://schemas.openxmlformats.org/presentationml/2006/main">
   <p:cSld>
     <p:spTree>
       <p:nvGrpSpPr>
-        <p:cNvPr id="73" name="Shape 73"/>
+        <p:cNvPr id="1" name="Shape 73"/>
         <p:cNvGrpSpPr/>
         <p:nvPr/>
       </p:nvGrpSpPr>
@@ -8337,7 +9293,9 @@
       <p:sp>
         <p:nvSpPr>
           <p:cNvPr id="74" name="Google Shape;74;p16"/>
-          <p:cNvSpPr txBox="1"/>
+          <p:cNvSpPr txBox="1">
+            <a:spLocks noGrp="1"/>
+          </p:cNvSpPr>
           <p:nvPr>
             <p:ph type="title"/>
           </p:nvPr>
@@ -8352,12 +9310,12 @@
           </a:prstGeom>
         </p:spPr>
         <p:txBody>
-          <a:bodyPr anchorCtr="0" anchor="t" bIns="91425" lIns="91425" spcFirstLastPara="1" rIns="91425" wrap="square" tIns="91425">
+          <a:bodyPr spcFirstLastPara="1" wrap="square" lIns="91425" tIns="91425" rIns="91425" bIns="91425" anchor="t" anchorCtr="0">
             <a:noAutofit/>
           </a:bodyPr>
           <a:lstStyle/>
           <a:p>
-            <a:pPr indent="0" lvl="0" marL="0" rtl="0" algn="ctr">
+            <a:pPr marL="0" lvl="0" indent="0" algn="ctr" rtl="0">
               <a:spcBef>
                 <a:spcPts val="0"/>
               </a:spcBef>
@@ -8377,9 +9335,11 @@
       <p:sp>
         <p:nvSpPr>
           <p:cNvPr id="75" name="Google Shape;75;p16"/>
-          <p:cNvSpPr txBox="1"/>
+          <p:cNvSpPr txBox="1">
+            <a:spLocks noGrp="1"/>
+          </p:cNvSpPr>
           <p:nvPr>
-            <p:ph idx="1" type="body"/>
+            <p:ph type="body" idx="1"/>
           </p:nvPr>
         </p:nvSpPr>
         <p:spPr>
@@ -8392,12 +9352,12 @@
           </a:prstGeom>
         </p:spPr>
         <p:txBody>
-          <a:bodyPr anchorCtr="0" anchor="t" bIns="91425" lIns="91425" spcFirstLastPara="1" rIns="91425" wrap="square" tIns="91425">
+          <a:bodyPr spcFirstLastPara="1" wrap="square" lIns="91425" tIns="91425" rIns="91425" bIns="91425" anchor="t" anchorCtr="0">
             <a:noAutofit/>
           </a:bodyPr>
           <a:lstStyle/>
           <a:p>
-            <a:pPr indent="-342900" lvl="0" marL="457200" rtl="0" algn="l">
+            <a:pPr marL="457200" lvl="0" indent="-342900" algn="l" rtl="0">
               <a:spcBef>
                 <a:spcPts val="0"/>
               </a:spcBef>
@@ -8414,7 +9374,7 @@
             <a:endParaRPr/>
           </a:p>
           <a:p>
-            <a:pPr indent="0" lvl="0" marL="457200" rtl="0" algn="l">
+            <a:pPr marL="457200" lvl="0" indent="0" algn="l" rtl="0">
               <a:spcBef>
                 <a:spcPts val="1600"/>
               </a:spcBef>
@@ -8423,13 +9383,10 @@
               </a:spcAft>
               <a:buNone/>
             </a:pPr>
-            <a:r>
-              <a:t/>
-            </a:r>
             <a:endParaRPr/>
           </a:p>
           <a:p>
-            <a:pPr indent="-342900" lvl="0" marL="457200" rtl="0" algn="l">
+            <a:pPr marL="457200" lvl="0" indent="-342900" algn="l" rtl="0">
               <a:spcBef>
                 <a:spcPts val="1600"/>
               </a:spcBef>
@@ -8483,12 +9440,12 @@
 </p:sld>
 </file>
 
-<file path=ppt/slides/slide5.xml><?xml version="1.0" encoding="utf-8"?>
-<p:sld xmlns:a="http://schemas.openxmlformats.org/drawingml/2006/main" xmlns:r="http://schemas.openxmlformats.org/officeDocument/2006/relationships" xmlns:mc="http://schemas.openxmlformats.org/markup-compatibility/2006" xmlns:mv="urn:schemas-microsoft-com:mac:vml" xmlns:p="http://schemas.openxmlformats.org/presentationml/2006/main" xmlns:c="http://schemas.openxmlformats.org/drawingml/2006/chart" xmlns:dgm="http://schemas.openxmlformats.org/drawingml/2006/diagram" xmlns:o="urn:schemas-microsoft-com:office:office" xmlns:v="urn:schemas-microsoft-com:vml" xmlns:pvml="urn:schemas-microsoft-com:office:powerpoint" xmlns:com="http://schemas.openxmlformats.org/drawingml/2006/compatibility" xmlns:p14="http://schemas.microsoft.com/office/powerpoint/2010/main" xmlns:p15="http://schemas.microsoft.com/office/powerpoint/2012/main" xmlns:ahyp="http://schemas.microsoft.com/office/drawing/2018/hyperlinkcolor">
+<file path=ppt/slides/slide6.xml><?xml version="1.0" encoding="utf-8"?>
+<p:sld xmlns:a="http://schemas.openxmlformats.org/drawingml/2006/main" xmlns:r="http://schemas.openxmlformats.org/officeDocument/2006/relationships" xmlns:p="http://schemas.openxmlformats.org/presentationml/2006/main">
   <p:cSld>
     <p:spTree>
       <p:nvGrpSpPr>
-        <p:cNvPr id="80" name="Shape 80"/>
+        <p:cNvPr id="1" name="Shape 80"/>
         <p:cNvGrpSpPr/>
         <p:nvPr/>
       </p:nvGrpSpPr>
@@ -8503,7 +9460,9 @@
       <p:sp>
         <p:nvSpPr>
           <p:cNvPr id="81" name="Google Shape;81;p17"/>
-          <p:cNvSpPr txBox="1"/>
+          <p:cNvSpPr txBox="1">
+            <a:spLocks noGrp="1"/>
+          </p:cNvSpPr>
           <p:nvPr>
             <p:ph type="title"/>
           </p:nvPr>
@@ -8518,12 +9477,12 @@
           </a:prstGeom>
         </p:spPr>
         <p:txBody>
-          <a:bodyPr anchorCtr="0" anchor="t" bIns="91425" lIns="91425" spcFirstLastPara="1" rIns="91425" wrap="square" tIns="91425">
+          <a:bodyPr spcFirstLastPara="1" wrap="square" lIns="91425" tIns="91425" rIns="91425" bIns="91425" anchor="t" anchorCtr="0">
             <a:noAutofit/>
           </a:bodyPr>
           <a:lstStyle/>
           <a:p>
-            <a:pPr indent="0" lvl="0" marL="0" rtl="0" algn="ctr">
+            <a:pPr marL="0" lvl="0" indent="0" algn="ctr" rtl="0">
               <a:spcBef>
                 <a:spcPts val="0"/>
               </a:spcBef>
@@ -8543,9 +9502,11 @@
       <p:sp>
         <p:nvSpPr>
           <p:cNvPr id="82" name="Google Shape;82;p17"/>
-          <p:cNvSpPr txBox="1"/>
+          <p:cNvSpPr txBox="1">
+            <a:spLocks noGrp="1"/>
+          </p:cNvSpPr>
           <p:nvPr>
-            <p:ph idx="1" type="body"/>
+            <p:ph type="body" idx="1"/>
           </p:nvPr>
         </p:nvSpPr>
         <p:spPr>
@@ -8558,23 +9519,20 @@
           </a:prstGeom>
         </p:spPr>
         <p:txBody>
-          <a:bodyPr anchorCtr="0" anchor="t" bIns="91425" lIns="91425" spcFirstLastPara="1" rIns="91425" wrap="square" tIns="91425">
+          <a:bodyPr spcFirstLastPara="1" wrap="square" lIns="91425" tIns="91425" rIns="91425" bIns="91425" anchor="t" anchorCtr="0">
             <a:noAutofit/>
           </a:bodyPr>
           <a:lstStyle/>
           <a:p>
-            <a:pPr indent="0" lvl="0" marL="0" rtl="0" algn="l">
-              <a:spcBef>
-                <a:spcPts val="0"/>
-              </a:spcBef>
-              <a:spcAft>
-                <a:spcPts val="0"/>
-              </a:spcAft>
-              <a:buNone/>
-            </a:pPr>
-            <a:r>
-              <a:t/>
-            </a:r>
+            <a:pPr marL="0" lvl="0" indent="0" algn="l" rtl="0">
+              <a:spcBef>
+                <a:spcPts val="0"/>
+              </a:spcBef>
+              <a:spcAft>
+                <a:spcPts val="0"/>
+              </a:spcAft>
+              <a:buNone/>
+            </a:pPr>
             <a:endParaRPr sz="1400">
               <a:solidFill>
                 <a:schemeClr val="dk1"/>
@@ -8586,18 +9544,15 @@
             </a:endParaRPr>
           </a:p>
           <a:p>
-            <a:pPr indent="0" lvl="0" marL="0" rtl="0" algn="l">
-              <a:spcBef>
-                <a:spcPts val="0"/>
-              </a:spcBef>
-              <a:spcAft>
-                <a:spcPts val="0"/>
-              </a:spcAft>
-              <a:buNone/>
-            </a:pPr>
-            <a:r>
-              <a:t/>
-            </a:r>
+            <a:pPr marL="0" lvl="0" indent="0" algn="l" rtl="0">
+              <a:spcBef>
+                <a:spcPts val="0"/>
+              </a:spcBef>
+              <a:spcAft>
+                <a:spcPts val="0"/>
+              </a:spcAft>
+              <a:buNone/>
+            </a:pPr>
             <a:endParaRPr sz="1400">
               <a:solidFill>
                 <a:schemeClr val="dk1"/>
@@ -8609,18 +9564,15 @@
             </a:endParaRPr>
           </a:p>
           <a:p>
-            <a:pPr indent="0" lvl="0" marL="0" rtl="0" algn="l">
-              <a:spcBef>
-                <a:spcPts val="0"/>
-              </a:spcBef>
-              <a:spcAft>
-                <a:spcPts val="0"/>
-              </a:spcAft>
-              <a:buNone/>
-            </a:pPr>
-            <a:r>
-              <a:t/>
-            </a:r>
+            <a:pPr marL="0" lvl="0" indent="0" algn="l" rtl="0">
+              <a:spcBef>
+                <a:spcPts val="0"/>
+              </a:spcBef>
+              <a:spcAft>
+                <a:spcPts val="0"/>
+              </a:spcAft>
+              <a:buNone/>
+            </a:pPr>
             <a:endParaRPr sz="1400">
               <a:solidFill>
                 <a:schemeClr val="dk1"/>
@@ -8632,7 +9584,7 @@
             </a:endParaRPr>
           </a:p>
           <a:p>
-            <a:pPr indent="0" lvl="0" marL="0" rtl="0" algn="l">
+            <a:pPr marL="0" lvl="0" indent="0" algn="l" rtl="0">
               <a:spcBef>
                 <a:spcPts val="0"/>
               </a:spcBef>
@@ -8669,7 +9621,7 @@
             </a:endParaRPr>
           </a:p>
           <a:p>
-            <a:pPr indent="0" lvl="0" marL="457200" rtl="0" algn="l">
+            <a:pPr marL="457200" lvl="0" indent="0" algn="l" rtl="0">
               <a:spcBef>
                 <a:spcPts val="0"/>
               </a:spcBef>
@@ -8706,7 +9658,7 @@
             </a:endParaRPr>
           </a:p>
           <a:p>
-            <a:pPr indent="0" lvl="0" marL="914400" rtl="0" algn="l">
+            <a:pPr marL="914400" lvl="0" indent="0" algn="l" rtl="0">
               <a:spcBef>
                 <a:spcPts val="0"/>
               </a:spcBef>
@@ -8743,7 +9695,7 @@
             </a:endParaRPr>
           </a:p>
           <a:p>
-            <a:pPr indent="0" lvl="0" marL="914400" rtl="0" algn="l">
+            <a:pPr marL="914400" lvl="0" indent="0" algn="l" rtl="0">
               <a:spcBef>
                 <a:spcPts val="0"/>
               </a:spcBef>
@@ -8775,7 +9727,7 @@
             </a:endParaRPr>
           </a:p>
           <a:p>
-            <a:pPr indent="0" lvl="0" marL="914400" rtl="0" algn="l">
+            <a:pPr marL="914400" lvl="0" indent="0" algn="l" rtl="0">
               <a:spcBef>
                 <a:spcPts val="0"/>
               </a:spcBef>
@@ -8789,9 +9741,6 @@
               <a:buFont typeface="Arial"/>
               <a:buNone/>
             </a:pPr>
-            <a:r>
-              <a:t/>
-            </a:r>
             <a:endParaRPr sz="1400">
               <a:solidFill>
                 <a:schemeClr val="dk1"/>
@@ -8803,7 +9752,7 @@
             </a:endParaRPr>
           </a:p>
           <a:p>
-            <a:pPr indent="0" lvl="0" marL="914400" rtl="0" algn="l">
+            <a:pPr marL="914400" lvl="0" indent="0" algn="l" rtl="0">
               <a:spcBef>
                 <a:spcPts val="0"/>
               </a:spcBef>
@@ -8840,7 +9789,7 @@
             </a:endParaRPr>
           </a:p>
           <a:p>
-            <a:pPr indent="0" lvl="0" marL="0" rtl="0" algn="l">
+            <a:pPr marL="0" lvl="0" indent="0" algn="l" rtl="0">
               <a:spcBef>
                 <a:spcPts val="0"/>
               </a:spcBef>
@@ -8877,7 +9826,7 @@
             </a:endParaRPr>
           </a:p>
           <a:p>
-            <a:pPr indent="0" lvl="0" marL="0" rtl="0" algn="l">
+            <a:pPr marL="0" lvl="0" indent="0" algn="l" rtl="0">
               <a:spcBef>
                 <a:spcPts val="0"/>
               </a:spcBef>
@@ -8943,12 +9892,12 @@
 </p:sld>
 </file>
 
-<file path=ppt/slides/slide6.xml><?xml version="1.0" encoding="utf-8"?>
-<p:sld xmlns:a="http://schemas.openxmlformats.org/drawingml/2006/main" xmlns:r="http://schemas.openxmlformats.org/officeDocument/2006/relationships" xmlns:mc="http://schemas.openxmlformats.org/markup-compatibility/2006" xmlns:mv="urn:schemas-microsoft-com:mac:vml" xmlns:p="http://schemas.openxmlformats.org/presentationml/2006/main" xmlns:c="http://schemas.openxmlformats.org/drawingml/2006/chart" xmlns:dgm="http://schemas.openxmlformats.org/drawingml/2006/diagram" xmlns:o="urn:schemas-microsoft-com:office:office" xmlns:v="urn:schemas-microsoft-com:vml" xmlns:pvml="urn:schemas-microsoft-com:office:powerpoint" xmlns:com="http://schemas.openxmlformats.org/drawingml/2006/compatibility" xmlns:p14="http://schemas.microsoft.com/office/powerpoint/2010/main" xmlns:p15="http://schemas.microsoft.com/office/powerpoint/2012/main" xmlns:ahyp="http://schemas.microsoft.com/office/drawing/2018/hyperlinkcolor">
+<file path=ppt/slides/slide7.xml><?xml version="1.0" encoding="utf-8"?>
+<p:sld xmlns:a="http://schemas.openxmlformats.org/drawingml/2006/main" xmlns:r="http://schemas.openxmlformats.org/officeDocument/2006/relationships" xmlns:p="http://schemas.openxmlformats.org/presentationml/2006/main">
   <p:cSld>
     <p:spTree>
       <p:nvGrpSpPr>
-        <p:cNvPr id="87" name="Shape 87"/>
+        <p:cNvPr id="1" name="Shape 87"/>
         <p:cNvGrpSpPr/>
         <p:nvPr/>
       </p:nvGrpSpPr>
@@ -8963,7 +9912,9 @@
       <p:sp>
         <p:nvSpPr>
           <p:cNvPr id="88" name="Google Shape;88;p18"/>
-          <p:cNvSpPr txBox="1"/>
+          <p:cNvSpPr txBox="1">
+            <a:spLocks noGrp="1"/>
+          </p:cNvSpPr>
           <p:nvPr>
             <p:ph type="title"/>
           </p:nvPr>
@@ -8978,12 +9929,12 @@
           </a:prstGeom>
         </p:spPr>
         <p:txBody>
-          <a:bodyPr anchorCtr="0" anchor="t" bIns="91425" lIns="91425" spcFirstLastPara="1" rIns="91425" wrap="square" tIns="91425">
+          <a:bodyPr spcFirstLastPara="1" wrap="square" lIns="91425" tIns="91425" rIns="91425" bIns="91425" anchor="t" anchorCtr="0">
             <a:noAutofit/>
           </a:bodyPr>
           <a:lstStyle/>
           <a:p>
-            <a:pPr indent="0" lvl="0" marL="0" rtl="0" algn="ctr">
+            <a:pPr marL="0" lvl="0" indent="0" algn="ctr" rtl="0">
               <a:spcBef>
                 <a:spcPts val="0"/>
               </a:spcBef>
@@ -9003,9 +9954,11 @@
       <p:sp>
         <p:nvSpPr>
           <p:cNvPr id="89" name="Google Shape;89;p18"/>
-          <p:cNvSpPr txBox="1"/>
+          <p:cNvSpPr txBox="1">
+            <a:spLocks noGrp="1"/>
+          </p:cNvSpPr>
           <p:nvPr>
-            <p:ph idx="1" type="body"/>
+            <p:ph type="body" idx="1"/>
           </p:nvPr>
         </p:nvSpPr>
         <p:spPr>
@@ -9018,23 +9971,20 @@
           </a:prstGeom>
         </p:spPr>
         <p:txBody>
-          <a:bodyPr anchorCtr="0" anchor="t" bIns="91425" lIns="91425" spcFirstLastPara="1" rIns="91425" wrap="square" tIns="91425">
+          <a:bodyPr spcFirstLastPara="1" wrap="square" lIns="91425" tIns="91425" rIns="91425" bIns="91425" anchor="t" anchorCtr="0">
             <a:noAutofit/>
           </a:bodyPr>
           <a:lstStyle/>
           <a:p>
-            <a:pPr indent="0" lvl="0" marL="0" rtl="0" algn="l">
-              <a:spcBef>
-                <a:spcPts val="0"/>
-              </a:spcBef>
-              <a:spcAft>
-                <a:spcPts val="0"/>
-              </a:spcAft>
-              <a:buNone/>
-            </a:pPr>
-            <a:r>
-              <a:t/>
-            </a:r>
+            <a:pPr marL="0" lvl="0" indent="0" algn="l" rtl="0">
+              <a:spcBef>
+                <a:spcPts val="0"/>
+              </a:spcBef>
+              <a:spcAft>
+                <a:spcPts val="0"/>
+              </a:spcAft>
+              <a:buNone/>
+            </a:pPr>
             <a:endParaRPr sz="1400">
               <a:solidFill>
                 <a:schemeClr val="dk1"/>
@@ -9046,18 +9996,15 @@
             </a:endParaRPr>
           </a:p>
           <a:p>
-            <a:pPr indent="0" lvl="0" marL="0" rtl="0" algn="l">
-              <a:spcBef>
-                <a:spcPts val="0"/>
-              </a:spcBef>
-              <a:spcAft>
-                <a:spcPts val="0"/>
-              </a:spcAft>
-              <a:buNone/>
-            </a:pPr>
-            <a:r>
-              <a:t/>
-            </a:r>
+            <a:pPr marL="0" lvl="0" indent="0" algn="l" rtl="0">
+              <a:spcBef>
+                <a:spcPts val="0"/>
+              </a:spcBef>
+              <a:spcAft>
+                <a:spcPts val="0"/>
+              </a:spcAft>
+              <a:buNone/>
+            </a:pPr>
             <a:endParaRPr sz="1400">
               <a:solidFill>
                 <a:schemeClr val="dk1"/>
@@ -9069,7 +10016,7 @@
             </a:endParaRPr>
           </a:p>
           <a:p>
-            <a:pPr indent="0" lvl="0" marL="0" rtl="0" algn="l">
+            <a:pPr marL="0" lvl="0" indent="0" algn="l" rtl="0">
               <a:spcBef>
                 <a:spcPts val="0"/>
               </a:spcBef>
@@ -9101,7 +10048,7 @@
             </a:endParaRPr>
           </a:p>
           <a:p>
-            <a:pPr indent="0" lvl="0" marL="0" rtl="0" algn="l">
+            <a:pPr marL="0" lvl="0" indent="0" algn="l" rtl="0">
               <a:spcBef>
                 <a:spcPts val="0"/>
               </a:spcBef>
@@ -9133,7 +10080,7 @@
             </a:endParaRPr>
           </a:p>
           <a:p>
-            <a:pPr indent="0" lvl="0" marL="457200" rtl="0" algn="l">
+            <a:pPr marL="457200" lvl="0" indent="0" algn="l" rtl="0">
               <a:spcBef>
                 <a:spcPts val="0"/>
               </a:spcBef>
@@ -9165,7 +10112,7 @@
             </a:endParaRPr>
           </a:p>
           <a:p>
-            <a:pPr indent="0" lvl="0" marL="914400" rtl="0" algn="l">
+            <a:pPr marL="914400" lvl="0" indent="0" algn="l" rtl="0">
               <a:spcBef>
                 <a:spcPts val="0"/>
               </a:spcBef>
@@ -9197,7 +10144,7 @@
             </a:endParaRPr>
           </a:p>
           <a:p>
-            <a:pPr indent="0" lvl="0" marL="914400" rtl="0" algn="l">
+            <a:pPr marL="914400" lvl="0" indent="0" algn="l" rtl="0">
               <a:spcBef>
                 <a:spcPts val="0"/>
               </a:spcBef>
@@ -9229,18 +10176,15 @@
             </a:endParaRPr>
           </a:p>
           <a:p>
-            <a:pPr indent="0" lvl="0" marL="914400" rtl="0" algn="l">
-              <a:spcBef>
-                <a:spcPts val="0"/>
-              </a:spcBef>
-              <a:spcAft>
-                <a:spcPts val="0"/>
-              </a:spcAft>
-              <a:buNone/>
-            </a:pPr>
-            <a:r>
-              <a:t/>
-            </a:r>
+            <a:pPr marL="914400" lvl="0" indent="0" algn="l" rtl="0">
+              <a:spcBef>
+                <a:spcPts val="0"/>
+              </a:spcBef>
+              <a:spcAft>
+                <a:spcPts val="0"/>
+              </a:spcAft>
+              <a:buNone/>
+            </a:pPr>
             <a:endParaRPr sz="1400">
               <a:solidFill>
                 <a:schemeClr val="dk1"/>
@@ -9252,7 +10196,7 @@
             </a:endParaRPr>
           </a:p>
           <a:p>
-            <a:pPr indent="0" lvl="0" marL="914400" rtl="0" algn="l">
+            <a:pPr marL="914400" lvl="0" indent="0" algn="l" rtl="0">
               <a:spcBef>
                 <a:spcPts val="0"/>
               </a:spcBef>
@@ -9284,7 +10228,7 @@
             </a:endParaRPr>
           </a:p>
           <a:p>
-            <a:pPr indent="0" lvl="0" marL="0" rtl="0" algn="l">
+            <a:pPr marL="0" lvl="0" indent="0" algn="l" rtl="0">
               <a:spcBef>
                 <a:spcPts val="0"/>
               </a:spcBef>
@@ -9316,7 +10260,7 @@
             </a:endParaRPr>
           </a:p>
           <a:p>
-            <a:pPr indent="0" lvl="0" marL="0" rtl="0" algn="l">
+            <a:pPr marL="0" lvl="0" indent="0" algn="l" rtl="0">
               <a:spcBef>
                 <a:spcPts val="0"/>
               </a:spcBef>
@@ -9382,31 +10326,31 @@
           </a:xfrm>
           <a:prstGeom prst="wedgeRoundRectCallout">
             <a:avLst>
-              <a:gd fmla="val -54492" name="adj1"/>
-              <a:gd fmla="val 74715" name="adj2"/>
-              <a:gd fmla="val 0" name="adj3"/>
+              <a:gd name="adj1" fmla="val -54492"/>
+              <a:gd name="adj2" fmla="val 74715"/>
+              <a:gd name="adj3" fmla="val 0"/>
             </a:avLst>
           </a:prstGeom>
           <a:solidFill>
             <a:schemeClr val="lt2"/>
           </a:solidFill>
-          <a:ln cap="flat" cmpd="sng" w="9525">
+          <a:ln w="9525" cap="flat" cmpd="sng">
             <a:solidFill>
               <a:schemeClr val="dk2"/>
             </a:solidFill>
             <a:prstDash val="solid"/>
             <a:round/>
-            <a:headEnd len="sm" w="sm" type="none"/>
-            <a:tailEnd len="sm" w="sm" type="none"/>
+            <a:headEnd type="none" w="sm" len="sm"/>
+            <a:tailEnd type="none" w="sm" len="sm"/>
           </a:ln>
         </p:spPr>
         <p:txBody>
-          <a:bodyPr anchorCtr="0" anchor="ctr" bIns="91425" lIns="91425" spcFirstLastPara="1" rIns="91425" wrap="square" tIns="91425">
+          <a:bodyPr spcFirstLastPara="1" wrap="square" lIns="91425" tIns="91425" rIns="91425" bIns="91425" anchor="ctr" anchorCtr="0">
             <a:noAutofit/>
           </a:bodyPr>
           <a:lstStyle/>
           <a:p>
-            <a:pPr indent="0" lvl="0" marL="0" rtl="0" algn="l">
+            <a:pPr marL="0" lvl="0" indent="0" algn="l" rtl="0">
               <a:spcBef>
                 <a:spcPts val="0"/>
               </a:spcBef>
@@ -9431,12 +10375,12 @@
 </p:sld>
 </file>
 
-<file path=ppt/slides/slide7.xml><?xml version="1.0" encoding="utf-8"?>
-<p:sld xmlns:a="http://schemas.openxmlformats.org/drawingml/2006/main" xmlns:r="http://schemas.openxmlformats.org/officeDocument/2006/relationships" xmlns:mc="http://schemas.openxmlformats.org/markup-compatibility/2006" xmlns:mv="urn:schemas-microsoft-com:mac:vml" xmlns:p="http://schemas.openxmlformats.org/presentationml/2006/main" xmlns:c="http://schemas.openxmlformats.org/drawingml/2006/chart" xmlns:dgm="http://schemas.openxmlformats.org/drawingml/2006/diagram" xmlns:o="urn:schemas-microsoft-com:office:office" xmlns:v="urn:schemas-microsoft-com:vml" xmlns:pvml="urn:schemas-microsoft-com:office:powerpoint" xmlns:com="http://schemas.openxmlformats.org/drawingml/2006/compatibility" xmlns:p14="http://schemas.microsoft.com/office/powerpoint/2010/main" xmlns:p15="http://schemas.microsoft.com/office/powerpoint/2012/main" xmlns:ahyp="http://schemas.microsoft.com/office/drawing/2018/hyperlinkcolor">
+<file path=ppt/slides/slide8.xml><?xml version="1.0" encoding="utf-8"?>
+<p:sld xmlns:a="http://schemas.openxmlformats.org/drawingml/2006/main" xmlns:r="http://schemas.openxmlformats.org/officeDocument/2006/relationships" xmlns:p="http://schemas.openxmlformats.org/presentationml/2006/main">
   <p:cSld>
     <p:spTree>
       <p:nvGrpSpPr>
-        <p:cNvPr id="95" name="Shape 95"/>
+        <p:cNvPr id="1" name="Shape 95"/>
         <p:cNvGrpSpPr/>
         <p:nvPr/>
       </p:nvGrpSpPr>
@@ -9451,7 +10395,9 @@
       <p:sp>
         <p:nvSpPr>
           <p:cNvPr id="96" name="Google Shape;96;p19"/>
-          <p:cNvSpPr txBox="1"/>
+          <p:cNvSpPr txBox="1">
+            <a:spLocks noGrp="1"/>
+          </p:cNvSpPr>
           <p:nvPr>
             <p:ph type="title"/>
           </p:nvPr>
@@ -9466,12 +10412,12 @@
           </a:prstGeom>
         </p:spPr>
         <p:txBody>
-          <a:bodyPr anchorCtr="0" anchor="t" bIns="91425" lIns="91425" spcFirstLastPara="1" rIns="91425" wrap="square" tIns="91425">
+          <a:bodyPr spcFirstLastPara="1" wrap="square" lIns="91425" tIns="91425" rIns="91425" bIns="91425" anchor="t" anchorCtr="0">
             <a:noAutofit/>
           </a:bodyPr>
           <a:lstStyle/>
           <a:p>
-            <a:pPr indent="0" lvl="0" marL="0" rtl="0" algn="ctr">
+            <a:pPr marL="0" lvl="0" indent="0" algn="ctr" rtl="0">
               <a:spcBef>
                 <a:spcPts val="0"/>
               </a:spcBef>
@@ -9491,9 +10437,11 @@
       <p:sp>
         <p:nvSpPr>
           <p:cNvPr id="97" name="Google Shape;97;p19"/>
-          <p:cNvSpPr txBox="1"/>
+          <p:cNvSpPr txBox="1">
+            <a:spLocks noGrp="1"/>
+          </p:cNvSpPr>
           <p:nvPr>
-            <p:ph idx="1" type="body"/>
+            <p:ph type="body" idx="1"/>
           </p:nvPr>
         </p:nvSpPr>
         <p:spPr>
@@ -9506,12 +10454,12 @@
           </a:prstGeom>
         </p:spPr>
         <p:txBody>
-          <a:bodyPr anchorCtr="0" anchor="t" bIns="91425" lIns="91425" spcFirstLastPara="1" rIns="91425" wrap="square" tIns="91425">
+          <a:bodyPr spcFirstLastPara="1" wrap="square" lIns="91425" tIns="91425" rIns="91425" bIns="91425" anchor="t" anchorCtr="0">
             <a:noAutofit/>
           </a:bodyPr>
           <a:lstStyle/>
           <a:p>
-            <a:pPr indent="0" lvl="0" marL="0" rtl="0" algn="l">
+            <a:pPr marL="0" lvl="0" indent="0" algn="l" rtl="0">
               <a:spcBef>
                 <a:spcPts val="0"/>
               </a:spcBef>
@@ -9520,9 +10468,6 @@
               </a:spcAft>
               <a:buNone/>
             </a:pPr>
-            <a:r>
-              <a:t/>
-            </a:r>
             <a:endParaRPr/>
           </a:p>
         </p:txBody>
@@ -9558,9 +10503,11 @@
       <p:sp>
         <p:nvSpPr>
           <p:cNvPr id="99" name="Google Shape;99;p19"/>
-          <p:cNvSpPr txBox="1"/>
+          <p:cNvSpPr txBox="1">
+            <a:spLocks noGrp="1"/>
+          </p:cNvSpPr>
           <p:nvPr>
-            <p:ph idx="1" type="body"/>
+            <p:ph type="body" idx="1"/>
           </p:nvPr>
         </p:nvSpPr>
         <p:spPr>
@@ -9573,23 +10520,20 @@
           </a:prstGeom>
         </p:spPr>
         <p:txBody>
-          <a:bodyPr anchorCtr="0" anchor="t" bIns="91425" lIns="91425" spcFirstLastPara="1" rIns="91425" wrap="square" tIns="91425">
+          <a:bodyPr spcFirstLastPara="1" wrap="square" lIns="91425" tIns="91425" rIns="91425" bIns="91425" anchor="t" anchorCtr="0">
             <a:noAutofit/>
           </a:bodyPr>
           <a:lstStyle/>
           <a:p>
-            <a:pPr indent="0" lvl="0" marL="0" rtl="0" algn="l">
-              <a:spcBef>
-                <a:spcPts val="0"/>
-              </a:spcBef>
-              <a:spcAft>
-                <a:spcPts val="0"/>
-              </a:spcAft>
-              <a:buNone/>
-            </a:pPr>
-            <a:r>
-              <a:t/>
-            </a:r>
+            <a:pPr marL="0" lvl="0" indent="0" algn="l" rtl="0">
+              <a:spcBef>
+                <a:spcPts val="0"/>
+              </a:spcBef>
+              <a:spcAft>
+                <a:spcPts val="0"/>
+              </a:spcAft>
+              <a:buNone/>
+            </a:pPr>
             <a:endParaRPr sz="1400">
               <a:solidFill>
                 <a:schemeClr val="dk1"/>
@@ -9601,18 +10545,15 @@
             </a:endParaRPr>
           </a:p>
           <a:p>
-            <a:pPr indent="0" lvl="0" marL="0" rtl="0" algn="l">
-              <a:spcBef>
-                <a:spcPts val="0"/>
-              </a:spcBef>
-              <a:spcAft>
-                <a:spcPts val="0"/>
-              </a:spcAft>
-              <a:buNone/>
-            </a:pPr>
-            <a:r>
-              <a:t/>
-            </a:r>
+            <a:pPr marL="0" lvl="0" indent="0" algn="l" rtl="0">
+              <a:spcBef>
+                <a:spcPts val="0"/>
+              </a:spcBef>
+              <a:spcAft>
+                <a:spcPts val="0"/>
+              </a:spcAft>
+              <a:buNone/>
+            </a:pPr>
             <a:endParaRPr sz="1400">
               <a:solidFill>
                 <a:schemeClr val="dk1"/>
@@ -9624,7 +10565,7 @@
             </a:endParaRPr>
           </a:p>
           <a:p>
-            <a:pPr indent="0" lvl="0" marL="0" rtl="0" algn="l">
+            <a:pPr marL="0" lvl="0" indent="0" algn="l" rtl="0">
               <a:spcBef>
                 <a:spcPts val="0"/>
               </a:spcBef>
@@ -9656,7 +10597,7 @@
             </a:endParaRPr>
           </a:p>
           <a:p>
-            <a:pPr indent="0" lvl="0" marL="0" rtl="0" algn="l">
+            <a:pPr marL="0" lvl="0" indent="0" algn="l" rtl="0">
               <a:spcBef>
                 <a:spcPts val="0"/>
               </a:spcBef>
@@ -9688,7 +10629,7 @@
             </a:endParaRPr>
           </a:p>
           <a:p>
-            <a:pPr indent="0" lvl="0" marL="457200" rtl="0" algn="l">
+            <a:pPr marL="457200" lvl="0" indent="0" algn="l" rtl="0">
               <a:spcBef>
                 <a:spcPts val="0"/>
               </a:spcBef>
@@ -9720,7 +10661,7 @@
             </a:endParaRPr>
           </a:p>
           <a:p>
-            <a:pPr indent="0" lvl="0" marL="914400" rtl="0" algn="l">
+            <a:pPr marL="914400" lvl="0" indent="0" algn="l" rtl="0">
               <a:spcBef>
                 <a:spcPts val="0"/>
               </a:spcBef>
@@ -9752,7 +10693,7 @@
             </a:endParaRPr>
           </a:p>
           <a:p>
-            <a:pPr indent="0" lvl="0" marL="914400" rtl="0" algn="l">
+            <a:pPr marL="914400" lvl="0" indent="0" algn="l" rtl="0">
               <a:spcBef>
                 <a:spcPts val="0"/>
               </a:spcBef>
@@ -9784,18 +10725,15 @@
             </a:endParaRPr>
           </a:p>
           <a:p>
-            <a:pPr indent="0" lvl="0" marL="914400" rtl="0" algn="l">
-              <a:spcBef>
-                <a:spcPts val="0"/>
-              </a:spcBef>
-              <a:spcAft>
-                <a:spcPts val="0"/>
-              </a:spcAft>
-              <a:buNone/>
-            </a:pPr>
-            <a:r>
-              <a:t/>
-            </a:r>
+            <a:pPr marL="914400" lvl="0" indent="0" algn="l" rtl="0">
+              <a:spcBef>
+                <a:spcPts val="0"/>
+              </a:spcBef>
+              <a:spcAft>
+                <a:spcPts val="0"/>
+              </a:spcAft>
+              <a:buNone/>
+            </a:pPr>
             <a:endParaRPr sz="1400">
               <a:solidFill>
                 <a:schemeClr val="dk1"/>
@@ -9807,7 +10745,7 @@
             </a:endParaRPr>
           </a:p>
           <a:p>
-            <a:pPr indent="0" lvl="0" marL="914400" rtl="0" algn="l">
+            <a:pPr marL="914400" lvl="0" indent="0" algn="l" rtl="0">
               <a:spcBef>
                 <a:spcPts val="0"/>
               </a:spcBef>
@@ -9839,7 +10777,7 @@
             </a:endParaRPr>
           </a:p>
           <a:p>
-            <a:pPr indent="0" lvl="0" marL="0" rtl="0" algn="l">
+            <a:pPr marL="0" lvl="0" indent="0" algn="l" rtl="0">
               <a:spcBef>
                 <a:spcPts val="0"/>
               </a:spcBef>
@@ -9871,7 +10809,7 @@
             </a:endParaRPr>
           </a:p>
           <a:p>
-            <a:pPr indent="0" lvl="0" marL="0" rtl="0" algn="l">
+            <a:pPr marL="0" lvl="0" indent="0" algn="l" rtl="0">
               <a:spcBef>
                 <a:spcPts val="0"/>
               </a:spcBef>
@@ -9904,12 +10842,12 @@
 </p:sld>
 </file>
 
-<file path=ppt/slides/slide8.xml><?xml version="1.0" encoding="utf-8"?>
-<p:sld xmlns:a="http://schemas.openxmlformats.org/drawingml/2006/main" xmlns:r="http://schemas.openxmlformats.org/officeDocument/2006/relationships" xmlns:mc="http://schemas.openxmlformats.org/markup-compatibility/2006" xmlns:mv="urn:schemas-microsoft-com:mac:vml" xmlns:p="http://schemas.openxmlformats.org/presentationml/2006/main" xmlns:c="http://schemas.openxmlformats.org/drawingml/2006/chart" xmlns:dgm="http://schemas.openxmlformats.org/drawingml/2006/diagram" xmlns:o="urn:schemas-microsoft-com:office:office" xmlns:v="urn:schemas-microsoft-com:vml" xmlns:pvml="urn:schemas-microsoft-com:office:powerpoint" xmlns:com="http://schemas.openxmlformats.org/drawingml/2006/compatibility" xmlns:p14="http://schemas.microsoft.com/office/powerpoint/2010/main" xmlns:p15="http://schemas.microsoft.com/office/powerpoint/2012/main" xmlns:ahyp="http://schemas.microsoft.com/office/drawing/2018/hyperlinkcolor">
+<file path=ppt/slides/slide9.xml><?xml version="1.0" encoding="utf-8"?>
+<p:sld xmlns:a="http://schemas.openxmlformats.org/drawingml/2006/main" xmlns:r="http://schemas.openxmlformats.org/officeDocument/2006/relationships" xmlns:p="http://schemas.openxmlformats.org/presentationml/2006/main">
   <p:cSld>
     <p:spTree>
       <p:nvGrpSpPr>
-        <p:cNvPr id="103" name="Shape 103"/>
+        <p:cNvPr id="1" name="Shape 103"/>
         <p:cNvGrpSpPr/>
         <p:nvPr/>
       </p:nvGrpSpPr>
@@ -9924,7 +10862,9 @@
       <p:sp>
         <p:nvSpPr>
           <p:cNvPr id="104" name="Google Shape;104;p20"/>
-          <p:cNvSpPr txBox="1"/>
+          <p:cNvSpPr txBox="1">
+            <a:spLocks noGrp="1"/>
+          </p:cNvSpPr>
           <p:nvPr>
             <p:ph type="title"/>
           </p:nvPr>
@@ -9939,12 +10879,12 @@
           </a:prstGeom>
         </p:spPr>
         <p:txBody>
-          <a:bodyPr anchorCtr="0" anchor="t" bIns="91425" lIns="91425" spcFirstLastPara="1" rIns="91425" wrap="square" tIns="91425">
+          <a:bodyPr spcFirstLastPara="1" wrap="square" lIns="91425" tIns="91425" rIns="91425" bIns="91425" anchor="t" anchorCtr="0">
             <a:noAutofit/>
           </a:bodyPr>
           <a:lstStyle/>
           <a:p>
-            <a:pPr indent="0" lvl="0" marL="0" rtl="0" algn="ctr">
+            <a:pPr marL="0" lvl="0" indent="0" algn="ctr" rtl="0">
               <a:spcBef>
                 <a:spcPts val="0"/>
               </a:spcBef>
@@ -9964,9 +10904,11 @@
       <p:sp>
         <p:nvSpPr>
           <p:cNvPr id="105" name="Google Shape;105;p20"/>
-          <p:cNvSpPr txBox="1"/>
+          <p:cNvSpPr txBox="1">
+            <a:spLocks noGrp="1"/>
+          </p:cNvSpPr>
           <p:nvPr>
-            <p:ph idx="1" type="body"/>
+            <p:ph type="body" idx="1"/>
           </p:nvPr>
         </p:nvSpPr>
         <p:spPr>
@@ -9979,12 +10921,12 @@
           </a:prstGeom>
         </p:spPr>
         <p:txBody>
-          <a:bodyPr anchorCtr="0" anchor="t" bIns="91425" lIns="91425" spcFirstLastPara="1" rIns="91425" wrap="square" tIns="91425">
+          <a:bodyPr spcFirstLastPara="1" wrap="square" lIns="91425" tIns="91425" rIns="91425" bIns="91425" anchor="t" anchorCtr="0">
             <a:noAutofit/>
           </a:bodyPr>
           <a:lstStyle/>
           <a:p>
-            <a:pPr indent="-342900" lvl="0" marL="457200" rtl="0" algn="l">
+            <a:pPr marL="457200" lvl="0" indent="-342900" algn="l" rtl="0">
               <a:spcBef>
                 <a:spcPts val="0"/>
               </a:spcBef>
@@ -10014,7 +10956,7 @@
             <a:endParaRPr/>
           </a:p>
           <a:p>
-            <a:pPr indent="-342900" lvl="0" marL="457200" rtl="0" algn="l">
+            <a:pPr marL="457200" lvl="0" indent="-342900" algn="l" rtl="0">
               <a:spcBef>
                 <a:spcPts val="1000"/>
               </a:spcBef>
@@ -10031,7 +10973,7 @@
             <a:endParaRPr/>
           </a:p>
           <a:p>
-            <a:pPr indent="-317500" lvl="1" marL="914400" rtl="0" algn="l">
+            <a:pPr marL="914400" lvl="1" indent="-317500" algn="l" rtl="0">
               <a:spcBef>
                 <a:spcPts val="0"/>
               </a:spcBef>
@@ -10048,7 +10990,7 @@
             <a:endParaRPr/>
           </a:p>
           <a:p>
-            <a:pPr indent="457200" lvl="0" marL="457200" rtl="0" algn="l">
+            <a:pPr marL="457200" lvl="0" indent="457200" algn="l" rtl="0">
               <a:spcBef>
                 <a:spcPts val="1600"/>
               </a:spcBef>
@@ -10092,18 +11034,15 @@
             </a:endParaRPr>
           </a:p>
           <a:p>
-            <a:pPr indent="457200" lvl="0" marL="457200" rtl="0" algn="l">
-              <a:spcBef>
-                <a:spcPts val="0"/>
-              </a:spcBef>
-              <a:spcAft>
-                <a:spcPts val="0"/>
-              </a:spcAft>
-              <a:buNone/>
-            </a:pPr>
-            <a:r>
-              <a:t/>
-            </a:r>
+            <a:pPr marL="457200" lvl="0" indent="457200" algn="l" rtl="0">
+              <a:spcBef>
+                <a:spcPts val="0"/>
+              </a:spcBef>
+              <a:spcAft>
+                <a:spcPts val="0"/>
+              </a:spcAft>
+              <a:buNone/>
+            </a:pPr>
             <a:endParaRPr sz="1200" u="sng">
               <a:solidFill>
                 <a:schemeClr val="dk1"/>
@@ -10115,7 +11054,7 @@
             </a:endParaRPr>
           </a:p>
           <a:p>
-            <a:pPr indent="-317500" lvl="1" marL="914400" rtl="0" algn="l">
+            <a:pPr marL="914400" lvl="1" indent="-317500" algn="l" rtl="0">
               <a:spcBef>
                 <a:spcPts val="0"/>
               </a:spcBef>
@@ -10132,7 +11071,7 @@
             <a:endParaRPr/>
           </a:p>
           <a:p>
-            <a:pPr indent="457200" lvl="0" marL="457200" rtl="0" algn="l">
+            <a:pPr marL="457200" lvl="0" indent="457200" algn="l" rtl="0">
               <a:spcBef>
                 <a:spcPts val="1600"/>
               </a:spcBef>
@@ -10164,7 +11103,7 @@
             </a:endParaRPr>
           </a:p>
           <a:p>
-            <a:pPr indent="457200" lvl="0" marL="914400" rtl="0" algn="l">
+            <a:pPr marL="914400" lvl="0" indent="457200" algn="l" rtl="0">
               <a:spcBef>
                 <a:spcPts val="0"/>
               </a:spcBef>
@@ -10196,7 +11135,7 @@
             </a:endParaRPr>
           </a:p>
           <a:p>
-            <a:pPr indent="457200" lvl="0" marL="914400" rtl="0" algn="l">
+            <a:pPr marL="914400" lvl="0" indent="457200" algn="l" rtl="0">
               <a:spcBef>
                 <a:spcPts val="0"/>
               </a:spcBef>
@@ -10228,7 +11167,7 @@
             </a:endParaRPr>
           </a:p>
           <a:p>
-            <a:pPr indent="457200" lvl="0" marL="914400" rtl="0" algn="l">
+            <a:pPr marL="914400" lvl="0" indent="457200" algn="l" rtl="0">
               <a:spcBef>
                 <a:spcPts val="0"/>
               </a:spcBef>
@@ -10258,522 +11197,6 @@
               <a:cs typeface="Courier New"/>
               <a:sym typeface="Courier New"/>
             </a:endParaRPr>
-          </a:p>
-        </p:txBody>
-      </p:sp>
-    </p:spTree>
-  </p:cSld>
-  <p:clrMapOvr>
-    <a:masterClrMapping/>
-  </p:clrMapOvr>
-</p:sld>
-</file>
-
-<file path=ppt/slides/slide9.xml><?xml version="1.0" encoding="utf-8"?>
-<p:sld xmlns:a="http://schemas.openxmlformats.org/drawingml/2006/main" xmlns:r="http://schemas.openxmlformats.org/officeDocument/2006/relationships" xmlns:mc="http://schemas.openxmlformats.org/markup-compatibility/2006" xmlns:mv="urn:schemas-microsoft-com:mac:vml" xmlns:p="http://schemas.openxmlformats.org/presentationml/2006/main" xmlns:c="http://schemas.openxmlformats.org/drawingml/2006/chart" xmlns:dgm="http://schemas.openxmlformats.org/drawingml/2006/diagram" xmlns:o="urn:schemas-microsoft-com:office:office" xmlns:v="urn:schemas-microsoft-com:vml" xmlns:pvml="urn:schemas-microsoft-com:office:powerpoint" xmlns:com="http://schemas.openxmlformats.org/drawingml/2006/compatibility" xmlns:p14="http://schemas.microsoft.com/office/powerpoint/2010/main" xmlns:p15="http://schemas.microsoft.com/office/powerpoint/2012/main" xmlns:ahyp="http://schemas.microsoft.com/office/drawing/2018/hyperlinkcolor">
-  <p:cSld>
-    <p:spTree>
-      <p:nvGrpSpPr>
-        <p:cNvPr id="109" name="Shape 109"/>
-        <p:cNvGrpSpPr/>
-        <p:nvPr/>
-      </p:nvGrpSpPr>
-      <p:grpSpPr>
-        <a:xfrm>
-          <a:off x="0" y="0"/>
-          <a:ext cx="0" cy="0"/>
-          <a:chOff x="0" y="0"/>
-          <a:chExt cx="0" cy="0"/>
-        </a:xfrm>
-      </p:grpSpPr>
-      <p:sp>
-        <p:nvSpPr>
-          <p:cNvPr id="110" name="Google Shape;110;p21"/>
-          <p:cNvSpPr txBox="1"/>
-          <p:nvPr>
-            <p:ph type="title"/>
-          </p:nvPr>
-        </p:nvSpPr>
-        <p:spPr>
-          <a:xfrm>
-            <a:off x="311700" y="445025"/>
-            <a:ext cx="8520600" cy="572700"/>
-          </a:xfrm>
-          <a:prstGeom prst="rect">
-            <a:avLst/>
-          </a:prstGeom>
-        </p:spPr>
-        <p:txBody>
-          <a:bodyPr anchorCtr="0" anchor="t" bIns="91425" lIns="91425" spcFirstLastPara="1" rIns="91425" wrap="square" tIns="91425">
-            <a:noAutofit/>
-          </a:bodyPr>
-          <a:lstStyle/>
-          <a:p>
-            <a:pPr indent="0" lvl="0" marL="0" rtl="0" algn="ctr">
-              <a:spcBef>
-                <a:spcPts val="0"/>
-              </a:spcBef>
-              <a:spcAft>
-                <a:spcPts val="0"/>
-              </a:spcAft>
-              <a:buNone/>
-            </a:pPr>
-            <a:r>
-              <a:rPr lang="en"/>
-              <a:t>Race involving a reduction</a:t>
-            </a:r>
-            <a:endParaRPr/>
-          </a:p>
-        </p:txBody>
-      </p:sp>
-      <p:sp>
-        <p:nvSpPr>
-          <p:cNvPr id="111" name="Google Shape;111;p21"/>
-          <p:cNvSpPr txBox="1"/>
-          <p:nvPr>
-            <p:ph idx="1" type="body"/>
-          </p:nvPr>
-        </p:nvSpPr>
-        <p:spPr>
-          <a:xfrm>
-            <a:off x="311700" y="1152475"/>
-            <a:ext cx="8520600" cy="3416400"/>
-          </a:xfrm>
-          <a:prstGeom prst="rect">
-            <a:avLst/>
-          </a:prstGeom>
-        </p:spPr>
-        <p:txBody>
-          <a:bodyPr anchorCtr="0" anchor="t" bIns="91425" lIns="91425" spcFirstLastPara="1" rIns="91425" wrap="square" tIns="91425">
-            <a:noAutofit/>
-          </a:bodyPr>
-          <a:lstStyle/>
-          <a:p>
-            <a:pPr indent="457200" lvl="0" marL="0" rtl="0" algn="l">
-              <a:spcBef>
-                <a:spcPts val="0"/>
-              </a:spcBef>
-              <a:spcAft>
-                <a:spcPts val="0"/>
-              </a:spcAft>
-              <a:buClr>
-                <a:schemeClr val="dk1"/>
-              </a:buClr>
-              <a:buSzPts val="1100"/>
-              <a:buFont typeface="Arial"/>
-              <a:buNone/>
-            </a:pPr>
-            <a:r>
-              <a:rPr lang="en" sz="1500">
-                <a:solidFill>
-                  <a:schemeClr val="dk1"/>
-                </a:solidFill>
-                <a:latin typeface="Courier New"/>
-                <a:ea typeface="Courier New"/>
-                <a:cs typeface="Courier New"/>
-                <a:sym typeface="Courier New"/>
-              </a:rPr>
-              <a:t>#pragma omp parallel for private(x,y)  </a:t>
-            </a:r>
-            <a:endParaRPr sz="1500">
-              <a:solidFill>
-                <a:schemeClr val="dk1"/>
-              </a:solidFill>
-              <a:latin typeface="Courier New"/>
-              <a:ea typeface="Courier New"/>
-              <a:cs typeface="Courier New"/>
-              <a:sym typeface="Courier New"/>
-            </a:endParaRPr>
-          </a:p>
-          <a:p>
-            <a:pPr indent="457200" lvl="0" marL="0" rtl="0" algn="l">
-              <a:spcBef>
-                <a:spcPts val="0"/>
-              </a:spcBef>
-              <a:spcAft>
-                <a:spcPts val="0"/>
-              </a:spcAft>
-              <a:buClr>
-                <a:schemeClr val="dk1"/>
-              </a:buClr>
-              <a:buSzPts val="1100"/>
-              <a:buFont typeface="Arial"/>
-              <a:buNone/>
-            </a:pPr>
-            <a:r>
-              <a:rPr lang="en" sz="1500">
-                <a:solidFill>
-                  <a:schemeClr val="dk1"/>
-                </a:solidFill>
-                <a:latin typeface="Courier New"/>
-                <a:ea typeface="Courier New"/>
-                <a:cs typeface="Courier New"/>
-                <a:sym typeface="Courier New"/>
-              </a:rPr>
-              <a:t>for (int j = 0; j &lt; numRows; j++) {</a:t>
-            </a:r>
-            <a:endParaRPr sz="1500">
-              <a:solidFill>
-                <a:schemeClr val="dk1"/>
-              </a:solidFill>
-              <a:latin typeface="Courier New"/>
-              <a:ea typeface="Courier New"/>
-              <a:cs typeface="Courier New"/>
-              <a:sym typeface="Courier New"/>
-            </a:endParaRPr>
-          </a:p>
-          <a:p>
-            <a:pPr indent="457200" lvl="0" marL="457200" rtl="0" algn="l">
-              <a:spcBef>
-                <a:spcPts val="0"/>
-              </a:spcBef>
-              <a:spcAft>
-                <a:spcPts val="0"/>
-              </a:spcAft>
-              <a:buClr>
-                <a:schemeClr val="dk1"/>
-              </a:buClr>
-              <a:buSzPts val="1100"/>
-              <a:buFont typeface="Arial"/>
-              <a:buNone/>
-            </a:pPr>
-            <a:r>
-              <a:rPr lang="en" sz="1500">
-                <a:solidFill>
-                  <a:schemeClr val="dk1"/>
-                </a:solidFill>
-                <a:latin typeface="Courier New"/>
-                <a:ea typeface="Courier New"/>
-                <a:cs typeface="Courier New"/>
-                <a:sym typeface="Courier New"/>
-              </a:rPr>
-              <a:t>for (int i = 0; i &lt; numCols; i++) {</a:t>
-            </a:r>
-            <a:endParaRPr sz="1500">
-              <a:solidFill>
-                <a:schemeClr val="dk1"/>
-              </a:solidFill>
-              <a:latin typeface="Courier New"/>
-              <a:ea typeface="Courier New"/>
-              <a:cs typeface="Courier New"/>
-              <a:sym typeface="Courier New"/>
-            </a:endParaRPr>
-          </a:p>
-          <a:p>
-            <a:pPr indent="457200" lvl="0" marL="914400" rtl="0" algn="l">
-              <a:spcBef>
-                <a:spcPts val="0"/>
-              </a:spcBef>
-              <a:spcAft>
-                <a:spcPts val="0"/>
-              </a:spcAft>
-              <a:buClr>
-                <a:schemeClr val="dk1"/>
-              </a:buClr>
-              <a:buSzPts val="1100"/>
-              <a:buFont typeface="Arial"/>
-              <a:buNone/>
-            </a:pPr>
-            <a:r>
-              <a:rPr lang="en" sz="1500">
-                <a:solidFill>
-                  <a:schemeClr val="dk1"/>
-                </a:solidFill>
-                <a:latin typeface="Courier New"/>
-                <a:ea typeface="Courier New"/>
-                <a:cs typeface="Courier New"/>
-                <a:sym typeface="Courier New"/>
-              </a:rPr>
-              <a:t>x = ((double)i / numCols -0.5) * 2;</a:t>
-            </a:r>
-            <a:endParaRPr sz="1500">
-              <a:solidFill>
-                <a:schemeClr val="dk1"/>
-              </a:solidFill>
-              <a:latin typeface="Courier New"/>
-              <a:ea typeface="Courier New"/>
-              <a:cs typeface="Courier New"/>
-              <a:sym typeface="Courier New"/>
-            </a:endParaRPr>
-          </a:p>
-          <a:p>
-            <a:pPr indent="457200" lvl="0" marL="914400" rtl="0" algn="l">
-              <a:spcBef>
-                <a:spcPts val="0"/>
-              </a:spcBef>
-              <a:spcAft>
-                <a:spcPts val="0"/>
-              </a:spcAft>
-              <a:buClr>
-                <a:schemeClr val="dk1"/>
-              </a:buClr>
-              <a:buSzPts val="1100"/>
-              <a:buFont typeface="Arial"/>
-              <a:buNone/>
-            </a:pPr>
-            <a:r>
-              <a:rPr lang="en" sz="1500">
-                <a:solidFill>
-                  <a:schemeClr val="dk1"/>
-                </a:solidFill>
-                <a:latin typeface="Courier New"/>
-                <a:ea typeface="Courier New"/>
-                <a:cs typeface="Courier New"/>
-                <a:sym typeface="Courier New"/>
-              </a:rPr>
-              <a:t>y = ((double)j / numRows -0.5) * 2;</a:t>
-            </a:r>
-            <a:endParaRPr sz="1500">
-              <a:solidFill>
-                <a:schemeClr val="dk1"/>
-              </a:solidFill>
-              <a:latin typeface="Courier New"/>
-              <a:ea typeface="Courier New"/>
-              <a:cs typeface="Courier New"/>
-              <a:sym typeface="Courier New"/>
-            </a:endParaRPr>
-          </a:p>
-          <a:p>
-            <a:pPr indent="0" lvl="0" marL="0" rtl="0" algn="l">
-              <a:spcBef>
-                <a:spcPts val="0"/>
-              </a:spcBef>
-              <a:spcAft>
-                <a:spcPts val="0"/>
-              </a:spcAft>
-              <a:buClr>
-                <a:schemeClr val="dk1"/>
-              </a:buClr>
-              <a:buSzPts val="1100"/>
-              <a:buFont typeface="Arial"/>
-              <a:buNone/>
-            </a:pPr>
-            <a:r>
-              <a:t/>
-            </a:r>
-            <a:endParaRPr sz="1500">
-              <a:solidFill>
-                <a:schemeClr val="dk1"/>
-              </a:solidFill>
-              <a:latin typeface="Courier New"/>
-              <a:ea typeface="Courier New"/>
-              <a:cs typeface="Courier New"/>
-              <a:sym typeface="Courier New"/>
-            </a:endParaRPr>
-          </a:p>
-          <a:p>
-            <a:pPr indent="457200" lvl="0" marL="914400" rtl="0" algn="l">
-              <a:spcBef>
-                <a:spcPts val="0"/>
-              </a:spcBef>
-              <a:spcAft>
-                <a:spcPts val="0"/>
-              </a:spcAft>
-              <a:buClr>
-                <a:schemeClr val="dk1"/>
-              </a:buClr>
-              <a:buSzPts val="1100"/>
-              <a:buFont typeface="Arial"/>
-              <a:buNone/>
-            </a:pPr>
-            <a:r>
-              <a:rPr lang="en" sz="1500" u="sng">
-                <a:solidFill>
-                  <a:schemeClr val="dk1"/>
-                </a:solidFill>
-                <a:latin typeface="Courier New"/>
-                <a:ea typeface="Courier New"/>
-                <a:cs typeface="Courier New"/>
-                <a:sym typeface="Courier New"/>
-              </a:rPr>
-              <a:t>int pixel = mandelbrot(x,y);</a:t>
-            </a:r>
-            <a:endParaRPr sz="1500" u="sng">
-              <a:solidFill>
-                <a:schemeClr val="dk1"/>
-              </a:solidFill>
-              <a:latin typeface="Courier New"/>
-              <a:ea typeface="Courier New"/>
-              <a:cs typeface="Courier New"/>
-              <a:sym typeface="Courier New"/>
-            </a:endParaRPr>
-          </a:p>
-          <a:p>
-            <a:pPr indent="457200" lvl="0" marL="914400" rtl="0" algn="l">
-              <a:spcBef>
-                <a:spcPts val="0"/>
-              </a:spcBef>
-              <a:spcAft>
-                <a:spcPts val="0"/>
-              </a:spcAft>
-              <a:buClr>
-                <a:schemeClr val="dk1"/>
-              </a:buClr>
-              <a:buSzPts val="1100"/>
-              <a:buFont typeface="Arial"/>
-              <a:buNone/>
-            </a:pPr>
-            <a:r>
-              <a:rPr lang="en" sz="1500" u="sng">
-                <a:solidFill>
-                  <a:schemeClr val="dk1"/>
-                </a:solidFill>
-                <a:latin typeface="Courier New"/>
-                <a:ea typeface="Courier New"/>
-                <a:cs typeface="Courier New"/>
-                <a:sym typeface="Courier New"/>
-              </a:rPr>
-              <a:t>pixels[i][j] = pixel;</a:t>
-            </a:r>
-            <a:endParaRPr sz="1500" u="sng">
-              <a:solidFill>
-                <a:schemeClr val="dk1"/>
-              </a:solidFill>
-              <a:latin typeface="Courier New"/>
-              <a:ea typeface="Courier New"/>
-              <a:cs typeface="Courier New"/>
-              <a:sym typeface="Courier New"/>
-            </a:endParaRPr>
-          </a:p>
-          <a:p>
-            <a:pPr indent="457200" lvl="0" marL="914400" rtl="0" algn="l">
-              <a:spcBef>
-                <a:spcPts val="0"/>
-              </a:spcBef>
-              <a:spcAft>
-                <a:spcPts val="0"/>
-              </a:spcAft>
-              <a:buClr>
-                <a:schemeClr val="dk1"/>
-              </a:buClr>
-              <a:buSzPts val="1100"/>
-              <a:buFont typeface="Arial"/>
-              <a:buNone/>
-            </a:pPr>
-            <a:r>
-              <a:rPr lang="en" sz="1500" u="sng">
-                <a:solidFill>
-                  <a:schemeClr val="dk1"/>
-                </a:solidFill>
-                <a:latin typeface="Courier New"/>
-                <a:ea typeface="Courier New"/>
-                <a:cs typeface="Courier New"/>
-                <a:sym typeface="Courier New"/>
-              </a:rPr>
-              <a:t>if(pixel == 0)</a:t>
-            </a:r>
-            <a:endParaRPr sz="1500" u="sng">
-              <a:solidFill>
-                <a:schemeClr val="dk1"/>
-              </a:solidFill>
-              <a:latin typeface="Courier New"/>
-              <a:ea typeface="Courier New"/>
-              <a:cs typeface="Courier New"/>
-              <a:sym typeface="Courier New"/>
-            </a:endParaRPr>
-          </a:p>
-          <a:p>
-            <a:pPr indent="457200" lvl="0" marL="914400" rtl="0" algn="l">
-              <a:spcBef>
-                <a:spcPts val="0"/>
-              </a:spcBef>
-              <a:spcAft>
-                <a:spcPts val="0"/>
-              </a:spcAft>
-              <a:buClr>
-                <a:schemeClr val="dk1"/>
-              </a:buClr>
-              <a:buSzPts val="1100"/>
-              <a:buFont typeface="Arial"/>
-              <a:buNone/>
-            </a:pPr>
-            <a:r>
-              <a:rPr lang="en" sz="1500" u="sng">
-                <a:solidFill>
-                  <a:schemeClr val="dk1"/>
-                </a:solidFill>
-                <a:latin typeface="Courier New"/>
-                <a:ea typeface="Courier New"/>
-                <a:cs typeface="Courier New"/>
-                <a:sym typeface="Courier New"/>
-              </a:rPr>
-              <a:t>	numBlack++;</a:t>
-            </a:r>
-            <a:endParaRPr sz="1500" u="sng">
-              <a:solidFill>
-                <a:schemeClr val="dk1"/>
-              </a:solidFill>
-              <a:latin typeface="Courier New"/>
-              <a:ea typeface="Courier New"/>
-              <a:cs typeface="Courier New"/>
-              <a:sym typeface="Courier New"/>
-            </a:endParaRPr>
-          </a:p>
-          <a:p>
-            <a:pPr indent="0" lvl="0" marL="0" rtl="0" algn="l">
-              <a:spcBef>
-                <a:spcPts val="0"/>
-              </a:spcBef>
-              <a:spcAft>
-                <a:spcPts val="0"/>
-              </a:spcAft>
-              <a:buClr>
-                <a:schemeClr val="dk1"/>
-              </a:buClr>
-              <a:buSzPts val="1100"/>
-              <a:buFont typeface="Arial"/>
-              <a:buNone/>
-            </a:pPr>
-            <a:r>
-              <a:rPr lang="en" sz="1500">
-                <a:solidFill>
-                  <a:schemeClr val="dk1"/>
-                </a:solidFill>
-                <a:latin typeface="Courier New"/>
-                <a:ea typeface="Courier New"/>
-                <a:cs typeface="Courier New"/>
-                <a:sym typeface="Courier New"/>
-              </a:rPr>
-              <a:t>		}</a:t>
-            </a:r>
-            <a:endParaRPr sz="1500">
-              <a:solidFill>
-                <a:schemeClr val="dk1"/>
-              </a:solidFill>
-              <a:latin typeface="Courier New"/>
-              <a:ea typeface="Courier New"/>
-              <a:cs typeface="Courier New"/>
-              <a:sym typeface="Courier New"/>
-            </a:endParaRPr>
-          </a:p>
-          <a:p>
-            <a:pPr indent="0" lvl="0" marL="0" rtl="0" algn="l">
-              <a:spcBef>
-                <a:spcPts val="0"/>
-              </a:spcBef>
-              <a:spcAft>
-                <a:spcPts val="0"/>
-              </a:spcAft>
-              <a:buClr>
-                <a:schemeClr val="dk1"/>
-              </a:buClr>
-              <a:buSzPts val="1100"/>
-              <a:buFont typeface="Arial"/>
-              <a:buNone/>
-            </a:pPr>
-            <a:r>
-              <a:rPr lang="en" sz="1500">
-                <a:solidFill>
-                  <a:schemeClr val="dk1"/>
-                </a:solidFill>
-                <a:latin typeface="Courier New"/>
-                <a:ea typeface="Courier New"/>
-                <a:cs typeface="Courier New"/>
-                <a:sym typeface="Courier New"/>
-              </a:rPr>
-              <a:t>  	}</a:t>
-            </a:r>
-            <a:endParaRPr sz="2100"/>
           </a:p>
         </p:txBody>
       </p:sp>
@@ -10786,7 +11209,288 @@
 </file>
 
 <file path=ppt/theme/theme1.xml><?xml version="1.0" encoding="utf-8"?>
-<a:theme xmlns:a="http://schemas.openxmlformats.org/drawingml/2006/main" xmlns:r="http://schemas.openxmlformats.org/officeDocument/2006/relationships">
+<a:theme xmlns:a="http://schemas.openxmlformats.org/drawingml/2006/main" name="Simple Light">
+  <a:themeElements>
+    <a:clrScheme name="Simple Light">
+      <a:dk1>
+        <a:srgbClr val="000000"/>
+      </a:dk1>
+      <a:lt1>
+        <a:srgbClr val="FFFFFF"/>
+      </a:lt1>
+      <a:dk2>
+        <a:srgbClr val="595959"/>
+      </a:dk2>
+      <a:lt2>
+        <a:srgbClr val="EEEEEE"/>
+      </a:lt2>
+      <a:accent1>
+        <a:srgbClr val="FFAB40"/>
+      </a:accent1>
+      <a:accent2>
+        <a:srgbClr val="212121"/>
+      </a:accent2>
+      <a:accent3>
+        <a:srgbClr val="78909C"/>
+      </a:accent3>
+      <a:accent4>
+        <a:srgbClr val="FFAB40"/>
+      </a:accent4>
+      <a:accent5>
+        <a:srgbClr val="0097A7"/>
+      </a:accent5>
+      <a:accent6>
+        <a:srgbClr val="EEFF41"/>
+      </a:accent6>
+      <a:hlink>
+        <a:srgbClr val="0097A7"/>
+      </a:hlink>
+      <a:folHlink>
+        <a:srgbClr val="0097A7"/>
+      </a:folHlink>
+    </a:clrScheme>
+    <a:fontScheme name="Office">
+      <a:majorFont>
+        <a:latin typeface="Arial"/>
+        <a:ea typeface=""/>
+        <a:cs typeface=""/>
+        <a:font script="Jpan" typeface="ＭＳ Ｐゴシック"/>
+        <a:font script="Hang" typeface="맑은 고딕"/>
+        <a:font script="Hans" typeface="宋体"/>
+        <a:font script="Hant" typeface="新細明體"/>
+        <a:font script="Arab" typeface="Times New Roman"/>
+        <a:font script="Hebr" typeface="Times New Roman"/>
+        <a:font script="Thai" typeface="Angsana New"/>
+        <a:font script="Ethi" typeface="Nyala"/>
+        <a:font script="Beng" typeface="Vrinda"/>
+        <a:font script="Gujr" typeface="Shruti"/>
+        <a:font script="Khmr" typeface="MoolBoran"/>
+        <a:font script="Knda" typeface="Tunga"/>
+        <a:font script="Guru" typeface="Raavi"/>
+        <a:font script="Cans" typeface="Euphemia"/>
+        <a:font script="Cher" typeface="Plantagenet Cherokee"/>
+        <a:font script="Yiii" typeface="Microsoft Yi Baiti"/>
+        <a:font script="Tibt" typeface="Microsoft Himalaya"/>
+        <a:font script="Thaa" typeface="MV Boli"/>
+        <a:font script="Deva" typeface="Mangal"/>
+        <a:font script="Telu" typeface="Gautami"/>
+        <a:font script="Taml" typeface="Latha"/>
+        <a:font script="Syrc" typeface="Estrangelo Edessa"/>
+        <a:font script="Orya" typeface="Kalinga"/>
+        <a:font script="Mlym" typeface="Kartika"/>
+        <a:font script="Laoo" typeface="DokChampa"/>
+        <a:font script="Sinh" typeface="Iskoola Pota"/>
+        <a:font script="Mong" typeface="Mongolian Baiti"/>
+        <a:font script="Viet" typeface="Times New Roman"/>
+        <a:font script="Uigh" typeface="Microsoft Uighur"/>
+        <a:font script="Geor" typeface="Sylfaen"/>
+      </a:majorFont>
+      <a:minorFont>
+        <a:latin typeface="Arial"/>
+        <a:ea typeface=""/>
+        <a:cs typeface=""/>
+        <a:font script="Jpan" typeface="ＭＳ Ｐゴシック"/>
+        <a:font script="Hang" typeface="맑은 고딕"/>
+        <a:font script="Hans" typeface="宋体"/>
+        <a:font script="Hant" typeface="新細明體"/>
+        <a:font script="Arab" typeface="Arial"/>
+        <a:font script="Hebr" typeface="Arial"/>
+        <a:font script="Thai" typeface="Cordia New"/>
+        <a:font script="Ethi" typeface="Nyala"/>
+        <a:font script="Beng" typeface="Vrinda"/>
+        <a:font script="Gujr" typeface="Shruti"/>
+        <a:font script="Khmr" typeface="DaunPenh"/>
+        <a:font script="Knda" typeface="Tunga"/>
+        <a:font script="Guru" typeface="Raavi"/>
+        <a:font script="Cans" typeface="Euphemia"/>
+        <a:font script="Cher" typeface="Plantagenet Cherokee"/>
+        <a:font script="Yiii" typeface="Microsoft Yi Baiti"/>
+        <a:font script="Tibt" typeface="Microsoft Himalaya"/>
+        <a:font script="Thaa" typeface="MV Boli"/>
+        <a:font script="Deva" typeface="Mangal"/>
+        <a:font script="Telu" typeface="Gautami"/>
+        <a:font script="Taml" typeface="Latha"/>
+        <a:font script="Syrc" typeface="Estrangelo Edessa"/>
+        <a:font script="Orya" typeface="Kalinga"/>
+        <a:font script="Mlym" typeface="Kartika"/>
+        <a:font script="Laoo" typeface="DokChampa"/>
+        <a:font script="Sinh" typeface="Iskoola Pota"/>
+        <a:font script="Mong" typeface="Mongolian Baiti"/>
+        <a:font script="Viet" typeface="Arial"/>
+        <a:font script="Uigh" typeface="Microsoft Uighur"/>
+        <a:font script="Geor" typeface="Sylfaen"/>
+      </a:minorFont>
+    </a:fontScheme>
+    <a:fmtScheme name="Office">
+      <a:fillStyleLst>
+        <a:solidFill>
+          <a:schemeClr val="phClr"/>
+        </a:solidFill>
+        <a:gradFill rotWithShape="1">
+          <a:gsLst>
+            <a:gs pos="0">
+              <a:schemeClr val="phClr">
+                <a:tint val="50000"/>
+                <a:satMod val="300000"/>
+              </a:schemeClr>
+            </a:gs>
+            <a:gs pos="35000">
+              <a:schemeClr val="phClr">
+                <a:tint val="37000"/>
+                <a:satMod val="300000"/>
+              </a:schemeClr>
+            </a:gs>
+            <a:gs pos="100000">
+              <a:schemeClr val="phClr">
+                <a:tint val="15000"/>
+                <a:satMod val="350000"/>
+              </a:schemeClr>
+            </a:gs>
+          </a:gsLst>
+          <a:lin ang="16200000" scaled="1"/>
+        </a:gradFill>
+        <a:gradFill rotWithShape="1">
+          <a:gsLst>
+            <a:gs pos="0">
+              <a:schemeClr val="phClr">
+                <a:tint val="100000"/>
+                <a:shade val="100000"/>
+                <a:satMod val="130000"/>
+              </a:schemeClr>
+            </a:gs>
+            <a:gs pos="100000">
+              <a:schemeClr val="phClr">
+                <a:tint val="50000"/>
+                <a:shade val="100000"/>
+                <a:satMod val="350000"/>
+              </a:schemeClr>
+            </a:gs>
+          </a:gsLst>
+          <a:lin ang="16200000" scaled="0"/>
+        </a:gradFill>
+      </a:fillStyleLst>
+      <a:lnStyleLst>
+        <a:ln w="9525" cap="flat" cmpd="sng" algn="ctr">
+          <a:solidFill>
+            <a:schemeClr val="phClr">
+              <a:shade val="95000"/>
+              <a:satMod val="105000"/>
+            </a:schemeClr>
+          </a:solidFill>
+          <a:prstDash val="solid"/>
+        </a:ln>
+        <a:ln w="25400" cap="flat" cmpd="sng" algn="ctr">
+          <a:solidFill>
+            <a:schemeClr val="phClr"/>
+          </a:solidFill>
+          <a:prstDash val="solid"/>
+        </a:ln>
+        <a:ln w="38100" cap="flat" cmpd="sng" algn="ctr">
+          <a:solidFill>
+            <a:schemeClr val="phClr"/>
+          </a:solidFill>
+          <a:prstDash val="solid"/>
+        </a:ln>
+      </a:lnStyleLst>
+      <a:effectStyleLst>
+        <a:effectStyle>
+          <a:effectLst>
+            <a:outerShdw blurRad="40000" dist="20000" dir="5400000" rotWithShape="0">
+              <a:srgbClr val="000000">
+                <a:alpha val="38000"/>
+              </a:srgbClr>
+            </a:outerShdw>
+          </a:effectLst>
+        </a:effectStyle>
+        <a:effectStyle>
+          <a:effectLst>
+            <a:outerShdw blurRad="40000" dist="23000" dir="5400000" rotWithShape="0">
+              <a:srgbClr val="000000">
+                <a:alpha val="35000"/>
+              </a:srgbClr>
+            </a:outerShdw>
+          </a:effectLst>
+        </a:effectStyle>
+        <a:effectStyle>
+          <a:effectLst>
+            <a:outerShdw blurRad="40000" dist="23000" dir="5400000" rotWithShape="0">
+              <a:srgbClr val="000000">
+                <a:alpha val="35000"/>
+              </a:srgbClr>
+            </a:outerShdw>
+          </a:effectLst>
+          <a:scene3d>
+            <a:camera prst="orthographicFront">
+              <a:rot lat="0" lon="0" rev="0"/>
+            </a:camera>
+            <a:lightRig rig="threePt" dir="t">
+              <a:rot lat="0" lon="0" rev="1200000"/>
+            </a:lightRig>
+          </a:scene3d>
+          <a:sp3d>
+            <a:bevelT w="63500" h="25400"/>
+          </a:sp3d>
+        </a:effectStyle>
+      </a:effectStyleLst>
+      <a:bgFillStyleLst>
+        <a:solidFill>
+          <a:schemeClr val="phClr"/>
+        </a:solidFill>
+        <a:gradFill rotWithShape="1">
+          <a:gsLst>
+            <a:gs pos="0">
+              <a:schemeClr val="phClr">
+                <a:tint val="40000"/>
+                <a:satMod val="350000"/>
+              </a:schemeClr>
+            </a:gs>
+            <a:gs pos="40000">
+              <a:schemeClr val="phClr">
+                <a:tint val="45000"/>
+                <a:shade val="99000"/>
+                <a:satMod val="350000"/>
+              </a:schemeClr>
+            </a:gs>
+            <a:gs pos="100000">
+              <a:schemeClr val="phClr">
+                <a:shade val="20000"/>
+                <a:satMod val="255000"/>
+              </a:schemeClr>
+            </a:gs>
+          </a:gsLst>
+          <a:path path="circle">
+            <a:fillToRect l="50000" t="-80000" r="50000" b="180000"/>
+          </a:path>
+        </a:gradFill>
+        <a:gradFill rotWithShape="1">
+          <a:gsLst>
+            <a:gs pos="0">
+              <a:schemeClr val="phClr">
+                <a:tint val="80000"/>
+                <a:satMod val="300000"/>
+              </a:schemeClr>
+            </a:gs>
+            <a:gs pos="100000">
+              <a:schemeClr val="phClr">
+                <a:shade val="30000"/>
+                <a:satMod val="200000"/>
+              </a:schemeClr>
+            </a:gs>
+          </a:gsLst>
+          <a:path path="circle">
+            <a:fillToRect l="50000" t="50000" r="50000" b="50000"/>
+          </a:path>
+        </a:gradFill>
+      </a:bgFillStyleLst>
+    </a:fmtScheme>
+  </a:themeElements>
+  <a:objectDefaults/>
+  <a:extraClrSchemeLst/>
+</a:theme>
+</file>
+
+<file path=ppt/theme/theme2.xml><?xml version="1.0" encoding="utf-8"?>
+<a:theme xmlns:a="http://schemas.openxmlformats.org/drawingml/2006/main">
   <a:themeElements>
     <a:clrScheme name="Default">
       <a:dk1>
@@ -11061,284 +11765,7 @@
       </a:bgFillStyleLst>
     </a:fmtScheme>
   </a:themeElements>
-</a:theme>
-</file>
-
-<file path=ppt/theme/theme2.xml><?xml version="1.0" encoding="utf-8"?>
-<a:theme xmlns:a="http://schemas.openxmlformats.org/drawingml/2006/main" xmlns:r="http://schemas.openxmlformats.org/officeDocument/2006/relationships" name="Simple Light">
-  <a:themeElements>
-    <a:clrScheme name="Simple Light">
-      <a:dk1>
-        <a:srgbClr val="000000"/>
-      </a:dk1>
-      <a:lt1>
-        <a:srgbClr val="FFFFFF"/>
-      </a:lt1>
-      <a:dk2>
-        <a:srgbClr val="595959"/>
-      </a:dk2>
-      <a:lt2>
-        <a:srgbClr val="EEEEEE"/>
-      </a:lt2>
-      <a:accent1>
-        <a:srgbClr val="FFAB40"/>
-      </a:accent1>
-      <a:accent2>
-        <a:srgbClr val="212121"/>
-      </a:accent2>
-      <a:accent3>
-        <a:srgbClr val="78909C"/>
-      </a:accent3>
-      <a:accent4>
-        <a:srgbClr val="FFAB40"/>
-      </a:accent4>
-      <a:accent5>
-        <a:srgbClr val="0097A7"/>
-      </a:accent5>
-      <a:accent6>
-        <a:srgbClr val="EEFF41"/>
-      </a:accent6>
-      <a:hlink>
-        <a:srgbClr val="0097A7"/>
-      </a:hlink>
-      <a:folHlink>
-        <a:srgbClr val="0097A7"/>
-      </a:folHlink>
-    </a:clrScheme>
-    <a:fontScheme name="Office">
-      <a:majorFont>
-        <a:latin typeface="Arial"/>
-        <a:ea typeface=""/>
-        <a:cs typeface=""/>
-        <a:font script="Jpan" typeface="ＭＳ Ｐゴシック"/>
-        <a:font script="Hang" typeface="맑은 고딕"/>
-        <a:font script="Hans" typeface="宋体"/>
-        <a:font script="Hant" typeface="新細明體"/>
-        <a:font script="Arab" typeface="Times New Roman"/>
-        <a:font script="Hebr" typeface="Times New Roman"/>
-        <a:font script="Thai" typeface="Angsana New"/>
-        <a:font script="Ethi" typeface="Nyala"/>
-        <a:font script="Beng" typeface="Vrinda"/>
-        <a:font script="Gujr" typeface="Shruti"/>
-        <a:font script="Khmr" typeface="MoolBoran"/>
-        <a:font script="Knda" typeface="Tunga"/>
-        <a:font script="Guru" typeface="Raavi"/>
-        <a:font script="Cans" typeface="Euphemia"/>
-        <a:font script="Cher" typeface="Plantagenet Cherokee"/>
-        <a:font script="Yiii" typeface="Microsoft Yi Baiti"/>
-        <a:font script="Tibt" typeface="Microsoft Himalaya"/>
-        <a:font script="Thaa" typeface="MV Boli"/>
-        <a:font script="Deva" typeface="Mangal"/>
-        <a:font script="Telu" typeface="Gautami"/>
-        <a:font script="Taml" typeface="Latha"/>
-        <a:font script="Syrc" typeface="Estrangelo Edessa"/>
-        <a:font script="Orya" typeface="Kalinga"/>
-        <a:font script="Mlym" typeface="Kartika"/>
-        <a:font script="Laoo" typeface="DokChampa"/>
-        <a:font script="Sinh" typeface="Iskoola Pota"/>
-        <a:font script="Mong" typeface="Mongolian Baiti"/>
-        <a:font script="Viet" typeface="Times New Roman"/>
-        <a:font script="Uigh" typeface="Microsoft Uighur"/>
-        <a:font script="Geor" typeface="Sylfaen"/>
-      </a:majorFont>
-      <a:minorFont>
-        <a:latin typeface="Arial"/>
-        <a:ea typeface=""/>
-        <a:cs typeface=""/>
-        <a:font script="Jpan" typeface="ＭＳ Ｐゴシック"/>
-        <a:font script="Hang" typeface="맑은 고딕"/>
-        <a:font script="Hans" typeface="宋体"/>
-        <a:font script="Hant" typeface="新細明體"/>
-        <a:font script="Arab" typeface="Arial"/>
-        <a:font script="Hebr" typeface="Arial"/>
-        <a:font script="Thai" typeface="Cordia New"/>
-        <a:font script="Ethi" typeface="Nyala"/>
-        <a:font script="Beng" typeface="Vrinda"/>
-        <a:font script="Gujr" typeface="Shruti"/>
-        <a:font script="Khmr" typeface="DaunPenh"/>
-        <a:font script="Knda" typeface="Tunga"/>
-        <a:font script="Guru" typeface="Raavi"/>
-        <a:font script="Cans" typeface="Euphemia"/>
-        <a:font script="Cher" typeface="Plantagenet Cherokee"/>
-        <a:font script="Yiii" typeface="Microsoft Yi Baiti"/>
-        <a:font script="Tibt" typeface="Microsoft Himalaya"/>
-        <a:font script="Thaa" typeface="MV Boli"/>
-        <a:font script="Deva" typeface="Mangal"/>
-        <a:font script="Telu" typeface="Gautami"/>
-        <a:font script="Taml" typeface="Latha"/>
-        <a:font script="Syrc" typeface="Estrangelo Edessa"/>
-        <a:font script="Orya" typeface="Kalinga"/>
-        <a:font script="Mlym" typeface="Kartika"/>
-        <a:font script="Laoo" typeface="DokChampa"/>
-        <a:font script="Sinh" typeface="Iskoola Pota"/>
-        <a:font script="Mong" typeface="Mongolian Baiti"/>
-        <a:font script="Viet" typeface="Arial"/>
-        <a:font script="Uigh" typeface="Microsoft Uighur"/>
-        <a:font script="Geor" typeface="Sylfaen"/>
-      </a:minorFont>
-    </a:fontScheme>
-    <a:fmtScheme name="Office">
-      <a:fillStyleLst>
-        <a:solidFill>
-          <a:schemeClr val="phClr"/>
-        </a:solidFill>
-        <a:gradFill rotWithShape="1">
-          <a:gsLst>
-            <a:gs pos="0">
-              <a:schemeClr val="phClr">
-                <a:tint val="50000"/>
-                <a:satMod val="300000"/>
-              </a:schemeClr>
-            </a:gs>
-            <a:gs pos="35000">
-              <a:schemeClr val="phClr">
-                <a:tint val="37000"/>
-                <a:satMod val="300000"/>
-              </a:schemeClr>
-            </a:gs>
-            <a:gs pos="100000">
-              <a:schemeClr val="phClr">
-                <a:tint val="15000"/>
-                <a:satMod val="350000"/>
-              </a:schemeClr>
-            </a:gs>
-          </a:gsLst>
-          <a:lin ang="16200000" scaled="1"/>
-        </a:gradFill>
-        <a:gradFill rotWithShape="1">
-          <a:gsLst>
-            <a:gs pos="0">
-              <a:schemeClr val="phClr">
-                <a:tint val="100000"/>
-                <a:shade val="100000"/>
-                <a:satMod val="130000"/>
-              </a:schemeClr>
-            </a:gs>
-            <a:gs pos="100000">
-              <a:schemeClr val="phClr">
-                <a:tint val="50000"/>
-                <a:shade val="100000"/>
-                <a:satMod val="350000"/>
-              </a:schemeClr>
-            </a:gs>
-          </a:gsLst>
-          <a:lin ang="16200000" scaled="0"/>
-        </a:gradFill>
-      </a:fillStyleLst>
-      <a:lnStyleLst>
-        <a:ln w="9525" cap="flat" cmpd="sng" algn="ctr">
-          <a:solidFill>
-            <a:schemeClr val="phClr">
-              <a:shade val="95000"/>
-              <a:satMod val="105000"/>
-            </a:schemeClr>
-          </a:solidFill>
-          <a:prstDash val="solid"/>
-        </a:ln>
-        <a:ln w="25400" cap="flat" cmpd="sng" algn="ctr">
-          <a:solidFill>
-            <a:schemeClr val="phClr"/>
-          </a:solidFill>
-          <a:prstDash val="solid"/>
-        </a:ln>
-        <a:ln w="38100" cap="flat" cmpd="sng" algn="ctr">
-          <a:solidFill>
-            <a:schemeClr val="phClr"/>
-          </a:solidFill>
-          <a:prstDash val="solid"/>
-        </a:ln>
-      </a:lnStyleLst>
-      <a:effectStyleLst>
-        <a:effectStyle>
-          <a:effectLst>
-            <a:outerShdw blurRad="40000" dist="20000" dir="5400000" rotWithShape="0">
-              <a:srgbClr val="000000">
-                <a:alpha val="38000"/>
-              </a:srgbClr>
-            </a:outerShdw>
-          </a:effectLst>
-        </a:effectStyle>
-        <a:effectStyle>
-          <a:effectLst>
-            <a:outerShdw blurRad="40000" dist="23000" dir="5400000" rotWithShape="0">
-              <a:srgbClr val="000000">
-                <a:alpha val="35000"/>
-              </a:srgbClr>
-            </a:outerShdw>
-          </a:effectLst>
-        </a:effectStyle>
-        <a:effectStyle>
-          <a:effectLst>
-            <a:outerShdw blurRad="40000" dist="23000" dir="5400000" rotWithShape="0">
-              <a:srgbClr val="000000">
-                <a:alpha val="35000"/>
-              </a:srgbClr>
-            </a:outerShdw>
-          </a:effectLst>
-          <a:scene3d>
-            <a:camera prst="orthographicFront">
-              <a:rot lat="0" lon="0" rev="0"/>
-            </a:camera>
-            <a:lightRig rig="threePt" dir="t">
-              <a:rot lat="0" lon="0" rev="1200000"/>
-            </a:lightRig>
-          </a:scene3d>
-          <a:sp3d>
-            <a:bevelT w="63500" h="25400"/>
-          </a:sp3d>
-        </a:effectStyle>
-      </a:effectStyleLst>
-      <a:bgFillStyleLst>
-        <a:solidFill>
-          <a:schemeClr val="phClr"/>
-        </a:solidFill>
-        <a:gradFill rotWithShape="1">
-          <a:gsLst>
-            <a:gs pos="0">
-              <a:schemeClr val="phClr">
-                <a:tint val="40000"/>
-                <a:satMod val="350000"/>
-              </a:schemeClr>
-            </a:gs>
-            <a:gs pos="40000">
-              <a:schemeClr val="phClr">
-                <a:tint val="45000"/>
-                <a:shade val="99000"/>
-                <a:satMod val="350000"/>
-              </a:schemeClr>
-            </a:gs>
-            <a:gs pos="100000">
-              <a:schemeClr val="phClr">
-                <a:shade val="20000"/>
-                <a:satMod val="255000"/>
-              </a:schemeClr>
-            </a:gs>
-          </a:gsLst>
-          <a:path path="circle">
-            <a:fillToRect l="50000" t="-80000" r="50000" b="180000"/>
-          </a:path>
-        </a:gradFill>
-        <a:gradFill rotWithShape="1">
-          <a:gsLst>
-            <a:gs pos="0">
-              <a:schemeClr val="phClr">
-                <a:tint val="80000"/>
-                <a:satMod val="300000"/>
-              </a:schemeClr>
-            </a:gs>
-            <a:gs pos="100000">
-              <a:schemeClr val="phClr">
-                <a:shade val="30000"/>
-                <a:satMod val="200000"/>
-              </a:schemeClr>
-            </a:gs>
-          </a:gsLst>
-          <a:path path="circle">
-            <a:fillToRect l="50000" t="50000" r="50000" b="50000"/>
-          </a:path>
-        </a:gradFill>
-      </a:bgFillStyleLst>
-    </a:fmtScheme>
-  </a:themeElements>
+  <a:objectDefaults/>
+  <a:extraClrSchemeLst/>
 </a:theme>
 </file>
--- a/units/4/lessons/1/resources/petascale-lesson-4.1-slides.pptx
+++ b/units/4/lessons/1/resources/petascale-lesson-4.1-slides.pptx
@@ -9,7 +9,7 @@
   </p:notesMasterIdLst>
   <p:sldIdLst>
     <p:sldId id="268" r:id="rId2"/>
-    <p:sldId id="269" r:id="rId3"/>
+    <p:sldId id="270" r:id="rId3"/>
     <p:sldId id="257" r:id="rId4"/>
     <p:sldId id="258" r:id="rId5"/>
     <p:sldId id="259" r:id="rId6"/>
@@ -6842,15 +6842,7 @@
                 <a:ea typeface="Times New Roman" charset="0"/>
                 <a:cs typeface="Times New Roman" charset="0"/>
               </a:rPr>
-              <a:t>Blue Waters Petascale</a:t>
-            </a:r>
-            <a:r>
-              <a:rPr lang="en-US" sz="2700" b="1" dirty="0">
-                <a:latin typeface="Times New Roman" charset="0"/>
-                <a:ea typeface="Times New Roman" charset="0"/>
-                <a:cs typeface="Times New Roman" charset="0"/>
-              </a:rPr>
-              <a:t> Semester Curriculum v1.0</a:t>
+              <a:t>Blue Waters Petascale Semester Curriculum v1.0</a:t>
             </a:r>
             <a:r>
               <a:rPr lang="en-US" sz="2700" dirty="0">
@@ -6952,11 +6944,6 @@
               </a:rPr>
               <a:t>for the Shodor Education Foundation, Inc.</a:t>
             </a:r>
-            <a:endParaRPr lang="en-US" sz="2700" i="1" dirty="0">
-              <a:latin typeface="Times New Roman" charset="0"/>
-              <a:ea typeface="Times New Roman" charset="0"/>
-              <a:cs typeface="Times New Roman" charset="0"/>
-            </a:endParaRPr>
           </a:p>
         </p:txBody>
       </p:sp>
@@ -8461,7 +8448,7 @@
         </p:nvSpPr>
         <p:spPr>
           <a:xfrm>
-            <a:off x="566059" y="0"/>
+            <a:off x="566057" y="0"/>
             <a:ext cx="8011886" cy="5143500"/>
           </a:xfrm>
         </p:spPr>
@@ -8508,7 +8495,23 @@
                 <a:ea typeface="Times New Roman" charset="0"/>
                 <a:cs typeface="Times New Roman" charset="0"/>
               </a:rPr>
-              <a:t>CC BY-NC 4.0. To view a copy of this license, visit </a:t>
+              <a:t>CC </a:t>
+            </a:r>
+            <a:r>
+              <a:rPr lang="en-US" sz="2100" dirty="0" smtClean="0">
+                <a:latin typeface="Times New Roman" charset="0"/>
+                <a:ea typeface="Times New Roman" charset="0"/>
+                <a:cs typeface="Times New Roman" charset="0"/>
+              </a:rPr>
+              <a:t>BY-SA </a:t>
+            </a:r>
+            <a:r>
+              <a:rPr lang="en-US" sz="2100" dirty="0">
+                <a:latin typeface="Times New Roman" charset="0"/>
+                <a:ea typeface="Times New Roman" charset="0"/>
+                <a:cs typeface="Times New Roman" charset="0"/>
+              </a:rPr>
+              <a:t>4.0. To view a copy of this license, visit </a:t>
             </a:r>
             <a:r>
               <a:rPr lang="en-US" sz="2100" dirty="0">
@@ -8517,7 +8520,16 @@
                 <a:cs typeface="Times New Roman" charset="0"/>
                 <a:hlinkClick r:id="rId2"/>
               </a:rPr>
-              <a:t>https://creativecommons.org/licenses/by-nc/4.0</a:t>
+              <a:t>https://</a:t>
+            </a:r>
+            <a:r>
+              <a:rPr lang="en-US" sz="2100" dirty="0" smtClean="0">
+                <a:latin typeface="Times New Roman" charset="0"/>
+                <a:ea typeface="Times New Roman" charset="0"/>
+                <a:cs typeface="Times New Roman" charset="0"/>
+                <a:hlinkClick r:id="rId2"/>
+              </a:rPr>
+              <a:t>creativecommons.org/licenses/by-sa/4.0</a:t>
             </a:r>
             <a:r>
               <a:rPr lang="en-US" sz="2100" dirty="0">
@@ -8671,20 +8683,13 @@
     </p:spTree>
     <p:extLst>
       <p:ext uri="{BB962C8B-B14F-4D97-AF65-F5344CB8AC3E}">
-        <p14:creationId xmlns:p14="http://schemas.microsoft.com/office/powerpoint/2010/main" val="237504036"/>
+        <p14:creationId xmlns:p14="http://schemas.microsoft.com/office/powerpoint/2010/main" val="993128092"/>
       </p:ext>
     </p:extLst>
   </p:cSld>
   <p:clrMapOvr>
     <a:masterClrMapping/>
   </p:clrMapOvr>
-  <p:timing>
-    <p:tnLst>
-      <p:par>
-        <p:cTn id="1" dur="indefinite" restart="never" nodeType="tmRoot"/>
-      </p:par>
-    </p:tnLst>
-  </p:timing>
 </p:sld>
 </file>
 

--- a/units/4/lessons/1/resources/petascale-lesson-4.1-slides.pptx
+++ b/units/4/lessons/1/resources/petascale-lesson-4.1-slides.pptx
@@ -1110,7 +1110,7 @@
         </p:nvSpPr>
         <p:spPr>
           <a:xfrm>
-            <a:off x="381300" y="685800"/>
+            <a:off x="381000" y="685800"/>
             <a:ext cx="6096000" cy="3429000"/>
           </a:xfrm>
           <a:custGeom>
@@ -1173,73 +1173,7 @@
               </a:spcAft>
               <a:buNone/>
             </a:pPr>
-            <a:r>
-              <a:rPr lang="en"/>
-              <a:t>Image</a:t>
-            </a:r>
-            <a:r>
-              <a:rPr lang="en" sz="1200">
-                <a:solidFill>
-                  <a:schemeClr val="dk1"/>
-                </a:solidFill>
-                <a:latin typeface="Times New Roman"/>
-                <a:ea typeface="Times New Roman"/>
-                <a:cs typeface="Times New Roman"/>
-                <a:sym typeface="Times New Roman"/>
-              </a:rPr>
-              <a:t> by </a:t>
-            </a:r>
-            <a:r>
-              <a:rPr lang="en" sz="1200" u="sng">
-                <a:solidFill>
-                  <a:srgbClr val="1155CC"/>
-                </a:solidFill>
-                <a:latin typeface="Times New Roman"/>
-                <a:ea typeface="Times New Roman"/>
-                <a:cs typeface="Times New Roman"/>
-                <a:sym typeface="Times New Roman"/>
-                <a:hlinkClick r:id="rId3"/>
-              </a:rPr>
-              <a:t>Arnold Gatilao</a:t>
-            </a:r>
-            <a:r>
-              <a:rPr lang="en" sz="1200">
-                <a:solidFill>
-                  <a:schemeClr val="dk1"/>
-                </a:solidFill>
-                <a:latin typeface="Times New Roman"/>
-                <a:ea typeface="Times New Roman"/>
-                <a:cs typeface="Times New Roman"/>
-                <a:sym typeface="Times New Roman"/>
-              </a:rPr>
-              <a:t>, 2007, from </a:t>
-            </a:r>
-            <a:r>
-              <a:rPr lang="en" sz="1200" u="sng">
-                <a:solidFill>
-                  <a:srgbClr val="1155CC"/>
-                </a:solidFill>
-                <a:latin typeface="Times New Roman"/>
-                <a:ea typeface="Times New Roman"/>
-                <a:cs typeface="Times New Roman"/>
-                <a:sym typeface="Times New Roman"/>
-                <a:hlinkClick r:id="rId4"/>
-              </a:rPr>
-              <a:t>https://en.wikipedia.org/wiki/Opera_cake</a:t>
-            </a:r>
-            <a:r>
-              <a:rPr lang="en" sz="1200">
-                <a:solidFill>
-                  <a:schemeClr val="dk1"/>
-                </a:solidFill>
-                <a:latin typeface="Times New Roman"/>
-                <a:ea typeface="Times New Roman"/>
-                <a:cs typeface="Times New Roman"/>
-                <a:sym typeface="Times New Roman"/>
-              </a:rPr>
-              <a:t> and shared with a CC 2.0 license</a:t>
-            </a:r>
-            <a:endParaRPr/>
+            <a:endParaRPr dirty="0"/>
           </a:p>
         </p:txBody>
       </p:sp>
@@ -1592,7 +1526,7 @@
         </p:nvSpPr>
         <p:spPr>
           <a:xfrm>
-            <a:off x="381300" y="685800"/>
+            <a:off x="381000" y="685800"/>
             <a:ext cx="6096000" cy="3429000"/>
           </a:xfrm>
           <a:custGeom>
@@ -9153,10 +9087,10 @@
               <a:buChar char="●"/>
             </a:pPr>
             <a:r>
-              <a:rPr lang="en"/>
+              <a:rPr lang="en" dirty="0"/>
               <a:t>Chefs making many-layered opera cake</a:t>
             </a:r>
-            <a:endParaRPr/>
+            <a:endParaRPr dirty="0"/>
           </a:p>
           <a:p>
             <a:pPr marL="914400" lvl="1" indent="-317500" algn="l" rtl="0">
@@ -9173,10 +9107,10 @@
               <a:buChar char="○"/>
             </a:pPr>
             <a:r>
-              <a:rPr lang="en"/>
+              <a:rPr lang="en" dirty="0"/>
               <a:t>Layers can be made separately, but can’t all try to deposit on serving plate at once</a:t>
             </a:r>
-            <a:endParaRPr/>
+            <a:endParaRPr dirty="0"/>
           </a:p>
           <a:p>
             <a:pPr marL="914400" lvl="1" indent="-317500" algn="l" rtl="0">
@@ -9193,10 +9127,10 @@
               <a:buChar char="○"/>
             </a:pPr>
             <a:r>
-              <a:rPr lang="en"/>
+              <a:rPr lang="en" dirty="0"/>
               <a:t>Called a reduction: many contributions combined into one final product</a:t>
             </a:r>
-            <a:endParaRPr/>
+            <a:endParaRPr dirty="0"/>
           </a:p>
         </p:txBody>
       </p:sp>
@@ -9237,7 +9171,7 @@
         <p:spPr>
           <a:xfrm>
             <a:off x="6191025" y="4350550"/>
-            <a:ext cx="2265000" cy="251100"/>
+            <a:ext cx="2265000" cy="792950"/>
           </a:xfrm>
           <a:prstGeom prst="rect">
             <a:avLst/>
@@ -9263,10 +9197,69 @@
               <a:buNone/>
             </a:pPr>
             <a:r>
-              <a:rPr lang="en" sz="1000"/>
-              <a:t>Image: Arnold Gatilao, via Wikipedia</a:t>
-            </a:r>
-            <a:endParaRPr sz="1000"/>
+              <a:rPr lang="en" sz="1200" dirty="0">
+                <a:latin typeface="Times New Roman" charset="0"/>
+                <a:ea typeface="Times New Roman" charset="0"/>
+                <a:cs typeface="Times New Roman" charset="0"/>
+              </a:rPr>
+              <a:t>Image: </a:t>
+            </a:r>
+            <a:r>
+              <a:rPr lang="en-US" sz="1200" dirty="0" smtClean="0">
+                <a:latin typeface="Times New Roman" charset="0"/>
+                <a:ea typeface="Times New Roman" charset="0"/>
+                <a:cs typeface="Times New Roman" charset="0"/>
+                <a:hlinkClick r:id="rId4"/>
+              </a:rPr>
+              <a:t>Opera Cake</a:t>
+            </a:r>
+            <a:r>
+              <a:rPr lang="en-US" sz="1200" dirty="0" smtClean="0">
+                <a:latin typeface="Times New Roman" charset="0"/>
+                <a:ea typeface="Times New Roman" charset="0"/>
+                <a:cs typeface="Times New Roman" charset="0"/>
+              </a:rPr>
+              <a:t> by </a:t>
+            </a:r>
+            <a:r>
+              <a:rPr lang="en" sz="1200" dirty="0" smtClean="0">
+                <a:latin typeface="Times New Roman" charset="0"/>
+                <a:ea typeface="Times New Roman" charset="0"/>
+                <a:cs typeface="Times New Roman" charset="0"/>
+                <a:hlinkClick r:id="rId5"/>
+              </a:rPr>
+              <a:t>Arnold Gatilao</a:t>
+            </a:r>
+            <a:r>
+              <a:rPr lang="en-US" sz="1200" dirty="0">
+                <a:latin typeface="Times New Roman" charset="0"/>
+                <a:ea typeface="Times New Roman" charset="0"/>
+                <a:cs typeface="Times New Roman" charset="0"/>
+              </a:rPr>
+              <a:t> </a:t>
+            </a:r>
+            <a:r>
+              <a:rPr lang="en-US" sz="1200" dirty="0" smtClean="0">
+                <a:latin typeface="Times New Roman" charset="0"/>
+                <a:ea typeface="Times New Roman" charset="0"/>
+                <a:cs typeface="Times New Roman" charset="0"/>
+              </a:rPr>
+              <a:t>is licensed under </a:t>
+            </a:r>
+            <a:r>
+              <a:rPr lang="en-US" sz="1200" dirty="0" smtClean="0">
+                <a:latin typeface="Times New Roman" charset="0"/>
+                <a:ea typeface="Times New Roman" charset="0"/>
+                <a:cs typeface="Times New Roman" charset="0"/>
+                <a:hlinkClick r:id="rId6"/>
+              </a:rPr>
+              <a:t>CC BY 2.0</a:t>
+            </a:r>
+            <a:endParaRPr sz="1200" dirty="0">
+              <a:latin typeface="Times New Roman" charset="0"/>
+              <a:ea typeface="Times New Roman" charset="0"/>
+              <a:cs typeface="Times New Roman" charset="0"/>
+            </a:endParaRPr>
           </a:p>
         </p:txBody>
       </p:sp>
@@ -10435,44 +10428,6 @@
               <a:rPr lang="en"/>
               <a:t>Parallel output</a:t>
             </a:r>
-            <a:endParaRPr/>
-          </a:p>
-        </p:txBody>
-      </p:sp>
-      <p:sp>
-        <p:nvSpPr>
-          <p:cNvPr id="97" name="Google Shape;97;p19"/>
-          <p:cNvSpPr txBox="1">
-            <a:spLocks noGrp="1"/>
-          </p:cNvSpPr>
-          <p:nvPr>
-            <p:ph type="body" idx="1"/>
-          </p:nvPr>
-        </p:nvSpPr>
-        <p:spPr>
-          <a:xfrm>
-            <a:off x="311700" y="1152475"/>
-            <a:ext cx="5040000" cy="3416400"/>
-          </a:xfrm>
-          <a:prstGeom prst="rect">
-            <a:avLst/>
-          </a:prstGeom>
-        </p:spPr>
-        <p:txBody>
-          <a:bodyPr spcFirstLastPara="1" wrap="square" lIns="91425" tIns="91425" rIns="91425" bIns="91425" anchor="t" anchorCtr="0">
-            <a:noAutofit/>
-          </a:bodyPr>
-          <a:lstStyle/>
-          <a:p>
-            <a:pPr marL="0" lvl="0" indent="0" algn="l" rtl="0">
-              <a:spcBef>
-                <a:spcPts val="0"/>
-              </a:spcBef>
-              <a:spcAft>
-                <a:spcPts val="1600"/>
-              </a:spcAft>
-              <a:buNone/>
-            </a:pPr>
             <a:endParaRPr/>
           </a:p>
         </p:txBody>
